--- a/TRABALHOS/MERGE SORT/Algoritmos de ordenação.pptx
+++ b/TRABALHOS/MERGE SORT/Algoritmos de ordenação.pptx
@@ -1,54 +1,54 @@
 
 <file path=ppt/presentation.xml><?xml version="1.0" encoding="utf-8"?>
-<p:presentation xmlns:a="http://schemas.openxmlformats.org/drawingml/2006/main" xmlns:r="http://schemas.openxmlformats.org/officeDocument/2006/relationships" xmlns:mc="http://schemas.openxmlformats.org/markup-compatibility/2006" xmlns:mv="urn:schemas-microsoft-com:mac:vml" xmlns:p="http://schemas.openxmlformats.org/presentationml/2006/main" xmlns:c="http://schemas.openxmlformats.org/drawingml/2006/chart" xmlns:dgm="http://schemas.openxmlformats.org/drawingml/2006/diagram" xmlns:o="urn:schemas-microsoft-com:office:office" xmlns:v="urn:schemas-microsoft-com:vml" xmlns:pvml="urn:schemas-microsoft-com:office:powerpoint" xmlns:com="http://schemas.openxmlformats.org/drawingml/2006/compatibility" xmlns:p14="http://schemas.microsoft.com/office/powerpoint/2010/main" xmlns:p15="http://schemas.microsoft.com/office/powerpoint/2012/main" autoCompressPictures="0" embedTrueTypeFonts="1" strictFirstAndLastChars="0" saveSubsetFonts="1">
+<p:presentation xmlns:a="http://schemas.openxmlformats.org/drawingml/2006/main" xmlns:r="http://schemas.openxmlformats.org/officeDocument/2006/relationships" xmlns:p="http://schemas.openxmlformats.org/presentationml/2006/main" strictFirstAndLastChars="0" embedTrueTypeFonts="1" saveSubsetFonts="1" autoCompressPictures="0">
   <p:sldMasterIdLst>
-    <p:sldMasterId id="2147483659" r:id="rId4"/>
+    <p:sldMasterId id="2147483659" r:id="rId1"/>
   </p:sldMasterIdLst>
   <p:notesMasterIdLst>
-    <p:notesMasterId r:id="rId5"/>
+    <p:notesMasterId r:id="rId22"/>
   </p:notesMasterIdLst>
   <p:sldIdLst>
-    <p:sldId id="256" r:id="rId6"/>
-    <p:sldId id="257" r:id="rId7"/>
-    <p:sldId id="258" r:id="rId8"/>
-    <p:sldId id="259" r:id="rId9"/>
-    <p:sldId id="260" r:id="rId10"/>
-    <p:sldId id="261" r:id="rId11"/>
-    <p:sldId id="262" r:id="rId12"/>
-    <p:sldId id="263" r:id="rId13"/>
-    <p:sldId id="264" r:id="rId14"/>
-    <p:sldId id="265" r:id="rId15"/>
-    <p:sldId id="266" r:id="rId16"/>
-    <p:sldId id="267" r:id="rId17"/>
-    <p:sldId id="268" r:id="rId18"/>
-    <p:sldId id="269" r:id="rId19"/>
-    <p:sldId id="270" r:id="rId20"/>
-    <p:sldId id="271" r:id="rId21"/>
-    <p:sldId id="272" r:id="rId22"/>
-    <p:sldId id="273" r:id="rId23"/>
-    <p:sldId id="274" r:id="rId24"/>
-    <p:sldId id="275" r:id="rId25"/>
+    <p:sldId id="256" r:id="rId2"/>
+    <p:sldId id="257" r:id="rId3"/>
+    <p:sldId id="258" r:id="rId4"/>
+    <p:sldId id="259" r:id="rId5"/>
+    <p:sldId id="260" r:id="rId6"/>
+    <p:sldId id="261" r:id="rId7"/>
+    <p:sldId id="262" r:id="rId8"/>
+    <p:sldId id="263" r:id="rId9"/>
+    <p:sldId id="264" r:id="rId10"/>
+    <p:sldId id="265" r:id="rId11"/>
+    <p:sldId id="266" r:id="rId12"/>
+    <p:sldId id="267" r:id="rId13"/>
+    <p:sldId id="268" r:id="rId14"/>
+    <p:sldId id="269" r:id="rId15"/>
+    <p:sldId id="270" r:id="rId16"/>
+    <p:sldId id="271" r:id="rId17"/>
+    <p:sldId id="272" r:id="rId18"/>
+    <p:sldId id="273" r:id="rId19"/>
+    <p:sldId id="274" r:id="rId20"/>
+    <p:sldId id="275" r:id="rId21"/>
   </p:sldIdLst>
-  <p:sldSz cy="5143500" cx="9144000"/>
+  <p:sldSz cx="9144000" cy="5143500" type="screen16x9"/>
   <p:notesSz cx="6858000" cy="9144000"/>
   <p:embeddedFontLst>
     <p:embeddedFont>
-      <p:font typeface="Economica"/>
-      <p:regular r:id="rId26"/>
-      <p:bold r:id="rId27"/>
-      <p:italic r:id="rId28"/>
-      <p:boldItalic r:id="rId29"/>
+      <p:font typeface="Open Sans" panose="020B0604020202020204" charset="0"/>
+      <p:regular r:id="rId23"/>
+      <p:bold r:id="rId24"/>
+      <p:italic r:id="rId25"/>
+      <p:boldItalic r:id="rId26"/>
     </p:embeddedFont>
     <p:embeddedFont>
-      <p:font typeface="Open Sans"/>
-      <p:regular r:id="rId30"/>
-      <p:bold r:id="rId31"/>
-      <p:italic r:id="rId32"/>
-      <p:boldItalic r:id="rId33"/>
+      <p:font typeface="Economica" panose="020B0604020202020204" charset="0"/>
+      <p:regular r:id="rId27"/>
+      <p:bold r:id="rId28"/>
+      <p:italic r:id="rId29"/>
+      <p:boldItalic r:id="rId30"/>
     </p:embeddedFont>
   </p:embeddedFontLst>
   <p:defaultTextStyle>
-    <a:defPPr lvl="0" marR="0" rtl="0" algn="l">
+    <a:defPPr marR="0" lvl="0" algn="l" rtl="0">
       <a:lnSpc>
         <a:spcPct val="100000"/>
       </a:lnSpc>
@@ -59,7 +59,7 @@
         <a:spcPts val="0"/>
       </a:spcAft>
     </a:defPPr>
-    <a:lvl1pPr lvl="0" marR="0" rtl="0" algn="l">
+    <a:lvl1pPr marR="0" lvl="0" algn="l" rtl="0">
       <a:lnSpc>
         <a:spcPct val="100000"/>
       </a:lnSpc>
@@ -73,7 +73,7 @@
         <a:srgbClr val="000000"/>
       </a:buClr>
       <a:buFont typeface="Arial"/>
-      <a:defRPr b="0" i="0" sz="1400" u="none" cap="none" strike="noStrike">
+      <a:defRPr sz="1400" b="0" i="0" u="none" strike="noStrike" cap="none">
         <a:solidFill>
           <a:srgbClr val="000000"/>
         </a:solidFill>
@@ -83,7 +83,7 @@
         <a:sym typeface="Arial"/>
       </a:defRPr>
     </a:lvl1pPr>
-    <a:lvl2pPr lvl="1" marR="0" rtl="0" algn="l">
+    <a:lvl2pPr marR="0" lvl="1" algn="l" rtl="0">
       <a:lnSpc>
         <a:spcPct val="100000"/>
       </a:lnSpc>
@@ -97,7 +97,7 @@
         <a:srgbClr val="000000"/>
       </a:buClr>
       <a:buFont typeface="Arial"/>
-      <a:defRPr b="0" i="0" sz="1400" u="none" cap="none" strike="noStrike">
+      <a:defRPr sz="1400" b="0" i="0" u="none" strike="noStrike" cap="none">
         <a:solidFill>
           <a:srgbClr val="000000"/>
         </a:solidFill>
@@ -107,7 +107,7 @@
         <a:sym typeface="Arial"/>
       </a:defRPr>
     </a:lvl2pPr>
-    <a:lvl3pPr lvl="2" marR="0" rtl="0" algn="l">
+    <a:lvl3pPr marR="0" lvl="2" algn="l" rtl="0">
       <a:lnSpc>
         <a:spcPct val="100000"/>
       </a:lnSpc>
@@ -121,7 +121,7 @@
         <a:srgbClr val="000000"/>
       </a:buClr>
       <a:buFont typeface="Arial"/>
-      <a:defRPr b="0" i="0" sz="1400" u="none" cap="none" strike="noStrike">
+      <a:defRPr sz="1400" b="0" i="0" u="none" strike="noStrike" cap="none">
         <a:solidFill>
           <a:srgbClr val="000000"/>
         </a:solidFill>
@@ -131,7 +131,7 @@
         <a:sym typeface="Arial"/>
       </a:defRPr>
     </a:lvl3pPr>
-    <a:lvl4pPr lvl="3" marR="0" rtl="0" algn="l">
+    <a:lvl4pPr marR="0" lvl="3" algn="l" rtl="0">
       <a:lnSpc>
         <a:spcPct val="100000"/>
       </a:lnSpc>
@@ -145,7 +145,7 @@
         <a:srgbClr val="000000"/>
       </a:buClr>
       <a:buFont typeface="Arial"/>
-      <a:defRPr b="0" i="0" sz="1400" u="none" cap="none" strike="noStrike">
+      <a:defRPr sz="1400" b="0" i="0" u="none" strike="noStrike" cap="none">
         <a:solidFill>
           <a:srgbClr val="000000"/>
         </a:solidFill>
@@ -155,7 +155,7 @@
         <a:sym typeface="Arial"/>
       </a:defRPr>
     </a:lvl4pPr>
-    <a:lvl5pPr lvl="4" marR="0" rtl="0" algn="l">
+    <a:lvl5pPr marR="0" lvl="4" algn="l" rtl="0">
       <a:lnSpc>
         <a:spcPct val="100000"/>
       </a:lnSpc>
@@ -169,7 +169,7 @@
         <a:srgbClr val="000000"/>
       </a:buClr>
       <a:buFont typeface="Arial"/>
-      <a:defRPr b="0" i="0" sz="1400" u="none" cap="none" strike="noStrike">
+      <a:defRPr sz="1400" b="0" i="0" u="none" strike="noStrike" cap="none">
         <a:solidFill>
           <a:srgbClr val="000000"/>
         </a:solidFill>
@@ -179,7 +179,7 @@
         <a:sym typeface="Arial"/>
       </a:defRPr>
     </a:lvl5pPr>
-    <a:lvl6pPr lvl="5" marR="0" rtl="0" algn="l">
+    <a:lvl6pPr marR="0" lvl="5" algn="l" rtl="0">
       <a:lnSpc>
         <a:spcPct val="100000"/>
       </a:lnSpc>
@@ -193,7 +193,7 @@
         <a:srgbClr val="000000"/>
       </a:buClr>
       <a:buFont typeface="Arial"/>
-      <a:defRPr b="0" i="0" sz="1400" u="none" cap="none" strike="noStrike">
+      <a:defRPr sz="1400" b="0" i="0" u="none" strike="noStrike" cap="none">
         <a:solidFill>
           <a:srgbClr val="000000"/>
         </a:solidFill>
@@ -203,7 +203,7 @@
         <a:sym typeface="Arial"/>
       </a:defRPr>
     </a:lvl6pPr>
-    <a:lvl7pPr lvl="6" marR="0" rtl="0" algn="l">
+    <a:lvl7pPr marR="0" lvl="6" algn="l" rtl="0">
       <a:lnSpc>
         <a:spcPct val="100000"/>
       </a:lnSpc>
@@ -217,7 +217,7 @@
         <a:srgbClr val="000000"/>
       </a:buClr>
       <a:buFont typeface="Arial"/>
-      <a:defRPr b="0" i="0" sz="1400" u="none" cap="none" strike="noStrike">
+      <a:defRPr sz="1400" b="0" i="0" u="none" strike="noStrike" cap="none">
         <a:solidFill>
           <a:srgbClr val="000000"/>
         </a:solidFill>
@@ -227,7 +227,7 @@
         <a:sym typeface="Arial"/>
       </a:defRPr>
     </a:lvl7pPr>
-    <a:lvl8pPr lvl="7" marR="0" rtl="0" algn="l">
+    <a:lvl8pPr marR="0" lvl="7" algn="l" rtl="0">
       <a:lnSpc>
         <a:spcPct val="100000"/>
       </a:lnSpc>
@@ -241,7 +241,7 @@
         <a:srgbClr val="000000"/>
       </a:buClr>
       <a:buFont typeface="Arial"/>
-      <a:defRPr b="0" i="0" sz="1400" u="none" cap="none" strike="noStrike">
+      <a:defRPr sz="1400" b="0" i="0" u="none" strike="noStrike" cap="none">
         <a:solidFill>
           <a:srgbClr val="000000"/>
         </a:solidFill>
@@ -251,7 +251,7 @@
         <a:sym typeface="Arial"/>
       </a:defRPr>
     </a:lvl8pPr>
-    <a:lvl9pPr lvl="8" marR="0" rtl="0" algn="l">
+    <a:lvl9pPr marR="0" lvl="8" algn="l" rtl="0">
       <a:lnSpc>
         <a:spcPct val="100000"/>
       </a:lnSpc>
@@ -265,7 +265,7 @@
         <a:srgbClr val="000000"/>
       </a:buClr>
       <a:buFont typeface="Arial"/>
-      <a:defRPr b="0" i="0" sz="1400" u="none" cap="none" strike="noStrike">
+      <a:defRPr sz="1400" b="0" i="0" u="none" strike="noStrike" cap="none">
         <a:solidFill>
           <a:srgbClr val="000000"/>
         </a:solidFill>
@@ -276,15 +276,25 @@
       </a:defRPr>
     </a:lvl9pPr>
   </p:defaultTextStyle>
+  <p:extLst>
+    <p:ext uri="{EFAFB233-063F-42B5-8137-9DF3F51BA10A}">
+      <p15:sldGuideLst xmlns:p15="http://schemas.microsoft.com/office/powerpoint/2012/main"/>
+    </p:ext>
+  </p:extLst>
 </p:presentation>
 </file>
 
 <file path=ppt/notesMasters/notesMaster1.xml><?xml version="1.0" encoding="utf-8"?>
-<p:notesMaster xmlns:a="http://schemas.openxmlformats.org/drawingml/2006/main" xmlns:r="http://schemas.openxmlformats.org/officeDocument/2006/relationships" xmlns:mc="http://schemas.openxmlformats.org/markup-compatibility/2006" xmlns:mv="urn:schemas-microsoft-com:mac:vml" xmlns:p="http://schemas.openxmlformats.org/presentationml/2006/main" xmlns:c="http://schemas.openxmlformats.org/drawingml/2006/chart" xmlns:dgm="http://schemas.openxmlformats.org/drawingml/2006/diagram" xmlns:o="urn:schemas-microsoft-com:office:office" xmlns:v="urn:schemas-microsoft-com:vml" xmlns:pvml="urn:schemas-microsoft-com:office:powerpoint" xmlns:com="http://schemas.openxmlformats.org/drawingml/2006/compatibility" xmlns:p14="http://schemas.microsoft.com/office/powerpoint/2010/main" xmlns:p15="http://schemas.microsoft.com/office/powerpoint/2012/main">
+<p:notesMaster xmlns:a="http://schemas.openxmlformats.org/drawingml/2006/main" xmlns:r="http://schemas.openxmlformats.org/officeDocument/2006/relationships" xmlns:p="http://schemas.openxmlformats.org/presentationml/2006/main">
   <p:cSld>
+    <p:bg>
+      <p:bgRef idx="1001">
+        <a:schemeClr val="bg1"/>
+      </p:bgRef>
+    </p:bg>
     <p:spTree>
       <p:nvGrpSpPr>
-        <p:cNvPr id="2" name="Shape 2"/>
+        <p:cNvPr id="1" name="Shape 2"/>
         <p:cNvGrpSpPr/>
         <p:nvPr/>
       </p:nvGrpSpPr>
@@ -299,9 +309,11 @@
       <p:sp>
         <p:nvSpPr>
           <p:cNvPr id="3" name="Shape 3"/>
-          <p:cNvSpPr/>
+          <p:cNvSpPr>
+            <a:spLocks noGrp="1" noRot="1" noChangeAspect="1"/>
+          </p:cNvSpPr>
           <p:nvPr>
-            <p:ph idx="2" type="sldImg"/>
+            <p:ph type="sldImg" idx="2"/>
           </p:nvPr>
         </p:nvSpPr>
         <p:spPr>
@@ -310,8 +322,13 @@
             <a:ext cx="6096075" cy="3429000"/>
           </a:xfrm>
           <a:custGeom>
+            <a:avLst/>
+            <a:gdLst/>
+            <a:ahLst/>
+            <a:cxnLst/>
+            <a:rect l="0" t="0" r="0" b="0"/>
             <a:pathLst>
-              <a:path extrusionOk="0" h="120000" w="120000">
+              <a:path w="120000" h="120000" extrusionOk="0">
                 <a:moveTo>
                   <a:pt x="0" y="0"/>
                 </a:moveTo>
@@ -329,23 +346,25 @@
             </a:pathLst>
           </a:custGeom>
           <a:noFill/>
-          <a:ln cap="flat" cmpd="sng" w="9525">
+          <a:ln w="9525" cap="flat" cmpd="sng">
             <a:solidFill>
               <a:srgbClr val="000000"/>
             </a:solidFill>
             <a:prstDash val="solid"/>
             <a:round/>
-            <a:headEnd len="sm" w="sm" type="none"/>
-            <a:tailEnd len="sm" w="sm" type="none"/>
+            <a:headEnd type="none" w="sm" len="sm"/>
+            <a:tailEnd type="none" w="sm" len="sm"/>
           </a:ln>
         </p:spPr>
       </p:sp>
       <p:sp>
         <p:nvSpPr>
           <p:cNvPr id="4" name="Shape 4"/>
-          <p:cNvSpPr txBox="1"/>
+          <p:cNvSpPr txBox="1">
+            <a:spLocks noGrp="1"/>
+          </p:cNvSpPr>
           <p:nvPr>
-            <p:ph idx="1" type="body"/>
+            <p:ph type="body" idx="1"/>
           </p:nvPr>
         </p:nvSpPr>
         <p:spPr>
@@ -362,9 +381,9 @@
           </a:ln>
         </p:spPr>
         <p:txBody>
-          <a:bodyPr anchorCtr="0" anchor="t" bIns="91425" lIns="91425" spcFirstLastPara="1" rIns="91425" wrap="square" tIns="91425"/>
+          <a:bodyPr spcFirstLastPara="1" wrap="square" lIns="91425" tIns="91425" rIns="91425" bIns="91425" anchor="t" anchorCtr="0"/>
           <a:lstStyle>
-            <a:lvl1pPr indent="-317500" lvl="0" marL="457200">
+            <a:lvl1pPr marL="457200" lvl="0" indent="-317500">
               <a:spcBef>
                 <a:spcPts val="0"/>
               </a:spcBef>
@@ -375,7 +394,7 @@
               <a:buChar char="●"/>
               <a:defRPr sz="1100"/>
             </a:lvl1pPr>
-            <a:lvl2pPr indent="-317500" lvl="1" marL="914400">
+            <a:lvl2pPr marL="914400" lvl="1" indent="-317500">
               <a:spcBef>
                 <a:spcPts val="0"/>
               </a:spcBef>
@@ -386,7 +405,7 @@
               <a:buChar char="○"/>
               <a:defRPr sz="1100"/>
             </a:lvl2pPr>
-            <a:lvl3pPr indent="-317500" lvl="2" marL="1371600">
+            <a:lvl3pPr marL="1371600" lvl="2" indent="-317500">
               <a:spcBef>
                 <a:spcPts val="0"/>
               </a:spcBef>
@@ -397,7 +416,7 @@
               <a:buChar char="■"/>
               <a:defRPr sz="1100"/>
             </a:lvl3pPr>
-            <a:lvl4pPr indent="-317500" lvl="3" marL="1828800">
+            <a:lvl4pPr marL="1828800" lvl="3" indent="-317500">
               <a:spcBef>
                 <a:spcPts val="0"/>
               </a:spcBef>
@@ -408,7 +427,7 @@
               <a:buChar char="●"/>
               <a:defRPr sz="1100"/>
             </a:lvl4pPr>
-            <a:lvl5pPr indent="-317500" lvl="4" marL="2286000">
+            <a:lvl5pPr marL="2286000" lvl="4" indent="-317500">
               <a:spcBef>
                 <a:spcPts val="0"/>
               </a:spcBef>
@@ -419,7 +438,7 @@
               <a:buChar char="○"/>
               <a:defRPr sz="1100"/>
             </a:lvl5pPr>
-            <a:lvl6pPr indent="-317500" lvl="5" marL="2743200">
+            <a:lvl6pPr marL="2743200" lvl="5" indent="-317500">
               <a:spcBef>
                 <a:spcPts val="0"/>
               </a:spcBef>
@@ -430,7 +449,7 @@
               <a:buChar char="■"/>
               <a:defRPr sz="1100"/>
             </a:lvl6pPr>
-            <a:lvl7pPr indent="-317500" lvl="6" marL="3200400">
+            <a:lvl7pPr marL="3200400" lvl="6" indent="-317500">
               <a:spcBef>
                 <a:spcPts val="0"/>
               </a:spcBef>
@@ -441,7 +460,7 @@
               <a:buChar char="●"/>
               <a:defRPr sz="1100"/>
             </a:lvl7pPr>
-            <a:lvl8pPr indent="-317500" lvl="7" marL="3657600">
+            <a:lvl8pPr marL="3657600" lvl="7" indent="-317500">
               <a:spcBef>
                 <a:spcPts val="0"/>
               </a:spcBef>
@@ -452,7 +471,7 @@
               <a:buChar char="○"/>
               <a:defRPr sz="1100"/>
             </a:lvl8pPr>
-            <a:lvl9pPr indent="-317500" lvl="8" marL="4114800">
+            <a:lvl9pPr marL="4114800" lvl="8" indent="-317500">
               <a:spcBef>
                 <a:spcPts val="0"/>
               </a:spcBef>
@@ -464,14 +483,21 @@
               <a:defRPr sz="1100"/>
             </a:lvl9pPr>
           </a:lstStyle>
-          <a:p/>
+          <a:p>
+            <a:endParaRPr/>
+          </a:p>
         </p:txBody>
       </p:sp>
     </p:spTree>
+    <p:extLst>
+      <p:ext uri="{BB962C8B-B14F-4D97-AF65-F5344CB8AC3E}">
+        <p14:creationId xmlns:p14="http://schemas.microsoft.com/office/powerpoint/2010/main" val="1847528946"/>
+      </p:ext>
+    </p:extLst>
   </p:cSld>
-  <p:clrMap accent1="accent1" accent2="accent2" accent3="accent3" accent4="accent4" accent5="accent5" accent6="accent6" bg1="lt1" bg2="dk2" tx1="dk1" tx2="lt2" folHlink="folHlink" hlink="hlink"/>
+  <p:clrMap bg1="lt1" tx1="dk1" bg2="dk2" tx2="lt2" accent1="accent1" accent2="accent2" accent3="accent3" accent4="accent4" accent5="accent5" accent6="accent6" hlink="hlink" folHlink="folHlink"/>
   <p:notesStyle>
-    <a:defPPr lvl="0" marR="0" rtl="0" algn="l">
+    <a:defPPr marR="0" lvl="0" algn="l" rtl="0">
       <a:lnSpc>
         <a:spcPct val="100000"/>
       </a:lnSpc>
@@ -482,7 +508,7 @@
         <a:spcPts val="0"/>
       </a:spcAft>
     </a:defPPr>
-    <a:lvl1pPr lvl="0" marR="0" rtl="0" algn="l">
+    <a:lvl1pPr marR="0" lvl="0" algn="l" rtl="0">
       <a:lnSpc>
         <a:spcPct val="100000"/>
       </a:lnSpc>
@@ -496,7 +522,7 @@
         <a:srgbClr val="000000"/>
       </a:buClr>
       <a:buFont typeface="Arial"/>
-      <a:defRPr b="0" i="0" sz="1400" u="none" cap="none" strike="noStrike">
+      <a:defRPr sz="1400" b="0" i="0" u="none" strike="noStrike" cap="none">
         <a:solidFill>
           <a:srgbClr val="000000"/>
         </a:solidFill>
@@ -506,7 +532,7 @@
         <a:sym typeface="Arial"/>
       </a:defRPr>
     </a:lvl1pPr>
-    <a:lvl2pPr lvl="1" marR="0" rtl="0" algn="l">
+    <a:lvl2pPr marR="0" lvl="1" algn="l" rtl="0">
       <a:lnSpc>
         <a:spcPct val="100000"/>
       </a:lnSpc>
@@ -520,7 +546,7 @@
         <a:srgbClr val="000000"/>
       </a:buClr>
       <a:buFont typeface="Arial"/>
-      <a:defRPr b="0" i="0" sz="1400" u="none" cap="none" strike="noStrike">
+      <a:defRPr sz="1400" b="0" i="0" u="none" strike="noStrike" cap="none">
         <a:solidFill>
           <a:srgbClr val="000000"/>
         </a:solidFill>
@@ -530,7 +556,7 @@
         <a:sym typeface="Arial"/>
       </a:defRPr>
     </a:lvl2pPr>
-    <a:lvl3pPr lvl="2" marR="0" rtl="0" algn="l">
+    <a:lvl3pPr marR="0" lvl="2" algn="l" rtl="0">
       <a:lnSpc>
         <a:spcPct val="100000"/>
       </a:lnSpc>
@@ -544,7 +570,7 @@
         <a:srgbClr val="000000"/>
       </a:buClr>
       <a:buFont typeface="Arial"/>
-      <a:defRPr b="0" i="0" sz="1400" u="none" cap="none" strike="noStrike">
+      <a:defRPr sz="1400" b="0" i="0" u="none" strike="noStrike" cap="none">
         <a:solidFill>
           <a:srgbClr val="000000"/>
         </a:solidFill>
@@ -554,7 +580,7 @@
         <a:sym typeface="Arial"/>
       </a:defRPr>
     </a:lvl3pPr>
-    <a:lvl4pPr lvl="3" marR="0" rtl="0" algn="l">
+    <a:lvl4pPr marR="0" lvl="3" algn="l" rtl="0">
       <a:lnSpc>
         <a:spcPct val="100000"/>
       </a:lnSpc>
@@ -568,7 +594,7 @@
         <a:srgbClr val="000000"/>
       </a:buClr>
       <a:buFont typeface="Arial"/>
-      <a:defRPr b="0" i="0" sz="1400" u="none" cap="none" strike="noStrike">
+      <a:defRPr sz="1400" b="0" i="0" u="none" strike="noStrike" cap="none">
         <a:solidFill>
           <a:srgbClr val="000000"/>
         </a:solidFill>
@@ -578,7 +604,7 @@
         <a:sym typeface="Arial"/>
       </a:defRPr>
     </a:lvl4pPr>
-    <a:lvl5pPr lvl="4" marR="0" rtl="0" algn="l">
+    <a:lvl5pPr marR="0" lvl="4" algn="l" rtl="0">
       <a:lnSpc>
         <a:spcPct val="100000"/>
       </a:lnSpc>
@@ -592,7 +618,7 @@
         <a:srgbClr val="000000"/>
       </a:buClr>
       <a:buFont typeface="Arial"/>
-      <a:defRPr b="0" i="0" sz="1400" u="none" cap="none" strike="noStrike">
+      <a:defRPr sz="1400" b="0" i="0" u="none" strike="noStrike" cap="none">
         <a:solidFill>
           <a:srgbClr val="000000"/>
         </a:solidFill>
@@ -602,7 +628,7 @@
         <a:sym typeface="Arial"/>
       </a:defRPr>
     </a:lvl5pPr>
-    <a:lvl6pPr lvl="5" marR="0" rtl="0" algn="l">
+    <a:lvl6pPr marR="0" lvl="5" algn="l" rtl="0">
       <a:lnSpc>
         <a:spcPct val="100000"/>
       </a:lnSpc>
@@ -616,7 +642,7 @@
         <a:srgbClr val="000000"/>
       </a:buClr>
       <a:buFont typeface="Arial"/>
-      <a:defRPr b="0" i="0" sz="1400" u="none" cap="none" strike="noStrike">
+      <a:defRPr sz="1400" b="0" i="0" u="none" strike="noStrike" cap="none">
         <a:solidFill>
           <a:srgbClr val="000000"/>
         </a:solidFill>
@@ -626,7 +652,7 @@
         <a:sym typeface="Arial"/>
       </a:defRPr>
     </a:lvl6pPr>
-    <a:lvl7pPr lvl="6" marR="0" rtl="0" algn="l">
+    <a:lvl7pPr marR="0" lvl="6" algn="l" rtl="0">
       <a:lnSpc>
         <a:spcPct val="100000"/>
       </a:lnSpc>
@@ -640,7 +666,7 @@
         <a:srgbClr val="000000"/>
       </a:buClr>
       <a:buFont typeface="Arial"/>
-      <a:defRPr b="0" i="0" sz="1400" u="none" cap="none" strike="noStrike">
+      <a:defRPr sz="1400" b="0" i="0" u="none" strike="noStrike" cap="none">
         <a:solidFill>
           <a:srgbClr val="000000"/>
         </a:solidFill>
@@ -650,7 +676,7 @@
         <a:sym typeface="Arial"/>
       </a:defRPr>
     </a:lvl7pPr>
-    <a:lvl8pPr lvl="7" marR="0" rtl="0" algn="l">
+    <a:lvl8pPr marR="0" lvl="7" algn="l" rtl="0">
       <a:lnSpc>
         <a:spcPct val="100000"/>
       </a:lnSpc>
@@ -664,7 +690,7 @@
         <a:srgbClr val="000000"/>
       </a:buClr>
       <a:buFont typeface="Arial"/>
-      <a:defRPr b="0" i="0" sz="1400" u="none" cap="none" strike="noStrike">
+      <a:defRPr sz="1400" b="0" i="0" u="none" strike="noStrike" cap="none">
         <a:solidFill>
           <a:srgbClr val="000000"/>
         </a:solidFill>
@@ -674,7 +700,7 @@
         <a:sym typeface="Arial"/>
       </a:defRPr>
     </a:lvl8pPr>
-    <a:lvl9pPr lvl="8" marR="0" rtl="0" algn="l">
+    <a:lvl9pPr marR="0" lvl="8" algn="l" rtl="0">
       <a:lnSpc>
         <a:spcPct val="100000"/>
       </a:lnSpc>
@@ -688,7 +714,7 @@
         <a:srgbClr val="000000"/>
       </a:buClr>
       <a:buFont typeface="Arial"/>
-      <a:defRPr b="0" i="0" sz="1400" u="none" cap="none" strike="noStrike">
+      <a:defRPr sz="1400" b="0" i="0" u="none" strike="noStrike" cap="none">
         <a:solidFill>
           <a:srgbClr val="000000"/>
         </a:solidFill>
@@ -703,11 +729,11 @@
 </file>
 
 <file path=ppt/notesSlides/notesSlide1.xml><?xml version="1.0" encoding="utf-8"?>
-<p:notes xmlns:a="http://schemas.openxmlformats.org/drawingml/2006/main" xmlns:r="http://schemas.openxmlformats.org/officeDocument/2006/relationships" xmlns:mc="http://schemas.openxmlformats.org/markup-compatibility/2006" xmlns:mv="urn:schemas-microsoft-com:mac:vml" xmlns:p="http://schemas.openxmlformats.org/presentationml/2006/main" xmlns:c="http://schemas.openxmlformats.org/drawingml/2006/chart" xmlns:dgm="http://schemas.openxmlformats.org/drawingml/2006/diagram" xmlns:o="urn:schemas-microsoft-com:office:office" xmlns:v="urn:schemas-microsoft-com:vml" xmlns:pvml="urn:schemas-microsoft-com:office:powerpoint" xmlns:com="http://schemas.openxmlformats.org/drawingml/2006/compatibility" xmlns:p14="http://schemas.microsoft.com/office/powerpoint/2010/main" xmlns:p15="http://schemas.microsoft.com/office/powerpoint/2012/main" showMasterPhAnim="0" showMasterSp="0">
+<p:notes xmlns:a="http://schemas.openxmlformats.org/drawingml/2006/main" xmlns:r="http://schemas.openxmlformats.org/officeDocument/2006/relationships" xmlns:p="http://schemas.openxmlformats.org/presentationml/2006/main" showMasterSp="0" showMasterPhAnim="0">
   <p:cSld>
     <p:spTree>
       <p:nvGrpSpPr>
-        <p:cNvPr id="58" name="Shape 58"/>
+        <p:cNvPr id="1" name="Shape 58"/>
         <p:cNvGrpSpPr/>
         <p:nvPr/>
       </p:nvGrpSpPr>
@@ -722,9 +748,11 @@
       <p:sp>
         <p:nvSpPr>
           <p:cNvPr id="59" name="Shape 59"/>
-          <p:cNvSpPr/>
+          <p:cNvSpPr>
+            <a:spLocks noGrp="1" noRot="1" noChangeAspect="1"/>
+          </p:cNvSpPr>
           <p:nvPr>
-            <p:ph idx="2" type="sldImg"/>
+            <p:ph type="sldImg" idx="2"/>
           </p:nvPr>
         </p:nvSpPr>
         <p:spPr>
@@ -733,8 +761,13 @@
             <a:ext cx="6096075" cy="3429000"/>
           </a:xfrm>
           <a:custGeom>
+            <a:avLst/>
+            <a:gdLst/>
+            <a:ahLst/>
+            <a:cxnLst/>
+            <a:rect l="0" t="0" r="0" b="0"/>
             <a:pathLst>
-              <a:path extrusionOk="0" h="120000" w="120000">
+              <a:path w="120000" h="120000" extrusionOk="0">
                 <a:moveTo>
                   <a:pt x="0" y="0"/>
                 </a:moveTo>
@@ -756,9 +789,11 @@
       <p:sp>
         <p:nvSpPr>
           <p:cNvPr id="60" name="Shape 60"/>
-          <p:cNvSpPr txBox="1"/>
+          <p:cNvSpPr txBox="1">
+            <a:spLocks noGrp="1"/>
+          </p:cNvSpPr>
           <p:nvPr>
-            <p:ph idx="1" type="body"/>
+            <p:ph type="body" idx="1"/>
           </p:nvPr>
         </p:nvSpPr>
         <p:spPr>
@@ -771,12 +806,12 @@
           </a:prstGeom>
         </p:spPr>
         <p:txBody>
-          <a:bodyPr anchorCtr="0" anchor="t" bIns="91425" lIns="91425" spcFirstLastPara="1" rIns="91425" wrap="square" tIns="91425">
+          <a:bodyPr spcFirstLastPara="1" wrap="square" lIns="91425" tIns="91425" rIns="91425" bIns="91425" anchor="t" anchorCtr="0">
             <a:noAutofit/>
           </a:bodyPr>
           <a:lstStyle/>
           <a:p>
-            <a:pPr indent="0" lvl="0" marL="0">
+            <a:pPr marL="0" lvl="0" indent="0">
               <a:spcBef>
                 <a:spcPts val="0"/>
               </a:spcBef>
@@ -785,14 +820,16 @@
               </a:spcAft>
               <a:buNone/>
             </a:pPr>
-            <a:r>
-              <a:t/>
-            </a:r>
             <a:endParaRPr/>
           </a:p>
         </p:txBody>
       </p:sp>
     </p:spTree>
+    <p:extLst>
+      <p:ext uri="{BB962C8B-B14F-4D97-AF65-F5344CB8AC3E}">
+        <p14:creationId xmlns:p14="http://schemas.microsoft.com/office/powerpoint/2010/main" val="3445938234"/>
+      </p:ext>
+    </p:extLst>
   </p:cSld>
   <p:clrMapOvr>
     <a:masterClrMapping/>
@@ -801,11 +838,11 @@
 </file>
 
 <file path=ppt/notesSlides/notesSlide10.xml><?xml version="1.0" encoding="utf-8"?>
-<p:notes xmlns:a="http://schemas.openxmlformats.org/drawingml/2006/main" xmlns:r="http://schemas.openxmlformats.org/officeDocument/2006/relationships" xmlns:mc="http://schemas.openxmlformats.org/markup-compatibility/2006" xmlns:mv="urn:schemas-microsoft-com:mac:vml" xmlns:p="http://schemas.openxmlformats.org/presentationml/2006/main" xmlns:c="http://schemas.openxmlformats.org/drawingml/2006/chart" xmlns:dgm="http://schemas.openxmlformats.org/drawingml/2006/diagram" xmlns:o="urn:schemas-microsoft-com:office:office" xmlns:v="urn:schemas-microsoft-com:vml" xmlns:pvml="urn:schemas-microsoft-com:office:powerpoint" xmlns:com="http://schemas.openxmlformats.org/drawingml/2006/compatibility" xmlns:p14="http://schemas.microsoft.com/office/powerpoint/2010/main" xmlns:p15="http://schemas.microsoft.com/office/powerpoint/2012/main" showMasterPhAnim="0" showMasterSp="0">
+<p:notes xmlns:a="http://schemas.openxmlformats.org/drawingml/2006/main" xmlns:r="http://schemas.openxmlformats.org/officeDocument/2006/relationships" xmlns:p="http://schemas.openxmlformats.org/presentationml/2006/main" showMasterSp="0" showMasterPhAnim="0">
   <p:cSld>
     <p:spTree>
       <p:nvGrpSpPr>
-        <p:cNvPr id="114" name="Shape 114"/>
+        <p:cNvPr id="1" name="Shape 114"/>
         <p:cNvGrpSpPr/>
         <p:nvPr/>
       </p:nvGrpSpPr>
@@ -820,9 +857,11 @@
       <p:sp>
         <p:nvSpPr>
           <p:cNvPr id="115" name="Shape 115"/>
-          <p:cNvSpPr/>
+          <p:cNvSpPr>
+            <a:spLocks noGrp="1" noRot="1" noChangeAspect="1"/>
+          </p:cNvSpPr>
           <p:nvPr>
-            <p:ph idx="2" type="sldImg"/>
+            <p:ph type="sldImg" idx="2"/>
           </p:nvPr>
         </p:nvSpPr>
         <p:spPr>
@@ -831,8 +870,13 @@
             <a:ext cx="6096000" cy="3429000"/>
           </a:xfrm>
           <a:custGeom>
+            <a:avLst/>
+            <a:gdLst/>
+            <a:ahLst/>
+            <a:cxnLst/>
+            <a:rect l="0" t="0" r="0" b="0"/>
             <a:pathLst>
-              <a:path extrusionOk="0" h="120000" w="120000">
+              <a:path w="120000" h="120000" extrusionOk="0">
                 <a:moveTo>
                   <a:pt x="0" y="0"/>
                 </a:moveTo>
@@ -854,9 +898,11 @@
       <p:sp>
         <p:nvSpPr>
           <p:cNvPr id="116" name="Shape 116"/>
-          <p:cNvSpPr txBox="1"/>
+          <p:cNvSpPr txBox="1">
+            <a:spLocks noGrp="1"/>
+          </p:cNvSpPr>
           <p:nvPr>
-            <p:ph idx="1" type="body"/>
+            <p:ph type="body" idx="1"/>
           </p:nvPr>
         </p:nvSpPr>
         <p:spPr>
@@ -869,12 +915,12 @@
           </a:prstGeom>
         </p:spPr>
         <p:txBody>
-          <a:bodyPr anchorCtr="0" anchor="t" bIns="91425" lIns="91425" spcFirstLastPara="1" rIns="91425" wrap="square" tIns="91425">
+          <a:bodyPr spcFirstLastPara="1" wrap="square" lIns="91425" tIns="91425" rIns="91425" bIns="91425" anchor="t" anchorCtr="0">
             <a:noAutofit/>
           </a:bodyPr>
           <a:lstStyle/>
           <a:p>
-            <a:pPr indent="0" lvl="0" marL="0">
+            <a:pPr marL="0" lvl="0" indent="0">
               <a:spcBef>
                 <a:spcPts val="0"/>
               </a:spcBef>
@@ -883,14 +929,16 @@
               </a:spcAft>
               <a:buNone/>
             </a:pPr>
-            <a:r>
-              <a:t/>
-            </a:r>
             <a:endParaRPr/>
           </a:p>
         </p:txBody>
       </p:sp>
     </p:spTree>
+    <p:extLst>
+      <p:ext uri="{BB962C8B-B14F-4D97-AF65-F5344CB8AC3E}">
+        <p14:creationId xmlns:p14="http://schemas.microsoft.com/office/powerpoint/2010/main" val="2176873678"/>
+      </p:ext>
+    </p:extLst>
   </p:cSld>
   <p:clrMapOvr>
     <a:masterClrMapping/>
@@ -899,11 +947,11 @@
 </file>
 
 <file path=ppt/notesSlides/notesSlide11.xml><?xml version="1.0" encoding="utf-8"?>
-<p:notes xmlns:a="http://schemas.openxmlformats.org/drawingml/2006/main" xmlns:r="http://schemas.openxmlformats.org/officeDocument/2006/relationships" xmlns:mc="http://schemas.openxmlformats.org/markup-compatibility/2006" xmlns:mv="urn:schemas-microsoft-com:mac:vml" xmlns:p="http://schemas.openxmlformats.org/presentationml/2006/main" xmlns:c="http://schemas.openxmlformats.org/drawingml/2006/chart" xmlns:dgm="http://schemas.openxmlformats.org/drawingml/2006/diagram" xmlns:o="urn:schemas-microsoft-com:office:office" xmlns:v="urn:schemas-microsoft-com:vml" xmlns:pvml="urn:schemas-microsoft-com:office:powerpoint" xmlns:com="http://schemas.openxmlformats.org/drawingml/2006/compatibility" xmlns:p14="http://schemas.microsoft.com/office/powerpoint/2010/main" xmlns:p15="http://schemas.microsoft.com/office/powerpoint/2012/main" showMasterPhAnim="0" showMasterSp="0">
+<p:notes xmlns:a="http://schemas.openxmlformats.org/drawingml/2006/main" xmlns:r="http://schemas.openxmlformats.org/officeDocument/2006/relationships" xmlns:p="http://schemas.openxmlformats.org/presentationml/2006/main" showMasterSp="0" showMasterPhAnim="0">
   <p:cSld>
     <p:spTree>
       <p:nvGrpSpPr>
-        <p:cNvPr id="120" name="Shape 120"/>
+        <p:cNvPr id="1" name="Shape 120"/>
         <p:cNvGrpSpPr/>
         <p:nvPr/>
       </p:nvGrpSpPr>
@@ -918,9 +966,11 @@
       <p:sp>
         <p:nvSpPr>
           <p:cNvPr id="121" name="Shape 121"/>
-          <p:cNvSpPr/>
+          <p:cNvSpPr>
+            <a:spLocks noGrp="1" noRot="1" noChangeAspect="1"/>
+          </p:cNvSpPr>
           <p:nvPr>
-            <p:ph idx="2" type="sldImg"/>
+            <p:ph type="sldImg" idx="2"/>
           </p:nvPr>
         </p:nvSpPr>
         <p:spPr>
@@ -929,8 +979,13 @@
             <a:ext cx="6096000" cy="3429000"/>
           </a:xfrm>
           <a:custGeom>
+            <a:avLst/>
+            <a:gdLst/>
+            <a:ahLst/>
+            <a:cxnLst/>
+            <a:rect l="0" t="0" r="0" b="0"/>
             <a:pathLst>
-              <a:path extrusionOk="0" h="120000" w="120000">
+              <a:path w="120000" h="120000" extrusionOk="0">
                 <a:moveTo>
                   <a:pt x="0" y="0"/>
                 </a:moveTo>
@@ -952,9 +1007,11 @@
       <p:sp>
         <p:nvSpPr>
           <p:cNvPr id="122" name="Shape 122"/>
-          <p:cNvSpPr txBox="1"/>
+          <p:cNvSpPr txBox="1">
+            <a:spLocks noGrp="1"/>
+          </p:cNvSpPr>
           <p:nvPr>
-            <p:ph idx="1" type="body"/>
+            <p:ph type="body" idx="1"/>
           </p:nvPr>
         </p:nvSpPr>
         <p:spPr>
@@ -967,12 +1024,12 @@
           </a:prstGeom>
         </p:spPr>
         <p:txBody>
-          <a:bodyPr anchorCtr="0" anchor="t" bIns="91425" lIns="91425" spcFirstLastPara="1" rIns="91425" wrap="square" tIns="91425">
+          <a:bodyPr spcFirstLastPara="1" wrap="square" lIns="91425" tIns="91425" rIns="91425" bIns="91425" anchor="t" anchorCtr="0">
             <a:noAutofit/>
           </a:bodyPr>
           <a:lstStyle/>
           <a:p>
-            <a:pPr indent="0" lvl="0" marL="0">
+            <a:pPr marL="0" lvl="0" indent="0">
               <a:spcBef>
                 <a:spcPts val="0"/>
               </a:spcBef>
@@ -981,14 +1038,16 @@
               </a:spcAft>
               <a:buNone/>
             </a:pPr>
-            <a:r>
-              <a:t/>
-            </a:r>
             <a:endParaRPr/>
           </a:p>
         </p:txBody>
       </p:sp>
     </p:spTree>
+    <p:extLst>
+      <p:ext uri="{BB962C8B-B14F-4D97-AF65-F5344CB8AC3E}">
+        <p14:creationId xmlns:p14="http://schemas.microsoft.com/office/powerpoint/2010/main" val="2728129468"/>
+      </p:ext>
+    </p:extLst>
   </p:cSld>
   <p:clrMapOvr>
     <a:masterClrMapping/>
@@ -997,11 +1056,11 @@
 </file>
 
 <file path=ppt/notesSlides/notesSlide12.xml><?xml version="1.0" encoding="utf-8"?>
-<p:notes xmlns:a="http://schemas.openxmlformats.org/drawingml/2006/main" xmlns:r="http://schemas.openxmlformats.org/officeDocument/2006/relationships" xmlns:mc="http://schemas.openxmlformats.org/markup-compatibility/2006" xmlns:mv="urn:schemas-microsoft-com:mac:vml" xmlns:p="http://schemas.openxmlformats.org/presentationml/2006/main" xmlns:c="http://schemas.openxmlformats.org/drawingml/2006/chart" xmlns:dgm="http://schemas.openxmlformats.org/drawingml/2006/diagram" xmlns:o="urn:schemas-microsoft-com:office:office" xmlns:v="urn:schemas-microsoft-com:vml" xmlns:pvml="urn:schemas-microsoft-com:office:powerpoint" xmlns:com="http://schemas.openxmlformats.org/drawingml/2006/compatibility" xmlns:p14="http://schemas.microsoft.com/office/powerpoint/2010/main" xmlns:p15="http://schemas.microsoft.com/office/powerpoint/2012/main" showMasterPhAnim="0" showMasterSp="0">
+<p:notes xmlns:a="http://schemas.openxmlformats.org/drawingml/2006/main" xmlns:r="http://schemas.openxmlformats.org/officeDocument/2006/relationships" xmlns:p="http://schemas.openxmlformats.org/presentationml/2006/main" showMasterSp="0" showMasterPhAnim="0">
   <p:cSld>
     <p:spTree>
       <p:nvGrpSpPr>
-        <p:cNvPr id="127" name="Shape 127"/>
+        <p:cNvPr id="1" name="Shape 127"/>
         <p:cNvGrpSpPr/>
         <p:nvPr/>
       </p:nvGrpSpPr>
@@ -1016,9 +1075,11 @@
       <p:sp>
         <p:nvSpPr>
           <p:cNvPr id="128" name="Shape 128"/>
-          <p:cNvSpPr/>
+          <p:cNvSpPr>
+            <a:spLocks noGrp="1" noRot="1" noChangeAspect="1"/>
+          </p:cNvSpPr>
           <p:nvPr>
-            <p:ph idx="2" type="sldImg"/>
+            <p:ph type="sldImg" idx="2"/>
           </p:nvPr>
         </p:nvSpPr>
         <p:spPr>
@@ -1027,8 +1088,13 @@
             <a:ext cx="6096000" cy="3429000"/>
           </a:xfrm>
           <a:custGeom>
+            <a:avLst/>
+            <a:gdLst/>
+            <a:ahLst/>
+            <a:cxnLst/>
+            <a:rect l="0" t="0" r="0" b="0"/>
             <a:pathLst>
-              <a:path extrusionOk="0" h="120000" w="120000">
+              <a:path w="120000" h="120000" extrusionOk="0">
                 <a:moveTo>
                   <a:pt x="0" y="0"/>
                 </a:moveTo>
@@ -1050,9 +1116,11 @@
       <p:sp>
         <p:nvSpPr>
           <p:cNvPr id="129" name="Shape 129"/>
-          <p:cNvSpPr txBox="1"/>
+          <p:cNvSpPr txBox="1">
+            <a:spLocks noGrp="1"/>
+          </p:cNvSpPr>
           <p:nvPr>
-            <p:ph idx="1" type="body"/>
+            <p:ph type="body" idx="1"/>
           </p:nvPr>
         </p:nvSpPr>
         <p:spPr>
@@ -1065,12 +1133,12 @@
           </a:prstGeom>
         </p:spPr>
         <p:txBody>
-          <a:bodyPr anchorCtr="0" anchor="t" bIns="91425" lIns="91425" spcFirstLastPara="1" rIns="91425" wrap="square" tIns="91425">
+          <a:bodyPr spcFirstLastPara="1" wrap="square" lIns="91425" tIns="91425" rIns="91425" bIns="91425" anchor="t" anchorCtr="0">
             <a:noAutofit/>
           </a:bodyPr>
           <a:lstStyle/>
           <a:p>
-            <a:pPr indent="0" lvl="0" marL="0">
+            <a:pPr marL="0" lvl="0" indent="0">
               <a:spcBef>
                 <a:spcPts val="0"/>
               </a:spcBef>
@@ -1079,14 +1147,16 @@
               </a:spcAft>
               <a:buNone/>
             </a:pPr>
-            <a:r>
-              <a:t/>
-            </a:r>
             <a:endParaRPr/>
           </a:p>
         </p:txBody>
       </p:sp>
     </p:spTree>
+    <p:extLst>
+      <p:ext uri="{BB962C8B-B14F-4D97-AF65-F5344CB8AC3E}">
+        <p14:creationId xmlns:p14="http://schemas.microsoft.com/office/powerpoint/2010/main" val="3478254394"/>
+      </p:ext>
+    </p:extLst>
   </p:cSld>
   <p:clrMapOvr>
     <a:masterClrMapping/>
@@ -1095,11 +1165,11 @@
 </file>
 
 <file path=ppt/notesSlides/notesSlide13.xml><?xml version="1.0" encoding="utf-8"?>
-<p:notes xmlns:a="http://schemas.openxmlformats.org/drawingml/2006/main" xmlns:r="http://schemas.openxmlformats.org/officeDocument/2006/relationships" xmlns:mc="http://schemas.openxmlformats.org/markup-compatibility/2006" xmlns:mv="urn:schemas-microsoft-com:mac:vml" xmlns:p="http://schemas.openxmlformats.org/presentationml/2006/main" xmlns:c="http://schemas.openxmlformats.org/drawingml/2006/chart" xmlns:dgm="http://schemas.openxmlformats.org/drawingml/2006/diagram" xmlns:o="urn:schemas-microsoft-com:office:office" xmlns:v="urn:schemas-microsoft-com:vml" xmlns:pvml="urn:schemas-microsoft-com:office:powerpoint" xmlns:com="http://schemas.openxmlformats.org/drawingml/2006/compatibility" xmlns:p14="http://schemas.microsoft.com/office/powerpoint/2010/main" xmlns:p15="http://schemas.microsoft.com/office/powerpoint/2012/main" showMasterPhAnim="0" showMasterSp="0">
+<p:notes xmlns:a="http://schemas.openxmlformats.org/drawingml/2006/main" xmlns:r="http://schemas.openxmlformats.org/officeDocument/2006/relationships" xmlns:p="http://schemas.openxmlformats.org/presentationml/2006/main" showMasterSp="0" showMasterPhAnim="0">
   <p:cSld>
     <p:spTree>
       <p:nvGrpSpPr>
-        <p:cNvPr id="133" name="Shape 133"/>
+        <p:cNvPr id="1" name="Shape 133"/>
         <p:cNvGrpSpPr/>
         <p:nvPr/>
       </p:nvGrpSpPr>
@@ -1114,9 +1184,11 @@
       <p:sp>
         <p:nvSpPr>
           <p:cNvPr id="134" name="Shape 134"/>
-          <p:cNvSpPr/>
+          <p:cNvSpPr>
+            <a:spLocks noGrp="1" noRot="1" noChangeAspect="1"/>
+          </p:cNvSpPr>
           <p:nvPr>
-            <p:ph idx="2" type="sldImg"/>
+            <p:ph type="sldImg" idx="2"/>
           </p:nvPr>
         </p:nvSpPr>
         <p:spPr>
@@ -1125,8 +1197,13 @@
             <a:ext cx="6096000" cy="3429000"/>
           </a:xfrm>
           <a:custGeom>
+            <a:avLst/>
+            <a:gdLst/>
+            <a:ahLst/>
+            <a:cxnLst/>
+            <a:rect l="0" t="0" r="0" b="0"/>
             <a:pathLst>
-              <a:path extrusionOk="0" h="120000" w="120000">
+              <a:path w="120000" h="120000" extrusionOk="0">
                 <a:moveTo>
                   <a:pt x="0" y="0"/>
                 </a:moveTo>
@@ -1148,9 +1225,11 @@
       <p:sp>
         <p:nvSpPr>
           <p:cNvPr id="135" name="Shape 135"/>
-          <p:cNvSpPr txBox="1"/>
+          <p:cNvSpPr txBox="1">
+            <a:spLocks noGrp="1"/>
+          </p:cNvSpPr>
           <p:nvPr>
-            <p:ph idx="1" type="body"/>
+            <p:ph type="body" idx="1"/>
           </p:nvPr>
         </p:nvSpPr>
         <p:spPr>
@@ -1163,12 +1242,12 @@
           </a:prstGeom>
         </p:spPr>
         <p:txBody>
-          <a:bodyPr anchorCtr="0" anchor="t" bIns="91425" lIns="91425" spcFirstLastPara="1" rIns="91425" wrap="square" tIns="91425">
+          <a:bodyPr spcFirstLastPara="1" wrap="square" lIns="91425" tIns="91425" rIns="91425" bIns="91425" anchor="t" anchorCtr="0">
             <a:noAutofit/>
           </a:bodyPr>
           <a:lstStyle/>
           <a:p>
-            <a:pPr indent="0" lvl="0" marL="0">
+            <a:pPr marL="0" lvl="0" indent="0">
               <a:spcBef>
                 <a:spcPts val="0"/>
               </a:spcBef>
@@ -1177,14 +1256,16 @@
               </a:spcAft>
               <a:buNone/>
             </a:pPr>
-            <a:r>
-              <a:t/>
-            </a:r>
             <a:endParaRPr/>
           </a:p>
         </p:txBody>
       </p:sp>
     </p:spTree>
+    <p:extLst>
+      <p:ext uri="{BB962C8B-B14F-4D97-AF65-F5344CB8AC3E}">
+        <p14:creationId xmlns:p14="http://schemas.microsoft.com/office/powerpoint/2010/main" val="558110406"/>
+      </p:ext>
+    </p:extLst>
   </p:cSld>
   <p:clrMapOvr>
     <a:masterClrMapping/>
@@ -1193,11 +1274,11 @@
 </file>
 
 <file path=ppt/notesSlides/notesSlide14.xml><?xml version="1.0" encoding="utf-8"?>
-<p:notes xmlns:a="http://schemas.openxmlformats.org/drawingml/2006/main" xmlns:r="http://schemas.openxmlformats.org/officeDocument/2006/relationships" xmlns:mc="http://schemas.openxmlformats.org/markup-compatibility/2006" xmlns:mv="urn:schemas-microsoft-com:mac:vml" xmlns:p="http://schemas.openxmlformats.org/presentationml/2006/main" xmlns:c="http://schemas.openxmlformats.org/drawingml/2006/chart" xmlns:dgm="http://schemas.openxmlformats.org/drawingml/2006/diagram" xmlns:o="urn:schemas-microsoft-com:office:office" xmlns:v="urn:schemas-microsoft-com:vml" xmlns:pvml="urn:schemas-microsoft-com:office:powerpoint" xmlns:com="http://schemas.openxmlformats.org/drawingml/2006/compatibility" xmlns:p14="http://schemas.microsoft.com/office/powerpoint/2010/main" xmlns:p15="http://schemas.microsoft.com/office/powerpoint/2012/main" showMasterPhAnim="0" showMasterSp="0">
+<p:notes xmlns:a="http://schemas.openxmlformats.org/drawingml/2006/main" xmlns:r="http://schemas.openxmlformats.org/officeDocument/2006/relationships" xmlns:p="http://schemas.openxmlformats.org/presentationml/2006/main" showMasterSp="0" showMasterPhAnim="0">
   <p:cSld>
     <p:spTree>
       <p:nvGrpSpPr>
-        <p:cNvPr id="139" name="Shape 139"/>
+        <p:cNvPr id="1" name="Shape 139"/>
         <p:cNvGrpSpPr/>
         <p:nvPr/>
       </p:nvGrpSpPr>
@@ -1212,19 +1293,26 @@
       <p:sp>
         <p:nvSpPr>
           <p:cNvPr id="140" name="Shape 140"/>
-          <p:cNvSpPr/>
+          <p:cNvSpPr>
+            <a:spLocks noGrp="1" noRot="1" noChangeAspect="1"/>
+          </p:cNvSpPr>
           <p:nvPr>
-            <p:ph idx="2" type="sldImg"/>
+            <p:ph type="sldImg" idx="2"/>
           </p:nvPr>
         </p:nvSpPr>
         <p:spPr>
           <a:xfrm>
-            <a:off x="381300" y="685800"/>
+            <a:off x="381000" y="685800"/>
             <a:ext cx="6096000" cy="3429000"/>
           </a:xfrm>
           <a:custGeom>
+            <a:avLst/>
+            <a:gdLst/>
+            <a:ahLst/>
+            <a:cxnLst/>
+            <a:rect l="0" t="0" r="0" b="0"/>
             <a:pathLst>
-              <a:path extrusionOk="0" h="120000" w="120000">
+              <a:path w="120000" h="120000" extrusionOk="0">
                 <a:moveTo>
                   <a:pt x="0" y="0"/>
                 </a:moveTo>
@@ -1246,9 +1334,11 @@
       <p:sp>
         <p:nvSpPr>
           <p:cNvPr id="141" name="Shape 141"/>
-          <p:cNvSpPr txBox="1"/>
+          <p:cNvSpPr txBox="1">
+            <a:spLocks noGrp="1"/>
+          </p:cNvSpPr>
           <p:nvPr>
-            <p:ph idx="1" type="body"/>
+            <p:ph type="body" idx="1"/>
           </p:nvPr>
         </p:nvSpPr>
         <p:spPr>
@@ -1261,12 +1351,12 @@
           </a:prstGeom>
         </p:spPr>
         <p:txBody>
-          <a:bodyPr anchorCtr="0" anchor="t" bIns="91425" lIns="91425" spcFirstLastPara="1" rIns="91425" wrap="square" tIns="91425">
+          <a:bodyPr spcFirstLastPara="1" wrap="square" lIns="91425" tIns="91425" rIns="91425" bIns="91425" anchor="t" anchorCtr="0">
             <a:noAutofit/>
           </a:bodyPr>
           <a:lstStyle/>
           <a:p>
-            <a:pPr indent="0" lvl="0" marL="0">
+            <a:pPr marL="0" lvl="0" indent="0">
               <a:spcBef>
                 <a:spcPts val="0"/>
               </a:spcBef>
@@ -1275,14 +1365,16 @@
               </a:spcAft>
               <a:buNone/>
             </a:pPr>
-            <a:r>
-              <a:t/>
-            </a:r>
             <a:endParaRPr/>
           </a:p>
         </p:txBody>
       </p:sp>
     </p:spTree>
+    <p:extLst>
+      <p:ext uri="{BB962C8B-B14F-4D97-AF65-F5344CB8AC3E}">
+        <p14:creationId xmlns:p14="http://schemas.microsoft.com/office/powerpoint/2010/main" val="1778478413"/>
+      </p:ext>
+    </p:extLst>
   </p:cSld>
   <p:clrMapOvr>
     <a:masterClrMapping/>
@@ -1291,11 +1383,11 @@
 </file>
 
 <file path=ppt/notesSlides/notesSlide15.xml><?xml version="1.0" encoding="utf-8"?>
-<p:notes xmlns:a="http://schemas.openxmlformats.org/drawingml/2006/main" xmlns:r="http://schemas.openxmlformats.org/officeDocument/2006/relationships" xmlns:mc="http://schemas.openxmlformats.org/markup-compatibility/2006" xmlns:mv="urn:schemas-microsoft-com:mac:vml" xmlns:p="http://schemas.openxmlformats.org/presentationml/2006/main" xmlns:c="http://schemas.openxmlformats.org/drawingml/2006/chart" xmlns:dgm="http://schemas.openxmlformats.org/drawingml/2006/diagram" xmlns:o="urn:schemas-microsoft-com:office:office" xmlns:v="urn:schemas-microsoft-com:vml" xmlns:pvml="urn:schemas-microsoft-com:office:powerpoint" xmlns:com="http://schemas.openxmlformats.org/drawingml/2006/compatibility" xmlns:p14="http://schemas.microsoft.com/office/powerpoint/2010/main" xmlns:p15="http://schemas.microsoft.com/office/powerpoint/2012/main" showMasterPhAnim="0" showMasterSp="0">
+<p:notes xmlns:a="http://schemas.openxmlformats.org/drawingml/2006/main" xmlns:r="http://schemas.openxmlformats.org/officeDocument/2006/relationships" xmlns:p="http://schemas.openxmlformats.org/presentationml/2006/main" showMasterSp="0" showMasterPhAnim="0">
   <p:cSld>
     <p:spTree>
       <p:nvGrpSpPr>
-        <p:cNvPr id="146" name="Shape 146"/>
+        <p:cNvPr id="1" name="Shape 146"/>
         <p:cNvGrpSpPr/>
         <p:nvPr/>
       </p:nvGrpSpPr>
@@ -1310,19 +1402,26 @@
       <p:sp>
         <p:nvSpPr>
           <p:cNvPr id="147" name="Shape 147"/>
-          <p:cNvSpPr/>
+          <p:cNvSpPr>
+            <a:spLocks noGrp="1" noRot="1" noChangeAspect="1"/>
+          </p:cNvSpPr>
           <p:nvPr>
-            <p:ph idx="2" type="sldImg"/>
+            <p:ph type="sldImg" idx="2"/>
           </p:nvPr>
         </p:nvSpPr>
         <p:spPr>
           <a:xfrm>
-            <a:off x="381300" y="685800"/>
+            <a:off x="381000" y="685800"/>
             <a:ext cx="6096000" cy="3429000"/>
           </a:xfrm>
           <a:custGeom>
+            <a:avLst/>
+            <a:gdLst/>
+            <a:ahLst/>
+            <a:cxnLst/>
+            <a:rect l="0" t="0" r="0" b="0"/>
             <a:pathLst>
-              <a:path extrusionOk="0" h="120000" w="120000">
+              <a:path w="120000" h="120000" extrusionOk="0">
                 <a:moveTo>
                   <a:pt x="0" y="0"/>
                 </a:moveTo>
@@ -1344,9 +1443,11 @@
       <p:sp>
         <p:nvSpPr>
           <p:cNvPr id="148" name="Shape 148"/>
-          <p:cNvSpPr txBox="1"/>
+          <p:cNvSpPr txBox="1">
+            <a:spLocks noGrp="1"/>
+          </p:cNvSpPr>
           <p:nvPr>
-            <p:ph idx="1" type="body"/>
+            <p:ph type="body" idx="1"/>
           </p:nvPr>
         </p:nvSpPr>
         <p:spPr>
@@ -1359,12 +1460,12 @@
           </a:prstGeom>
         </p:spPr>
         <p:txBody>
-          <a:bodyPr anchorCtr="0" anchor="t" bIns="91425" lIns="91425" spcFirstLastPara="1" rIns="91425" wrap="square" tIns="91425">
+          <a:bodyPr spcFirstLastPara="1" wrap="square" lIns="91425" tIns="91425" rIns="91425" bIns="91425" anchor="t" anchorCtr="0">
             <a:noAutofit/>
           </a:bodyPr>
           <a:lstStyle/>
           <a:p>
-            <a:pPr indent="0" lvl="0" marL="0" rtl="0">
+            <a:pPr marL="0" lvl="0" indent="0" rtl="0">
               <a:spcBef>
                 <a:spcPts val="0"/>
               </a:spcBef>
@@ -1373,14 +1474,16 @@
               </a:spcAft>
               <a:buNone/>
             </a:pPr>
-            <a:r>
-              <a:t/>
-            </a:r>
             <a:endParaRPr/>
           </a:p>
         </p:txBody>
       </p:sp>
     </p:spTree>
+    <p:extLst>
+      <p:ext uri="{BB962C8B-B14F-4D97-AF65-F5344CB8AC3E}">
+        <p14:creationId xmlns:p14="http://schemas.microsoft.com/office/powerpoint/2010/main" val="300026712"/>
+      </p:ext>
+    </p:extLst>
   </p:cSld>
   <p:clrMapOvr>
     <a:masterClrMapping/>
@@ -1389,11 +1492,11 @@
 </file>
 
 <file path=ppt/notesSlides/notesSlide16.xml><?xml version="1.0" encoding="utf-8"?>
-<p:notes xmlns:a="http://schemas.openxmlformats.org/drawingml/2006/main" xmlns:r="http://schemas.openxmlformats.org/officeDocument/2006/relationships" xmlns:mc="http://schemas.openxmlformats.org/markup-compatibility/2006" xmlns:mv="urn:schemas-microsoft-com:mac:vml" xmlns:p="http://schemas.openxmlformats.org/presentationml/2006/main" xmlns:c="http://schemas.openxmlformats.org/drawingml/2006/chart" xmlns:dgm="http://schemas.openxmlformats.org/drawingml/2006/diagram" xmlns:o="urn:schemas-microsoft-com:office:office" xmlns:v="urn:schemas-microsoft-com:vml" xmlns:pvml="urn:schemas-microsoft-com:office:powerpoint" xmlns:com="http://schemas.openxmlformats.org/drawingml/2006/compatibility" xmlns:p14="http://schemas.microsoft.com/office/powerpoint/2010/main" xmlns:p15="http://schemas.microsoft.com/office/powerpoint/2012/main" showMasterPhAnim="0" showMasterSp="0">
+<p:notes xmlns:a="http://schemas.openxmlformats.org/drawingml/2006/main" xmlns:r="http://schemas.openxmlformats.org/officeDocument/2006/relationships" xmlns:p="http://schemas.openxmlformats.org/presentationml/2006/main" showMasterSp="0" showMasterPhAnim="0">
   <p:cSld>
     <p:spTree>
       <p:nvGrpSpPr>
-        <p:cNvPr id="153" name="Shape 153"/>
+        <p:cNvPr id="1" name="Shape 153"/>
         <p:cNvGrpSpPr/>
         <p:nvPr/>
       </p:nvGrpSpPr>
@@ -1408,19 +1511,26 @@
       <p:sp>
         <p:nvSpPr>
           <p:cNvPr id="154" name="Shape 154"/>
-          <p:cNvSpPr/>
+          <p:cNvSpPr>
+            <a:spLocks noGrp="1" noRot="1" noChangeAspect="1"/>
+          </p:cNvSpPr>
           <p:nvPr>
-            <p:ph idx="2" type="sldImg"/>
+            <p:ph type="sldImg" idx="2"/>
           </p:nvPr>
         </p:nvSpPr>
         <p:spPr>
           <a:xfrm>
-            <a:off x="381300" y="685800"/>
+            <a:off x="381000" y="685800"/>
             <a:ext cx="6096000" cy="3429000"/>
           </a:xfrm>
           <a:custGeom>
+            <a:avLst/>
+            <a:gdLst/>
+            <a:ahLst/>
+            <a:cxnLst/>
+            <a:rect l="0" t="0" r="0" b="0"/>
             <a:pathLst>
-              <a:path extrusionOk="0" h="120000" w="120000">
+              <a:path w="120000" h="120000" extrusionOk="0">
                 <a:moveTo>
                   <a:pt x="0" y="0"/>
                 </a:moveTo>
@@ -1442,9 +1552,11 @@
       <p:sp>
         <p:nvSpPr>
           <p:cNvPr id="155" name="Shape 155"/>
-          <p:cNvSpPr txBox="1"/>
+          <p:cNvSpPr txBox="1">
+            <a:spLocks noGrp="1"/>
+          </p:cNvSpPr>
           <p:nvPr>
-            <p:ph idx="1" type="body"/>
+            <p:ph type="body" idx="1"/>
           </p:nvPr>
         </p:nvSpPr>
         <p:spPr>
@@ -1457,12 +1569,12 @@
           </a:prstGeom>
         </p:spPr>
         <p:txBody>
-          <a:bodyPr anchorCtr="0" anchor="t" bIns="91425" lIns="91425" spcFirstLastPara="1" rIns="91425" wrap="square" tIns="91425">
+          <a:bodyPr spcFirstLastPara="1" wrap="square" lIns="91425" tIns="91425" rIns="91425" bIns="91425" anchor="t" anchorCtr="0">
             <a:noAutofit/>
           </a:bodyPr>
           <a:lstStyle/>
           <a:p>
-            <a:pPr indent="0" lvl="0" marL="0" rtl="0">
+            <a:pPr marL="0" lvl="0" indent="0" rtl="0">
               <a:spcBef>
                 <a:spcPts val="0"/>
               </a:spcBef>
@@ -1471,14 +1583,16 @@
               </a:spcAft>
               <a:buNone/>
             </a:pPr>
-            <a:r>
-              <a:t/>
-            </a:r>
             <a:endParaRPr/>
           </a:p>
         </p:txBody>
       </p:sp>
     </p:spTree>
+    <p:extLst>
+      <p:ext uri="{BB962C8B-B14F-4D97-AF65-F5344CB8AC3E}">
+        <p14:creationId xmlns:p14="http://schemas.microsoft.com/office/powerpoint/2010/main" val="2616587866"/>
+      </p:ext>
+    </p:extLst>
   </p:cSld>
   <p:clrMapOvr>
     <a:masterClrMapping/>
@@ -1487,11 +1601,11 @@
 </file>
 
 <file path=ppt/notesSlides/notesSlide17.xml><?xml version="1.0" encoding="utf-8"?>
-<p:notes xmlns:a="http://schemas.openxmlformats.org/drawingml/2006/main" xmlns:r="http://schemas.openxmlformats.org/officeDocument/2006/relationships" xmlns:mc="http://schemas.openxmlformats.org/markup-compatibility/2006" xmlns:mv="urn:schemas-microsoft-com:mac:vml" xmlns:p="http://schemas.openxmlformats.org/presentationml/2006/main" xmlns:c="http://schemas.openxmlformats.org/drawingml/2006/chart" xmlns:dgm="http://schemas.openxmlformats.org/drawingml/2006/diagram" xmlns:o="urn:schemas-microsoft-com:office:office" xmlns:v="urn:schemas-microsoft-com:vml" xmlns:pvml="urn:schemas-microsoft-com:office:powerpoint" xmlns:com="http://schemas.openxmlformats.org/drawingml/2006/compatibility" xmlns:p14="http://schemas.microsoft.com/office/powerpoint/2010/main" xmlns:p15="http://schemas.microsoft.com/office/powerpoint/2012/main" showMasterPhAnim="0" showMasterSp="0">
+<p:notes xmlns:a="http://schemas.openxmlformats.org/drawingml/2006/main" xmlns:r="http://schemas.openxmlformats.org/officeDocument/2006/relationships" xmlns:p="http://schemas.openxmlformats.org/presentationml/2006/main" showMasterSp="0" showMasterPhAnim="0">
   <p:cSld>
     <p:spTree>
       <p:nvGrpSpPr>
-        <p:cNvPr id="160" name="Shape 160"/>
+        <p:cNvPr id="1" name="Shape 160"/>
         <p:cNvGrpSpPr/>
         <p:nvPr/>
       </p:nvGrpSpPr>
@@ -1506,9 +1620,11 @@
       <p:sp>
         <p:nvSpPr>
           <p:cNvPr id="161" name="Shape 161"/>
-          <p:cNvSpPr/>
+          <p:cNvSpPr>
+            <a:spLocks noGrp="1" noRot="1" noChangeAspect="1"/>
+          </p:cNvSpPr>
           <p:nvPr>
-            <p:ph idx="2" type="sldImg"/>
+            <p:ph type="sldImg" idx="2"/>
           </p:nvPr>
         </p:nvSpPr>
         <p:spPr>
@@ -1517,8 +1633,13 @@
             <a:ext cx="6096000" cy="3429000"/>
           </a:xfrm>
           <a:custGeom>
+            <a:avLst/>
+            <a:gdLst/>
+            <a:ahLst/>
+            <a:cxnLst/>
+            <a:rect l="0" t="0" r="0" b="0"/>
             <a:pathLst>
-              <a:path extrusionOk="0" h="120000" w="120000">
+              <a:path w="120000" h="120000" extrusionOk="0">
                 <a:moveTo>
                   <a:pt x="0" y="0"/>
                 </a:moveTo>
@@ -1540,9 +1661,11 @@
       <p:sp>
         <p:nvSpPr>
           <p:cNvPr id="162" name="Shape 162"/>
-          <p:cNvSpPr txBox="1"/>
+          <p:cNvSpPr txBox="1">
+            <a:spLocks noGrp="1"/>
+          </p:cNvSpPr>
           <p:nvPr>
-            <p:ph idx="1" type="body"/>
+            <p:ph type="body" idx="1"/>
           </p:nvPr>
         </p:nvSpPr>
         <p:spPr>
@@ -1555,12 +1678,12 @@
           </a:prstGeom>
         </p:spPr>
         <p:txBody>
-          <a:bodyPr anchorCtr="0" anchor="t" bIns="91425" lIns="91425" spcFirstLastPara="1" rIns="91425" wrap="square" tIns="91425">
+          <a:bodyPr spcFirstLastPara="1" wrap="square" lIns="91425" tIns="91425" rIns="91425" bIns="91425" anchor="t" anchorCtr="0">
             <a:noAutofit/>
           </a:bodyPr>
           <a:lstStyle/>
           <a:p>
-            <a:pPr indent="0" lvl="0" marL="0">
+            <a:pPr marL="0" lvl="0" indent="0">
               <a:spcBef>
                 <a:spcPts val="0"/>
               </a:spcBef>
@@ -1569,14 +1692,16 @@
               </a:spcAft>
               <a:buNone/>
             </a:pPr>
-            <a:r>
-              <a:t/>
-            </a:r>
             <a:endParaRPr/>
           </a:p>
         </p:txBody>
       </p:sp>
     </p:spTree>
+    <p:extLst>
+      <p:ext uri="{BB962C8B-B14F-4D97-AF65-F5344CB8AC3E}">
+        <p14:creationId xmlns:p14="http://schemas.microsoft.com/office/powerpoint/2010/main" val="1289959776"/>
+      </p:ext>
+    </p:extLst>
   </p:cSld>
   <p:clrMapOvr>
     <a:masterClrMapping/>
@@ -1585,11 +1710,11 @@
 </file>
 
 <file path=ppt/notesSlides/notesSlide18.xml><?xml version="1.0" encoding="utf-8"?>
-<p:notes xmlns:a="http://schemas.openxmlformats.org/drawingml/2006/main" xmlns:r="http://schemas.openxmlformats.org/officeDocument/2006/relationships" xmlns:mc="http://schemas.openxmlformats.org/markup-compatibility/2006" xmlns:mv="urn:schemas-microsoft-com:mac:vml" xmlns:p="http://schemas.openxmlformats.org/presentationml/2006/main" xmlns:c="http://schemas.openxmlformats.org/drawingml/2006/chart" xmlns:dgm="http://schemas.openxmlformats.org/drawingml/2006/diagram" xmlns:o="urn:schemas-microsoft-com:office:office" xmlns:v="urn:schemas-microsoft-com:vml" xmlns:pvml="urn:schemas-microsoft-com:office:powerpoint" xmlns:com="http://schemas.openxmlformats.org/drawingml/2006/compatibility" xmlns:p14="http://schemas.microsoft.com/office/powerpoint/2010/main" xmlns:p15="http://schemas.microsoft.com/office/powerpoint/2012/main" showMasterPhAnim="0" showMasterSp="0">
+<p:notes xmlns:a="http://schemas.openxmlformats.org/drawingml/2006/main" xmlns:r="http://schemas.openxmlformats.org/officeDocument/2006/relationships" xmlns:p="http://schemas.openxmlformats.org/presentationml/2006/main" showMasterSp="0" showMasterPhAnim="0">
   <p:cSld>
     <p:spTree>
       <p:nvGrpSpPr>
-        <p:cNvPr id="166" name="Shape 166"/>
+        <p:cNvPr id="1" name="Shape 166"/>
         <p:cNvGrpSpPr/>
         <p:nvPr/>
       </p:nvGrpSpPr>
@@ -1604,9 +1729,11 @@
       <p:sp>
         <p:nvSpPr>
           <p:cNvPr id="167" name="Shape 167"/>
-          <p:cNvSpPr/>
+          <p:cNvSpPr>
+            <a:spLocks noGrp="1" noRot="1" noChangeAspect="1"/>
+          </p:cNvSpPr>
           <p:nvPr>
-            <p:ph idx="2" type="sldImg"/>
+            <p:ph type="sldImg" idx="2"/>
           </p:nvPr>
         </p:nvSpPr>
         <p:spPr>
@@ -1615,8 +1742,13 @@
             <a:ext cx="6096000" cy="3429000"/>
           </a:xfrm>
           <a:custGeom>
+            <a:avLst/>
+            <a:gdLst/>
+            <a:ahLst/>
+            <a:cxnLst/>
+            <a:rect l="0" t="0" r="0" b="0"/>
             <a:pathLst>
-              <a:path extrusionOk="0" h="120000" w="120000">
+              <a:path w="120000" h="120000" extrusionOk="0">
                 <a:moveTo>
                   <a:pt x="0" y="0"/>
                 </a:moveTo>
@@ -1638,9 +1770,11 @@
       <p:sp>
         <p:nvSpPr>
           <p:cNvPr id="168" name="Shape 168"/>
-          <p:cNvSpPr txBox="1"/>
+          <p:cNvSpPr txBox="1">
+            <a:spLocks noGrp="1"/>
+          </p:cNvSpPr>
           <p:nvPr>
-            <p:ph idx="1" type="body"/>
+            <p:ph type="body" idx="1"/>
           </p:nvPr>
         </p:nvSpPr>
         <p:spPr>
@@ -1653,12 +1787,12 @@
           </a:prstGeom>
         </p:spPr>
         <p:txBody>
-          <a:bodyPr anchorCtr="0" anchor="t" bIns="91425" lIns="91425" spcFirstLastPara="1" rIns="91425" wrap="square" tIns="91425">
+          <a:bodyPr spcFirstLastPara="1" wrap="square" lIns="91425" tIns="91425" rIns="91425" bIns="91425" anchor="t" anchorCtr="0">
             <a:noAutofit/>
           </a:bodyPr>
           <a:lstStyle/>
           <a:p>
-            <a:pPr indent="0" lvl="0" marL="0">
+            <a:pPr marL="0" lvl="0" indent="0">
               <a:spcBef>
                 <a:spcPts val="0"/>
               </a:spcBef>
@@ -1667,14 +1801,16 @@
               </a:spcAft>
               <a:buNone/>
             </a:pPr>
-            <a:r>
-              <a:t/>
-            </a:r>
             <a:endParaRPr/>
           </a:p>
         </p:txBody>
       </p:sp>
     </p:spTree>
+    <p:extLst>
+      <p:ext uri="{BB962C8B-B14F-4D97-AF65-F5344CB8AC3E}">
+        <p14:creationId xmlns:p14="http://schemas.microsoft.com/office/powerpoint/2010/main" val="3070492726"/>
+      </p:ext>
+    </p:extLst>
   </p:cSld>
   <p:clrMapOvr>
     <a:masterClrMapping/>
@@ -1683,11 +1819,11 @@
 </file>
 
 <file path=ppt/notesSlides/notesSlide19.xml><?xml version="1.0" encoding="utf-8"?>
-<p:notes xmlns:a="http://schemas.openxmlformats.org/drawingml/2006/main" xmlns:r="http://schemas.openxmlformats.org/officeDocument/2006/relationships" xmlns:mc="http://schemas.openxmlformats.org/markup-compatibility/2006" xmlns:mv="urn:schemas-microsoft-com:mac:vml" xmlns:p="http://schemas.openxmlformats.org/presentationml/2006/main" xmlns:c="http://schemas.openxmlformats.org/drawingml/2006/chart" xmlns:dgm="http://schemas.openxmlformats.org/drawingml/2006/diagram" xmlns:o="urn:schemas-microsoft-com:office:office" xmlns:v="urn:schemas-microsoft-com:vml" xmlns:pvml="urn:schemas-microsoft-com:office:powerpoint" xmlns:com="http://schemas.openxmlformats.org/drawingml/2006/compatibility" xmlns:p14="http://schemas.microsoft.com/office/powerpoint/2010/main" xmlns:p15="http://schemas.microsoft.com/office/powerpoint/2012/main" showMasterPhAnim="0" showMasterSp="0">
+<p:notes xmlns:a="http://schemas.openxmlformats.org/drawingml/2006/main" xmlns:r="http://schemas.openxmlformats.org/officeDocument/2006/relationships" xmlns:p="http://schemas.openxmlformats.org/presentationml/2006/main" showMasterSp="0" showMasterPhAnim="0">
   <p:cSld>
     <p:spTree>
       <p:nvGrpSpPr>
-        <p:cNvPr id="172" name="Shape 172"/>
+        <p:cNvPr id="1" name="Shape 172"/>
         <p:cNvGrpSpPr/>
         <p:nvPr/>
       </p:nvGrpSpPr>
@@ -1702,9 +1838,11 @@
       <p:sp>
         <p:nvSpPr>
           <p:cNvPr id="173" name="Shape 173"/>
-          <p:cNvSpPr/>
+          <p:cNvSpPr>
+            <a:spLocks noGrp="1" noRot="1" noChangeAspect="1"/>
+          </p:cNvSpPr>
           <p:nvPr>
-            <p:ph idx="2" type="sldImg"/>
+            <p:ph type="sldImg" idx="2"/>
           </p:nvPr>
         </p:nvSpPr>
         <p:spPr>
@@ -1713,8 +1851,13 @@
             <a:ext cx="6096000" cy="3429000"/>
           </a:xfrm>
           <a:custGeom>
+            <a:avLst/>
+            <a:gdLst/>
+            <a:ahLst/>
+            <a:cxnLst/>
+            <a:rect l="0" t="0" r="0" b="0"/>
             <a:pathLst>
-              <a:path extrusionOk="0" h="120000" w="120000">
+              <a:path w="120000" h="120000" extrusionOk="0">
                 <a:moveTo>
                   <a:pt x="0" y="0"/>
                 </a:moveTo>
@@ -1736,9 +1879,11 @@
       <p:sp>
         <p:nvSpPr>
           <p:cNvPr id="174" name="Shape 174"/>
-          <p:cNvSpPr txBox="1"/>
+          <p:cNvSpPr txBox="1">
+            <a:spLocks noGrp="1"/>
+          </p:cNvSpPr>
           <p:nvPr>
-            <p:ph idx="1" type="body"/>
+            <p:ph type="body" idx="1"/>
           </p:nvPr>
         </p:nvSpPr>
         <p:spPr>
@@ -1751,12 +1896,12 @@
           </a:prstGeom>
         </p:spPr>
         <p:txBody>
-          <a:bodyPr anchorCtr="0" anchor="t" bIns="91425" lIns="91425" spcFirstLastPara="1" rIns="91425" wrap="square" tIns="91425">
+          <a:bodyPr spcFirstLastPara="1" wrap="square" lIns="91425" tIns="91425" rIns="91425" bIns="91425" anchor="t" anchorCtr="0">
             <a:noAutofit/>
           </a:bodyPr>
           <a:lstStyle/>
           <a:p>
-            <a:pPr indent="0" lvl="0" marL="0">
+            <a:pPr marL="0" lvl="0" indent="0">
               <a:spcBef>
                 <a:spcPts val="0"/>
               </a:spcBef>
@@ -1765,14 +1910,16 @@
               </a:spcAft>
               <a:buNone/>
             </a:pPr>
-            <a:r>
-              <a:t/>
-            </a:r>
             <a:endParaRPr/>
           </a:p>
         </p:txBody>
       </p:sp>
     </p:spTree>
+    <p:extLst>
+      <p:ext uri="{BB962C8B-B14F-4D97-AF65-F5344CB8AC3E}">
+        <p14:creationId xmlns:p14="http://schemas.microsoft.com/office/powerpoint/2010/main" val="469975837"/>
+      </p:ext>
+    </p:extLst>
   </p:cSld>
   <p:clrMapOvr>
     <a:masterClrMapping/>
@@ -1781,11 +1928,11 @@
 </file>
 
 <file path=ppt/notesSlides/notesSlide2.xml><?xml version="1.0" encoding="utf-8"?>
-<p:notes xmlns:a="http://schemas.openxmlformats.org/drawingml/2006/main" xmlns:r="http://schemas.openxmlformats.org/officeDocument/2006/relationships" xmlns:mc="http://schemas.openxmlformats.org/markup-compatibility/2006" xmlns:mv="urn:schemas-microsoft-com:mac:vml" xmlns:p="http://schemas.openxmlformats.org/presentationml/2006/main" xmlns:c="http://schemas.openxmlformats.org/drawingml/2006/chart" xmlns:dgm="http://schemas.openxmlformats.org/drawingml/2006/diagram" xmlns:o="urn:schemas-microsoft-com:office:office" xmlns:v="urn:schemas-microsoft-com:vml" xmlns:pvml="urn:schemas-microsoft-com:office:powerpoint" xmlns:com="http://schemas.openxmlformats.org/drawingml/2006/compatibility" xmlns:p14="http://schemas.microsoft.com/office/powerpoint/2010/main" xmlns:p15="http://schemas.microsoft.com/office/powerpoint/2012/main" showMasterPhAnim="0" showMasterSp="0">
+<p:notes xmlns:a="http://schemas.openxmlformats.org/drawingml/2006/main" xmlns:r="http://schemas.openxmlformats.org/officeDocument/2006/relationships" xmlns:p="http://schemas.openxmlformats.org/presentationml/2006/main" showMasterSp="0" showMasterPhAnim="0">
   <p:cSld>
     <p:spTree>
       <p:nvGrpSpPr>
-        <p:cNvPr id="65" name="Shape 65"/>
+        <p:cNvPr id="1" name="Shape 65"/>
         <p:cNvGrpSpPr/>
         <p:nvPr/>
       </p:nvGrpSpPr>
@@ -1800,19 +1947,26 @@
       <p:sp>
         <p:nvSpPr>
           <p:cNvPr id="66" name="Shape 66"/>
-          <p:cNvSpPr/>
+          <p:cNvSpPr>
+            <a:spLocks noGrp="1" noRot="1" noChangeAspect="1"/>
+          </p:cNvSpPr>
           <p:nvPr>
-            <p:ph idx="2" type="sldImg"/>
+            <p:ph type="sldImg" idx="2"/>
           </p:nvPr>
         </p:nvSpPr>
         <p:spPr>
           <a:xfrm>
-            <a:off x="381300" y="685800"/>
+            <a:off x="381000" y="685800"/>
             <a:ext cx="6096000" cy="3429000"/>
           </a:xfrm>
           <a:custGeom>
+            <a:avLst/>
+            <a:gdLst/>
+            <a:ahLst/>
+            <a:cxnLst/>
+            <a:rect l="0" t="0" r="0" b="0"/>
             <a:pathLst>
-              <a:path extrusionOk="0" h="120000" w="120000">
+              <a:path w="120000" h="120000" extrusionOk="0">
                 <a:moveTo>
                   <a:pt x="0" y="0"/>
                 </a:moveTo>
@@ -1834,9 +1988,11 @@
       <p:sp>
         <p:nvSpPr>
           <p:cNvPr id="67" name="Shape 67"/>
-          <p:cNvSpPr txBox="1"/>
+          <p:cNvSpPr txBox="1">
+            <a:spLocks noGrp="1"/>
+          </p:cNvSpPr>
           <p:nvPr>
-            <p:ph idx="1" type="body"/>
+            <p:ph type="body" idx="1"/>
           </p:nvPr>
         </p:nvSpPr>
         <p:spPr>
@@ -1849,12 +2005,12 @@
           </a:prstGeom>
         </p:spPr>
         <p:txBody>
-          <a:bodyPr anchorCtr="0" anchor="t" bIns="91425" lIns="91425" spcFirstLastPara="1" rIns="91425" wrap="square" tIns="91425">
+          <a:bodyPr spcFirstLastPara="1" wrap="square" lIns="91425" tIns="91425" rIns="91425" bIns="91425" anchor="t" anchorCtr="0">
             <a:noAutofit/>
           </a:bodyPr>
           <a:lstStyle/>
           <a:p>
-            <a:pPr indent="0" lvl="0" marL="0">
+            <a:pPr marL="0" lvl="0" indent="0">
               <a:spcBef>
                 <a:spcPts val="0"/>
               </a:spcBef>
@@ -1863,14 +2019,16 @@
               </a:spcAft>
               <a:buNone/>
             </a:pPr>
-            <a:r>
-              <a:t/>
-            </a:r>
             <a:endParaRPr/>
           </a:p>
         </p:txBody>
       </p:sp>
     </p:spTree>
+    <p:extLst>
+      <p:ext uri="{BB962C8B-B14F-4D97-AF65-F5344CB8AC3E}">
+        <p14:creationId xmlns:p14="http://schemas.microsoft.com/office/powerpoint/2010/main" val="1960327769"/>
+      </p:ext>
+    </p:extLst>
   </p:cSld>
   <p:clrMapOvr>
     <a:masterClrMapping/>
@@ -1879,11 +2037,11 @@
 </file>
 
 <file path=ppt/notesSlides/notesSlide20.xml><?xml version="1.0" encoding="utf-8"?>
-<p:notes xmlns:a="http://schemas.openxmlformats.org/drawingml/2006/main" xmlns:r="http://schemas.openxmlformats.org/officeDocument/2006/relationships" xmlns:mc="http://schemas.openxmlformats.org/markup-compatibility/2006" xmlns:mv="urn:schemas-microsoft-com:mac:vml" xmlns:p="http://schemas.openxmlformats.org/presentationml/2006/main" xmlns:c="http://schemas.openxmlformats.org/drawingml/2006/chart" xmlns:dgm="http://schemas.openxmlformats.org/drawingml/2006/diagram" xmlns:o="urn:schemas-microsoft-com:office:office" xmlns:v="urn:schemas-microsoft-com:vml" xmlns:pvml="urn:schemas-microsoft-com:office:powerpoint" xmlns:com="http://schemas.openxmlformats.org/drawingml/2006/compatibility" xmlns:p14="http://schemas.microsoft.com/office/powerpoint/2010/main" xmlns:p15="http://schemas.microsoft.com/office/powerpoint/2012/main" showMasterPhAnim="0" showMasterSp="0">
+<p:notes xmlns:a="http://schemas.openxmlformats.org/drawingml/2006/main" xmlns:r="http://schemas.openxmlformats.org/officeDocument/2006/relationships" xmlns:p="http://schemas.openxmlformats.org/presentationml/2006/main" showMasterSp="0" showMasterPhAnim="0">
   <p:cSld>
     <p:spTree>
       <p:nvGrpSpPr>
-        <p:cNvPr id="178" name="Shape 178"/>
+        <p:cNvPr id="1" name="Shape 178"/>
         <p:cNvGrpSpPr/>
         <p:nvPr/>
       </p:nvGrpSpPr>
@@ -1898,9 +2056,11 @@
       <p:sp>
         <p:nvSpPr>
           <p:cNvPr id="179" name="Shape 179"/>
-          <p:cNvSpPr/>
+          <p:cNvSpPr>
+            <a:spLocks noGrp="1" noRot="1" noChangeAspect="1"/>
+          </p:cNvSpPr>
           <p:nvPr>
-            <p:ph idx="2" type="sldImg"/>
+            <p:ph type="sldImg" idx="2"/>
           </p:nvPr>
         </p:nvSpPr>
         <p:spPr>
@@ -1909,8 +2069,13 @@
             <a:ext cx="6096000" cy="3429000"/>
           </a:xfrm>
           <a:custGeom>
+            <a:avLst/>
+            <a:gdLst/>
+            <a:ahLst/>
+            <a:cxnLst/>
+            <a:rect l="0" t="0" r="0" b="0"/>
             <a:pathLst>
-              <a:path extrusionOk="0" h="120000" w="120000">
+              <a:path w="120000" h="120000" extrusionOk="0">
                 <a:moveTo>
                   <a:pt x="0" y="0"/>
                 </a:moveTo>
@@ -1932,9 +2097,11 @@
       <p:sp>
         <p:nvSpPr>
           <p:cNvPr id="180" name="Shape 180"/>
-          <p:cNvSpPr txBox="1"/>
+          <p:cNvSpPr txBox="1">
+            <a:spLocks noGrp="1"/>
+          </p:cNvSpPr>
           <p:nvPr>
-            <p:ph idx="1" type="body"/>
+            <p:ph type="body" idx="1"/>
           </p:nvPr>
         </p:nvSpPr>
         <p:spPr>
@@ -1947,12 +2114,12 @@
           </a:prstGeom>
         </p:spPr>
         <p:txBody>
-          <a:bodyPr anchorCtr="0" anchor="t" bIns="91425" lIns="91425" spcFirstLastPara="1" rIns="91425" wrap="square" tIns="91425">
+          <a:bodyPr spcFirstLastPara="1" wrap="square" lIns="91425" tIns="91425" rIns="91425" bIns="91425" anchor="t" anchorCtr="0">
             <a:noAutofit/>
           </a:bodyPr>
           <a:lstStyle/>
           <a:p>
-            <a:pPr indent="0" lvl="0" marL="0">
+            <a:pPr marL="0" lvl="0" indent="0">
               <a:spcBef>
                 <a:spcPts val="0"/>
               </a:spcBef>
@@ -1961,14 +2128,16 @@
               </a:spcAft>
               <a:buNone/>
             </a:pPr>
-            <a:r>
-              <a:t/>
-            </a:r>
             <a:endParaRPr/>
           </a:p>
         </p:txBody>
       </p:sp>
     </p:spTree>
+    <p:extLst>
+      <p:ext uri="{BB962C8B-B14F-4D97-AF65-F5344CB8AC3E}">
+        <p14:creationId xmlns:p14="http://schemas.microsoft.com/office/powerpoint/2010/main" val="415698727"/>
+      </p:ext>
+    </p:extLst>
   </p:cSld>
   <p:clrMapOvr>
     <a:masterClrMapping/>
@@ -1977,11 +2146,11 @@
 </file>
 
 <file path=ppt/notesSlides/notesSlide3.xml><?xml version="1.0" encoding="utf-8"?>
-<p:notes xmlns:a="http://schemas.openxmlformats.org/drawingml/2006/main" xmlns:r="http://schemas.openxmlformats.org/officeDocument/2006/relationships" xmlns:mc="http://schemas.openxmlformats.org/markup-compatibility/2006" xmlns:mv="urn:schemas-microsoft-com:mac:vml" xmlns:p="http://schemas.openxmlformats.org/presentationml/2006/main" xmlns:c="http://schemas.openxmlformats.org/drawingml/2006/chart" xmlns:dgm="http://schemas.openxmlformats.org/drawingml/2006/diagram" xmlns:o="urn:schemas-microsoft-com:office:office" xmlns:v="urn:schemas-microsoft-com:vml" xmlns:pvml="urn:schemas-microsoft-com:office:powerpoint" xmlns:com="http://schemas.openxmlformats.org/drawingml/2006/compatibility" xmlns:p14="http://schemas.microsoft.com/office/powerpoint/2010/main" xmlns:p15="http://schemas.microsoft.com/office/powerpoint/2012/main" showMasterPhAnim="0" showMasterSp="0">
+<p:notes xmlns:a="http://schemas.openxmlformats.org/drawingml/2006/main" xmlns:r="http://schemas.openxmlformats.org/officeDocument/2006/relationships" xmlns:p="http://schemas.openxmlformats.org/presentationml/2006/main" showMasterSp="0" showMasterPhAnim="0">
   <p:cSld>
     <p:spTree>
       <p:nvGrpSpPr>
-        <p:cNvPr id="71" name="Shape 71"/>
+        <p:cNvPr id="1" name="Shape 71"/>
         <p:cNvGrpSpPr/>
         <p:nvPr/>
       </p:nvGrpSpPr>
@@ -1996,9 +2165,11 @@
       <p:sp>
         <p:nvSpPr>
           <p:cNvPr id="72" name="Shape 72"/>
-          <p:cNvSpPr/>
+          <p:cNvSpPr>
+            <a:spLocks noGrp="1" noRot="1" noChangeAspect="1"/>
+          </p:cNvSpPr>
           <p:nvPr>
-            <p:ph idx="2" type="sldImg"/>
+            <p:ph type="sldImg" idx="2"/>
           </p:nvPr>
         </p:nvSpPr>
         <p:spPr>
@@ -2007,8 +2178,13 @@
             <a:ext cx="6096000" cy="3429000"/>
           </a:xfrm>
           <a:custGeom>
+            <a:avLst/>
+            <a:gdLst/>
+            <a:ahLst/>
+            <a:cxnLst/>
+            <a:rect l="0" t="0" r="0" b="0"/>
             <a:pathLst>
-              <a:path extrusionOk="0" h="120000" w="120000">
+              <a:path w="120000" h="120000" extrusionOk="0">
                 <a:moveTo>
                   <a:pt x="0" y="0"/>
                 </a:moveTo>
@@ -2030,9 +2206,11 @@
       <p:sp>
         <p:nvSpPr>
           <p:cNvPr id="73" name="Shape 73"/>
-          <p:cNvSpPr txBox="1"/>
+          <p:cNvSpPr txBox="1">
+            <a:spLocks noGrp="1"/>
+          </p:cNvSpPr>
           <p:nvPr>
-            <p:ph idx="1" type="body"/>
+            <p:ph type="body" idx="1"/>
           </p:nvPr>
         </p:nvSpPr>
         <p:spPr>
@@ -2045,12 +2223,12 @@
           </a:prstGeom>
         </p:spPr>
         <p:txBody>
-          <a:bodyPr anchorCtr="0" anchor="t" bIns="91425" lIns="91425" spcFirstLastPara="1" rIns="91425" wrap="square" tIns="91425">
+          <a:bodyPr spcFirstLastPara="1" wrap="square" lIns="91425" tIns="91425" rIns="91425" bIns="91425" anchor="t" anchorCtr="0">
             <a:noAutofit/>
           </a:bodyPr>
           <a:lstStyle/>
           <a:p>
-            <a:pPr indent="0" lvl="0" marL="0">
+            <a:pPr marL="0" lvl="0" indent="0">
               <a:spcBef>
                 <a:spcPts val="0"/>
               </a:spcBef>
@@ -2059,14 +2237,16 @@
               </a:spcAft>
               <a:buNone/>
             </a:pPr>
-            <a:r>
-              <a:t/>
-            </a:r>
             <a:endParaRPr/>
           </a:p>
         </p:txBody>
       </p:sp>
     </p:spTree>
+    <p:extLst>
+      <p:ext uri="{BB962C8B-B14F-4D97-AF65-F5344CB8AC3E}">
+        <p14:creationId xmlns:p14="http://schemas.microsoft.com/office/powerpoint/2010/main" val="428467807"/>
+      </p:ext>
+    </p:extLst>
   </p:cSld>
   <p:clrMapOvr>
     <a:masterClrMapping/>
@@ -2075,11 +2255,11 @@
 </file>
 
 <file path=ppt/notesSlides/notesSlide4.xml><?xml version="1.0" encoding="utf-8"?>
-<p:notes xmlns:a="http://schemas.openxmlformats.org/drawingml/2006/main" xmlns:r="http://schemas.openxmlformats.org/officeDocument/2006/relationships" xmlns:mc="http://schemas.openxmlformats.org/markup-compatibility/2006" xmlns:mv="urn:schemas-microsoft-com:mac:vml" xmlns:p="http://schemas.openxmlformats.org/presentationml/2006/main" xmlns:c="http://schemas.openxmlformats.org/drawingml/2006/chart" xmlns:dgm="http://schemas.openxmlformats.org/drawingml/2006/diagram" xmlns:o="urn:schemas-microsoft-com:office:office" xmlns:v="urn:schemas-microsoft-com:vml" xmlns:pvml="urn:schemas-microsoft-com:office:powerpoint" xmlns:com="http://schemas.openxmlformats.org/drawingml/2006/compatibility" xmlns:p14="http://schemas.microsoft.com/office/powerpoint/2010/main" xmlns:p15="http://schemas.microsoft.com/office/powerpoint/2012/main" showMasterPhAnim="0" showMasterSp="0">
+<p:notes xmlns:a="http://schemas.openxmlformats.org/drawingml/2006/main" xmlns:r="http://schemas.openxmlformats.org/officeDocument/2006/relationships" xmlns:p="http://schemas.openxmlformats.org/presentationml/2006/main" showMasterSp="0" showMasterPhAnim="0">
   <p:cSld>
     <p:spTree>
       <p:nvGrpSpPr>
-        <p:cNvPr id="77" name="Shape 77"/>
+        <p:cNvPr id="1" name="Shape 77"/>
         <p:cNvGrpSpPr/>
         <p:nvPr/>
       </p:nvGrpSpPr>
@@ -2094,9 +2274,11 @@
       <p:sp>
         <p:nvSpPr>
           <p:cNvPr id="78" name="Shape 78"/>
-          <p:cNvSpPr/>
+          <p:cNvSpPr>
+            <a:spLocks noGrp="1" noRot="1" noChangeAspect="1"/>
+          </p:cNvSpPr>
           <p:nvPr>
-            <p:ph idx="2" type="sldImg"/>
+            <p:ph type="sldImg" idx="2"/>
           </p:nvPr>
         </p:nvSpPr>
         <p:spPr>
@@ -2105,8 +2287,13 @@
             <a:ext cx="6096000" cy="3429000"/>
           </a:xfrm>
           <a:custGeom>
+            <a:avLst/>
+            <a:gdLst/>
+            <a:ahLst/>
+            <a:cxnLst/>
+            <a:rect l="0" t="0" r="0" b="0"/>
             <a:pathLst>
-              <a:path extrusionOk="0" h="120000" w="120000">
+              <a:path w="120000" h="120000" extrusionOk="0">
                 <a:moveTo>
                   <a:pt x="0" y="0"/>
                 </a:moveTo>
@@ -2128,9 +2315,11 @@
       <p:sp>
         <p:nvSpPr>
           <p:cNvPr id="79" name="Shape 79"/>
-          <p:cNvSpPr txBox="1"/>
+          <p:cNvSpPr txBox="1">
+            <a:spLocks noGrp="1"/>
+          </p:cNvSpPr>
           <p:nvPr>
-            <p:ph idx="1" type="body"/>
+            <p:ph type="body" idx="1"/>
           </p:nvPr>
         </p:nvSpPr>
         <p:spPr>
@@ -2143,12 +2332,12 @@
           </a:prstGeom>
         </p:spPr>
         <p:txBody>
-          <a:bodyPr anchorCtr="0" anchor="t" bIns="91425" lIns="91425" spcFirstLastPara="1" rIns="91425" wrap="square" tIns="91425">
+          <a:bodyPr spcFirstLastPara="1" wrap="square" lIns="91425" tIns="91425" rIns="91425" bIns="91425" anchor="t" anchorCtr="0">
             <a:noAutofit/>
           </a:bodyPr>
           <a:lstStyle/>
           <a:p>
-            <a:pPr indent="0" lvl="0" marL="0">
+            <a:pPr marL="0" lvl="0" indent="0">
               <a:spcBef>
                 <a:spcPts val="0"/>
               </a:spcBef>
@@ -2157,14 +2346,16 @@
               </a:spcAft>
               <a:buNone/>
             </a:pPr>
-            <a:r>
-              <a:t/>
-            </a:r>
             <a:endParaRPr/>
           </a:p>
         </p:txBody>
       </p:sp>
     </p:spTree>
+    <p:extLst>
+      <p:ext uri="{BB962C8B-B14F-4D97-AF65-F5344CB8AC3E}">
+        <p14:creationId xmlns:p14="http://schemas.microsoft.com/office/powerpoint/2010/main" val="1638554655"/>
+      </p:ext>
+    </p:extLst>
   </p:cSld>
   <p:clrMapOvr>
     <a:masterClrMapping/>
@@ -2173,11 +2364,11 @@
 </file>
 
 <file path=ppt/notesSlides/notesSlide5.xml><?xml version="1.0" encoding="utf-8"?>
-<p:notes xmlns:a="http://schemas.openxmlformats.org/drawingml/2006/main" xmlns:r="http://schemas.openxmlformats.org/officeDocument/2006/relationships" xmlns:mc="http://schemas.openxmlformats.org/markup-compatibility/2006" xmlns:mv="urn:schemas-microsoft-com:mac:vml" xmlns:p="http://schemas.openxmlformats.org/presentationml/2006/main" xmlns:c="http://schemas.openxmlformats.org/drawingml/2006/chart" xmlns:dgm="http://schemas.openxmlformats.org/drawingml/2006/diagram" xmlns:o="urn:schemas-microsoft-com:office:office" xmlns:v="urn:schemas-microsoft-com:vml" xmlns:pvml="urn:schemas-microsoft-com:office:powerpoint" xmlns:com="http://schemas.openxmlformats.org/drawingml/2006/compatibility" xmlns:p14="http://schemas.microsoft.com/office/powerpoint/2010/main" xmlns:p15="http://schemas.microsoft.com/office/powerpoint/2012/main" showMasterPhAnim="0" showMasterSp="0">
+<p:notes xmlns:a="http://schemas.openxmlformats.org/drawingml/2006/main" xmlns:r="http://schemas.openxmlformats.org/officeDocument/2006/relationships" xmlns:p="http://schemas.openxmlformats.org/presentationml/2006/main" showMasterSp="0" showMasterPhAnim="0">
   <p:cSld>
     <p:spTree>
       <p:nvGrpSpPr>
-        <p:cNvPr id="83" name="Shape 83"/>
+        <p:cNvPr id="1" name="Shape 83"/>
         <p:cNvGrpSpPr/>
         <p:nvPr/>
       </p:nvGrpSpPr>
@@ -2192,9 +2383,11 @@
       <p:sp>
         <p:nvSpPr>
           <p:cNvPr id="84" name="Shape 84"/>
-          <p:cNvSpPr/>
+          <p:cNvSpPr>
+            <a:spLocks noGrp="1" noRot="1" noChangeAspect="1"/>
+          </p:cNvSpPr>
           <p:nvPr>
-            <p:ph idx="2" type="sldImg"/>
+            <p:ph type="sldImg" idx="2"/>
           </p:nvPr>
         </p:nvSpPr>
         <p:spPr>
@@ -2203,8 +2396,13 @@
             <a:ext cx="6096000" cy="3429000"/>
           </a:xfrm>
           <a:custGeom>
+            <a:avLst/>
+            <a:gdLst/>
+            <a:ahLst/>
+            <a:cxnLst/>
+            <a:rect l="0" t="0" r="0" b="0"/>
             <a:pathLst>
-              <a:path extrusionOk="0" h="120000" w="120000">
+              <a:path w="120000" h="120000" extrusionOk="0">
                 <a:moveTo>
                   <a:pt x="0" y="0"/>
                 </a:moveTo>
@@ -2226,9 +2424,11 @@
       <p:sp>
         <p:nvSpPr>
           <p:cNvPr id="85" name="Shape 85"/>
-          <p:cNvSpPr txBox="1"/>
+          <p:cNvSpPr txBox="1">
+            <a:spLocks noGrp="1"/>
+          </p:cNvSpPr>
           <p:nvPr>
-            <p:ph idx="1" type="body"/>
+            <p:ph type="body" idx="1"/>
           </p:nvPr>
         </p:nvSpPr>
         <p:spPr>
@@ -2241,12 +2441,12 @@
           </a:prstGeom>
         </p:spPr>
         <p:txBody>
-          <a:bodyPr anchorCtr="0" anchor="t" bIns="91425" lIns="91425" spcFirstLastPara="1" rIns="91425" wrap="square" tIns="91425">
+          <a:bodyPr spcFirstLastPara="1" wrap="square" lIns="91425" tIns="91425" rIns="91425" bIns="91425" anchor="t" anchorCtr="0">
             <a:noAutofit/>
           </a:bodyPr>
           <a:lstStyle/>
           <a:p>
-            <a:pPr indent="0" lvl="0" marL="0">
+            <a:pPr marL="0" lvl="0" indent="0">
               <a:spcBef>
                 <a:spcPts val="0"/>
               </a:spcBef>
@@ -2255,14 +2455,16 @@
               </a:spcAft>
               <a:buNone/>
             </a:pPr>
-            <a:r>
-              <a:t/>
-            </a:r>
             <a:endParaRPr/>
           </a:p>
         </p:txBody>
       </p:sp>
     </p:spTree>
+    <p:extLst>
+      <p:ext uri="{BB962C8B-B14F-4D97-AF65-F5344CB8AC3E}">
+        <p14:creationId xmlns:p14="http://schemas.microsoft.com/office/powerpoint/2010/main" val="4287174036"/>
+      </p:ext>
+    </p:extLst>
   </p:cSld>
   <p:clrMapOvr>
     <a:masterClrMapping/>
@@ -2271,11 +2473,11 @@
 </file>
 
 <file path=ppt/notesSlides/notesSlide6.xml><?xml version="1.0" encoding="utf-8"?>
-<p:notes xmlns:a="http://schemas.openxmlformats.org/drawingml/2006/main" xmlns:r="http://schemas.openxmlformats.org/officeDocument/2006/relationships" xmlns:mc="http://schemas.openxmlformats.org/markup-compatibility/2006" xmlns:mv="urn:schemas-microsoft-com:mac:vml" xmlns:p="http://schemas.openxmlformats.org/presentationml/2006/main" xmlns:c="http://schemas.openxmlformats.org/drawingml/2006/chart" xmlns:dgm="http://schemas.openxmlformats.org/drawingml/2006/diagram" xmlns:o="urn:schemas-microsoft-com:office:office" xmlns:v="urn:schemas-microsoft-com:vml" xmlns:pvml="urn:schemas-microsoft-com:office:powerpoint" xmlns:com="http://schemas.openxmlformats.org/drawingml/2006/compatibility" xmlns:p14="http://schemas.microsoft.com/office/powerpoint/2010/main" xmlns:p15="http://schemas.microsoft.com/office/powerpoint/2012/main" showMasterPhAnim="0" showMasterSp="0">
+<p:notes xmlns:a="http://schemas.openxmlformats.org/drawingml/2006/main" xmlns:r="http://schemas.openxmlformats.org/officeDocument/2006/relationships" xmlns:p="http://schemas.openxmlformats.org/presentationml/2006/main" showMasterSp="0" showMasterPhAnim="0">
   <p:cSld>
     <p:spTree>
       <p:nvGrpSpPr>
-        <p:cNvPr id="89" name="Shape 89"/>
+        <p:cNvPr id="1" name="Shape 89"/>
         <p:cNvGrpSpPr/>
         <p:nvPr/>
       </p:nvGrpSpPr>
@@ -2290,9 +2492,11 @@
       <p:sp>
         <p:nvSpPr>
           <p:cNvPr id="90" name="Shape 90"/>
-          <p:cNvSpPr/>
+          <p:cNvSpPr>
+            <a:spLocks noGrp="1" noRot="1" noChangeAspect="1"/>
+          </p:cNvSpPr>
           <p:nvPr>
-            <p:ph idx="2" type="sldImg"/>
+            <p:ph type="sldImg" idx="2"/>
           </p:nvPr>
         </p:nvSpPr>
         <p:spPr>
@@ -2301,8 +2505,13 @@
             <a:ext cx="6096000" cy="3429000"/>
           </a:xfrm>
           <a:custGeom>
+            <a:avLst/>
+            <a:gdLst/>
+            <a:ahLst/>
+            <a:cxnLst/>
+            <a:rect l="0" t="0" r="0" b="0"/>
             <a:pathLst>
-              <a:path extrusionOk="0" h="120000" w="120000">
+              <a:path w="120000" h="120000" extrusionOk="0">
                 <a:moveTo>
                   <a:pt x="0" y="0"/>
                 </a:moveTo>
@@ -2324,9 +2533,11 @@
       <p:sp>
         <p:nvSpPr>
           <p:cNvPr id="91" name="Shape 91"/>
-          <p:cNvSpPr txBox="1"/>
+          <p:cNvSpPr txBox="1">
+            <a:spLocks noGrp="1"/>
+          </p:cNvSpPr>
           <p:nvPr>
-            <p:ph idx="1" type="body"/>
+            <p:ph type="body" idx="1"/>
           </p:nvPr>
         </p:nvSpPr>
         <p:spPr>
@@ -2339,12 +2550,12 @@
           </a:prstGeom>
         </p:spPr>
         <p:txBody>
-          <a:bodyPr anchorCtr="0" anchor="t" bIns="91425" lIns="91425" spcFirstLastPara="1" rIns="91425" wrap="square" tIns="91425">
+          <a:bodyPr spcFirstLastPara="1" wrap="square" lIns="91425" tIns="91425" rIns="91425" bIns="91425" anchor="t" anchorCtr="0">
             <a:noAutofit/>
           </a:bodyPr>
           <a:lstStyle/>
           <a:p>
-            <a:pPr indent="0" lvl="0" marL="0">
+            <a:pPr marL="0" lvl="0" indent="0">
               <a:spcBef>
                 <a:spcPts val="0"/>
               </a:spcBef>
@@ -2353,14 +2564,16 @@
               </a:spcAft>
               <a:buNone/>
             </a:pPr>
-            <a:r>
-              <a:t/>
-            </a:r>
             <a:endParaRPr/>
           </a:p>
         </p:txBody>
       </p:sp>
     </p:spTree>
+    <p:extLst>
+      <p:ext uri="{BB962C8B-B14F-4D97-AF65-F5344CB8AC3E}">
+        <p14:creationId xmlns:p14="http://schemas.microsoft.com/office/powerpoint/2010/main" val="3371654285"/>
+      </p:ext>
+    </p:extLst>
   </p:cSld>
   <p:clrMapOvr>
     <a:masterClrMapping/>
@@ -2369,11 +2582,11 @@
 </file>
 
 <file path=ppt/notesSlides/notesSlide7.xml><?xml version="1.0" encoding="utf-8"?>
-<p:notes xmlns:a="http://schemas.openxmlformats.org/drawingml/2006/main" xmlns:r="http://schemas.openxmlformats.org/officeDocument/2006/relationships" xmlns:mc="http://schemas.openxmlformats.org/markup-compatibility/2006" xmlns:mv="urn:schemas-microsoft-com:mac:vml" xmlns:p="http://schemas.openxmlformats.org/presentationml/2006/main" xmlns:c="http://schemas.openxmlformats.org/drawingml/2006/chart" xmlns:dgm="http://schemas.openxmlformats.org/drawingml/2006/diagram" xmlns:o="urn:schemas-microsoft-com:office:office" xmlns:v="urn:schemas-microsoft-com:vml" xmlns:pvml="urn:schemas-microsoft-com:office:powerpoint" xmlns:com="http://schemas.openxmlformats.org/drawingml/2006/compatibility" xmlns:p14="http://schemas.microsoft.com/office/powerpoint/2010/main" xmlns:p15="http://schemas.microsoft.com/office/powerpoint/2012/main" showMasterPhAnim="0" showMasterSp="0">
+<p:notes xmlns:a="http://schemas.openxmlformats.org/drawingml/2006/main" xmlns:r="http://schemas.openxmlformats.org/officeDocument/2006/relationships" xmlns:p="http://schemas.openxmlformats.org/presentationml/2006/main" showMasterSp="0" showMasterPhAnim="0">
   <p:cSld>
     <p:spTree>
       <p:nvGrpSpPr>
-        <p:cNvPr id="95" name="Shape 95"/>
+        <p:cNvPr id="1" name="Shape 95"/>
         <p:cNvGrpSpPr/>
         <p:nvPr/>
       </p:nvGrpSpPr>
@@ -2388,9 +2601,11 @@
       <p:sp>
         <p:nvSpPr>
           <p:cNvPr id="96" name="Shape 96"/>
-          <p:cNvSpPr/>
+          <p:cNvSpPr>
+            <a:spLocks noGrp="1" noRot="1" noChangeAspect="1"/>
+          </p:cNvSpPr>
           <p:nvPr>
-            <p:ph idx="2" type="sldImg"/>
+            <p:ph type="sldImg" idx="2"/>
           </p:nvPr>
         </p:nvSpPr>
         <p:spPr>
@@ -2399,8 +2614,13 @@
             <a:ext cx="6096000" cy="3429000"/>
           </a:xfrm>
           <a:custGeom>
+            <a:avLst/>
+            <a:gdLst/>
+            <a:ahLst/>
+            <a:cxnLst/>
+            <a:rect l="0" t="0" r="0" b="0"/>
             <a:pathLst>
-              <a:path extrusionOk="0" h="120000" w="120000">
+              <a:path w="120000" h="120000" extrusionOk="0">
                 <a:moveTo>
                   <a:pt x="0" y="0"/>
                 </a:moveTo>
@@ -2422,9 +2642,11 @@
       <p:sp>
         <p:nvSpPr>
           <p:cNvPr id="97" name="Shape 97"/>
-          <p:cNvSpPr txBox="1"/>
+          <p:cNvSpPr txBox="1">
+            <a:spLocks noGrp="1"/>
+          </p:cNvSpPr>
           <p:nvPr>
-            <p:ph idx="1" type="body"/>
+            <p:ph type="body" idx="1"/>
           </p:nvPr>
         </p:nvSpPr>
         <p:spPr>
@@ -2437,12 +2659,12 @@
           </a:prstGeom>
         </p:spPr>
         <p:txBody>
-          <a:bodyPr anchorCtr="0" anchor="t" bIns="91425" lIns="91425" spcFirstLastPara="1" rIns="91425" wrap="square" tIns="91425">
+          <a:bodyPr spcFirstLastPara="1" wrap="square" lIns="91425" tIns="91425" rIns="91425" bIns="91425" anchor="t" anchorCtr="0">
             <a:noAutofit/>
           </a:bodyPr>
           <a:lstStyle/>
           <a:p>
-            <a:pPr indent="0" lvl="0" marL="0">
+            <a:pPr marL="0" lvl="0" indent="0">
               <a:spcBef>
                 <a:spcPts val="0"/>
               </a:spcBef>
@@ -2451,14 +2673,16 @@
               </a:spcAft>
               <a:buNone/>
             </a:pPr>
-            <a:r>
-              <a:t/>
-            </a:r>
             <a:endParaRPr/>
           </a:p>
         </p:txBody>
       </p:sp>
     </p:spTree>
+    <p:extLst>
+      <p:ext uri="{BB962C8B-B14F-4D97-AF65-F5344CB8AC3E}">
+        <p14:creationId xmlns:p14="http://schemas.microsoft.com/office/powerpoint/2010/main" val="646569891"/>
+      </p:ext>
+    </p:extLst>
   </p:cSld>
   <p:clrMapOvr>
     <a:masterClrMapping/>
@@ -2467,11 +2691,11 @@
 </file>
 
 <file path=ppt/notesSlides/notesSlide8.xml><?xml version="1.0" encoding="utf-8"?>
-<p:notes xmlns:a="http://schemas.openxmlformats.org/drawingml/2006/main" xmlns:r="http://schemas.openxmlformats.org/officeDocument/2006/relationships" xmlns:mc="http://schemas.openxmlformats.org/markup-compatibility/2006" xmlns:mv="urn:schemas-microsoft-com:mac:vml" xmlns:p="http://schemas.openxmlformats.org/presentationml/2006/main" xmlns:c="http://schemas.openxmlformats.org/drawingml/2006/chart" xmlns:dgm="http://schemas.openxmlformats.org/drawingml/2006/diagram" xmlns:o="urn:schemas-microsoft-com:office:office" xmlns:v="urn:schemas-microsoft-com:vml" xmlns:pvml="urn:schemas-microsoft-com:office:powerpoint" xmlns:com="http://schemas.openxmlformats.org/drawingml/2006/compatibility" xmlns:p14="http://schemas.microsoft.com/office/powerpoint/2010/main" xmlns:p15="http://schemas.microsoft.com/office/powerpoint/2012/main" showMasterPhAnim="0" showMasterSp="0">
+<p:notes xmlns:a="http://schemas.openxmlformats.org/drawingml/2006/main" xmlns:r="http://schemas.openxmlformats.org/officeDocument/2006/relationships" xmlns:p="http://schemas.openxmlformats.org/presentationml/2006/main" showMasterSp="0" showMasterPhAnim="0">
   <p:cSld>
     <p:spTree>
       <p:nvGrpSpPr>
-        <p:cNvPr id="101" name="Shape 101"/>
+        <p:cNvPr id="1" name="Shape 101"/>
         <p:cNvGrpSpPr/>
         <p:nvPr/>
       </p:nvGrpSpPr>
@@ -2486,9 +2710,11 @@
       <p:sp>
         <p:nvSpPr>
           <p:cNvPr id="102" name="Shape 102"/>
-          <p:cNvSpPr/>
+          <p:cNvSpPr>
+            <a:spLocks noGrp="1" noRot="1" noChangeAspect="1"/>
+          </p:cNvSpPr>
           <p:nvPr>
-            <p:ph idx="2" type="sldImg"/>
+            <p:ph type="sldImg" idx="2"/>
           </p:nvPr>
         </p:nvSpPr>
         <p:spPr>
@@ -2497,8 +2723,13 @@
             <a:ext cx="6096000" cy="3429000"/>
           </a:xfrm>
           <a:custGeom>
+            <a:avLst/>
+            <a:gdLst/>
+            <a:ahLst/>
+            <a:cxnLst/>
+            <a:rect l="0" t="0" r="0" b="0"/>
             <a:pathLst>
-              <a:path extrusionOk="0" h="120000" w="120000">
+              <a:path w="120000" h="120000" extrusionOk="0">
                 <a:moveTo>
                   <a:pt x="0" y="0"/>
                 </a:moveTo>
@@ -2520,9 +2751,11 @@
       <p:sp>
         <p:nvSpPr>
           <p:cNvPr id="103" name="Shape 103"/>
-          <p:cNvSpPr txBox="1"/>
+          <p:cNvSpPr txBox="1">
+            <a:spLocks noGrp="1"/>
+          </p:cNvSpPr>
           <p:nvPr>
-            <p:ph idx="1" type="body"/>
+            <p:ph type="body" idx="1"/>
           </p:nvPr>
         </p:nvSpPr>
         <p:spPr>
@@ -2535,12 +2768,12 @@
           </a:prstGeom>
         </p:spPr>
         <p:txBody>
-          <a:bodyPr anchorCtr="0" anchor="t" bIns="91425" lIns="91425" spcFirstLastPara="1" rIns="91425" wrap="square" tIns="91425">
+          <a:bodyPr spcFirstLastPara="1" wrap="square" lIns="91425" tIns="91425" rIns="91425" bIns="91425" anchor="t" anchorCtr="0">
             <a:noAutofit/>
           </a:bodyPr>
           <a:lstStyle/>
           <a:p>
-            <a:pPr indent="0" lvl="0" marL="0">
+            <a:pPr marL="0" lvl="0" indent="0">
               <a:spcBef>
                 <a:spcPts val="0"/>
               </a:spcBef>
@@ -2549,14 +2782,16 @@
               </a:spcAft>
               <a:buNone/>
             </a:pPr>
-            <a:r>
-              <a:t/>
-            </a:r>
             <a:endParaRPr/>
           </a:p>
         </p:txBody>
       </p:sp>
     </p:spTree>
+    <p:extLst>
+      <p:ext uri="{BB962C8B-B14F-4D97-AF65-F5344CB8AC3E}">
+        <p14:creationId xmlns:p14="http://schemas.microsoft.com/office/powerpoint/2010/main" val="3874220762"/>
+      </p:ext>
+    </p:extLst>
   </p:cSld>
   <p:clrMapOvr>
     <a:masterClrMapping/>
@@ -2565,11 +2800,11 @@
 </file>
 
 <file path=ppt/notesSlides/notesSlide9.xml><?xml version="1.0" encoding="utf-8"?>
-<p:notes xmlns:a="http://schemas.openxmlformats.org/drawingml/2006/main" xmlns:r="http://schemas.openxmlformats.org/officeDocument/2006/relationships" xmlns:mc="http://schemas.openxmlformats.org/markup-compatibility/2006" xmlns:mv="urn:schemas-microsoft-com:mac:vml" xmlns:p="http://schemas.openxmlformats.org/presentationml/2006/main" xmlns:c="http://schemas.openxmlformats.org/drawingml/2006/chart" xmlns:dgm="http://schemas.openxmlformats.org/drawingml/2006/diagram" xmlns:o="urn:schemas-microsoft-com:office:office" xmlns:v="urn:schemas-microsoft-com:vml" xmlns:pvml="urn:schemas-microsoft-com:office:powerpoint" xmlns:com="http://schemas.openxmlformats.org/drawingml/2006/compatibility" xmlns:p14="http://schemas.microsoft.com/office/powerpoint/2010/main" xmlns:p15="http://schemas.microsoft.com/office/powerpoint/2012/main" showMasterPhAnim="0" showMasterSp="0">
+<p:notes xmlns:a="http://schemas.openxmlformats.org/drawingml/2006/main" xmlns:r="http://schemas.openxmlformats.org/officeDocument/2006/relationships" xmlns:p="http://schemas.openxmlformats.org/presentationml/2006/main" showMasterSp="0" showMasterPhAnim="0">
   <p:cSld>
     <p:spTree>
       <p:nvGrpSpPr>
-        <p:cNvPr id="108" name="Shape 108"/>
+        <p:cNvPr id="1" name="Shape 108"/>
         <p:cNvGrpSpPr/>
         <p:nvPr/>
       </p:nvGrpSpPr>
@@ -2584,9 +2819,11 @@
       <p:sp>
         <p:nvSpPr>
           <p:cNvPr id="109" name="Shape 109"/>
-          <p:cNvSpPr/>
+          <p:cNvSpPr>
+            <a:spLocks noGrp="1" noRot="1" noChangeAspect="1"/>
+          </p:cNvSpPr>
           <p:nvPr>
-            <p:ph idx="2" type="sldImg"/>
+            <p:ph type="sldImg" idx="2"/>
           </p:nvPr>
         </p:nvSpPr>
         <p:spPr>
@@ -2595,8 +2832,13 @@
             <a:ext cx="6096000" cy="3429000"/>
           </a:xfrm>
           <a:custGeom>
+            <a:avLst/>
+            <a:gdLst/>
+            <a:ahLst/>
+            <a:cxnLst/>
+            <a:rect l="0" t="0" r="0" b="0"/>
             <a:pathLst>
-              <a:path extrusionOk="0" h="120000" w="120000">
+              <a:path w="120000" h="120000" extrusionOk="0">
                 <a:moveTo>
                   <a:pt x="0" y="0"/>
                 </a:moveTo>
@@ -2618,9 +2860,11 @@
       <p:sp>
         <p:nvSpPr>
           <p:cNvPr id="110" name="Shape 110"/>
-          <p:cNvSpPr txBox="1"/>
+          <p:cNvSpPr txBox="1">
+            <a:spLocks noGrp="1"/>
+          </p:cNvSpPr>
           <p:nvPr>
-            <p:ph idx="1" type="body"/>
+            <p:ph type="body" idx="1"/>
           </p:nvPr>
         </p:nvSpPr>
         <p:spPr>
@@ -2633,12 +2877,12 @@
           </a:prstGeom>
         </p:spPr>
         <p:txBody>
-          <a:bodyPr anchorCtr="0" anchor="t" bIns="91425" lIns="91425" spcFirstLastPara="1" rIns="91425" wrap="square" tIns="91425">
+          <a:bodyPr spcFirstLastPara="1" wrap="square" lIns="91425" tIns="91425" rIns="91425" bIns="91425" anchor="t" anchorCtr="0">
             <a:noAutofit/>
           </a:bodyPr>
           <a:lstStyle/>
           <a:p>
-            <a:pPr indent="0" lvl="0" marL="0">
+            <a:pPr marL="0" lvl="0" indent="0">
               <a:spcBef>
                 <a:spcPts val="0"/>
               </a:spcBef>
@@ -2647,14 +2891,16 @@
               </a:spcAft>
               <a:buNone/>
             </a:pPr>
-            <a:r>
-              <a:t/>
-            </a:r>
             <a:endParaRPr/>
           </a:p>
         </p:txBody>
       </p:sp>
     </p:spTree>
+    <p:extLst>
+      <p:ext uri="{BB962C8B-B14F-4D97-AF65-F5344CB8AC3E}">
+        <p14:creationId xmlns:p14="http://schemas.microsoft.com/office/powerpoint/2010/main" val="2585948698"/>
+      </p:ext>
+    </p:extLst>
   </p:cSld>
   <p:clrMapOvr>
     <a:masterClrMapping/>
@@ -2663,11 +2909,11 @@
 </file>
 
 <file path=ppt/slideLayouts/slideLayout1.xml><?xml version="1.0" encoding="utf-8"?>
-<p:sldLayout xmlns:a="http://schemas.openxmlformats.org/drawingml/2006/main" xmlns:r="http://schemas.openxmlformats.org/officeDocument/2006/relationships" xmlns:mc="http://schemas.openxmlformats.org/markup-compatibility/2006" xmlns:mv="urn:schemas-microsoft-com:mac:vml" xmlns:p="http://schemas.openxmlformats.org/presentationml/2006/main" xmlns:c="http://schemas.openxmlformats.org/drawingml/2006/chart" xmlns:dgm="http://schemas.openxmlformats.org/drawingml/2006/diagram" xmlns:o="urn:schemas-microsoft-com:office:office" xmlns:v="urn:schemas-microsoft-com:vml" xmlns:pvml="urn:schemas-microsoft-com:office:powerpoint" xmlns:com="http://schemas.openxmlformats.org/drawingml/2006/compatibility" xmlns:p14="http://schemas.microsoft.com/office/powerpoint/2010/main" xmlns:p15="http://schemas.microsoft.com/office/powerpoint/2012/main" matchingName="Title slide" type="title">
+<p:sldLayout xmlns:a="http://schemas.openxmlformats.org/drawingml/2006/main" xmlns:r="http://schemas.openxmlformats.org/officeDocument/2006/relationships" xmlns:p="http://schemas.openxmlformats.org/presentationml/2006/main" matchingName="Title slide" type="title">
   <p:cSld name="TITLE">
     <p:spTree>
       <p:nvGrpSpPr>
-        <p:cNvPr id="9" name="Shape 9"/>
+        <p:cNvPr id="1" name="Shape 9"/>
         <p:cNvGrpSpPr/>
         <p:nvPr/>
       </p:nvGrpSpPr>
@@ -2691,8 +2937,13 @@
             <a:ext cx="1081625" cy="1124950"/>
           </a:xfrm>
           <a:custGeom>
+            <a:avLst/>
+            <a:gdLst/>
+            <a:ahLst/>
+            <a:cxnLst/>
+            <a:rect l="0" t="0" r="0" b="0"/>
             <a:pathLst>
-              <a:path extrusionOk="0" h="44998" w="43265">
+              <a:path w="43265" h="44998" extrusionOk="0">
                 <a:moveTo>
                   <a:pt x="0" y="44998"/>
                 </a:moveTo>
@@ -2706,14 +2957,14 @@
             </a:pathLst>
           </a:custGeom>
           <a:noFill/>
-          <a:ln cap="flat" cmpd="sng" w="28575">
+          <a:ln w="28575" cap="flat" cmpd="sng">
             <a:solidFill>
               <a:schemeClr val="lt2"/>
             </a:solidFill>
             <a:prstDash val="solid"/>
             <a:miter lim="8000"/>
-            <a:headEnd len="sm" w="sm" type="none"/>
-            <a:tailEnd len="sm" w="sm" type="none"/>
+            <a:headEnd type="none" w="sm" len="sm"/>
+            <a:tailEnd type="none" w="sm" len="sm"/>
           </a:ln>
         </p:spPr>
       </p:sp>
@@ -2729,8 +2980,13 @@
             <a:ext cx="1081625" cy="1124950"/>
           </a:xfrm>
           <a:custGeom>
+            <a:avLst/>
+            <a:gdLst/>
+            <a:ahLst/>
+            <a:cxnLst/>
+            <a:rect l="0" t="0" r="0" b="0"/>
             <a:pathLst>
-              <a:path extrusionOk="0" h="44998" w="43265">
+              <a:path w="43265" h="44998" extrusionOk="0">
                 <a:moveTo>
                   <a:pt x="0" y="44998"/>
                 </a:moveTo>
@@ -2744,21 +3000,23 @@
             </a:pathLst>
           </a:custGeom>
           <a:noFill/>
-          <a:ln cap="flat" cmpd="sng" w="28575">
+          <a:ln w="28575" cap="flat" cmpd="sng">
             <a:solidFill>
               <a:schemeClr val="lt2"/>
             </a:solidFill>
             <a:prstDash val="solid"/>
             <a:miter lim="8000"/>
-            <a:headEnd len="sm" w="sm" type="none"/>
-            <a:tailEnd len="sm" w="sm" type="none"/>
+            <a:headEnd type="none" w="sm" len="sm"/>
+            <a:tailEnd type="none" w="sm" len="sm"/>
           </a:ln>
         </p:spPr>
       </p:sp>
       <p:sp>
         <p:nvSpPr>
           <p:cNvPr id="12" name="Shape 12"/>
-          <p:cNvSpPr txBox="1"/>
+          <p:cNvSpPr txBox="1">
+            <a:spLocks noGrp="1"/>
+          </p:cNvSpPr>
           <p:nvPr>
             <p:ph type="ctrTitle"/>
           </p:nvPr>
@@ -2773,7 +3031,7 @@
           </a:prstGeom>
         </p:spPr>
         <p:txBody>
-          <a:bodyPr anchorCtr="0" anchor="b" bIns="91425" lIns="91425" spcFirstLastPara="1" rIns="91425" wrap="square" tIns="91425"/>
+          <a:bodyPr spcFirstLastPara="1" wrap="square" lIns="91425" tIns="91425" rIns="91425" bIns="91425" anchor="b" anchorCtr="0"/>
           <a:lstStyle>
             <a:lvl1pPr lvl="0" algn="ctr">
               <a:spcBef>
@@ -2875,15 +3133,19 @@
               <a:defRPr/>
             </a:lvl9pPr>
           </a:lstStyle>
-          <a:p/>
+          <a:p>
+            <a:endParaRPr/>
+          </a:p>
         </p:txBody>
       </p:sp>
       <p:sp>
         <p:nvSpPr>
           <p:cNvPr id="13" name="Shape 13"/>
-          <p:cNvSpPr txBox="1"/>
+          <p:cNvSpPr txBox="1">
+            <a:spLocks noGrp="1"/>
+          </p:cNvSpPr>
           <p:nvPr>
-            <p:ph idx="1" type="subTitle"/>
+            <p:ph type="subTitle" idx="1"/>
           </p:nvPr>
         </p:nvSpPr>
         <p:spPr>
@@ -2896,7 +3158,7 @@
           </a:prstGeom>
         </p:spPr>
         <p:txBody>
-          <a:bodyPr anchorCtr="0" anchor="t" bIns="91425" lIns="91425" spcFirstLastPara="1" rIns="91425" wrap="square" tIns="91425"/>
+          <a:bodyPr spcFirstLastPara="1" wrap="square" lIns="91425" tIns="91425" rIns="91425" bIns="91425" anchor="t" anchorCtr="0"/>
           <a:lstStyle>
             <a:lvl1pPr lvl="0" algn="ctr">
               <a:lnSpc>
@@ -3079,15 +3341,19 @@
               </a:defRPr>
             </a:lvl9pPr>
           </a:lstStyle>
-          <a:p/>
+          <a:p>
+            <a:endParaRPr/>
+          </a:p>
         </p:txBody>
       </p:sp>
       <p:sp>
         <p:nvSpPr>
           <p:cNvPr id="14" name="Shape 14"/>
-          <p:cNvSpPr txBox="1"/>
+          <p:cNvSpPr txBox="1">
+            <a:spLocks noGrp="1"/>
+          </p:cNvSpPr>
           <p:nvPr>
-            <p:ph idx="12" type="sldNum"/>
+            <p:ph type="sldNum" idx="12"/>
           </p:nvPr>
         </p:nvSpPr>
         <p:spPr>
@@ -3100,7 +3366,7 @@
           </a:prstGeom>
         </p:spPr>
         <p:txBody>
-          <a:bodyPr anchorCtr="0" anchor="ctr" bIns="91425" lIns="91425" spcFirstLastPara="1" rIns="91425" wrap="square" tIns="91425">
+          <a:bodyPr spcFirstLastPara="1" wrap="square" lIns="91425" tIns="91425" rIns="91425" bIns="91425" anchor="ctr" anchorCtr="0">
             <a:noAutofit/>
           </a:bodyPr>
           <a:lstStyle>
@@ -3142,7 +3408,7 @@
             </a:lvl9pPr>
           </a:lstStyle>
           <a:p>
-            <a:pPr indent="0" lvl="0" marL="0">
+            <a:pPr marL="0" lvl="0" indent="0">
               <a:spcBef>
                 <a:spcPts val="0"/>
               </a:spcBef>
@@ -3153,7 +3419,7 @@
             </a:pPr>
             <a:fld id="{00000000-1234-1234-1234-123412341234}" type="slidenum">
               <a:rPr lang="pt-BR"/>
-              <a:t>‹#›</a:t>
+              <a:t>‹nº›</a:t>
             </a:fld>
             <a:endParaRPr/>
           </a:p>
@@ -3168,11 +3434,11 @@
 </file>
 
 <file path=ppt/slideLayouts/slideLayout10.xml><?xml version="1.0" encoding="utf-8"?>
-<p:sldLayout xmlns:a="http://schemas.openxmlformats.org/drawingml/2006/main" xmlns:r="http://schemas.openxmlformats.org/officeDocument/2006/relationships" xmlns:mc="http://schemas.openxmlformats.org/markup-compatibility/2006" xmlns:mv="urn:schemas-microsoft-com:mac:vml" xmlns:p="http://schemas.openxmlformats.org/presentationml/2006/main" xmlns:c="http://schemas.openxmlformats.org/drawingml/2006/chart" xmlns:dgm="http://schemas.openxmlformats.org/drawingml/2006/diagram" xmlns:o="urn:schemas-microsoft-com:office:office" xmlns:v="urn:schemas-microsoft-com:vml" xmlns:pvml="urn:schemas-microsoft-com:office:powerpoint" xmlns:com="http://schemas.openxmlformats.org/drawingml/2006/compatibility" xmlns:p14="http://schemas.microsoft.com/office/powerpoint/2010/main" xmlns:p15="http://schemas.microsoft.com/office/powerpoint/2012/main" matchingName="Big number">
+<p:sldLayout xmlns:a="http://schemas.openxmlformats.org/drawingml/2006/main" xmlns:r="http://schemas.openxmlformats.org/officeDocument/2006/relationships" xmlns:p="http://schemas.openxmlformats.org/presentationml/2006/main" matchingName="Big number">
   <p:cSld name="BIG_NUMBER">
     <p:spTree>
       <p:nvGrpSpPr>
-        <p:cNvPr id="51" name="Shape 51"/>
+        <p:cNvPr id="1" name="Shape 51"/>
         <p:cNvGrpSpPr/>
         <p:nvPr/>
       </p:nvGrpSpPr>
@@ -3206,12 +3472,12 @@
           </a:ln>
         </p:spPr>
         <p:txBody>
-          <a:bodyPr anchorCtr="0" anchor="ctr" bIns="91425" lIns="91425" spcFirstLastPara="1" rIns="91425" wrap="square" tIns="91425">
+          <a:bodyPr spcFirstLastPara="1" wrap="square" lIns="91425" tIns="91425" rIns="91425" bIns="91425" anchor="ctr" anchorCtr="0">
             <a:noAutofit/>
           </a:bodyPr>
           <a:lstStyle/>
           <a:p>
-            <a:pPr indent="0" lvl="0" marL="0">
+            <a:pPr marL="0" lvl="0" indent="0">
               <a:spcBef>
                 <a:spcPts val="0"/>
               </a:spcBef>
@@ -3220,9 +3486,6 @@
               </a:spcAft>
               <a:buNone/>
             </a:pPr>
-            <a:r>
-              <a:t/>
-            </a:r>
             <a:endParaRPr/>
           </a:p>
         </p:txBody>
@@ -3230,7 +3493,9 @@
       <p:sp>
         <p:nvSpPr>
           <p:cNvPr id="53" name="Shape 53"/>
-          <p:cNvSpPr txBox="1"/>
+          <p:cNvSpPr txBox="1">
+            <a:spLocks noGrp="1"/>
+          </p:cNvSpPr>
           <p:nvPr>
             <p:ph type="title"/>
           </p:nvPr>
@@ -3245,7 +3510,7 @@
           </a:prstGeom>
         </p:spPr>
         <p:txBody>
-          <a:bodyPr anchorCtr="0" anchor="ctr" bIns="91425" lIns="91425" spcFirstLastPara="1" rIns="91425" wrap="square" tIns="91425"/>
+          <a:bodyPr spcFirstLastPara="1" wrap="square" lIns="91425" tIns="91425" rIns="91425" bIns="91425" anchor="ctr" anchorCtr="0"/>
           <a:lstStyle>
             <a:lvl1pPr lvl="0" algn="ctr">
               <a:spcBef>
@@ -3410,15 +3675,19 @@
               </a:defRPr>
             </a:lvl9pPr>
           </a:lstStyle>
-          <a:p/>
+          <a:p>
+            <a:endParaRPr/>
+          </a:p>
         </p:txBody>
       </p:sp>
       <p:sp>
         <p:nvSpPr>
           <p:cNvPr id="54" name="Shape 54"/>
-          <p:cNvSpPr txBox="1"/>
+          <p:cNvSpPr txBox="1">
+            <a:spLocks noGrp="1"/>
+          </p:cNvSpPr>
           <p:nvPr>
-            <p:ph idx="1" type="body"/>
+            <p:ph type="body" idx="1"/>
           </p:nvPr>
         </p:nvSpPr>
         <p:spPr>
@@ -3431,9 +3700,9 @@
           </a:prstGeom>
         </p:spPr>
         <p:txBody>
-          <a:bodyPr anchorCtr="0" anchor="t" bIns="91425" lIns="91425" spcFirstLastPara="1" rIns="91425" wrap="square" tIns="91425"/>
+          <a:bodyPr spcFirstLastPara="1" wrap="square" lIns="91425" tIns="91425" rIns="91425" bIns="91425" anchor="t" anchorCtr="0"/>
           <a:lstStyle>
-            <a:lvl1pPr indent="-342900" lvl="0" marL="457200" algn="ctr">
+            <a:lvl1pPr marL="457200" lvl="0" indent="-342900" algn="ctr">
               <a:spcBef>
                 <a:spcPts val="0"/>
               </a:spcBef>
@@ -3444,7 +3713,7 @@
               <a:buChar char="●"/>
               <a:defRPr/>
             </a:lvl1pPr>
-            <a:lvl2pPr indent="-317500" lvl="1" marL="914400" algn="ctr">
+            <a:lvl2pPr marL="914400" lvl="1" indent="-317500" algn="ctr">
               <a:spcBef>
                 <a:spcPts val="1600"/>
               </a:spcBef>
@@ -3455,7 +3724,7 @@
               <a:buChar char="○"/>
               <a:defRPr/>
             </a:lvl2pPr>
-            <a:lvl3pPr indent="-317500" lvl="2" marL="1371600" algn="ctr">
+            <a:lvl3pPr marL="1371600" lvl="2" indent="-317500" algn="ctr">
               <a:spcBef>
                 <a:spcPts val="1600"/>
               </a:spcBef>
@@ -3466,7 +3735,7 @@
               <a:buChar char="■"/>
               <a:defRPr/>
             </a:lvl3pPr>
-            <a:lvl4pPr indent="-317500" lvl="3" marL="1828800" algn="ctr">
+            <a:lvl4pPr marL="1828800" lvl="3" indent="-317500" algn="ctr">
               <a:spcBef>
                 <a:spcPts val="1600"/>
               </a:spcBef>
@@ -3477,7 +3746,7 @@
               <a:buChar char="●"/>
               <a:defRPr/>
             </a:lvl4pPr>
-            <a:lvl5pPr indent="-317500" lvl="4" marL="2286000" algn="ctr">
+            <a:lvl5pPr marL="2286000" lvl="4" indent="-317500" algn="ctr">
               <a:spcBef>
                 <a:spcPts val="1600"/>
               </a:spcBef>
@@ -3488,7 +3757,7 @@
               <a:buChar char="○"/>
               <a:defRPr/>
             </a:lvl5pPr>
-            <a:lvl6pPr indent="-317500" lvl="5" marL="2743200" algn="ctr">
+            <a:lvl6pPr marL="2743200" lvl="5" indent="-317500" algn="ctr">
               <a:spcBef>
                 <a:spcPts val="1600"/>
               </a:spcBef>
@@ -3499,7 +3768,7 @@
               <a:buChar char="■"/>
               <a:defRPr/>
             </a:lvl6pPr>
-            <a:lvl7pPr indent="-317500" lvl="6" marL="3200400" algn="ctr">
+            <a:lvl7pPr marL="3200400" lvl="6" indent="-317500" algn="ctr">
               <a:spcBef>
                 <a:spcPts val="1600"/>
               </a:spcBef>
@@ -3510,7 +3779,7 @@
               <a:buChar char="●"/>
               <a:defRPr/>
             </a:lvl7pPr>
-            <a:lvl8pPr indent="-317500" lvl="7" marL="3657600" algn="ctr">
+            <a:lvl8pPr marL="3657600" lvl="7" indent="-317500" algn="ctr">
               <a:spcBef>
                 <a:spcPts val="1600"/>
               </a:spcBef>
@@ -3521,7 +3790,7 @@
               <a:buChar char="○"/>
               <a:defRPr/>
             </a:lvl8pPr>
-            <a:lvl9pPr indent="-317500" lvl="8" marL="4114800" algn="ctr">
+            <a:lvl9pPr marL="4114800" lvl="8" indent="-317500" algn="ctr">
               <a:spcBef>
                 <a:spcPts val="1600"/>
               </a:spcBef>
@@ -3533,15 +3802,19 @@
               <a:defRPr/>
             </a:lvl9pPr>
           </a:lstStyle>
-          <a:p/>
+          <a:p>
+            <a:endParaRPr/>
+          </a:p>
         </p:txBody>
       </p:sp>
       <p:sp>
         <p:nvSpPr>
           <p:cNvPr id="55" name="Shape 55"/>
-          <p:cNvSpPr txBox="1"/>
+          <p:cNvSpPr txBox="1">
+            <a:spLocks noGrp="1"/>
+          </p:cNvSpPr>
           <p:nvPr>
-            <p:ph idx="12" type="sldNum"/>
+            <p:ph type="sldNum" idx="12"/>
           </p:nvPr>
         </p:nvSpPr>
         <p:spPr>
@@ -3554,7 +3827,7 @@
           </a:prstGeom>
         </p:spPr>
         <p:txBody>
-          <a:bodyPr anchorCtr="0" anchor="ctr" bIns="91425" lIns="91425" spcFirstLastPara="1" rIns="91425" wrap="square" tIns="91425">
+          <a:bodyPr spcFirstLastPara="1" wrap="square" lIns="91425" tIns="91425" rIns="91425" bIns="91425" anchor="ctr" anchorCtr="0">
             <a:noAutofit/>
           </a:bodyPr>
           <a:lstStyle>
@@ -3596,7 +3869,7 @@
             </a:lvl9pPr>
           </a:lstStyle>
           <a:p>
-            <a:pPr indent="0" lvl="0" marL="0">
+            <a:pPr marL="0" lvl="0" indent="0">
               <a:spcBef>
                 <a:spcPts val="0"/>
               </a:spcBef>
@@ -3607,7 +3880,7 @@
             </a:pPr>
             <a:fld id="{00000000-1234-1234-1234-123412341234}" type="slidenum">
               <a:rPr lang="pt-BR"/>
-              <a:t>‹#›</a:t>
+              <a:t>‹nº›</a:t>
             </a:fld>
             <a:endParaRPr/>
           </a:p>
@@ -3622,11 +3895,11 @@
 </file>
 
 <file path=ppt/slideLayouts/slideLayout11.xml><?xml version="1.0" encoding="utf-8"?>
-<p:sldLayout xmlns:a="http://schemas.openxmlformats.org/drawingml/2006/main" xmlns:r="http://schemas.openxmlformats.org/officeDocument/2006/relationships" xmlns:mc="http://schemas.openxmlformats.org/markup-compatibility/2006" xmlns:mv="urn:schemas-microsoft-com:mac:vml" xmlns:p="http://schemas.openxmlformats.org/presentationml/2006/main" xmlns:c="http://schemas.openxmlformats.org/drawingml/2006/chart" xmlns:dgm="http://schemas.openxmlformats.org/drawingml/2006/diagram" xmlns:o="urn:schemas-microsoft-com:office:office" xmlns:v="urn:schemas-microsoft-com:vml" xmlns:pvml="urn:schemas-microsoft-com:office:powerpoint" xmlns:com="http://schemas.openxmlformats.org/drawingml/2006/compatibility" xmlns:p14="http://schemas.microsoft.com/office/powerpoint/2010/main" xmlns:p15="http://schemas.microsoft.com/office/powerpoint/2012/main" matchingName="Blank" type="blank">
+<p:sldLayout xmlns:a="http://schemas.openxmlformats.org/drawingml/2006/main" xmlns:r="http://schemas.openxmlformats.org/officeDocument/2006/relationships" xmlns:p="http://schemas.openxmlformats.org/presentationml/2006/main" matchingName="Blank" type="blank">
   <p:cSld name="BLANK">
     <p:spTree>
       <p:nvGrpSpPr>
-        <p:cNvPr id="56" name="Shape 56"/>
+        <p:cNvPr id="1" name="Shape 56"/>
         <p:cNvGrpSpPr/>
         <p:nvPr/>
       </p:nvGrpSpPr>
@@ -3641,9 +3914,11 @@
       <p:sp>
         <p:nvSpPr>
           <p:cNvPr id="57" name="Shape 57"/>
-          <p:cNvSpPr txBox="1"/>
+          <p:cNvSpPr txBox="1">
+            <a:spLocks noGrp="1"/>
+          </p:cNvSpPr>
           <p:nvPr>
-            <p:ph idx="12" type="sldNum"/>
+            <p:ph type="sldNum" idx="12"/>
           </p:nvPr>
         </p:nvSpPr>
         <p:spPr>
@@ -3656,7 +3931,7 @@
           </a:prstGeom>
         </p:spPr>
         <p:txBody>
-          <a:bodyPr anchorCtr="0" anchor="ctr" bIns="91425" lIns="91425" spcFirstLastPara="1" rIns="91425" wrap="square" tIns="91425">
+          <a:bodyPr spcFirstLastPara="1" wrap="square" lIns="91425" tIns="91425" rIns="91425" bIns="91425" anchor="ctr" anchorCtr="0">
             <a:noAutofit/>
           </a:bodyPr>
           <a:lstStyle>
@@ -3698,7 +3973,7 @@
             </a:lvl9pPr>
           </a:lstStyle>
           <a:p>
-            <a:pPr indent="0" lvl="0" marL="0">
+            <a:pPr marL="0" lvl="0" indent="0">
               <a:spcBef>
                 <a:spcPts val="0"/>
               </a:spcBef>
@@ -3709,7 +3984,7 @@
             </a:pPr>
             <a:fld id="{00000000-1234-1234-1234-123412341234}" type="slidenum">
               <a:rPr lang="pt-BR"/>
-              <a:t>‹#›</a:t>
+              <a:t>‹nº›</a:t>
             </a:fld>
             <a:endParaRPr/>
           </a:p>
@@ -3724,11 +3999,11 @@
 </file>
 
 <file path=ppt/slideLayouts/slideLayout2.xml><?xml version="1.0" encoding="utf-8"?>
-<p:sldLayout xmlns:a="http://schemas.openxmlformats.org/drawingml/2006/main" xmlns:r="http://schemas.openxmlformats.org/officeDocument/2006/relationships" xmlns:mc="http://schemas.openxmlformats.org/markup-compatibility/2006" xmlns:mv="urn:schemas-microsoft-com:mac:vml" xmlns:p="http://schemas.openxmlformats.org/presentationml/2006/main" xmlns:c="http://schemas.openxmlformats.org/drawingml/2006/chart" xmlns:dgm="http://schemas.openxmlformats.org/drawingml/2006/diagram" xmlns:o="urn:schemas-microsoft-com:office:office" xmlns:v="urn:schemas-microsoft-com:vml" xmlns:pvml="urn:schemas-microsoft-com:office:powerpoint" xmlns:com="http://schemas.openxmlformats.org/drawingml/2006/compatibility" xmlns:p14="http://schemas.microsoft.com/office/powerpoint/2010/main" xmlns:p15="http://schemas.microsoft.com/office/powerpoint/2012/main" matchingName="Section header" type="secHead">
+<p:sldLayout xmlns:a="http://schemas.openxmlformats.org/drawingml/2006/main" xmlns:r="http://schemas.openxmlformats.org/officeDocument/2006/relationships" xmlns:p="http://schemas.openxmlformats.org/presentationml/2006/main" matchingName="Section header" type="secHead">
   <p:cSld name="SECTION_HEADER">
     <p:spTree>
       <p:nvGrpSpPr>
-        <p:cNvPr id="15" name="Shape 15"/>
+        <p:cNvPr id="1" name="Shape 15"/>
         <p:cNvGrpSpPr/>
         <p:nvPr/>
       </p:nvGrpSpPr>
@@ -3752,8 +4027,13 @@
             <a:ext cx="1081625" cy="1124950"/>
           </a:xfrm>
           <a:custGeom>
+            <a:avLst/>
+            <a:gdLst/>
+            <a:ahLst/>
+            <a:cxnLst/>
+            <a:rect l="0" t="0" r="0" b="0"/>
             <a:pathLst>
-              <a:path extrusionOk="0" h="44998" w="43265">
+              <a:path w="43265" h="44998" extrusionOk="0">
                 <a:moveTo>
                   <a:pt x="0" y="44998"/>
                 </a:moveTo>
@@ -3767,14 +4047,14 @@
             </a:pathLst>
           </a:custGeom>
           <a:noFill/>
-          <a:ln cap="flat" cmpd="sng" w="28575">
+          <a:ln w="28575" cap="flat" cmpd="sng">
             <a:solidFill>
               <a:schemeClr val="lt2"/>
             </a:solidFill>
             <a:prstDash val="solid"/>
             <a:miter lim="8000"/>
-            <a:headEnd len="sm" w="sm" type="none"/>
-            <a:tailEnd len="sm" w="sm" type="none"/>
+            <a:headEnd type="none" w="sm" len="sm"/>
+            <a:tailEnd type="none" w="sm" len="sm"/>
           </a:ln>
         </p:spPr>
       </p:sp>
@@ -3785,13 +4065,18 @@
           <p:nvPr/>
         </p:nvSpPr>
         <p:spPr>
-          <a:xfrm flipH="1" rot="10800000">
+          <a:xfrm rot="10800000" flipH="1">
             <a:off x="466425" y="3558325"/>
             <a:ext cx="1081625" cy="1124950"/>
           </a:xfrm>
           <a:custGeom>
+            <a:avLst/>
+            <a:gdLst/>
+            <a:ahLst/>
+            <a:cxnLst/>
+            <a:rect l="0" t="0" r="0" b="0"/>
             <a:pathLst>
-              <a:path extrusionOk="0" h="44998" w="43265">
+              <a:path w="43265" h="44998" extrusionOk="0">
                 <a:moveTo>
                   <a:pt x="0" y="44998"/>
                 </a:moveTo>
@@ -3805,21 +4090,23 @@
             </a:pathLst>
           </a:custGeom>
           <a:noFill/>
-          <a:ln cap="flat" cmpd="sng" w="28575">
+          <a:ln w="28575" cap="flat" cmpd="sng">
             <a:solidFill>
               <a:schemeClr val="lt2"/>
             </a:solidFill>
             <a:prstDash val="solid"/>
             <a:miter lim="8000"/>
-            <a:headEnd len="sm" w="sm" type="none"/>
-            <a:tailEnd len="sm" w="sm" type="none"/>
+            <a:headEnd type="none" w="sm" len="sm"/>
+            <a:tailEnd type="none" w="sm" len="sm"/>
           </a:ln>
         </p:spPr>
       </p:sp>
       <p:sp>
         <p:nvSpPr>
           <p:cNvPr id="18" name="Shape 18"/>
-          <p:cNvSpPr txBox="1"/>
+          <p:cNvSpPr txBox="1">
+            <a:spLocks noGrp="1"/>
+          </p:cNvSpPr>
           <p:nvPr>
             <p:ph type="title"/>
           </p:nvPr>
@@ -3834,7 +4121,7 @@
           </a:prstGeom>
         </p:spPr>
         <p:txBody>
-          <a:bodyPr anchorCtr="0" anchor="ctr" bIns="91425" lIns="91425" spcFirstLastPara="1" rIns="91425" wrap="square" tIns="91425"/>
+          <a:bodyPr spcFirstLastPara="1" wrap="square" lIns="91425" tIns="91425" rIns="91425" bIns="91425" anchor="ctr" anchorCtr="0"/>
           <a:lstStyle>
             <a:lvl1pPr lvl="0" algn="ctr">
               <a:spcBef>
@@ -3936,15 +4223,19 @@
               <a:defRPr/>
             </a:lvl9pPr>
           </a:lstStyle>
-          <a:p/>
+          <a:p>
+            <a:endParaRPr/>
+          </a:p>
         </p:txBody>
       </p:sp>
       <p:sp>
         <p:nvSpPr>
           <p:cNvPr id="19" name="Shape 19"/>
-          <p:cNvSpPr txBox="1"/>
+          <p:cNvSpPr txBox="1">
+            <a:spLocks noGrp="1"/>
+          </p:cNvSpPr>
           <p:nvPr>
-            <p:ph idx="12" type="sldNum"/>
+            <p:ph type="sldNum" idx="12"/>
           </p:nvPr>
         </p:nvSpPr>
         <p:spPr>
@@ -3957,7 +4248,7 @@
           </a:prstGeom>
         </p:spPr>
         <p:txBody>
-          <a:bodyPr anchorCtr="0" anchor="ctr" bIns="91425" lIns="91425" spcFirstLastPara="1" rIns="91425" wrap="square" tIns="91425">
+          <a:bodyPr spcFirstLastPara="1" wrap="square" lIns="91425" tIns="91425" rIns="91425" bIns="91425" anchor="ctr" anchorCtr="0">
             <a:noAutofit/>
           </a:bodyPr>
           <a:lstStyle>
@@ -3999,7 +4290,7 @@
             </a:lvl9pPr>
           </a:lstStyle>
           <a:p>
-            <a:pPr indent="0" lvl="0" marL="0">
+            <a:pPr marL="0" lvl="0" indent="0">
               <a:spcBef>
                 <a:spcPts val="0"/>
               </a:spcBef>
@@ -4010,7 +4301,7 @@
             </a:pPr>
             <a:fld id="{00000000-1234-1234-1234-123412341234}" type="slidenum">
               <a:rPr lang="pt-BR"/>
-              <a:t>‹#›</a:t>
+              <a:t>‹nº›</a:t>
             </a:fld>
             <a:endParaRPr/>
           </a:p>
@@ -4025,11 +4316,11 @@
 </file>
 
 <file path=ppt/slideLayouts/slideLayout3.xml><?xml version="1.0" encoding="utf-8"?>
-<p:sldLayout xmlns:a="http://schemas.openxmlformats.org/drawingml/2006/main" xmlns:r="http://schemas.openxmlformats.org/officeDocument/2006/relationships" xmlns:mc="http://schemas.openxmlformats.org/markup-compatibility/2006" xmlns:mv="urn:schemas-microsoft-com:mac:vml" xmlns:p="http://schemas.openxmlformats.org/presentationml/2006/main" xmlns:c="http://schemas.openxmlformats.org/drawingml/2006/chart" xmlns:dgm="http://schemas.openxmlformats.org/drawingml/2006/diagram" xmlns:o="urn:schemas-microsoft-com:office:office" xmlns:v="urn:schemas-microsoft-com:vml" xmlns:pvml="urn:schemas-microsoft-com:office:powerpoint" xmlns:com="http://schemas.openxmlformats.org/drawingml/2006/compatibility" xmlns:p14="http://schemas.microsoft.com/office/powerpoint/2010/main" xmlns:p15="http://schemas.microsoft.com/office/powerpoint/2012/main" matchingName="Title and body" type="tx">
+<p:sldLayout xmlns:a="http://schemas.openxmlformats.org/drawingml/2006/main" xmlns:r="http://schemas.openxmlformats.org/officeDocument/2006/relationships" xmlns:p="http://schemas.openxmlformats.org/presentationml/2006/main" matchingName="Title and body" type="tx">
   <p:cSld name="TITLE_AND_BODY">
     <p:spTree>
       <p:nvGrpSpPr>
-        <p:cNvPr id="20" name="Shape 20"/>
+        <p:cNvPr id="1" name="Shape 20"/>
         <p:cNvGrpSpPr/>
         <p:nvPr/>
       </p:nvGrpSpPr>
@@ -4063,12 +4354,12 @@
           </a:ln>
         </p:spPr>
         <p:txBody>
-          <a:bodyPr anchorCtr="0" anchor="ctr" bIns="91425" lIns="91425" spcFirstLastPara="1" rIns="91425" wrap="square" tIns="91425">
+          <a:bodyPr spcFirstLastPara="1" wrap="square" lIns="91425" tIns="91425" rIns="91425" bIns="91425" anchor="ctr" anchorCtr="0">
             <a:noAutofit/>
           </a:bodyPr>
           <a:lstStyle/>
           <a:p>
-            <a:pPr indent="0" lvl="0" marL="0">
+            <a:pPr marL="0" lvl="0" indent="0">
               <a:spcBef>
                 <a:spcPts val="0"/>
               </a:spcBef>
@@ -4077,9 +4368,6 @@
               </a:spcAft>
               <a:buNone/>
             </a:pPr>
-            <a:r>
-              <a:t/>
-            </a:r>
             <a:endParaRPr/>
           </a:p>
         </p:txBody>
@@ -4087,7 +4375,9 @@
       <p:sp>
         <p:nvSpPr>
           <p:cNvPr id="22" name="Shape 22"/>
-          <p:cNvSpPr txBox="1"/>
+          <p:cNvSpPr txBox="1">
+            <a:spLocks noGrp="1"/>
+          </p:cNvSpPr>
           <p:nvPr>
             <p:ph type="title"/>
           </p:nvPr>
@@ -4102,7 +4392,7 @@
           </a:prstGeom>
         </p:spPr>
         <p:txBody>
-          <a:bodyPr anchorCtr="0" anchor="b" bIns="91425" lIns="91425" spcFirstLastPara="1" rIns="91425" wrap="square" tIns="91425"/>
+          <a:bodyPr spcFirstLastPara="1" wrap="square" lIns="91425" tIns="91425" rIns="91425" bIns="91425" anchor="b" anchorCtr="0"/>
           <a:lstStyle>
             <a:lvl1pPr lvl="0">
               <a:spcBef>
@@ -4204,15 +4494,19 @@
               <a:defRPr/>
             </a:lvl9pPr>
           </a:lstStyle>
-          <a:p/>
+          <a:p>
+            <a:endParaRPr/>
+          </a:p>
         </p:txBody>
       </p:sp>
       <p:sp>
         <p:nvSpPr>
           <p:cNvPr id="23" name="Shape 23"/>
-          <p:cNvSpPr txBox="1"/>
+          <p:cNvSpPr txBox="1">
+            <a:spLocks noGrp="1"/>
+          </p:cNvSpPr>
           <p:nvPr>
-            <p:ph idx="1" type="body"/>
+            <p:ph type="body" idx="1"/>
           </p:nvPr>
         </p:nvSpPr>
         <p:spPr>
@@ -4225,9 +4519,9 @@
           </a:prstGeom>
         </p:spPr>
         <p:txBody>
-          <a:bodyPr anchorCtr="0" anchor="t" bIns="91425" lIns="91425" spcFirstLastPara="1" rIns="91425" wrap="square" tIns="91425"/>
+          <a:bodyPr spcFirstLastPara="1" wrap="square" lIns="91425" tIns="91425" rIns="91425" bIns="91425" anchor="t" anchorCtr="0"/>
           <a:lstStyle>
-            <a:lvl1pPr indent="-342900" lvl="0" marL="457200">
+            <a:lvl1pPr marL="457200" lvl="0" indent="-342900">
               <a:spcBef>
                 <a:spcPts val="0"/>
               </a:spcBef>
@@ -4238,7 +4532,7 @@
               <a:buChar char="●"/>
               <a:defRPr/>
             </a:lvl1pPr>
-            <a:lvl2pPr indent="-317500" lvl="1" marL="914400">
+            <a:lvl2pPr marL="914400" lvl="1" indent="-317500">
               <a:spcBef>
                 <a:spcPts val="1600"/>
               </a:spcBef>
@@ -4249,7 +4543,7 @@
               <a:buChar char="○"/>
               <a:defRPr/>
             </a:lvl2pPr>
-            <a:lvl3pPr indent="-317500" lvl="2" marL="1371600">
+            <a:lvl3pPr marL="1371600" lvl="2" indent="-317500">
               <a:spcBef>
                 <a:spcPts val="1600"/>
               </a:spcBef>
@@ -4260,7 +4554,7 @@
               <a:buChar char="■"/>
               <a:defRPr/>
             </a:lvl3pPr>
-            <a:lvl4pPr indent="-317500" lvl="3" marL="1828800">
+            <a:lvl4pPr marL="1828800" lvl="3" indent="-317500">
               <a:spcBef>
                 <a:spcPts val="1600"/>
               </a:spcBef>
@@ -4271,7 +4565,7 @@
               <a:buChar char="●"/>
               <a:defRPr/>
             </a:lvl4pPr>
-            <a:lvl5pPr indent="-317500" lvl="4" marL="2286000">
+            <a:lvl5pPr marL="2286000" lvl="4" indent="-317500">
               <a:spcBef>
                 <a:spcPts val="1600"/>
               </a:spcBef>
@@ -4282,7 +4576,7 @@
               <a:buChar char="○"/>
               <a:defRPr/>
             </a:lvl5pPr>
-            <a:lvl6pPr indent="-317500" lvl="5" marL="2743200">
+            <a:lvl6pPr marL="2743200" lvl="5" indent="-317500">
               <a:spcBef>
                 <a:spcPts val="1600"/>
               </a:spcBef>
@@ -4293,7 +4587,7 @@
               <a:buChar char="■"/>
               <a:defRPr/>
             </a:lvl6pPr>
-            <a:lvl7pPr indent="-317500" lvl="6" marL="3200400">
+            <a:lvl7pPr marL="3200400" lvl="6" indent="-317500">
               <a:spcBef>
                 <a:spcPts val="1600"/>
               </a:spcBef>
@@ -4304,7 +4598,7 @@
               <a:buChar char="●"/>
               <a:defRPr/>
             </a:lvl7pPr>
-            <a:lvl8pPr indent="-317500" lvl="7" marL="3657600">
+            <a:lvl8pPr marL="3657600" lvl="7" indent="-317500">
               <a:spcBef>
                 <a:spcPts val="1600"/>
               </a:spcBef>
@@ -4315,7 +4609,7 @@
               <a:buChar char="○"/>
               <a:defRPr/>
             </a:lvl8pPr>
-            <a:lvl9pPr indent="-317500" lvl="8" marL="4114800">
+            <a:lvl9pPr marL="4114800" lvl="8" indent="-317500">
               <a:spcBef>
                 <a:spcPts val="1600"/>
               </a:spcBef>
@@ -4327,15 +4621,19 @@
               <a:defRPr/>
             </a:lvl9pPr>
           </a:lstStyle>
-          <a:p/>
+          <a:p>
+            <a:endParaRPr/>
+          </a:p>
         </p:txBody>
       </p:sp>
       <p:sp>
         <p:nvSpPr>
           <p:cNvPr id="24" name="Shape 24"/>
-          <p:cNvSpPr txBox="1"/>
+          <p:cNvSpPr txBox="1">
+            <a:spLocks noGrp="1"/>
+          </p:cNvSpPr>
           <p:nvPr>
-            <p:ph idx="12" type="sldNum"/>
+            <p:ph type="sldNum" idx="12"/>
           </p:nvPr>
         </p:nvSpPr>
         <p:spPr>
@@ -4348,7 +4646,7 @@
           </a:prstGeom>
         </p:spPr>
         <p:txBody>
-          <a:bodyPr anchorCtr="0" anchor="ctr" bIns="91425" lIns="91425" spcFirstLastPara="1" rIns="91425" wrap="square" tIns="91425">
+          <a:bodyPr spcFirstLastPara="1" wrap="square" lIns="91425" tIns="91425" rIns="91425" bIns="91425" anchor="ctr" anchorCtr="0">
             <a:noAutofit/>
           </a:bodyPr>
           <a:lstStyle>
@@ -4390,7 +4688,7 @@
             </a:lvl9pPr>
           </a:lstStyle>
           <a:p>
-            <a:pPr indent="0" lvl="0" marL="0">
+            <a:pPr marL="0" lvl="0" indent="0">
               <a:spcBef>
                 <a:spcPts val="0"/>
               </a:spcBef>
@@ -4401,7 +4699,7 @@
             </a:pPr>
             <a:fld id="{00000000-1234-1234-1234-123412341234}" type="slidenum">
               <a:rPr lang="pt-BR"/>
-              <a:t>‹#›</a:t>
+              <a:t>‹nº›</a:t>
             </a:fld>
             <a:endParaRPr/>
           </a:p>
@@ -4416,11 +4714,11 @@
 </file>
 
 <file path=ppt/slideLayouts/slideLayout4.xml><?xml version="1.0" encoding="utf-8"?>
-<p:sldLayout xmlns:a="http://schemas.openxmlformats.org/drawingml/2006/main" xmlns:r="http://schemas.openxmlformats.org/officeDocument/2006/relationships" xmlns:mc="http://schemas.openxmlformats.org/markup-compatibility/2006" xmlns:mv="urn:schemas-microsoft-com:mac:vml" xmlns:p="http://schemas.openxmlformats.org/presentationml/2006/main" xmlns:c="http://schemas.openxmlformats.org/drawingml/2006/chart" xmlns:dgm="http://schemas.openxmlformats.org/drawingml/2006/diagram" xmlns:o="urn:schemas-microsoft-com:office:office" xmlns:v="urn:schemas-microsoft-com:vml" xmlns:pvml="urn:schemas-microsoft-com:office:powerpoint" xmlns:com="http://schemas.openxmlformats.org/drawingml/2006/compatibility" xmlns:p14="http://schemas.microsoft.com/office/powerpoint/2010/main" xmlns:p15="http://schemas.microsoft.com/office/powerpoint/2012/main" matchingName="Title and two columns" type="twoColTx">
+<p:sldLayout xmlns:a="http://schemas.openxmlformats.org/drawingml/2006/main" xmlns:r="http://schemas.openxmlformats.org/officeDocument/2006/relationships" xmlns:p="http://schemas.openxmlformats.org/presentationml/2006/main" matchingName="Title and two columns" type="twoColTx">
   <p:cSld name="TITLE_AND_TWO_COLUMNS">
     <p:spTree>
       <p:nvGrpSpPr>
-        <p:cNvPr id="25" name="Shape 25"/>
+        <p:cNvPr id="1" name="Shape 25"/>
         <p:cNvGrpSpPr/>
         <p:nvPr/>
       </p:nvGrpSpPr>
@@ -4435,7 +4733,9 @@
       <p:sp>
         <p:nvSpPr>
           <p:cNvPr id="26" name="Shape 26"/>
-          <p:cNvSpPr txBox="1"/>
+          <p:cNvSpPr txBox="1">
+            <a:spLocks noGrp="1"/>
+          </p:cNvSpPr>
           <p:nvPr>
             <p:ph type="title"/>
           </p:nvPr>
@@ -4450,7 +4750,7 @@
           </a:prstGeom>
         </p:spPr>
         <p:txBody>
-          <a:bodyPr anchorCtr="0" anchor="b" bIns="91425" lIns="91425" spcFirstLastPara="1" rIns="91425" wrap="square" tIns="91425"/>
+          <a:bodyPr spcFirstLastPara="1" wrap="square" lIns="91425" tIns="91425" rIns="91425" bIns="91425" anchor="b" anchorCtr="0"/>
           <a:lstStyle>
             <a:lvl1pPr lvl="0">
               <a:spcBef>
@@ -4552,15 +4852,19 @@
               <a:defRPr/>
             </a:lvl9pPr>
           </a:lstStyle>
-          <a:p/>
+          <a:p>
+            <a:endParaRPr/>
+          </a:p>
         </p:txBody>
       </p:sp>
       <p:sp>
         <p:nvSpPr>
           <p:cNvPr id="27" name="Shape 27"/>
-          <p:cNvSpPr txBox="1"/>
+          <p:cNvSpPr txBox="1">
+            <a:spLocks noGrp="1"/>
+          </p:cNvSpPr>
           <p:nvPr>
-            <p:ph idx="1" type="body"/>
+            <p:ph type="body" idx="1"/>
           </p:nvPr>
         </p:nvSpPr>
         <p:spPr>
@@ -4573,9 +4877,9 @@
           </a:prstGeom>
         </p:spPr>
         <p:txBody>
-          <a:bodyPr anchorCtr="0" anchor="t" bIns="91425" lIns="91425" spcFirstLastPara="1" rIns="91425" wrap="square" tIns="91425"/>
+          <a:bodyPr spcFirstLastPara="1" wrap="square" lIns="91425" tIns="91425" rIns="91425" bIns="91425" anchor="t" anchorCtr="0"/>
           <a:lstStyle>
-            <a:lvl1pPr indent="-317500" lvl="0" marL="457200">
+            <a:lvl1pPr marL="457200" lvl="0" indent="-317500">
               <a:spcBef>
                 <a:spcPts val="0"/>
               </a:spcBef>
@@ -4586,7 +4890,7 @@
               <a:buChar char="●"/>
               <a:defRPr sz="1400"/>
             </a:lvl1pPr>
-            <a:lvl2pPr indent="-304800" lvl="1" marL="914400">
+            <a:lvl2pPr marL="914400" lvl="1" indent="-304800">
               <a:spcBef>
                 <a:spcPts val="1600"/>
               </a:spcBef>
@@ -4597,7 +4901,7 @@
               <a:buChar char="○"/>
               <a:defRPr sz="1200"/>
             </a:lvl2pPr>
-            <a:lvl3pPr indent="-304800" lvl="2" marL="1371600">
+            <a:lvl3pPr marL="1371600" lvl="2" indent="-304800">
               <a:spcBef>
                 <a:spcPts val="1600"/>
               </a:spcBef>
@@ -4608,7 +4912,7 @@
               <a:buChar char="■"/>
               <a:defRPr sz="1200"/>
             </a:lvl3pPr>
-            <a:lvl4pPr indent="-304800" lvl="3" marL="1828800">
+            <a:lvl4pPr marL="1828800" lvl="3" indent="-304800">
               <a:spcBef>
                 <a:spcPts val="1600"/>
               </a:spcBef>
@@ -4619,7 +4923,7 @@
               <a:buChar char="●"/>
               <a:defRPr sz="1200"/>
             </a:lvl4pPr>
-            <a:lvl5pPr indent="-304800" lvl="4" marL="2286000">
+            <a:lvl5pPr marL="2286000" lvl="4" indent="-304800">
               <a:spcBef>
                 <a:spcPts val="1600"/>
               </a:spcBef>
@@ -4630,7 +4934,7 @@
               <a:buChar char="○"/>
               <a:defRPr sz="1200"/>
             </a:lvl5pPr>
-            <a:lvl6pPr indent="-304800" lvl="5" marL="2743200">
+            <a:lvl6pPr marL="2743200" lvl="5" indent="-304800">
               <a:spcBef>
                 <a:spcPts val="1600"/>
               </a:spcBef>
@@ -4641,7 +4945,7 @@
               <a:buChar char="■"/>
               <a:defRPr sz="1200"/>
             </a:lvl6pPr>
-            <a:lvl7pPr indent="-304800" lvl="6" marL="3200400">
+            <a:lvl7pPr marL="3200400" lvl="6" indent="-304800">
               <a:spcBef>
                 <a:spcPts val="1600"/>
               </a:spcBef>
@@ -4652,7 +4956,7 @@
               <a:buChar char="●"/>
               <a:defRPr sz="1200"/>
             </a:lvl7pPr>
-            <a:lvl8pPr indent="-304800" lvl="7" marL="3657600">
+            <a:lvl8pPr marL="3657600" lvl="7" indent="-304800">
               <a:spcBef>
                 <a:spcPts val="1600"/>
               </a:spcBef>
@@ -4663,7 +4967,7 @@
               <a:buChar char="○"/>
               <a:defRPr sz="1200"/>
             </a:lvl8pPr>
-            <a:lvl9pPr indent="-304800" lvl="8" marL="4114800">
+            <a:lvl9pPr marL="4114800" lvl="8" indent="-304800">
               <a:spcBef>
                 <a:spcPts val="1600"/>
               </a:spcBef>
@@ -4675,15 +4979,19 @@
               <a:defRPr sz="1200"/>
             </a:lvl9pPr>
           </a:lstStyle>
-          <a:p/>
+          <a:p>
+            <a:endParaRPr/>
+          </a:p>
         </p:txBody>
       </p:sp>
       <p:sp>
         <p:nvSpPr>
           <p:cNvPr id="28" name="Shape 28"/>
-          <p:cNvSpPr txBox="1"/>
+          <p:cNvSpPr txBox="1">
+            <a:spLocks noGrp="1"/>
+          </p:cNvSpPr>
           <p:nvPr>
-            <p:ph idx="2" type="body"/>
+            <p:ph type="body" idx="2"/>
           </p:nvPr>
         </p:nvSpPr>
         <p:spPr>
@@ -4696,9 +5004,9 @@
           </a:prstGeom>
         </p:spPr>
         <p:txBody>
-          <a:bodyPr anchorCtr="0" anchor="t" bIns="91425" lIns="91425" spcFirstLastPara="1" rIns="91425" wrap="square" tIns="91425"/>
+          <a:bodyPr spcFirstLastPara="1" wrap="square" lIns="91425" tIns="91425" rIns="91425" bIns="91425" anchor="t" anchorCtr="0"/>
           <a:lstStyle>
-            <a:lvl1pPr indent="-317500" lvl="0" marL="457200">
+            <a:lvl1pPr marL="457200" lvl="0" indent="-317500">
               <a:spcBef>
                 <a:spcPts val="0"/>
               </a:spcBef>
@@ -4709,7 +5017,7 @@
               <a:buChar char="●"/>
               <a:defRPr sz="1400"/>
             </a:lvl1pPr>
-            <a:lvl2pPr indent="-304800" lvl="1" marL="914400">
+            <a:lvl2pPr marL="914400" lvl="1" indent="-304800">
               <a:spcBef>
                 <a:spcPts val="1600"/>
               </a:spcBef>
@@ -4720,7 +5028,7 @@
               <a:buChar char="○"/>
               <a:defRPr sz="1200"/>
             </a:lvl2pPr>
-            <a:lvl3pPr indent="-304800" lvl="2" marL="1371600">
+            <a:lvl3pPr marL="1371600" lvl="2" indent="-304800">
               <a:spcBef>
                 <a:spcPts val="1600"/>
               </a:spcBef>
@@ -4731,7 +5039,7 @@
               <a:buChar char="■"/>
               <a:defRPr sz="1200"/>
             </a:lvl3pPr>
-            <a:lvl4pPr indent="-304800" lvl="3" marL="1828800">
+            <a:lvl4pPr marL="1828800" lvl="3" indent="-304800">
               <a:spcBef>
                 <a:spcPts val="1600"/>
               </a:spcBef>
@@ -4742,7 +5050,7 @@
               <a:buChar char="●"/>
               <a:defRPr sz="1200"/>
             </a:lvl4pPr>
-            <a:lvl5pPr indent="-304800" lvl="4" marL="2286000">
+            <a:lvl5pPr marL="2286000" lvl="4" indent="-304800">
               <a:spcBef>
                 <a:spcPts val="1600"/>
               </a:spcBef>
@@ -4753,7 +5061,7 @@
               <a:buChar char="○"/>
               <a:defRPr sz="1200"/>
             </a:lvl5pPr>
-            <a:lvl6pPr indent="-304800" lvl="5" marL="2743200">
+            <a:lvl6pPr marL="2743200" lvl="5" indent="-304800">
               <a:spcBef>
                 <a:spcPts val="1600"/>
               </a:spcBef>
@@ -4764,7 +5072,7 @@
               <a:buChar char="■"/>
               <a:defRPr sz="1200"/>
             </a:lvl6pPr>
-            <a:lvl7pPr indent="-304800" lvl="6" marL="3200400">
+            <a:lvl7pPr marL="3200400" lvl="6" indent="-304800">
               <a:spcBef>
                 <a:spcPts val="1600"/>
               </a:spcBef>
@@ -4775,7 +5083,7 @@
               <a:buChar char="●"/>
               <a:defRPr sz="1200"/>
             </a:lvl7pPr>
-            <a:lvl8pPr indent="-304800" lvl="7" marL="3657600">
+            <a:lvl8pPr marL="3657600" lvl="7" indent="-304800">
               <a:spcBef>
                 <a:spcPts val="1600"/>
               </a:spcBef>
@@ -4786,7 +5094,7 @@
               <a:buChar char="○"/>
               <a:defRPr sz="1200"/>
             </a:lvl8pPr>
-            <a:lvl9pPr indent="-304800" lvl="8" marL="4114800">
+            <a:lvl9pPr marL="4114800" lvl="8" indent="-304800">
               <a:spcBef>
                 <a:spcPts val="1600"/>
               </a:spcBef>
@@ -4798,15 +5106,19 @@
               <a:defRPr sz="1200"/>
             </a:lvl9pPr>
           </a:lstStyle>
-          <a:p/>
+          <a:p>
+            <a:endParaRPr/>
+          </a:p>
         </p:txBody>
       </p:sp>
       <p:sp>
         <p:nvSpPr>
           <p:cNvPr id="29" name="Shape 29"/>
-          <p:cNvSpPr txBox="1"/>
+          <p:cNvSpPr txBox="1">
+            <a:spLocks noGrp="1"/>
+          </p:cNvSpPr>
           <p:nvPr>
-            <p:ph idx="12" type="sldNum"/>
+            <p:ph type="sldNum" idx="12"/>
           </p:nvPr>
         </p:nvSpPr>
         <p:spPr>
@@ -4819,7 +5131,7 @@
           </a:prstGeom>
         </p:spPr>
         <p:txBody>
-          <a:bodyPr anchorCtr="0" anchor="ctr" bIns="91425" lIns="91425" spcFirstLastPara="1" rIns="91425" wrap="square" tIns="91425">
+          <a:bodyPr spcFirstLastPara="1" wrap="square" lIns="91425" tIns="91425" rIns="91425" bIns="91425" anchor="ctr" anchorCtr="0">
             <a:noAutofit/>
           </a:bodyPr>
           <a:lstStyle>
@@ -4861,7 +5173,7 @@
             </a:lvl9pPr>
           </a:lstStyle>
           <a:p>
-            <a:pPr indent="0" lvl="0" marL="0">
+            <a:pPr marL="0" lvl="0" indent="0">
               <a:spcBef>
                 <a:spcPts val="0"/>
               </a:spcBef>
@@ -4872,7 +5184,7 @@
             </a:pPr>
             <a:fld id="{00000000-1234-1234-1234-123412341234}" type="slidenum">
               <a:rPr lang="pt-BR"/>
-              <a:t>‹#›</a:t>
+              <a:t>‹nº›</a:t>
             </a:fld>
             <a:endParaRPr/>
           </a:p>
@@ -4887,11 +5199,11 @@
 </file>
 
 <file path=ppt/slideLayouts/slideLayout5.xml><?xml version="1.0" encoding="utf-8"?>
-<p:sldLayout xmlns:a="http://schemas.openxmlformats.org/drawingml/2006/main" xmlns:r="http://schemas.openxmlformats.org/officeDocument/2006/relationships" xmlns:mc="http://schemas.openxmlformats.org/markup-compatibility/2006" xmlns:mv="urn:schemas-microsoft-com:mac:vml" xmlns:p="http://schemas.openxmlformats.org/presentationml/2006/main" xmlns:c="http://schemas.openxmlformats.org/drawingml/2006/chart" xmlns:dgm="http://schemas.openxmlformats.org/drawingml/2006/diagram" xmlns:o="urn:schemas-microsoft-com:office:office" xmlns:v="urn:schemas-microsoft-com:vml" xmlns:pvml="urn:schemas-microsoft-com:office:powerpoint" xmlns:com="http://schemas.openxmlformats.org/drawingml/2006/compatibility" xmlns:p14="http://schemas.microsoft.com/office/powerpoint/2010/main" xmlns:p15="http://schemas.microsoft.com/office/powerpoint/2012/main" matchingName="Title only" type="titleOnly">
+<p:sldLayout xmlns:a="http://schemas.openxmlformats.org/drawingml/2006/main" xmlns:r="http://schemas.openxmlformats.org/officeDocument/2006/relationships" xmlns:p="http://schemas.openxmlformats.org/presentationml/2006/main" matchingName="Title only" type="titleOnly">
   <p:cSld name="TITLE_ONLY">
     <p:spTree>
       <p:nvGrpSpPr>
-        <p:cNvPr id="30" name="Shape 30"/>
+        <p:cNvPr id="1" name="Shape 30"/>
         <p:cNvGrpSpPr/>
         <p:nvPr/>
       </p:nvGrpSpPr>
@@ -4906,7 +5218,9 @@
       <p:sp>
         <p:nvSpPr>
           <p:cNvPr id="31" name="Shape 31"/>
-          <p:cNvSpPr txBox="1"/>
+          <p:cNvSpPr txBox="1">
+            <a:spLocks noGrp="1"/>
+          </p:cNvSpPr>
           <p:nvPr>
             <p:ph type="title"/>
           </p:nvPr>
@@ -4921,7 +5235,7 @@
           </a:prstGeom>
         </p:spPr>
         <p:txBody>
-          <a:bodyPr anchorCtr="0" anchor="b" bIns="91425" lIns="91425" spcFirstLastPara="1" rIns="91425" wrap="square" tIns="91425"/>
+          <a:bodyPr spcFirstLastPara="1" wrap="square" lIns="91425" tIns="91425" rIns="91425" bIns="91425" anchor="b" anchorCtr="0"/>
           <a:lstStyle>
             <a:lvl1pPr lvl="0">
               <a:spcBef>
@@ -5023,15 +5337,19 @@
               <a:defRPr/>
             </a:lvl9pPr>
           </a:lstStyle>
-          <a:p/>
+          <a:p>
+            <a:endParaRPr/>
+          </a:p>
         </p:txBody>
       </p:sp>
       <p:sp>
         <p:nvSpPr>
           <p:cNvPr id="32" name="Shape 32"/>
-          <p:cNvSpPr txBox="1"/>
+          <p:cNvSpPr txBox="1">
+            <a:spLocks noGrp="1"/>
+          </p:cNvSpPr>
           <p:nvPr>
-            <p:ph idx="12" type="sldNum"/>
+            <p:ph type="sldNum" idx="12"/>
           </p:nvPr>
         </p:nvSpPr>
         <p:spPr>
@@ -5044,7 +5362,7 @@
           </a:prstGeom>
         </p:spPr>
         <p:txBody>
-          <a:bodyPr anchorCtr="0" anchor="ctr" bIns="91425" lIns="91425" spcFirstLastPara="1" rIns="91425" wrap="square" tIns="91425">
+          <a:bodyPr spcFirstLastPara="1" wrap="square" lIns="91425" tIns="91425" rIns="91425" bIns="91425" anchor="ctr" anchorCtr="0">
             <a:noAutofit/>
           </a:bodyPr>
           <a:lstStyle>
@@ -5086,7 +5404,7 @@
             </a:lvl9pPr>
           </a:lstStyle>
           <a:p>
-            <a:pPr indent="0" lvl="0" marL="0">
+            <a:pPr marL="0" lvl="0" indent="0">
               <a:spcBef>
                 <a:spcPts val="0"/>
               </a:spcBef>
@@ -5097,7 +5415,7 @@
             </a:pPr>
             <a:fld id="{00000000-1234-1234-1234-123412341234}" type="slidenum">
               <a:rPr lang="pt-BR"/>
-              <a:t>‹#›</a:t>
+              <a:t>‹nº›</a:t>
             </a:fld>
             <a:endParaRPr/>
           </a:p>
@@ -5112,11 +5430,11 @@
 </file>
 
 <file path=ppt/slideLayouts/slideLayout6.xml><?xml version="1.0" encoding="utf-8"?>
-<p:sldLayout xmlns:a="http://schemas.openxmlformats.org/drawingml/2006/main" xmlns:r="http://schemas.openxmlformats.org/officeDocument/2006/relationships" xmlns:mc="http://schemas.openxmlformats.org/markup-compatibility/2006" xmlns:mv="urn:schemas-microsoft-com:mac:vml" xmlns:p="http://schemas.openxmlformats.org/presentationml/2006/main" xmlns:c="http://schemas.openxmlformats.org/drawingml/2006/chart" xmlns:dgm="http://schemas.openxmlformats.org/drawingml/2006/diagram" xmlns:o="urn:schemas-microsoft-com:office:office" xmlns:v="urn:schemas-microsoft-com:vml" xmlns:pvml="urn:schemas-microsoft-com:office:powerpoint" xmlns:com="http://schemas.openxmlformats.org/drawingml/2006/compatibility" xmlns:p14="http://schemas.microsoft.com/office/powerpoint/2010/main" xmlns:p15="http://schemas.microsoft.com/office/powerpoint/2012/main" matchingName="One column text">
+<p:sldLayout xmlns:a="http://schemas.openxmlformats.org/drawingml/2006/main" xmlns:r="http://schemas.openxmlformats.org/officeDocument/2006/relationships" xmlns:p="http://schemas.openxmlformats.org/presentationml/2006/main" matchingName="One column text">
   <p:cSld name="ONE_COLUMN_TEXT">
     <p:spTree>
       <p:nvGrpSpPr>
-        <p:cNvPr id="33" name="Shape 33"/>
+        <p:cNvPr id="1" name="Shape 33"/>
         <p:cNvGrpSpPr/>
         <p:nvPr/>
       </p:nvGrpSpPr>
@@ -5131,7 +5449,9 @@
       <p:sp>
         <p:nvSpPr>
           <p:cNvPr id="34" name="Shape 34"/>
-          <p:cNvSpPr txBox="1"/>
+          <p:cNvSpPr txBox="1">
+            <a:spLocks noGrp="1"/>
+          </p:cNvSpPr>
           <p:nvPr>
             <p:ph type="title"/>
           </p:nvPr>
@@ -5146,7 +5466,7 @@
           </a:prstGeom>
         </p:spPr>
         <p:txBody>
-          <a:bodyPr anchorCtr="0" anchor="b" bIns="91425" lIns="91425" spcFirstLastPara="1" rIns="91425" wrap="square" tIns="91425"/>
+          <a:bodyPr spcFirstLastPara="1" wrap="square" lIns="91425" tIns="91425" rIns="91425" bIns="91425" anchor="b" anchorCtr="0"/>
           <a:lstStyle>
             <a:lvl1pPr lvl="0">
               <a:spcBef>
@@ -5248,15 +5568,19 @@
               <a:defRPr sz="3000"/>
             </a:lvl9pPr>
           </a:lstStyle>
-          <a:p/>
+          <a:p>
+            <a:endParaRPr/>
+          </a:p>
         </p:txBody>
       </p:sp>
       <p:sp>
         <p:nvSpPr>
           <p:cNvPr id="35" name="Shape 35"/>
-          <p:cNvSpPr txBox="1"/>
+          <p:cNvSpPr txBox="1">
+            <a:spLocks noGrp="1"/>
+          </p:cNvSpPr>
           <p:nvPr>
-            <p:ph idx="1" type="body"/>
+            <p:ph type="body" idx="1"/>
           </p:nvPr>
         </p:nvSpPr>
         <p:spPr>
@@ -5269,9 +5593,9 @@
           </a:prstGeom>
         </p:spPr>
         <p:txBody>
-          <a:bodyPr anchorCtr="0" anchor="t" bIns="91425" lIns="91425" spcFirstLastPara="1" rIns="91425" wrap="square" tIns="91425"/>
+          <a:bodyPr spcFirstLastPara="1" wrap="square" lIns="91425" tIns="91425" rIns="91425" bIns="91425" anchor="t" anchorCtr="0"/>
           <a:lstStyle>
-            <a:lvl1pPr indent="-304800" lvl="0" marL="457200">
+            <a:lvl1pPr marL="457200" lvl="0" indent="-304800">
               <a:spcBef>
                 <a:spcPts val="0"/>
               </a:spcBef>
@@ -5282,7 +5606,7 @@
               <a:buChar char="●"/>
               <a:defRPr sz="1200"/>
             </a:lvl1pPr>
-            <a:lvl2pPr indent="-304800" lvl="1" marL="914400">
+            <a:lvl2pPr marL="914400" lvl="1" indent="-304800">
               <a:spcBef>
                 <a:spcPts val="1600"/>
               </a:spcBef>
@@ -5293,7 +5617,7 @@
               <a:buChar char="○"/>
               <a:defRPr sz="1200"/>
             </a:lvl2pPr>
-            <a:lvl3pPr indent="-304800" lvl="2" marL="1371600">
+            <a:lvl3pPr marL="1371600" lvl="2" indent="-304800">
               <a:spcBef>
                 <a:spcPts val="1600"/>
               </a:spcBef>
@@ -5304,7 +5628,7 @@
               <a:buChar char="■"/>
               <a:defRPr sz="1200"/>
             </a:lvl3pPr>
-            <a:lvl4pPr indent="-304800" lvl="3" marL="1828800">
+            <a:lvl4pPr marL="1828800" lvl="3" indent="-304800">
               <a:spcBef>
                 <a:spcPts val="1600"/>
               </a:spcBef>
@@ -5315,7 +5639,7 @@
               <a:buChar char="●"/>
               <a:defRPr sz="1200"/>
             </a:lvl4pPr>
-            <a:lvl5pPr indent="-304800" lvl="4" marL="2286000">
+            <a:lvl5pPr marL="2286000" lvl="4" indent="-304800">
               <a:spcBef>
                 <a:spcPts val="1600"/>
               </a:spcBef>
@@ -5326,7 +5650,7 @@
               <a:buChar char="○"/>
               <a:defRPr sz="1200"/>
             </a:lvl5pPr>
-            <a:lvl6pPr indent="-304800" lvl="5" marL="2743200">
+            <a:lvl6pPr marL="2743200" lvl="5" indent="-304800">
               <a:spcBef>
                 <a:spcPts val="1600"/>
               </a:spcBef>
@@ -5337,7 +5661,7 @@
               <a:buChar char="■"/>
               <a:defRPr sz="1200"/>
             </a:lvl6pPr>
-            <a:lvl7pPr indent="-304800" lvl="6" marL="3200400">
+            <a:lvl7pPr marL="3200400" lvl="6" indent="-304800">
               <a:spcBef>
                 <a:spcPts val="1600"/>
               </a:spcBef>
@@ -5348,7 +5672,7 @@
               <a:buChar char="●"/>
               <a:defRPr sz="1200"/>
             </a:lvl7pPr>
-            <a:lvl8pPr indent="-304800" lvl="7" marL="3657600">
+            <a:lvl8pPr marL="3657600" lvl="7" indent="-304800">
               <a:spcBef>
                 <a:spcPts val="1600"/>
               </a:spcBef>
@@ -5359,7 +5683,7 @@
               <a:buChar char="○"/>
               <a:defRPr sz="1200"/>
             </a:lvl8pPr>
-            <a:lvl9pPr indent="-304800" lvl="8" marL="4114800">
+            <a:lvl9pPr marL="4114800" lvl="8" indent="-304800">
               <a:spcBef>
                 <a:spcPts val="1600"/>
               </a:spcBef>
@@ -5371,15 +5695,19 @@
               <a:defRPr sz="1200"/>
             </a:lvl9pPr>
           </a:lstStyle>
-          <a:p/>
+          <a:p>
+            <a:endParaRPr/>
+          </a:p>
         </p:txBody>
       </p:sp>
       <p:sp>
         <p:nvSpPr>
           <p:cNvPr id="36" name="Shape 36"/>
-          <p:cNvSpPr txBox="1"/>
+          <p:cNvSpPr txBox="1">
+            <a:spLocks noGrp="1"/>
+          </p:cNvSpPr>
           <p:nvPr>
-            <p:ph idx="12" type="sldNum"/>
+            <p:ph type="sldNum" idx="12"/>
           </p:nvPr>
         </p:nvSpPr>
         <p:spPr>
@@ -5392,7 +5720,7 @@
           </a:prstGeom>
         </p:spPr>
         <p:txBody>
-          <a:bodyPr anchorCtr="0" anchor="ctr" bIns="91425" lIns="91425" spcFirstLastPara="1" rIns="91425" wrap="square" tIns="91425">
+          <a:bodyPr spcFirstLastPara="1" wrap="square" lIns="91425" tIns="91425" rIns="91425" bIns="91425" anchor="ctr" anchorCtr="0">
             <a:noAutofit/>
           </a:bodyPr>
           <a:lstStyle>
@@ -5434,7 +5762,7 @@
             </a:lvl9pPr>
           </a:lstStyle>
           <a:p>
-            <a:pPr indent="0" lvl="0" marL="0">
+            <a:pPr marL="0" lvl="0" indent="0">
               <a:spcBef>
                 <a:spcPts val="0"/>
               </a:spcBef>
@@ -5445,7 +5773,7 @@
             </a:pPr>
             <a:fld id="{00000000-1234-1234-1234-123412341234}" type="slidenum">
               <a:rPr lang="pt-BR"/>
-              <a:t>‹#›</a:t>
+              <a:t>‹nº›</a:t>
             </a:fld>
             <a:endParaRPr/>
           </a:p>
@@ -5460,11 +5788,11 @@
 </file>
 
 <file path=ppt/slideLayouts/slideLayout7.xml><?xml version="1.0" encoding="utf-8"?>
-<p:sldLayout xmlns:a="http://schemas.openxmlformats.org/drawingml/2006/main" xmlns:r="http://schemas.openxmlformats.org/officeDocument/2006/relationships" xmlns:mc="http://schemas.openxmlformats.org/markup-compatibility/2006" xmlns:mv="urn:schemas-microsoft-com:mac:vml" xmlns:p="http://schemas.openxmlformats.org/presentationml/2006/main" xmlns:c="http://schemas.openxmlformats.org/drawingml/2006/chart" xmlns:dgm="http://schemas.openxmlformats.org/drawingml/2006/diagram" xmlns:o="urn:schemas-microsoft-com:office:office" xmlns:v="urn:schemas-microsoft-com:vml" xmlns:pvml="urn:schemas-microsoft-com:office:powerpoint" xmlns:com="http://schemas.openxmlformats.org/drawingml/2006/compatibility" xmlns:p14="http://schemas.microsoft.com/office/powerpoint/2010/main" xmlns:p15="http://schemas.microsoft.com/office/powerpoint/2012/main" matchingName="Main point">
+<p:sldLayout xmlns:a="http://schemas.openxmlformats.org/drawingml/2006/main" xmlns:r="http://schemas.openxmlformats.org/officeDocument/2006/relationships" xmlns:p="http://schemas.openxmlformats.org/presentationml/2006/main" matchingName="Main point">
   <p:cSld name="MAIN_POINT">
     <p:spTree>
       <p:nvGrpSpPr>
-        <p:cNvPr id="37" name="Shape 37"/>
+        <p:cNvPr id="1" name="Shape 37"/>
         <p:cNvGrpSpPr/>
         <p:nvPr/>
       </p:nvGrpSpPr>
@@ -5498,12 +5826,12 @@
           </a:ln>
         </p:spPr>
         <p:txBody>
-          <a:bodyPr anchorCtr="0" anchor="ctr" bIns="91425" lIns="91425" spcFirstLastPara="1" rIns="91425" wrap="square" tIns="91425">
+          <a:bodyPr spcFirstLastPara="1" wrap="square" lIns="91425" tIns="91425" rIns="91425" bIns="91425" anchor="ctr" anchorCtr="0">
             <a:noAutofit/>
           </a:bodyPr>
           <a:lstStyle/>
           <a:p>
-            <a:pPr indent="0" lvl="0" marL="0">
+            <a:pPr marL="0" lvl="0" indent="0">
               <a:spcBef>
                 <a:spcPts val="0"/>
               </a:spcBef>
@@ -5512,9 +5840,6 @@
               </a:spcAft>
               <a:buNone/>
             </a:pPr>
-            <a:r>
-              <a:t/>
-            </a:r>
             <a:endParaRPr/>
           </a:p>
         </p:txBody>
@@ -5522,7 +5847,9 @@
       <p:sp>
         <p:nvSpPr>
           <p:cNvPr id="39" name="Shape 39"/>
-          <p:cNvSpPr txBox="1"/>
+          <p:cNvSpPr txBox="1">
+            <a:spLocks noGrp="1"/>
+          </p:cNvSpPr>
           <p:nvPr>
             <p:ph type="title"/>
           </p:nvPr>
@@ -5537,7 +5864,7 @@
           </a:prstGeom>
         </p:spPr>
         <p:txBody>
-          <a:bodyPr anchorCtr="0" anchor="ctr" bIns="91425" lIns="91425" spcFirstLastPara="1" rIns="91425" wrap="square" tIns="91425"/>
+          <a:bodyPr spcFirstLastPara="1" wrap="square" lIns="91425" tIns="91425" rIns="91425" bIns="91425" anchor="ctr" anchorCtr="0"/>
           <a:lstStyle>
             <a:lvl1pPr lvl="0">
               <a:spcBef>
@@ -5639,15 +5966,19 @@
               <a:defRPr sz="4800"/>
             </a:lvl9pPr>
           </a:lstStyle>
-          <a:p/>
+          <a:p>
+            <a:endParaRPr/>
+          </a:p>
         </p:txBody>
       </p:sp>
       <p:sp>
         <p:nvSpPr>
           <p:cNvPr id="40" name="Shape 40"/>
-          <p:cNvSpPr txBox="1"/>
+          <p:cNvSpPr txBox="1">
+            <a:spLocks noGrp="1"/>
+          </p:cNvSpPr>
           <p:nvPr>
-            <p:ph idx="12" type="sldNum"/>
+            <p:ph type="sldNum" idx="12"/>
           </p:nvPr>
         </p:nvSpPr>
         <p:spPr>
@@ -5660,7 +5991,7 @@
           </a:prstGeom>
         </p:spPr>
         <p:txBody>
-          <a:bodyPr anchorCtr="0" anchor="ctr" bIns="91425" lIns="91425" spcFirstLastPara="1" rIns="91425" wrap="square" tIns="91425">
+          <a:bodyPr spcFirstLastPara="1" wrap="square" lIns="91425" tIns="91425" rIns="91425" bIns="91425" anchor="ctr" anchorCtr="0">
             <a:noAutofit/>
           </a:bodyPr>
           <a:lstStyle>
@@ -5702,7 +6033,7 @@
             </a:lvl9pPr>
           </a:lstStyle>
           <a:p>
-            <a:pPr indent="0" lvl="0" marL="0">
+            <a:pPr marL="0" lvl="0" indent="0">
               <a:spcBef>
                 <a:spcPts val="0"/>
               </a:spcBef>
@@ -5713,7 +6044,7 @@
             </a:pPr>
             <a:fld id="{00000000-1234-1234-1234-123412341234}" type="slidenum">
               <a:rPr lang="pt-BR"/>
-              <a:t>‹#›</a:t>
+              <a:t>‹nº›</a:t>
             </a:fld>
             <a:endParaRPr/>
           </a:p>
@@ -5728,11 +6059,11 @@
 </file>
 
 <file path=ppt/slideLayouts/slideLayout8.xml><?xml version="1.0" encoding="utf-8"?>
-<p:sldLayout xmlns:a="http://schemas.openxmlformats.org/drawingml/2006/main" xmlns:r="http://schemas.openxmlformats.org/officeDocument/2006/relationships" xmlns:mc="http://schemas.openxmlformats.org/markup-compatibility/2006" xmlns:mv="urn:schemas-microsoft-com:mac:vml" xmlns:p="http://schemas.openxmlformats.org/presentationml/2006/main" xmlns:c="http://schemas.openxmlformats.org/drawingml/2006/chart" xmlns:dgm="http://schemas.openxmlformats.org/drawingml/2006/diagram" xmlns:o="urn:schemas-microsoft-com:office:office" xmlns:v="urn:schemas-microsoft-com:vml" xmlns:pvml="urn:schemas-microsoft-com:office:powerpoint" xmlns:com="http://schemas.openxmlformats.org/drawingml/2006/compatibility" xmlns:p14="http://schemas.microsoft.com/office/powerpoint/2010/main" xmlns:p15="http://schemas.microsoft.com/office/powerpoint/2012/main" matchingName="Section title and description">
+<p:sldLayout xmlns:a="http://schemas.openxmlformats.org/drawingml/2006/main" xmlns:r="http://schemas.openxmlformats.org/officeDocument/2006/relationships" xmlns:p="http://schemas.openxmlformats.org/presentationml/2006/main" matchingName="Section title and description">
   <p:cSld name="SECTION_TITLE_AND_DESCRIPTION">
     <p:spTree>
       <p:nvGrpSpPr>
-        <p:cNvPr id="41" name="Shape 41"/>
+        <p:cNvPr id="1" name="Shape 41"/>
         <p:cNvGrpSpPr/>
         <p:nvPr/>
       </p:nvGrpSpPr>
@@ -5766,12 +6097,12 @@
           </a:ln>
         </p:spPr>
         <p:txBody>
-          <a:bodyPr anchorCtr="0" anchor="ctr" bIns="91425" lIns="91425" spcFirstLastPara="1" rIns="91425" wrap="square" tIns="91425">
+          <a:bodyPr spcFirstLastPara="1" wrap="square" lIns="91425" tIns="91425" rIns="91425" bIns="91425" anchor="ctr" anchorCtr="0">
             <a:noAutofit/>
           </a:bodyPr>
           <a:lstStyle/>
           <a:p>
-            <a:pPr indent="0" lvl="0" marL="0">
+            <a:pPr marL="0" lvl="0" indent="0">
               <a:spcBef>
                 <a:spcPts val="0"/>
               </a:spcBef>
@@ -5780,9 +6111,6 @@
               </a:spcAft>
               <a:buNone/>
             </a:pPr>
-            <a:r>
-              <a:t/>
-            </a:r>
             <a:endParaRPr/>
           </a:p>
         </p:txBody>
@@ -5802,21 +6130,23 @@
             <a:avLst/>
           </a:prstGeom>
           <a:noFill/>
-          <a:ln cap="flat" cmpd="sng" w="19050">
+          <a:ln w="19050" cap="flat" cmpd="sng">
             <a:solidFill>
               <a:schemeClr val="lt1"/>
             </a:solidFill>
             <a:prstDash val="solid"/>
             <a:round/>
-            <a:headEnd len="sm" w="sm" type="none"/>
-            <a:tailEnd len="sm" w="sm" type="none"/>
+            <a:headEnd type="none" w="sm" len="sm"/>
+            <a:tailEnd type="none" w="sm" len="sm"/>
           </a:ln>
         </p:spPr>
       </p:cxnSp>
       <p:sp>
         <p:nvSpPr>
           <p:cNvPr id="44" name="Shape 44"/>
-          <p:cNvSpPr txBox="1"/>
+          <p:cNvSpPr txBox="1">
+            <a:spLocks noGrp="1"/>
+          </p:cNvSpPr>
           <p:nvPr>
             <p:ph type="title"/>
           </p:nvPr>
@@ -5831,7 +6161,7 @@
           </a:prstGeom>
         </p:spPr>
         <p:txBody>
-          <a:bodyPr anchorCtr="0" anchor="b" bIns="91425" lIns="91425" spcFirstLastPara="1" rIns="91425" wrap="square" tIns="91425"/>
+          <a:bodyPr spcFirstLastPara="1" wrap="square" lIns="91425" tIns="91425" rIns="91425" bIns="91425" anchor="b" anchorCtr="0"/>
           <a:lstStyle>
             <a:lvl1pPr lvl="0" algn="ctr">
               <a:spcBef>
@@ -5996,15 +6326,19 @@
               </a:defRPr>
             </a:lvl9pPr>
           </a:lstStyle>
-          <a:p/>
+          <a:p>
+            <a:endParaRPr/>
+          </a:p>
         </p:txBody>
       </p:sp>
       <p:sp>
         <p:nvSpPr>
           <p:cNvPr id="45" name="Shape 45"/>
-          <p:cNvSpPr txBox="1"/>
+          <p:cNvSpPr txBox="1">
+            <a:spLocks noGrp="1"/>
+          </p:cNvSpPr>
           <p:nvPr>
-            <p:ph idx="1" type="subTitle"/>
+            <p:ph type="subTitle" idx="1"/>
           </p:nvPr>
         </p:nvSpPr>
         <p:spPr>
@@ -6017,7 +6351,7 @@
           </a:prstGeom>
         </p:spPr>
         <p:txBody>
-          <a:bodyPr anchorCtr="0" anchor="t" bIns="91425" lIns="91425" spcFirstLastPara="1" rIns="91425" wrap="square" tIns="91425"/>
+          <a:bodyPr spcFirstLastPara="1" wrap="square" lIns="91425" tIns="91425" rIns="91425" bIns="91425" anchor="t" anchorCtr="0"/>
           <a:lstStyle>
             <a:lvl1pPr lvl="0" algn="ctr">
               <a:lnSpc>
@@ -6200,15 +6534,19 @@
               </a:defRPr>
             </a:lvl9pPr>
           </a:lstStyle>
-          <a:p/>
+          <a:p>
+            <a:endParaRPr/>
+          </a:p>
         </p:txBody>
       </p:sp>
       <p:sp>
         <p:nvSpPr>
           <p:cNvPr id="46" name="Shape 46"/>
-          <p:cNvSpPr txBox="1"/>
+          <p:cNvSpPr txBox="1">
+            <a:spLocks noGrp="1"/>
+          </p:cNvSpPr>
           <p:nvPr>
-            <p:ph idx="2" type="body"/>
+            <p:ph type="body" idx="2"/>
           </p:nvPr>
         </p:nvSpPr>
         <p:spPr>
@@ -6221,9 +6559,9 @@
           </a:prstGeom>
         </p:spPr>
         <p:txBody>
-          <a:bodyPr anchorCtr="0" anchor="ctr" bIns="91425" lIns="91425" spcFirstLastPara="1" rIns="91425" wrap="square" tIns="91425"/>
+          <a:bodyPr spcFirstLastPara="1" wrap="square" lIns="91425" tIns="91425" rIns="91425" bIns="91425" anchor="ctr" anchorCtr="0"/>
           <a:lstStyle>
-            <a:lvl1pPr indent="-342900" lvl="0" marL="457200">
+            <a:lvl1pPr marL="457200" lvl="0" indent="-342900">
               <a:spcBef>
                 <a:spcPts val="0"/>
               </a:spcBef>
@@ -6241,7 +6579,7 @@
                 </a:solidFill>
               </a:defRPr>
             </a:lvl1pPr>
-            <a:lvl2pPr indent="-317500" lvl="1" marL="914400">
+            <a:lvl2pPr marL="914400" lvl="1" indent="-317500">
               <a:spcBef>
                 <a:spcPts val="1600"/>
               </a:spcBef>
@@ -6259,7 +6597,7 @@
                 </a:solidFill>
               </a:defRPr>
             </a:lvl2pPr>
-            <a:lvl3pPr indent="-317500" lvl="2" marL="1371600">
+            <a:lvl3pPr marL="1371600" lvl="2" indent="-317500">
               <a:spcBef>
                 <a:spcPts val="1600"/>
               </a:spcBef>
@@ -6277,7 +6615,7 @@
                 </a:solidFill>
               </a:defRPr>
             </a:lvl3pPr>
-            <a:lvl4pPr indent="-317500" lvl="3" marL="1828800">
+            <a:lvl4pPr marL="1828800" lvl="3" indent="-317500">
               <a:spcBef>
                 <a:spcPts val="1600"/>
               </a:spcBef>
@@ -6295,7 +6633,7 @@
                 </a:solidFill>
               </a:defRPr>
             </a:lvl4pPr>
-            <a:lvl5pPr indent="-317500" lvl="4" marL="2286000">
+            <a:lvl5pPr marL="2286000" lvl="4" indent="-317500">
               <a:spcBef>
                 <a:spcPts val="1600"/>
               </a:spcBef>
@@ -6313,7 +6651,7 @@
                 </a:solidFill>
               </a:defRPr>
             </a:lvl5pPr>
-            <a:lvl6pPr indent="-317500" lvl="5" marL="2743200">
+            <a:lvl6pPr marL="2743200" lvl="5" indent="-317500">
               <a:spcBef>
                 <a:spcPts val="1600"/>
               </a:spcBef>
@@ -6331,7 +6669,7 @@
                 </a:solidFill>
               </a:defRPr>
             </a:lvl6pPr>
-            <a:lvl7pPr indent="-317500" lvl="6" marL="3200400">
+            <a:lvl7pPr marL="3200400" lvl="6" indent="-317500">
               <a:spcBef>
                 <a:spcPts val="1600"/>
               </a:spcBef>
@@ -6349,7 +6687,7 @@
                 </a:solidFill>
               </a:defRPr>
             </a:lvl7pPr>
-            <a:lvl8pPr indent="-317500" lvl="7" marL="3657600">
+            <a:lvl8pPr marL="3657600" lvl="7" indent="-317500">
               <a:spcBef>
                 <a:spcPts val="1600"/>
               </a:spcBef>
@@ -6367,7 +6705,7 @@
                 </a:solidFill>
               </a:defRPr>
             </a:lvl8pPr>
-            <a:lvl9pPr indent="-317500" lvl="8" marL="4114800">
+            <a:lvl9pPr marL="4114800" lvl="8" indent="-317500">
               <a:spcBef>
                 <a:spcPts val="1600"/>
               </a:spcBef>
@@ -6386,15 +6724,19 @@
               </a:defRPr>
             </a:lvl9pPr>
           </a:lstStyle>
-          <a:p/>
+          <a:p>
+            <a:endParaRPr/>
+          </a:p>
         </p:txBody>
       </p:sp>
       <p:sp>
         <p:nvSpPr>
           <p:cNvPr id="47" name="Shape 47"/>
-          <p:cNvSpPr txBox="1"/>
+          <p:cNvSpPr txBox="1">
+            <a:spLocks noGrp="1"/>
+          </p:cNvSpPr>
           <p:nvPr>
-            <p:ph idx="12" type="sldNum"/>
+            <p:ph type="sldNum" idx="12"/>
           </p:nvPr>
         </p:nvSpPr>
         <p:spPr>
@@ -6407,7 +6749,7 @@
           </a:prstGeom>
         </p:spPr>
         <p:txBody>
-          <a:bodyPr anchorCtr="0" anchor="ctr" bIns="91425" lIns="91425" spcFirstLastPara="1" rIns="91425" wrap="square" tIns="91425">
+          <a:bodyPr spcFirstLastPara="1" wrap="square" lIns="91425" tIns="91425" rIns="91425" bIns="91425" anchor="ctr" anchorCtr="0">
             <a:noAutofit/>
           </a:bodyPr>
           <a:lstStyle>
@@ -6485,7 +6827,7 @@
             </a:lvl9pPr>
           </a:lstStyle>
           <a:p>
-            <a:pPr indent="0" lvl="0" marL="0">
+            <a:pPr marL="0" lvl="0" indent="0">
               <a:spcBef>
                 <a:spcPts val="0"/>
               </a:spcBef>
@@ -6496,7 +6838,7 @@
             </a:pPr>
             <a:fld id="{00000000-1234-1234-1234-123412341234}" type="slidenum">
               <a:rPr lang="pt-BR"/>
-              <a:t>‹#›</a:t>
+              <a:t>‹nº›</a:t>
             </a:fld>
             <a:endParaRPr/>
           </a:p>
@@ -6511,11 +6853,11 @@
 </file>
 
 <file path=ppt/slideLayouts/slideLayout9.xml><?xml version="1.0" encoding="utf-8"?>
-<p:sldLayout xmlns:a="http://schemas.openxmlformats.org/drawingml/2006/main" xmlns:r="http://schemas.openxmlformats.org/officeDocument/2006/relationships" xmlns:mc="http://schemas.openxmlformats.org/markup-compatibility/2006" xmlns:mv="urn:schemas-microsoft-com:mac:vml" xmlns:p="http://schemas.openxmlformats.org/presentationml/2006/main" xmlns:c="http://schemas.openxmlformats.org/drawingml/2006/chart" xmlns:dgm="http://schemas.openxmlformats.org/drawingml/2006/diagram" xmlns:o="urn:schemas-microsoft-com:office:office" xmlns:v="urn:schemas-microsoft-com:vml" xmlns:pvml="urn:schemas-microsoft-com:office:powerpoint" xmlns:com="http://schemas.openxmlformats.org/drawingml/2006/compatibility" xmlns:p14="http://schemas.microsoft.com/office/powerpoint/2010/main" xmlns:p15="http://schemas.microsoft.com/office/powerpoint/2012/main" matchingName="Caption">
+<p:sldLayout xmlns:a="http://schemas.openxmlformats.org/drawingml/2006/main" xmlns:r="http://schemas.openxmlformats.org/officeDocument/2006/relationships" xmlns:p="http://schemas.openxmlformats.org/presentationml/2006/main" matchingName="Caption">
   <p:cSld name="CAPTION_ONLY">
     <p:spTree>
       <p:nvGrpSpPr>
-        <p:cNvPr id="48" name="Shape 48"/>
+        <p:cNvPr id="1" name="Shape 48"/>
         <p:cNvGrpSpPr/>
         <p:nvPr/>
       </p:nvGrpSpPr>
@@ -6530,9 +6872,11 @@
       <p:sp>
         <p:nvSpPr>
           <p:cNvPr id="49" name="Shape 49"/>
-          <p:cNvSpPr txBox="1"/>
+          <p:cNvSpPr txBox="1">
+            <a:spLocks noGrp="1"/>
+          </p:cNvSpPr>
           <p:nvPr>
-            <p:ph idx="1" type="body"/>
+            <p:ph type="body" idx="1"/>
           </p:nvPr>
         </p:nvSpPr>
         <p:spPr>
@@ -6545,9 +6889,9 @@
           </a:prstGeom>
         </p:spPr>
         <p:txBody>
-          <a:bodyPr anchorCtr="0" anchor="ctr" bIns="91425" lIns="91425" spcFirstLastPara="1" rIns="91425" wrap="square" tIns="91425"/>
+          <a:bodyPr spcFirstLastPara="1" wrap="square" lIns="91425" tIns="91425" rIns="91425" bIns="91425" anchor="ctr" anchorCtr="0"/>
           <a:lstStyle>
-            <a:lvl1pPr indent="-228600" lvl="0" marL="457200">
+            <a:lvl1pPr marL="457200" lvl="0" indent="-228600">
               <a:lnSpc>
                 <a:spcPct val="100000"/>
               </a:lnSpc>
@@ -6568,15 +6912,19 @@
               </a:defRPr>
             </a:lvl1pPr>
           </a:lstStyle>
-          <a:p/>
+          <a:p>
+            <a:endParaRPr/>
+          </a:p>
         </p:txBody>
       </p:sp>
       <p:sp>
         <p:nvSpPr>
           <p:cNvPr id="50" name="Shape 50"/>
-          <p:cNvSpPr txBox="1"/>
+          <p:cNvSpPr txBox="1">
+            <a:spLocks noGrp="1"/>
+          </p:cNvSpPr>
           <p:nvPr>
-            <p:ph idx="12" type="sldNum"/>
+            <p:ph type="sldNum" idx="12"/>
           </p:nvPr>
         </p:nvSpPr>
         <p:spPr>
@@ -6589,7 +6937,7 @@
           </a:prstGeom>
         </p:spPr>
         <p:txBody>
-          <a:bodyPr anchorCtr="0" anchor="ctr" bIns="91425" lIns="91425" spcFirstLastPara="1" rIns="91425" wrap="square" tIns="91425">
+          <a:bodyPr spcFirstLastPara="1" wrap="square" lIns="91425" tIns="91425" rIns="91425" bIns="91425" anchor="ctr" anchorCtr="0">
             <a:noAutofit/>
           </a:bodyPr>
           <a:lstStyle>
@@ -6631,7 +6979,7 @@
             </a:lvl9pPr>
           </a:lstStyle>
           <a:p>
-            <a:pPr indent="0" lvl="0" marL="0">
+            <a:pPr marL="0" lvl="0" indent="0">
               <a:spcBef>
                 <a:spcPts val="0"/>
               </a:spcBef>
@@ -6642,7 +6990,7 @@
             </a:pPr>
             <a:fld id="{00000000-1234-1234-1234-123412341234}" type="slidenum">
               <a:rPr lang="pt-BR"/>
-              <a:t>‹#›</a:t>
+              <a:t>‹nº›</a:t>
             </a:fld>
             <a:endParaRPr/>
           </a:p>
@@ -6657,18 +7005,19 @@
 </file>
 
 <file path=ppt/slideMasters/slideMaster1.xml><?xml version="1.0" encoding="utf-8"?>
-<p:sldMaster xmlns:a="http://schemas.openxmlformats.org/drawingml/2006/main" xmlns:r="http://schemas.openxmlformats.org/officeDocument/2006/relationships" xmlns:mc="http://schemas.openxmlformats.org/markup-compatibility/2006" xmlns:mv="urn:schemas-microsoft-com:mac:vml" xmlns:p="http://schemas.openxmlformats.org/presentationml/2006/main" xmlns:c="http://schemas.openxmlformats.org/drawingml/2006/chart" xmlns:dgm="http://schemas.openxmlformats.org/drawingml/2006/diagram" xmlns:o="urn:schemas-microsoft-com:office:office" xmlns:v="urn:schemas-microsoft-com:vml" xmlns:pvml="urn:schemas-microsoft-com:office:powerpoint" xmlns:com="http://schemas.openxmlformats.org/drawingml/2006/compatibility" xmlns:p14="http://schemas.microsoft.com/office/powerpoint/2010/main" xmlns:p15="http://schemas.microsoft.com/office/powerpoint/2012/main">
+<p:sldMaster xmlns:a="http://schemas.openxmlformats.org/drawingml/2006/main" xmlns:r="http://schemas.openxmlformats.org/officeDocument/2006/relationships" xmlns:p="http://schemas.openxmlformats.org/presentationml/2006/main">
   <p:cSld name="luxe">
     <p:bg>
       <p:bgPr>
         <a:solidFill>
           <a:schemeClr val="lt1"/>
         </a:solidFill>
+        <a:effectLst/>
       </p:bgPr>
     </p:bg>
     <p:spTree>
       <p:nvGrpSpPr>
-        <p:cNvPr id="5" name="Shape 5"/>
+        <p:cNvPr id="1" name="Shape 5"/>
         <p:cNvGrpSpPr/>
         <p:nvPr/>
       </p:nvGrpSpPr>
@@ -6683,7 +7032,9 @@
       <p:sp>
         <p:nvSpPr>
           <p:cNvPr id="6" name="Shape 6"/>
-          <p:cNvSpPr txBox="1"/>
+          <p:cNvSpPr txBox="1">
+            <a:spLocks noGrp="1"/>
+          </p:cNvSpPr>
           <p:nvPr>
             <p:ph type="title"/>
           </p:nvPr>
@@ -6702,7 +7053,7 @@
           </a:ln>
         </p:spPr>
         <p:txBody>
-          <a:bodyPr anchorCtr="0" anchor="b" bIns="91425" lIns="91425" spcFirstLastPara="1" rIns="91425" wrap="square" tIns="91425"/>
+          <a:bodyPr spcFirstLastPara="1" wrap="square" lIns="91425" tIns="91425" rIns="91425" bIns="91425" anchor="b" anchorCtr="0"/>
           <a:lstStyle>
             <a:lvl1pPr lvl="0">
               <a:spcBef>
@@ -6912,15 +7263,19 @@
               </a:defRPr>
             </a:lvl9pPr>
           </a:lstStyle>
-          <a:p/>
+          <a:p>
+            <a:endParaRPr/>
+          </a:p>
         </p:txBody>
       </p:sp>
       <p:sp>
         <p:nvSpPr>
           <p:cNvPr id="7" name="Shape 7"/>
-          <p:cNvSpPr txBox="1"/>
+          <p:cNvSpPr txBox="1">
+            <a:spLocks noGrp="1"/>
+          </p:cNvSpPr>
           <p:nvPr>
-            <p:ph idx="1" type="body"/>
+            <p:ph type="body" idx="1"/>
           </p:nvPr>
         </p:nvSpPr>
         <p:spPr>
@@ -6937,9 +7292,9 @@
           </a:ln>
         </p:spPr>
         <p:txBody>
-          <a:bodyPr anchorCtr="0" anchor="t" bIns="91425" lIns="91425" spcFirstLastPara="1" rIns="91425" wrap="square" tIns="91425"/>
+          <a:bodyPr spcFirstLastPara="1" wrap="square" lIns="91425" tIns="91425" rIns="91425" bIns="91425" anchor="t" anchorCtr="0"/>
           <a:lstStyle>
-            <a:lvl1pPr indent="-342900" lvl="0" marL="457200">
+            <a:lvl1pPr marL="457200" lvl="0" indent="-342900">
               <a:lnSpc>
                 <a:spcPct val="115000"/>
               </a:lnSpc>
@@ -6965,7 +7320,7 @@
                 <a:sym typeface="Open Sans"/>
               </a:defRPr>
             </a:lvl1pPr>
-            <a:lvl2pPr indent="-317500" lvl="1" marL="914400">
+            <a:lvl2pPr marL="914400" lvl="1" indent="-317500">
               <a:lnSpc>
                 <a:spcPct val="115000"/>
               </a:lnSpc>
@@ -6991,7 +7346,7 @@
                 <a:sym typeface="Open Sans"/>
               </a:defRPr>
             </a:lvl2pPr>
-            <a:lvl3pPr indent="-317500" lvl="2" marL="1371600">
+            <a:lvl3pPr marL="1371600" lvl="2" indent="-317500">
               <a:lnSpc>
                 <a:spcPct val="115000"/>
               </a:lnSpc>
@@ -7017,7 +7372,7 @@
                 <a:sym typeface="Open Sans"/>
               </a:defRPr>
             </a:lvl3pPr>
-            <a:lvl4pPr indent="-317500" lvl="3" marL="1828800">
+            <a:lvl4pPr marL="1828800" lvl="3" indent="-317500">
               <a:lnSpc>
                 <a:spcPct val="115000"/>
               </a:lnSpc>
@@ -7043,7 +7398,7 @@
                 <a:sym typeface="Open Sans"/>
               </a:defRPr>
             </a:lvl4pPr>
-            <a:lvl5pPr indent="-317500" lvl="4" marL="2286000">
+            <a:lvl5pPr marL="2286000" lvl="4" indent="-317500">
               <a:lnSpc>
                 <a:spcPct val="115000"/>
               </a:lnSpc>
@@ -7069,7 +7424,7 @@
                 <a:sym typeface="Open Sans"/>
               </a:defRPr>
             </a:lvl5pPr>
-            <a:lvl6pPr indent="-317500" lvl="5" marL="2743200">
+            <a:lvl6pPr marL="2743200" lvl="5" indent="-317500">
               <a:lnSpc>
                 <a:spcPct val="115000"/>
               </a:lnSpc>
@@ -7095,7 +7450,7 @@
                 <a:sym typeface="Open Sans"/>
               </a:defRPr>
             </a:lvl6pPr>
-            <a:lvl7pPr indent="-317500" lvl="6" marL="3200400">
+            <a:lvl7pPr marL="3200400" lvl="6" indent="-317500">
               <a:lnSpc>
                 <a:spcPct val="115000"/>
               </a:lnSpc>
@@ -7121,7 +7476,7 @@
                 <a:sym typeface="Open Sans"/>
               </a:defRPr>
             </a:lvl7pPr>
-            <a:lvl8pPr indent="-317500" lvl="7" marL="3657600">
+            <a:lvl8pPr marL="3657600" lvl="7" indent="-317500">
               <a:lnSpc>
                 <a:spcPct val="115000"/>
               </a:lnSpc>
@@ -7147,7 +7502,7 @@
                 <a:sym typeface="Open Sans"/>
               </a:defRPr>
             </a:lvl8pPr>
-            <a:lvl9pPr indent="-317500" lvl="8" marL="4114800">
+            <a:lvl9pPr marL="4114800" lvl="8" indent="-317500">
               <a:lnSpc>
                 <a:spcPct val="115000"/>
               </a:lnSpc>
@@ -7174,15 +7529,19 @@
               </a:defRPr>
             </a:lvl9pPr>
           </a:lstStyle>
-          <a:p/>
+          <a:p>
+            <a:endParaRPr/>
+          </a:p>
         </p:txBody>
       </p:sp>
       <p:sp>
         <p:nvSpPr>
           <p:cNvPr id="8" name="Shape 8"/>
-          <p:cNvSpPr txBox="1"/>
+          <p:cNvSpPr txBox="1">
+            <a:spLocks noGrp="1"/>
+          </p:cNvSpPr>
           <p:nvPr>
-            <p:ph idx="12" type="sldNum"/>
+            <p:ph type="sldNum" idx="12"/>
           </p:nvPr>
         </p:nvSpPr>
         <p:spPr>
@@ -7199,7 +7558,7 @@
           </a:ln>
         </p:spPr>
         <p:txBody>
-          <a:bodyPr anchorCtr="0" anchor="ctr" bIns="91425" lIns="91425" spcFirstLastPara="1" rIns="91425" wrap="square" tIns="91425">
+          <a:bodyPr spcFirstLastPara="1" wrap="square" lIns="91425" tIns="91425" rIns="91425" bIns="91425" anchor="ctr" anchorCtr="0">
             <a:noAutofit/>
           </a:bodyPr>
           <a:lstStyle>
@@ -7313,7 +7672,7 @@
             </a:lvl9pPr>
           </a:lstStyle>
           <a:p>
-            <a:pPr indent="0" lvl="0" marL="0">
+            <a:pPr marL="0" lvl="0" indent="0">
               <a:spcBef>
                 <a:spcPts val="0"/>
               </a:spcBef>
@@ -7324,7 +7683,7 @@
             </a:pPr>
             <a:fld id="{00000000-1234-1234-1234-123412341234}" type="slidenum">
               <a:rPr lang="pt-BR"/>
-              <a:t>‹#›</a:t>
+              <a:t>‹nº›</a:t>
             </a:fld>
             <a:endParaRPr/>
           </a:p>
@@ -7332,7 +7691,7 @@
       </p:sp>
     </p:spTree>
   </p:cSld>
-  <p:clrMap accent1="accent1" accent2="accent2" accent3="accent3" accent4="accent4" accent5="accent5" accent6="accent6" bg1="lt1" bg2="dk2" tx1="dk1" tx2="lt2" folHlink="folHlink" hlink="hlink"/>
+  <p:clrMap bg1="lt1" tx1="dk1" bg2="dk2" tx2="lt2" accent1="accent1" accent2="accent2" accent3="accent3" accent4="accent4" accent5="accent5" accent6="accent6" hlink="hlink" folHlink="folHlink"/>
   <p:sldLayoutIdLst>
     <p:sldLayoutId id="2147483648" r:id="rId1"/>
     <p:sldLayoutId id="2147483649" r:id="rId2"/>
@@ -7346,10 +7705,10 @@
     <p:sldLayoutId id="2147483657" r:id="rId10"/>
     <p:sldLayoutId id="2147483658" r:id="rId11"/>
   </p:sldLayoutIdLst>
-  <p:hf dt="0" ftr="0" hdr="0" sldNum="0"/>
+  <p:hf sldNum="0" hdr="0" ftr="0" dt="0"/>
   <p:txStyles>
     <p:titleStyle>
-      <a:defPPr lvl="0" marR="0" rtl="0" algn="l">
+      <a:defPPr marR="0" lvl="0" algn="l" rtl="0">
         <a:lnSpc>
           <a:spcPct val="100000"/>
         </a:lnSpc>
@@ -7360,7 +7719,7 @@
           <a:spcPts val="0"/>
         </a:spcAft>
       </a:defPPr>
-      <a:lvl1pPr lvl="0" marR="0" rtl="0" algn="l">
+      <a:lvl1pPr marR="0" lvl="0" algn="l" rtl="0">
         <a:lnSpc>
           <a:spcPct val="100000"/>
         </a:lnSpc>
@@ -7374,7 +7733,7 @@
           <a:srgbClr val="000000"/>
         </a:buClr>
         <a:buFont typeface="Arial"/>
-        <a:defRPr b="0" i="0" sz="1400" u="none" cap="none" strike="noStrike">
+        <a:defRPr sz="1400" b="0" i="0" u="none" strike="noStrike" cap="none">
           <a:solidFill>
             <a:srgbClr val="000000"/>
           </a:solidFill>
@@ -7384,7 +7743,7 @@
           <a:sym typeface="Arial"/>
         </a:defRPr>
       </a:lvl1pPr>
-      <a:lvl2pPr lvl="1" marR="0" rtl="0" algn="l">
+      <a:lvl2pPr marR="0" lvl="1" algn="l" rtl="0">
         <a:lnSpc>
           <a:spcPct val="100000"/>
         </a:lnSpc>
@@ -7398,7 +7757,7 @@
           <a:srgbClr val="000000"/>
         </a:buClr>
         <a:buFont typeface="Arial"/>
-        <a:defRPr b="0" i="0" sz="1400" u="none" cap="none" strike="noStrike">
+        <a:defRPr sz="1400" b="0" i="0" u="none" strike="noStrike" cap="none">
           <a:solidFill>
             <a:srgbClr val="000000"/>
           </a:solidFill>
@@ -7408,7 +7767,7 @@
           <a:sym typeface="Arial"/>
         </a:defRPr>
       </a:lvl2pPr>
-      <a:lvl3pPr lvl="2" marR="0" rtl="0" algn="l">
+      <a:lvl3pPr marR="0" lvl="2" algn="l" rtl="0">
         <a:lnSpc>
           <a:spcPct val="100000"/>
         </a:lnSpc>
@@ -7422,7 +7781,7 @@
           <a:srgbClr val="000000"/>
         </a:buClr>
         <a:buFont typeface="Arial"/>
-        <a:defRPr b="0" i="0" sz="1400" u="none" cap="none" strike="noStrike">
+        <a:defRPr sz="1400" b="0" i="0" u="none" strike="noStrike" cap="none">
           <a:solidFill>
             <a:srgbClr val="000000"/>
           </a:solidFill>
@@ -7432,7 +7791,7 @@
           <a:sym typeface="Arial"/>
         </a:defRPr>
       </a:lvl3pPr>
-      <a:lvl4pPr lvl="3" marR="0" rtl="0" algn="l">
+      <a:lvl4pPr marR="0" lvl="3" algn="l" rtl="0">
         <a:lnSpc>
           <a:spcPct val="100000"/>
         </a:lnSpc>
@@ -7446,7 +7805,7 @@
           <a:srgbClr val="000000"/>
         </a:buClr>
         <a:buFont typeface="Arial"/>
-        <a:defRPr b="0" i="0" sz="1400" u="none" cap="none" strike="noStrike">
+        <a:defRPr sz="1400" b="0" i="0" u="none" strike="noStrike" cap="none">
           <a:solidFill>
             <a:srgbClr val="000000"/>
           </a:solidFill>
@@ -7456,7 +7815,7 @@
           <a:sym typeface="Arial"/>
         </a:defRPr>
       </a:lvl4pPr>
-      <a:lvl5pPr lvl="4" marR="0" rtl="0" algn="l">
+      <a:lvl5pPr marR="0" lvl="4" algn="l" rtl="0">
         <a:lnSpc>
           <a:spcPct val="100000"/>
         </a:lnSpc>
@@ -7470,7 +7829,7 @@
           <a:srgbClr val="000000"/>
         </a:buClr>
         <a:buFont typeface="Arial"/>
-        <a:defRPr b="0" i="0" sz="1400" u="none" cap="none" strike="noStrike">
+        <a:defRPr sz="1400" b="0" i="0" u="none" strike="noStrike" cap="none">
           <a:solidFill>
             <a:srgbClr val="000000"/>
           </a:solidFill>
@@ -7480,7 +7839,7 @@
           <a:sym typeface="Arial"/>
         </a:defRPr>
       </a:lvl5pPr>
-      <a:lvl6pPr lvl="5" marR="0" rtl="0" algn="l">
+      <a:lvl6pPr marR="0" lvl="5" algn="l" rtl="0">
         <a:lnSpc>
           <a:spcPct val="100000"/>
         </a:lnSpc>
@@ -7494,7 +7853,7 @@
           <a:srgbClr val="000000"/>
         </a:buClr>
         <a:buFont typeface="Arial"/>
-        <a:defRPr b="0" i="0" sz="1400" u="none" cap="none" strike="noStrike">
+        <a:defRPr sz="1400" b="0" i="0" u="none" strike="noStrike" cap="none">
           <a:solidFill>
             <a:srgbClr val="000000"/>
           </a:solidFill>
@@ -7504,7 +7863,7 @@
           <a:sym typeface="Arial"/>
         </a:defRPr>
       </a:lvl6pPr>
-      <a:lvl7pPr lvl="6" marR="0" rtl="0" algn="l">
+      <a:lvl7pPr marR="0" lvl="6" algn="l" rtl="0">
         <a:lnSpc>
           <a:spcPct val="100000"/>
         </a:lnSpc>
@@ -7518,7 +7877,7 @@
           <a:srgbClr val="000000"/>
         </a:buClr>
         <a:buFont typeface="Arial"/>
-        <a:defRPr b="0" i="0" sz="1400" u="none" cap="none" strike="noStrike">
+        <a:defRPr sz="1400" b="0" i="0" u="none" strike="noStrike" cap="none">
           <a:solidFill>
             <a:srgbClr val="000000"/>
           </a:solidFill>
@@ -7528,7 +7887,7 @@
           <a:sym typeface="Arial"/>
         </a:defRPr>
       </a:lvl7pPr>
-      <a:lvl8pPr lvl="7" marR="0" rtl="0" algn="l">
+      <a:lvl8pPr marR="0" lvl="7" algn="l" rtl="0">
         <a:lnSpc>
           <a:spcPct val="100000"/>
         </a:lnSpc>
@@ -7542,7 +7901,7 @@
           <a:srgbClr val="000000"/>
         </a:buClr>
         <a:buFont typeface="Arial"/>
-        <a:defRPr b="0" i="0" sz="1400" u="none" cap="none" strike="noStrike">
+        <a:defRPr sz="1400" b="0" i="0" u="none" strike="noStrike" cap="none">
           <a:solidFill>
             <a:srgbClr val="000000"/>
           </a:solidFill>
@@ -7552,7 +7911,7 @@
           <a:sym typeface="Arial"/>
         </a:defRPr>
       </a:lvl8pPr>
-      <a:lvl9pPr lvl="8" marR="0" rtl="0" algn="l">
+      <a:lvl9pPr marR="0" lvl="8" algn="l" rtl="0">
         <a:lnSpc>
           <a:spcPct val="100000"/>
         </a:lnSpc>
@@ -7566,7 +7925,7 @@
           <a:srgbClr val="000000"/>
         </a:buClr>
         <a:buFont typeface="Arial"/>
-        <a:defRPr b="0" i="0" sz="1400" u="none" cap="none" strike="noStrike">
+        <a:defRPr sz="1400" b="0" i="0" u="none" strike="noStrike" cap="none">
           <a:solidFill>
             <a:srgbClr val="000000"/>
           </a:solidFill>
@@ -7578,7 +7937,7 @@
       </a:lvl9pPr>
     </p:titleStyle>
     <p:bodyStyle>
-      <a:defPPr lvl="0" marR="0" rtl="0" algn="l">
+      <a:defPPr marR="0" lvl="0" algn="l" rtl="0">
         <a:lnSpc>
           <a:spcPct val="100000"/>
         </a:lnSpc>
@@ -7589,7 +7948,7 @@
           <a:spcPts val="0"/>
         </a:spcAft>
       </a:defPPr>
-      <a:lvl1pPr lvl="0" marR="0" rtl="0" algn="l">
+      <a:lvl1pPr marR="0" lvl="0" algn="l" rtl="0">
         <a:lnSpc>
           <a:spcPct val="100000"/>
         </a:lnSpc>
@@ -7603,7 +7962,7 @@
           <a:srgbClr val="000000"/>
         </a:buClr>
         <a:buFont typeface="Arial"/>
-        <a:defRPr b="0" i="0" sz="1400" u="none" cap="none" strike="noStrike">
+        <a:defRPr sz="1400" b="0" i="0" u="none" strike="noStrike" cap="none">
           <a:solidFill>
             <a:srgbClr val="000000"/>
           </a:solidFill>
@@ -7613,7 +7972,7 @@
           <a:sym typeface="Arial"/>
         </a:defRPr>
       </a:lvl1pPr>
-      <a:lvl2pPr lvl="1" marR="0" rtl="0" algn="l">
+      <a:lvl2pPr marR="0" lvl="1" algn="l" rtl="0">
         <a:lnSpc>
           <a:spcPct val="100000"/>
         </a:lnSpc>
@@ -7627,7 +7986,7 @@
           <a:srgbClr val="000000"/>
         </a:buClr>
         <a:buFont typeface="Arial"/>
-        <a:defRPr b="0" i="0" sz="1400" u="none" cap="none" strike="noStrike">
+        <a:defRPr sz="1400" b="0" i="0" u="none" strike="noStrike" cap="none">
           <a:solidFill>
             <a:srgbClr val="000000"/>
           </a:solidFill>
@@ -7637,7 +7996,7 @@
           <a:sym typeface="Arial"/>
         </a:defRPr>
       </a:lvl2pPr>
-      <a:lvl3pPr lvl="2" marR="0" rtl="0" algn="l">
+      <a:lvl3pPr marR="0" lvl="2" algn="l" rtl="0">
         <a:lnSpc>
           <a:spcPct val="100000"/>
         </a:lnSpc>
@@ -7651,7 +8010,7 @@
           <a:srgbClr val="000000"/>
         </a:buClr>
         <a:buFont typeface="Arial"/>
-        <a:defRPr b="0" i="0" sz="1400" u="none" cap="none" strike="noStrike">
+        <a:defRPr sz="1400" b="0" i="0" u="none" strike="noStrike" cap="none">
           <a:solidFill>
             <a:srgbClr val="000000"/>
           </a:solidFill>
@@ -7661,7 +8020,7 @@
           <a:sym typeface="Arial"/>
         </a:defRPr>
       </a:lvl3pPr>
-      <a:lvl4pPr lvl="3" marR="0" rtl="0" algn="l">
+      <a:lvl4pPr marR="0" lvl="3" algn="l" rtl="0">
         <a:lnSpc>
           <a:spcPct val="100000"/>
         </a:lnSpc>
@@ -7675,7 +8034,7 @@
           <a:srgbClr val="000000"/>
         </a:buClr>
         <a:buFont typeface="Arial"/>
-        <a:defRPr b="0" i="0" sz="1400" u="none" cap="none" strike="noStrike">
+        <a:defRPr sz="1400" b="0" i="0" u="none" strike="noStrike" cap="none">
           <a:solidFill>
             <a:srgbClr val="000000"/>
           </a:solidFill>
@@ -7685,7 +8044,7 @@
           <a:sym typeface="Arial"/>
         </a:defRPr>
       </a:lvl4pPr>
-      <a:lvl5pPr lvl="4" marR="0" rtl="0" algn="l">
+      <a:lvl5pPr marR="0" lvl="4" algn="l" rtl="0">
         <a:lnSpc>
           <a:spcPct val="100000"/>
         </a:lnSpc>
@@ -7699,7 +8058,7 @@
           <a:srgbClr val="000000"/>
         </a:buClr>
         <a:buFont typeface="Arial"/>
-        <a:defRPr b="0" i="0" sz="1400" u="none" cap="none" strike="noStrike">
+        <a:defRPr sz="1400" b="0" i="0" u="none" strike="noStrike" cap="none">
           <a:solidFill>
             <a:srgbClr val="000000"/>
           </a:solidFill>
@@ -7709,7 +8068,7 @@
           <a:sym typeface="Arial"/>
         </a:defRPr>
       </a:lvl5pPr>
-      <a:lvl6pPr lvl="5" marR="0" rtl="0" algn="l">
+      <a:lvl6pPr marR="0" lvl="5" algn="l" rtl="0">
         <a:lnSpc>
           <a:spcPct val="100000"/>
         </a:lnSpc>
@@ -7723,7 +8082,7 @@
           <a:srgbClr val="000000"/>
         </a:buClr>
         <a:buFont typeface="Arial"/>
-        <a:defRPr b="0" i="0" sz="1400" u="none" cap="none" strike="noStrike">
+        <a:defRPr sz="1400" b="0" i="0" u="none" strike="noStrike" cap="none">
           <a:solidFill>
             <a:srgbClr val="000000"/>
           </a:solidFill>
@@ -7733,7 +8092,7 @@
           <a:sym typeface="Arial"/>
         </a:defRPr>
       </a:lvl6pPr>
-      <a:lvl7pPr lvl="6" marR="0" rtl="0" algn="l">
+      <a:lvl7pPr marR="0" lvl="6" algn="l" rtl="0">
         <a:lnSpc>
           <a:spcPct val="100000"/>
         </a:lnSpc>
@@ -7747,7 +8106,7 @@
           <a:srgbClr val="000000"/>
         </a:buClr>
         <a:buFont typeface="Arial"/>
-        <a:defRPr b="0" i="0" sz="1400" u="none" cap="none" strike="noStrike">
+        <a:defRPr sz="1400" b="0" i="0" u="none" strike="noStrike" cap="none">
           <a:solidFill>
             <a:srgbClr val="000000"/>
           </a:solidFill>
@@ -7757,7 +8116,7 @@
           <a:sym typeface="Arial"/>
         </a:defRPr>
       </a:lvl7pPr>
-      <a:lvl8pPr lvl="7" marR="0" rtl="0" algn="l">
+      <a:lvl8pPr marR="0" lvl="7" algn="l" rtl="0">
         <a:lnSpc>
           <a:spcPct val="100000"/>
         </a:lnSpc>
@@ -7771,7 +8130,7 @@
           <a:srgbClr val="000000"/>
         </a:buClr>
         <a:buFont typeface="Arial"/>
-        <a:defRPr b="0" i="0" sz="1400" u="none" cap="none" strike="noStrike">
+        <a:defRPr sz="1400" b="0" i="0" u="none" strike="noStrike" cap="none">
           <a:solidFill>
             <a:srgbClr val="000000"/>
           </a:solidFill>
@@ -7781,7 +8140,7 @@
           <a:sym typeface="Arial"/>
         </a:defRPr>
       </a:lvl8pPr>
-      <a:lvl9pPr lvl="8" marR="0" rtl="0" algn="l">
+      <a:lvl9pPr marR="0" lvl="8" algn="l" rtl="0">
         <a:lnSpc>
           <a:spcPct val="100000"/>
         </a:lnSpc>
@@ -7795,7 +8154,7 @@
           <a:srgbClr val="000000"/>
         </a:buClr>
         <a:buFont typeface="Arial"/>
-        <a:defRPr b="0" i="0" sz="1400" u="none" cap="none" strike="noStrike">
+        <a:defRPr sz="1400" b="0" i="0" u="none" strike="noStrike" cap="none">
           <a:solidFill>
             <a:srgbClr val="000000"/>
           </a:solidFill>
@@ -7807,7 +8166,7 @@
       </a:lvl9pPr>
     </p:bodyStyle>
     <p:otherStyle>
-      <a:defPPr lvl="0" marR="0" rtl="0" algn="l">
+      <a:defPPr marR="0" lvl="0" algn="l" rtl="0">
         <a:lnSpc>
           <a:spcPct val="100000"/>
         </a:lnSpc>
@@ -7818,7 +8177,7 @@
           <a:spcPts val="0"/>
         </a:spcAft>
       </a:defPPr>
-      <a:lvl1pPr lvl="0" marR="0" rtl="0" algn="l">
+      <a:lvl1pPr marR="0" lvl="0" algn="l" rtl="0">
         <a:lnSpc>
           <a:spcPct val="100000"/>
         </a:lnSpc>
@@ -7832,7 +8191,7 @@
           <a:srgbClr val="000000"/>
         </a:buClr>
         <a:buFont typeface="Arial"/>
-        <a:defRPr b="0" i="0" sz="1400" u="none" cap="none" strike="noStrike">
+        <a:defRPr sz="1400" b="0" i="0" u="none" strike="noStrike" cap="none">
           <a:solidFill>
             <a:srgbClr val="000000"/>
           </a:solidFill>
@@ -7842,7 +8201,7 @@
           <a:sym typeface="Arial"/>
         </a:defRPr>
       </a:lvl1pPr>
-      <a:lvl2pPr lvl="1" marR="0" rtl="0" algn="l">
+      <a:lvl2pPr marR="0" lvl="1" algn="l" rtl="0">
         <a:lnSpc>
           <a:spcPct val="100000"/>
         </a:lnSpc>
@@ -7856,7 +8215,7 @@
           <a:srgbClr val="000000"/>
         </a:buClr>
         <a:buFont typeface="Arial"/>
-        <a:defRPr b="0" i="0" sz="1400" u="none" cap="none" strike="noStrike">
+        <a:defRPr sz="1400" b="0" i="0" u="none" strike="noStrike" cap="none">
           <a:solidFill>
             <a:srgbClr val="000000"/>
           </a:solidFill>
@@ -7866,7 +8225,7 @@
           <a:sym typeface="Arial"/>
         </a:defRPr>
       </a:lvl2pPr>
-      <a:lvl3pPr lvl="2" marR="0" rtl="0" algn="l">
+      <a:lvl3pPr marR="0" lvl="2" algn="l" rtl="0">
         <a:lnSpc>
           <a:spcPct val="100000"/>
         </a:lnSpc>
@@ -7880,7 +8239,7 @@
           <a:srgbClr val="000000"/>
         </a:buClr>
         <a:buFont typeface="Arial"/>
-        <a:defRPr b="0" i="0" sz="1400" u="none" cap="none" strike="noStrike">
+        <a:defRPr sz="1400" b="0" i="0" u="none" strike="noStrike" cap="none">
           <a:solidFill>
             <a:srgbClr val="000000"/>
           </a:solidFill>
@@ -7890,7 +8249,7 @@
           <a:sym typeface="Arial"/>
         </a:defRPr>
       </a:lvl3pPr>
-      <a:lvl4pPr lvl="3" marR="0" rtl="0" algn="l">
+      <a:lvl4pPr marR="0" lvl="3" algn="l" rtl="0">
         <a:lnSpc>
           <a:spcPct val="100000"/>
         </a:lnSpc>
@@ -7904,7 +8263,7 @@
           <a:srgbClr val="000000"/>
         </a:buClr>
         <a:buFont typeface="Arial"/>
-        <a:defRPr b="0" i="0" sz="1400" u="none" cap="none" strike="noStrike">
+        <a:defRPr sz="1400" b="0" i="0" u="none" strike="noStrike" cap="none">
           <a:solidFill>
             <a:srgbClr val="000000"/>
           </a:solidFill>
@@ -7914,7 +8273,7 @@
           <a:sym typeface="Arial"/>
         </a:defRPr>
       </a:lvl4pPr>
-      <a:lvl5pPr lvl="4" marR="0" rtl="0" algn="l">
+      <a:lvl5pPr marR="0" lvl="4" algn="l" rtl="0">
         <a:lnSpc>
           <a:spcPct val="100000"/>
         </a:lnSpc>
@@ -7928,7 +8287,7 @@
           <a:srgbClr val="000000"/>
         </a:buClr>
         <a:buFont typeface="Arial"/>
-        <a:defRPr b="0" i="0" sz="1400" u="none" cap="none" strike="noStrike">
+        <a:defRPr sz="1400" b="0" i="0" u="none" strike="noStrike" cap="none">
           <a:solidFill>
             <a:srgbClr val="000000"/>
           </a:solidFill>
@@ -7938,7 +8297,7 @@
           <a:sym typeface="Arial"/>
         </a:defRPr>
       </a:lvl5pPr>
-      <a:lvl6pPr lvl="5" marR="0" rtl="0" algn="l">
+      <a:lvl6pPr marR="0" lvl="5" algn="l" rtl="0">
         <a:lnSpc>
           <a:spcPct val="100000"/>
         </a:lnSpc>
@@ -7952,7 +8311,7 @@
           <a:srgbClr val="000000"/>
         </a:buClr>
         <a:buFont typeface="Arial"/>
-        <a:defRPr b="0" i="0" sz="1400" u="none" cap="none" strike="noStrike">
+        <a:defRPr sz="1400" b="0" i="0" u="none" strike="noStrike" cap="none">
           <a:solidFill>
             <a:srgbClr val="000000"/>
           </a:solidFill>
@@ -7962,7 +8321,7 @@
           <a:sym typeface="Arial"/>
         </a:defRPr>
       </a:lvl6pPr>
-      <a:lvl7pPr lvl="6" marR="0" rtl="0" algn="l">
+      <a:lvl7pPr marR="0" lvl="6" algn="l" rtl="0">
         <a:lnSpc>
           <a:spcPct val="100000"/>
         </a:lnSpc>
@@ -7976,7 +8335,7 @@
           <a:srgbClr val="000000"/>
         </a:buClr>
         <a:buFont typeface="Arial"/>
-        <a:defRPr b="0" i="0" sz="1400" u="none" cap="none" strike="noStrike">
+        <a:defRPr sz="1400" b="0" i="0" u="none" strike="noStrike" cap="none">
           <a:solidFill>
             <a:srgbClr val="000000"/>
           </a:solidFill>
@@ -7986,7 +8345,7 @@
           <a:sym typeface="Arial"/>
         </a:defRPr>
       </a:lvl7pPr>
-      <a:lvl8pPr lvl="7" marR="0" rtl="0" algn="l">
+      <a:lvl8pPr marR="0" lvl="7" algn="l" rtl="0">
         <a:lnSpc>
           <a:spcPct val="100000"/>
         </a:lnSpc>
@@ -8000,7 +8359,7 @@
           <a:srgbClr val="000000"/>
         </a:buClr>
         <a:buFont typeface="Arial"/>
-        <a:defRPr b="0" i="0" sz="1400" u="none" cap="none" strike="noStrike">
+        <a:defRPr sz="1400" b="0" i="0" u="none" strike="noStrike" cap="none">
           <a:solidFill>
             <a:srgbClr val="000000"/>
           </a:solidFill>
@@ -8010,7 +8369,7 @@
           <a:sym typeface="Arial"/>
         </a:defRPr>
       </a:lvl8pPr>
-      <a:lvl9pPr lvl="8" marR="0" rtl="0" algn="l">
+      <a:lvl9pPr marR="0" lvl="8" algn="l" rtl="0">
         <a:lnSpc>
           <a:spcPct val="100000"/>
         </a:lnSpc>
@@ -8024,7 +8383,7 @@
           <a:srgbClr val="000000"/>
         </a:buClr>
         <a:buFont typeface="Arial"/>
-        <a:defRPr b="0" i="0" sz="1400" u="none" cap="none" strike="noStrike">
+        <a:defRPr sz="1400" b="0" i="0" u="none" strike="noStrike" cap="none">
           <a:solidFill>
             <a:srgbClr val="000000"/>
           </a:solidFill>
@@ -8040,11 +8399,11 @@
 </file>
 
 <file path=ppt/slides/slide1.xml><?xml version="1.0" encoding="utf-8"?>
-<p:sld xmlns:a="http://schemas.openxmlformats.org/drawingml/2006/main" xmlns:r="http://schemas.openxmlformats.org/officeDocument/2006/relationships" xmlns:mc="http://schemas.openxmlformats.org/markup-compatibility/2006" xmlns:mv="urn:schemas-microsoft-com:mac:vml" xmlns:p="http://schemas.openxmlformats.org/presentationml/2006/main" xmlns:c="http://schemas.openxmlformats.org/drawingml/2006/chart" xmlns:dgm="http://schemas.openxmlformats.org/drawingml/2006/diagram" xmlns:o="urn:schemas-microsoft-com:office:office" xmlns:v="urn:schemas-microsoft-com:vml" xmlns:pvml="urn:schemas-microsoft-com:office:powerpoint" xmlns:com="http://schemas.openxmlformats.org/drawingml/2006/compatibility" xmlns:p14="http://schemas.microsoft.com/office/powerpoint/2010/main" xmlns:p15="http://schemas.microsoft.com/office/powerpoint/2012/main">
+<p:sld xmlns:a="http://schemas.openxmlformats.org/drawingml/2006/main" xmlns:r="http://schemas.openxmlformats.org/officeDocument/2006/relationships" xmlns:p="http://schemas.openxmlformats.org/presentationml/2006/main">
   <p:cSld>
     <p:spTree>
       <p:nvGrpSpPr>
-        <p:cNvPr id="61" name="Shape 61"/>
+        <p:cNvPr id="1" name="Shape 61"/>
         <p:cNvGrpSpPr/>
         <p:nvPr/>
       </p:nvGrpSpPr>
@@ -8059,7 +8418,9 @@
       <p:sp>
         <p:nvSpPr>
           <p:cNvPr id="62" name="Shape 62"/>
-          <p:cNvSpPr txBox="1"/>
+          <p:cNvSpPr txBox="1">
+            <a:spLocks noGrp="1"/>
+          </p:cNvSpPr>
           <p:nvPr>
             <p:ph type="ctrTitle"/>
           </p:nvPr>
@@ -8074,12 +8435,12 @@
           </a:prstGeom>
         </p:spPr>
         <p:txBody>
-          <a:bodyPr anchorCtr="0" anchor="b" bIns="91425" lIns="91425" spcFirstLastPara="1" rIns="91425" wrap="square" tIns="91425">
+          <a:bodyPr spcFirstLastPara="1" wrap="square" lIns="91425" tIns="91425" rIns="91425" bIns="91425" anchor="b" anchorCtr="0">
             <a:noAutofit/>
           </a:bodyPr>
           <a:lstStyle/>
           <a:p>
-            <a:pPr indent="0" lvl="0" marL="0">
+            <a:pPr marL="0" lvl="0" indent="0">
               <a:spcBef>
                 <a:spcPts val="0"/>
               </a:spcBef>
@@ -8099,9 +8460,11 @@
       <p:sp>
         <p:nvSpPr>
           <p:cNvPr id="63" name="Shape 63"/>
-          <p:cNvSpPr txBox="1"/>
+          <p:cNvSpPr txBox="1">
+            <a:spLocks noGrp="1"/>
+          </p:cNvSpPr>
           <p:nvPr>
-            <p:ph idx="1" type="subTitle"/>
+            <p:ph type="subTitle" idx="1"/>
           </p:nvPr>
         </p:nvSpPr>
         <p:spPr>
@@ -8114,12 +8477,12 @@
           </a:prstGeom>
         </p:spPr>
         <p:txBody>
-          <a:bodyPr anchorCtr="0" anchor="t" bIns="91425" lIns="91425" spcFirstLastPara="1" rIns="91425" wrap="square" tIns="91425">
+          <a:bodyPr spcFirstLastPara="1" wrap="square" lIns="91425" tIns="91425" rIns="91425" bIns="91425" anchor="t" anchorCtr="0">
             <a:noAutofit/>
           </a:bodyPr>
           <a:lstStyle/>
           <a:p>
-            <a:pPr indent="0" lvl="0" marL="0">
+            <a:pPr marL="0" lvl="0" indent="0">
               <a:spcBef>
                 <a:spcPts val="0"/>
               </a:spcBef>
@@ -8141,7 +8504,7 @@
       </p:sp>
       <p:pic>
         <p:nvPicPr>
-          <p:cNvPr descr="Merge_sort_animation2.gif" id="64" name="Shape 64"/>
+          <p:cNvPr id="64" name="Shape 64" descr="Merge_sort_animation2.gif"/>
           <p:cNvPicPr preferRelativeResize="0"/>
           <p:nvPr/>
         </p:nvPicPr>
@@ -8176,11 +8539,11 @@
 </file>
 
 <file path=ppt/slides/slide10.xml><?xml version="1.0" encoding="utf-8"?>
-<p:sld xmlns:a="http://schemas.openxmlformats.org/drawingml/2006/main" xmlns:r="http://schemas.openxmlformats.org/officeDocument/2006/relationships" xmlns:mc="http://schemas.openxmlformats.org/markup-compatibility/2006" xmlns:mv="urn:schemas-microsoft-com:mac:vml" xmlns:p="http://schemas.openxmlformats.org/presentationml/2006/main" xmlns:c="http://schemas.openxmlformats.org/drawingml/2006/chart" xmlns:dgm="http://schemas.openxmlformats.org/drawingml/2006/diagram" xmlns:o="urn:schemas-microsoft-com:office:office" xmlns:v="urn:schemas-microsoft-com:vml" xmlns:pvml="urn:schemas-microsoft-com:office:powerpoint" xmlns:com="http://schemas.openxmlformats.org/drawingml/2006/compatibility" xmlns:p14="http://schemas.microsoft.com/office/powerpoint/2010/main" xmlns:p15="http://schemas.microsoft.com/office/powerpoint/2012/main">
+<p:sld xmlns:a="http://schemas.openxmlformats.org/drawingml/2006/main" xmlns:r="http://schemas.openxmlformats.org/officeDocument/2006/relationships" xmlns:p="http://schemas.openxmlformats.org/presentationml/2006/main">
   <p:cSld>
     <p:spTree>
       <p:nvGrpSpPr>
-        <p:cNvPr id="117" name="Shape 117"/>
+        <p:cNvPr id="1" name="Shape 117"/>
         <p:cNvGrpSpPr/>
         <p:nvPr/>
       </p:nvGrpSpPr>
@@ -8195,7 +8558,9 @@
       <p:sp>
         <p:nvSpPr>
           <p:cNvPr id="118" name="Shape 118"/>
-          <p:cNvSpPr txBox="1"/>
+          <p:cNvSpPr txBox="1">
+            <a:spLocks noGrp="1"/>
+          </p:cNvSpPr>
           <p:nvPr>
             <p:ph type="title"/>
           </p:nvPr>
@@ -8210,12 +8575,12 @@
           </a:prstGeom>
         </p:spPr>
         <p:txBody>
-          <a:bodyPr anchorCtr="0" anchor="b" bIns="91425" lIns="91425" spcFirstLastPara="1" rIns="91425" wrap="square" tIns="91425">
+          <a:bodyPr spcFirstLastPara="1" wrap="square" lIns="91425" tIns="91425" rIns="91425" bIns="91425" anchor="b" anchorCtr="0">
             <a:noAutofit/>
           </a:bodyPr>
           <a:lstStyle/>
           <a:p>
-            <a:pPr indent="0" lvl="0" marL="0">
+            <a:pPr marL="0" lvl="0" indent="0">
               <a:spcBef>
                 <a:spcPts val="0"/>
               </a:spcBef>
@@ -8240,7 +8605,7 @@
         </p:nvGraphicFramePr>
         <p:xfrm>
           <a:off x="2271025" y="2189000"/>
-          <a:ext cx="3000000" cy="3000000"/>
+          <a:ext cx="4091100" cy="2377260"/>
         </p:xfrm>
         <a:graphic>
           <a:graphicData uri="http://schemas.openxmlformats.org/drawingml/2006/table">
@@ -8256,12 +8621,10 @@
               <a:tr h="381000">
                 <a:tc>
                   <a:txBody>
-                    <a:bodyPr>
-                      <a:noAutofit/>
-                    </a:bodyPr>
+                    <a:bodyPr/>
                     <a:lstStyle/>
                     <a:p>
-                      <a:pPr indent="0" lvl="0" marL="0" algn="ctr">
+                      <a:pPr marL="0" lvl="0" indent="0" algn="ctr">
                         <a:spcBef>
                           <a:spcPts val="0"/>
                         </a:spcBef>
@@ -8271,7 +8634,7 @@
                         <a:buNone/>
                       </a:pPr>
                       <a:r>
-                        <a:rPr b="1" lang="pt-BR">
+                        <a:rPr lang="pt-BR" b="1">
                           <a:solidFill>
                             <a:schemeClr val="dk1"/>
                           </a:solidFill>
@@ -8285,16 +8648,14 @@
                       </a:endParaRPr>
                     </a:p>
                   </a:txBody>
-                  <a:tcPr marT="91425" marB="91425" marR="91425" marL="91425"/>
+                  <a:tcPr marL="91425" marR="91425" marT="91425" marB="91425"/>
                 </a:tc>
                 <a:tc>
                   <a:txBody>
-                    <a:bodyPr>
-                      <a:noAutofit/>
-                    </a:bodyPr>
+                    <a:bodyPr/>
                     <a:lstStyle/>
                     <a:p>
-                      <a:pPr indent="0" lvl="0" marL="0" algn="ctr">
+                      <a:pPr marL="0" lvl="0" indent="0" algn="ctr">
                         <a:spcBef>
                           <a:spcPts val="0"/>
                         </a:spcBef>
@@ -8304,7 +8665,7 @@
                         <a:buNone/>
                       </a:pPr>
                       <a:r>
-                        <a:rPr b="1" lang="pt-BR">
+                        <a:rPr lang="pt-BR" b="1">
                           <a:solidFill>
                             <a:schemeClr val="dk1"/>
                           </a:solidFill>
@@ -8318,18 +8679,16 @@
                       </a:endParaRPr>
                     </a:p>
                   </a:txBody>
-                  <a:tcPr marT="91425" marB="91425" marR="91425" marL="91425"/>
+                  <a:tcPr marL="91425" marR="91425" marT="91425" marB="91425"/>
                 </a:tc>
               </a:tr>
               <a:tr h="381000">
                 <a:tc>
                   <a:txBody>
-                    <a:bodyPr>
-                      <a:noAutofit/>
-                    </a:bodyPr>
+                    <a:bodyPr/>
                     <a:lstStyle/>
                     <a:p>
-                      <a:pPr indent="0" lvl="0" marL="0">
+                      <a:pPr marL="0" lvl="0" indent="0">
                         <a:spcBef>
                           <a:spcPts val="0"/>
                         </a:spcBef>
@@ -8353,16 +8712,14 @@
                       </a:endParaRPr>
                     </a:p>
                   </a:txBody>
-                  <a:tcPr marT="91425" marB="91425" marR="91425" marL="91425"/>
+                  <a:tcPr marL="91425" marR="91425" marT="91425" marB="91425"/>
                 </a:tc>
                 <a:tc>
                   <a:txBody>
-                    <a:bodyPr>
-                      <a:noAutofit/>
-                    </a:bodyPr>
+                    <a:bodyPr/>
                     <a:lstStyle/>
                     <a:p>
-                      <a:pPr indent="0" lvl="0" marL="0">
+                      <a:pPr marL="0" lvl="0" indent="0">
                         <a:spcBef>
                           <a:spcPts val="0"/>
                         </a:spcBef>
@@ -8386,18 +8743,16 @@
                       </a:endParaRPr>
                     </a:p>
                   </a:txBody>
-                  <a:tcPr marT="91425" marB="91425" marR="91425" marL="91425"/>
+                  <a:tcPr marL="91425" marR="91425" marT="91425" marB="91425"/>
                 </a:tc>
               </a:tr>
               <a:tr h="381000">
                 <a:tc>
                   <a:txBody>
-                    <a:bodyPr>
-                      <a:noAutofit/>
-                    </a:bodyPr>
+                    <a:bodyPr/>
                     <a:lstStyle/>
                     <a:p>
-                      <a:pPr indent="0" lvl="0" marL="0">
+                      <a:pPr marL="0" lvl="0" indent="0">
                         <a:spcBef>
                           <a:spcPts val="0"/>
                         </a:spcBef>
@@ -8421,16 +8776,14 @@
                       </a:endParaRPr>
                     </a:p>
                   </a:txBody>
-                  <a:tcPr marT="91425" marB="91425" marR="91425" marL="91425"/>
+                  <a:tcPr marL="91425" marR="91425" marT="91425" marB="91425"/>
                 </a:tc>
                 <a:tc>
                   <a:txBody>
-                    <a:bodyPr>
-                      <a:noAutofit/>
-                    </a:bodyPr>
+                    <a:bodyPr/>
                     <a:lstStyle/>
                     <a:p>
-                      <a:pPr indent="0" lvl="0" marL="0">
+                      <a:pPr marL="0" lvl="0" indent="0">
                         <a:spcBef>
                           <a:spcPts val="0"/>
                         </a:spcBef>
@@ -8454,18 +8807,16 @@
                       </a:endParaRPr>
                     </a:p>
                   </a:txBody>
-                  <a:tcPr marT="91425" marB="91425" marR="91425" marL="91425"/>
+                  <a:tcPr marL="91425" marR="91425" marT="91425" marB="91425"/>
                 </a:tc>
               </a:tr>
               <a:tr h="381000">
                 <a:tc>
                   <a:txBody>
-                    <a:bodyPr>
-                      <a:noAutofit/>
-                    </a:bodyPr>
+                    <a:bodyPr/>
                     <a:lstStyle/>
                     <a:p>
-                      <a:pPr indent="0" lvl="0" marL="0">
+                      <a:pPr marL="0" lvl="0" indent="0">
                         <a:spcBef>
                           <a:spcPts val="0"/>
                         </a:spcBef>
@@ -8489,16 +8840,14 @@
                       </a:endParaRPr>
                     </a:p>
                   </a:txBody>
-                  <a:tcPr marT="91425" marB="91425" marR="91425" marL="91425"/>
+                  <a:tcPr marL="91425" marR="91425" marT="91425" marB="91425"/>
                 </a:tc>
                 <a:tc>
                   <a:txBody>
-                    <a:bodyPr>
-                      <a:noAutofit/>
-                    </a:bodyPr>
+                    <a:bodyPr/>
                     <a:lstStyle/>
                     <a:p>
-                      <a:pPr indent="0" lvl="0" marL="0">
+                      <a:pPr marL="0" lvl="0" indent="0">
                         <a:spcBef>
                           <a:spcPts val="0"/>
                         </a:spcBef>
@@ -8522,18 +8871,16 @@
                       </a:endParaRPr>
                     </a:p>
                   </a:txBody>
-                  <a:tcPr marT="91425" marB="91425" marR="91425" marL="91425"/>
+                  <a:tcPr marL="91425" marR="91425" marT="91425" marB="91425"/>
                 </a:tc>
               </a:tr>
               <a:tr h="381000">
                 <a:tc>
                   <a:txBody>
-                    <a:bodyPr>
-                      <a:noAutofit/>
-                    </a:bodyPr>
+                    <a:bodyPr/>
                     <a:lstStyle/>
                     <a:p>
-                      <a:pPr indent="0" lvl="0" marL="0">
+                      <a:pPr marL="0" lvl="0" indent="0">
                         <a:spcBef>
                           <a:spcPts val="0"/>
                         </a:spcBef>
@@ -8543,7 +8890,7 @@
                         <a:buNone/>
                       </a:pPr>
                       <a:r>
-                        <a:rPr b="1" lang="pt-BR">
+                        <a:rPr lang="pt-BR" b="1">
                           <a:solidFill>
                             <a:schemeClr val="dk1"/>
                           </a:solidFill>
@@ -8557,16 +8904,14 @@
                       </a:endParaRPr>
                     </a:p>
                   </a:txBody>
-                  <a:tcPr marT="91425" marB="91425" marR="91425" marL="91425"/>
+                  <a:tcPr marL="91425" marR="91425" marT="91425" marB="91425"/>
                 </a:tc>
                 <a:tc>
                   <a:txBody>
-                    <a:bodyPr>
-                      <a:noAutofit/>
-                    </a:bodyPr>
+                    <a:bodyPr/>
                     <a:lstStyle/>
                     <a:p>
-                      <a:pPr indent="0" lvl="0" marL="0">
+                      <a:pPr marL="0" lvl="0" indent="0">
                         <a:spcBef>
                           <a:spcPts val="0"/>
                         </a:spcBef>
@@ -8590,18 +8935,16 @@
                       </a:endParaRPr>
                     </a:p>
                   </a:txBody>
-                  <a:tcPr marT="91425" marB="91425" marR="91425" marL="91425"/>
+                  <a:tcPr marL="91425" marR="91425" marT="91425" marB="91425"/>
                 </a:tc>
               </a:tr>
               <a:tr h="381000">
                 <a:tc>
                   <a:txBody>
-                    <a:bodyPr>
-                      <a:noAutofit/>
-                    </a:bodyPr>
+                    <a:bodyPr/>
                     <a:lstStyle/>
                     <a:p>
-                      <a:pPr indent="0" lvl="0" marL="0">
+                      <a:pPr marL="0" lvl="0" indent="0">
                         <a:spcBef>
                           <a:spcPts val="0"/>
                         </a:spcBef>
@@ -8625,16 +8968,14 @@
                       </a:endParaRPr>
                     </a:p>
                   </a:txBody>
-                  <a:tcPr marT="91425" marB="91425" marR="91425" marL="91425"/>
+                  <a:tcPr marL="91425" marR="91425" marT="91425" marB="91425"/>
                 </a:tc>
                 <a:tc>
                   <a:txBody>
-                    <a:bodyPr>
-                      <a:noAutofit/>
-                    </a:bodyPr>
+                    <a:bodyPr/>
                     <a:lstStyle/>
                     <a:p>
-                      <a:pPr indent="0" lvl="0" marL="0">
+                      <a:pPr marL="0" lvl="0" indent="0">
                         <a:spcBef>
                           <a:spcPts val="0"/>
                         </a:spcBef>
@@ -8658,7 +8999,7 @@
                       </a:endParaRPr>
                     </a:p>
                   </a:txBody>
-                  <a:tcPr marT="91425" marB="91425" marR="91425" marL="91425"/>
+                  <a:tcPr marL="91425" marR="91425" marT="91425" marB="91425"/>
                 </a:tc>
               </a:tr>
             </a:tbl>
@@ -8674,11 +9015,11 @@
 </file>
 
 <file path=ppt/slides/slide11.xml><?xml version="1.0" encoding="utf-8"?>
-<p:sld xmlns:a="http://schemas.openxmlformats.org/drawingml/2006/main" xmlns:r="http://schemas.openxmlformats.org/officeDocument/2006/relationships" xmlns:mc="http://schemas.openxmlformats.org/markup-compatibility/2006" xmlns:mv="urn:schemas-microsoft-com:mac:vml" xmlns:p="http://schemas.openxmlformats.org/presentationml/2006/main" xmlns:c="http://schemas.openxmlformats.org/drawingml/2006/chart" xmlns:dgm="http://schemas.openxmlformats.org/drawingml/2006/diagram" xmlns:o="urn:schemas-microsoft-com:office:office" xmlns:v="urn:schemas-microsoft-com:vml" xmlns:pvml="urn:schemas-microsoft-com:office:powerpoint" xmlns:com="http://schemas.openxmlformats.org/drawingml/2006/compatibility" xmlns:p14="http://schemas.microsoft.com/office/powerpoint/2010/main" xmlns:p15="http://schemas.microsoft.com/office/powerpoint/2012/main">
+<p:sld xmlns:a="http://schemas.openxmlformats.org/drawingml/2006/main" xmlns:r="http://schemas.openxmlformats.org/officeDocument/2006/relationships" xmlns:p="http://schemas.openxmlformats.org/presentationml/2006/main">
   <p:cSld>
     <p:spTree>
       <p:nvGrpSpPr>
-        <p:cNvPr id="123" name="Shape 123"/>
+        <p:cNvPr id="1" name="Shape 123"/>
         <p:cNvGrpSpPr/>
         <p:nvPr/>
       </p:nvGrpSpPr>
@@ -8693,7 +9034,9 @@
       <p:sp>
         <p:nvSpPr>
           <p:cNvPr id="124" name="Shape 124"/>
-          <p:cNvSpPr txBox="1"/>
+          <p:cNvSpPr txBox="1">
+            <a:spLocks noGrp="1"/>
+          </p:cNvSpPr>
           <p:nvPr>
             <p:ph type="title"/>
           </p:nvPr>
@@ -8708,12 +9051,12 @@
           </a:prstGeom>
         </p:spPr>
         <p:txBody>
-          <a:bodyPr anchorCtr="0" anchor="b" bIns="91425" lIns="91425" spcFirstLastPara="1" rIns="91425" wrap="square" tIns="91425">
+          <a:bodyPr spcFirstLastPara="1" wrap="square" lIns="91425" tIns="91425" rIns="91425" bIns="91425" anchor="b" anchorCtr="0">
             <a:noAutofit/>
           </a:bodyPr>
           <a:lstStyle/>
           <a:p>
-            <a:pPr indent="0" lvl="0" marL="0">
+            <a:pPr marL="0" lvl="0" indent="0">
               <a:spcBef>
                 <a:spcPts val="0"/>
               </a:spcBef>
@@ -8733,9 +9076,11 @@
       <p:sp>
         <p:nvSpPr>
           <p:cNvPr id="125" name="Shape 125"/>
-          <p:cNvSpPr txBox="1"/>
+          <p:cNvSpPr txBox="1">
+            <a:spLocks noGrp="1"/>
+          </p:cNvSpPr>
           <p:nvPr>
-            <p:ph idx="1" type="body"/>
+            <p:ph type="body" idx="1"/>
           </p:nvPr>
         </p:nvSpPr>
         <p:spPr>
@@ -8748,12 +9093,12 @@
           </a:prstGeom>
         </p:spPr>
         <p:txBody>
-          <a:bodyPr anchorCtr="0" anchor="t" bIns="91425" lIns="91425" spcFirstLastPara="1" rIns="91425" wrap="square" tIns="91425">
+          <a:bodyPr spcFirstLastPara="1" wrap="square" lIns="91425" tIns="91425" rIns="91425" bIns="91425" anchor="t" anchorCtr="0">
             <a:noAutofit/>
           </a:bodyPr>
           <a:lstStyle/>
           <a:p>
-            <a:pPr indent="0" lvl="0" marL="0">
+            <a:pPr marL="0" lvl="0" indent="0">
               <a:spcBef>
                 <a:spcPts val="0"/>
               </a:spcBef>
@@ -8774,7 +9119,7 @@
             <a:endParaRPr sz="1100"/>
           </a:p>
           <a:p>
-            <a:pPr indent="0" lvl="0" marL="0">
+            <a:pPr marL="0" lvl="0" indent="0">
               <a:spcBef>
                 <a:spcPts val="1600"/>
               </a:spcBef>
@@ -8783,9 +9128,6 @@
               </a:spcAft>
               <a:buNone/>
             </a:pPr>
-            <a:r>
-              <a:t/>
-            </a:r>
             <a:endParaRPr sz="1100"/>
           </a:p>
         </p:txBody>
@@ -8828,11 +9170,11 @@
 </file>
 
 <file path=ppt/slides/slide12.xml><?xml version="1.0" encoding="utf-8"?>
-<p:sld xmlns:a="http://schemas.openxmlformats.org/drawingml/2006/main" xmlns:r="http://schemas.openxmlformats.org/officeDocument/2006/relationships" xmlns:mc="http://schemas.openxmlformats.org/markup-compatibility/2006" xmlns:mv="urn:schemas-microsoft-com:mac:vml" xmlns:p="http://schemas.openxmlformats.org/presentationml/2006/main" xmlns:c="http://schemas.openxmlformats.org/drawingml/2006/chart" xmlns:dgm="http://schemas.openxmlformats.org/drawingml/2006/diagram" xmlns:o="urn:schemas-microsoft-com:office:office" xmlns:v="urn:schemas-microsoft-com:vml" xmlns:pvml="urn:schemas-microsoft-com:office:powerpoint" xmlns:com="http://schemas.openxmlformats.org/drawingml/2006/compatibility" xmlns:p14="http://schemas.microsoft.com/office/powerpoint/2010/main" xmlns:p15="http://schemas.microsoft.com/office/powerpoint/2012/main">
+<p:sld xmlns:a="http://schemas.openxmlformats.org/drawingml/2006/main" xmlns:r="http://schemas.openxmlformats.org/officeDocument/2006/relationships" xmlns:p="http://schemas.openxmlformats.org/presentationml/2006/main">
   <p:cSld>
     <p:spTree>
       <p:nvGrpSpPr>
-        <p:cNvPr id="130" name="Shape 130"/>
+        <p:cNvPr id="1" name="Shape 130"/>
         <p:cNvGrpSpPr/>
         <p:nvPr/>
       </p:nvGrpSpPr>
@@ -8847,7 +9189,9 @@
       <p:sp>
         <p:nvSpPr>
           <p:cNvPr id="131" name="Shape 131"/>
-          <p:cNvSpPr txBox="1"/>
+          <p:cNvSpPr txBox="1">
+            <a:spLocks noGrp="1"/>
+          </p:cNvSpPr>
           <p:nvPr>
             <p:ph type="title"/>
           </p:nvPr>
@@ -8862,12 +9206,12 @@
           </a:prstGeom>
         </p:spPr>
         <p:txBody>
-          <a:bodyPr anchorCtr="0" anchor="b" bIns="91425" lIns="91425" spcFirstLastPara="1" rIns="91425" wrap="square" tIns="91425">
+          <a:bodyPr spcFirstLastPara="1" wrap="square" lIns="91425" tIns="91425" rIns="91425" bIns="91425" anchor="b" anchorCtr="0">
             <a:noAutofit/>
           </a:bodyPr>
           <a:lstStyle/>
           <a:p>
-            <a:pPr indent="0" lvl="0" marL="0">
+            <a:pPr marL="0" lvl="0" indent="0">
               <a:spcBef>
                 <a:spcPts val="0"/>
               </a:spcBef>
@@ -8921,11 +9265,11 @@
 </file>
 
 <file path=ppt/slides/slide13.xml><?xml version="1.0" encoding="utf-8"?>
-<p:sld xmlns:a="http://schemas.openxmlformats.org/drawingml/2006/main" xmlns:r="http://schemas.openxmlformats.org/officeDocument/2006/relationships" xmlns:mc="http://schemas.openxmlformats.org/markup-compatibility/2006" xmlns:mv="urn:schemas-microsoft-com:mac:vml" xmlns:p="http://schemas.openxmlformats.org/presentationml/2006/main" xmlns:c="http://schemas.openxmlformats.org/drawingml/2006/chart" xmlns:dgm="http://schemas.openxmlformats.org/drawingml/2006/diagram" xmlns:o="urn:schemas-microsoft-com:office:office" xmlns:v="urn:schemas-microsoft-com:vml" xmlns:pvml="urn:schemas-microsoft-com:office:powerpoint" xmlns:com="http://schemas.openxmlformats.org/drawingml/2006/compatibility" xmlns:p14="http://schemas.microsoft.com/office/powerpoint/2010/main" xmlns:p15="http://schemas.microsoft.com/office/powerpoint/2012/main">
+<p:sld xmlns:a="http://schemas.openxmlformats.org/drawingml/2006/main" xmlns:r="http://schemas.openxmlformats.org/officeDocument/2006/relationships" xmlns:p="http://schemas.openxmlformats.org/presentationml/2006/main">
   <p:cSld>
     <p:spTree>
       <p:nvGrpSpPr>
-        <p:cNvPr id="136" name="Shape 136"/>
+        <p:cNvPr id="1" name="Shape 136"/>
         <p:cNvGrpSpPr/>
         <p:nvPr/>
       </p:nvGrpSpPr>
@@ -8940,7 +9284,9 @@
       <p:sp>
         <p:nvSpPr>
           <p:cNvPr id="137" name="Shape 137"/>
-          <p:cNvSpPr txBox="1"/>
+          <p:cNvSpPr txBox="1">
+            <a:spLocks noGrp="1"/>
+          </p:cNvSpPr>
           <p:nvPr>
             <p:ph type="title"/>
           </p:nvPr>
@@ -8955,12 +9301,12 @@
           </a:prstGeom>
         </p:spPr>
         <p:txBody>
-          <a:bodyPr anchorCtr="0" anchor="b" bIns="91425" lIns="91425" spcFirstLastPara="1" rIns="91425" wrap="square" tIns="91425">
+          <a:bodyPr spcFirstLastPara="1" wrap="square" lIns="91425" tIns="91425" rIns="91425" bIns="91425" anchor="b" anchorCtr="0">
             <a:noAutofit/>
           </a:bodyPr>
           <a:lstStyle/>
           <a:p>
-            <a:pPr indent="0" lvl="0" marL="0">
+            <a:pPr marL="0" lvl="0" indent="0">
               <a:spcBef>
                 <a:spcPts val="0"/>
               </a:spcBef>
@@ -8980,9 +9326,11 @@
       <p:sp>
         <p:nvSpPr>
           <p:cNvPr id="138" name="Shape 138"/>
-          <p:cNvSpPr txBox="1"/>
+          <p:cNvSpPr txBox="1">
+            <a:spLocks noGrp="1"/>
+          </p:cNvSpPr>
           <p:nvPr>
-            <p:ph idx="1" type="body"/>
+            <p:ph type="body" idx="1"/>
           </p:nvPr>
         </p:nvSpPr>
         <p:spPr>
@@ -8995,12 +9343,12 @@
           </a:prstGeom>
         </p:spPr>
         <p:txBody>
-          <a:bodyPr anchorCtr="0" anchor="t" bIns="91425" lIns="91425" spcFirstLastPara="1" rIns="91425" wrap="square" tIns="91425">
+          <a:bodyPr spcFirstLastPara="1" wrap="square" lIns="91425" tIns="91425" rIns="91425" bIns="91425" anchor="t" anchorCtr="0">
             <a:noAutofit/>
           </a:bodyPr>
           <a:lstStyle/>
           <a:p>
-            <a:pPr indent="0" lvl="0" marL="0">
+            <a:pPr marL="0" lvl="0" indent="0">
               <a:spcBef>
                 <a:spcPts val="0"/>
               </a:spcBef>
@@ -9023,7 +9371,7 @@
             <a:endParaRPr/>
           </a:p>
           <a:p>
-            <a:pPr indent="-342900" lvl="0" marL="457200" rtl="0">
+            <a:pPr marL="457200" lvl="0" indent="-342900" rtl="0">
               <a:spcBef>
                 <a:spcPts val="1600"/>
               </a:spcBef>
@@ -9040,7 +9388,7 @@
             <a:endParaRPr/>
           </a:p>
           <a:p>
-            <a:pPr indent="-342900" lvl="0" marL="457200" rtl="0">
+            <a:pPr marL="457200" lvl="0" indent="-342900" rtl="0">
               <a:spcBef>
                 <a:spcPts val="0"/>
               </a:spcBef>
@@ -9057,7 +9405,7 @@
             <a:endParaRPr/>
           </a:p>
           <a:p>
-            <a:pPr indent="-342900" lvl="0" marL="457200">
+            <a:pPr marL="457200" lvl="0" indent="-342900">
               <a:spcBef>
                 <a:spcPts val="0"/>
               </a:spcBef>
@@ -9108,11 +9456,11 @@
 </file>
 
 <file path=ppt/slides/slide14.xml><?xml version="1.0" encoding="utf-8"?>
-<p:sld xmlns:a="http://schemas.openxmlformats.org/drawingml/2006/main" xmlns:r="http://schemas.openxmlformats.org/officeDocument/2006/relationships" xmlns:mc="http://schemas.openxmlformats.org/markup-compatibility/2006" xmlns:mv="urn:schemas-microsoft-com:mac:vml" xmlns:p="http://schemas.openxmlformats.org/presentationml/2006/main" xmlns:c="http://schemas.openxmlformats.org/drawingml/2006/chart" xmlns:dgm="http://schemas.openxmlformats.org/drawingml/2006/diagram" xmlns:o="urn:schemas-microsoft-com:office:office" xmlns:v="urn:schemas-microsoft-com:vml" xmlns:pvml="urn:schemas-microsoft-com:office:powerpoint" xmlns:com="http://schemas.openxmlformats.org/drawingml/2006/compatibility" xmlns:p14="http://schemas.microsoft.com/office/powerpoint/2010/main" xmlns:p15="http://schemas.microsoft.com/office/powerpoint/2012/main">
+<p:sld xmlns:a="http://schemas.openxmlformats.org/drawingml/2006/main" xmlns:r="http://schemas.openxmlformats.org/officeDocument/2006/relationships" xmlns:p="http://schemas.openxmlformats.org/presentationml/2006/main">
   <p:cSld>
     <p:spTree>
       <p:nvGrpSpPr>
-        <p:cNvPr id="142" name="Shape 142"/>
+        <p:cNvPr id="1" name="Shape 142"/>
         <p:cNvGrpSpPr/>
         <p:nvPr/>
       </p:nvGrpSpPr>
@@ -9127,7 +9475,9 @@
       <p:sp>
         <p:nvSpPr>
           <p:cNvPr id="143" name="Shape 143"/>
-          <p:cNvSpPr txBox="1"/>
+          <p:cNvSpPr txBox="1">
+            <a:spLocks noGrp="1"/>
+          </p:cNvSpPr>
           <p:nvPr>
             <p:ph type="title"/>
           </p:nvPr>
@@ -9142,12 +9492,12 @@
           </a:prstGeom>
         </p:spPr>
         <p:txBody>
-          <a:bodyPr anchorCtr="0" anchor="b" bIns="91425" lIns="91425" spcFirstLastPara="1" rIns="91425" wrap="square" tIns="91425">
+          <a:bodyPr spcFirstLastPara="1" wrap="square" lIns="91425" tIns="91425" rIns="91425" bIns="91425" anchor="b" anchorCtr="0">
             <a:noAutofit/>
           </a:bodyPr>
           <a:lstStyle/>
           <a:p>
-            <a:pPr indent="0" lvl="0" marL="0">
+            <a:pPr marL="0" lvl="0" indent="0">
               <a:spcBef>
                 <a:spcPts val="0"/>
               </a:spcBef>
@@ -9168,11 +9518,17 @@
         <p:nvGraphicFramePr>
           <p:cNvPr id="144" name="Shape 144"/>
           <p:cNvGraphicFramePr/>
-          <p:nvPr/>
+          <p:nvPr>
+            <p:extLst>
+              <p:ext uri="{D42A27DB-BD31-4B8C-83A1-F6EECF244321}">
+                <p14:modId xmlns:p14="http://schemas.microsoft.com/office/powerpoint/2010/main" val="3292062092"/>
+              </p:ext>
+            </p:extLst>
+          </p:nvPr>
         </p:nvGraphicFramePr>
         <p:xfrm>
-          <a:off x="952500" y="2510175"/>
-          <a:ext cx="3000000" cy="3000000"/>
+          <a:off x="952500" y="1997641"/>
+          <a:ext cx="7239000" cy="2377260"/>
         </p:xfrm>
         <a:graphic>
           <a:graphicData uri="http://schemas.openxmlformats.org/drawingml/2006/table">
@@ -9191,12 +9547,10 @@
               <a:tr h="381000">
                 <a:tc gridSpan="5">
                   <a:txBody>
-                    <a:bodyPr>
-                      <a:noAutofit/>
-                    </a:bodyPr>
+                    <a:bodyPr/>
                     <a:lstStyle/>
                     <a:p>
-                      <a:pPr indent="0" lvl="0" marL="0" algn="ctr">
+                      <a:pPr marL="0" lvl="0" indent="0" algn="ctr">
                         <a:spcBef>
                           <a:spcPts val="0"/>
                         </a:spcBef>
@@ -9211,36 +9565,70 @@
                         <a:buNone/>
                       </a:pPr>
                       <a:r>
-                        <a:rPr b="1" lang="pt-BR">
+                        <a:rPr lang="pt-BR" b="1" dirty="0">
                           <a:solidFill>
                             <a:schemeClr val="dk1"/>
                           </a:solidFill>
                         </a:rPr>
                         <a:t>Quantidade de Comparações </a:t>
                       </a:r>
-                      <a:endParaRPr b="1">
+                      <a:endParaRPr b="1" dirty="0">
                         <a:solidFill>
                           <a:schemeClr val="dk1"/>
                         </a:solidFill>
                       </a:endParaRPr>
                     </a:p>
                   </a:txBody>
-                  <a:tcPr marT="91425" marB="91425" marR="91425" marL="91425"/>
+                  <a:tcPr marL="91425" marR="91425" marT="91425" marB="91425"/>
                 </a:tc>
-                <a:tc hMerge="1"/>
-                <a:tc hMerge="1"/>
-                <a:tc hMerge="1"/>
-                <a:tc hMerge="1"/>
+                <a:tc hMerge="1">
+                  <a:txBody>
+                    <a:bodyPr/>
+                    <a:lstStyle/>
+                    <a:p>
+                      <a:endParaRPr lang="pt-BR"/>
+                    </a:p>
+                  </a:txBody>
+                  <a:tcPr/>
+                </a:tc>
+                <a:tc hMerge="1">
+                  <a:txBody>
+                    <a:bodyPr/>
+                    <a:lstStyle/>
+                    <a:p>
+                      <a:endParaRPr lang="pt-BR"/>
+                    </a:p>
+                  </a:txBody>
+                  <a:tcPr/>
+                </a:tc>
+                <a:tc hMerge="1">
+                  <a:txBody>
+                    <a:bodyPr/>
+                    <a:lstStyle/>
+                    <a:p>
+                      <a:endParaRPr lang="pt-BR"/>
+                    </a:p>
+                  </a:txBody>
+                  <a:tcPr/>
+                </a:tc>
+                <a:tc hMerge="1">
+                  <a:txBody>
+                    <a:bodyPr/>
+                    <a:lstStyle/>
+                    <a:p>
+                      <a:endParaRPr lang="pt-BR"/>
+                    </a:p>
+                  </a:txBody>
+                  <a:tcPr/>
+                </a:tc>
               </a:tr>
               <a:tr h="381000">
                 <a:tc>
                   <a:txBody>
-                    <a:bodyPr>
-                      <a:noAutofit/>
-                    </a:bodyPr>
+                    <a:bodyPr/>
                     <a:lstStyle/>
                     <a:p>
-                      <a:pPr indent="0" lvl="0" marL="0">
+                      <a:pPr marL="0" lvl="0" indent="0">
                         <a:spcBef>
                           <a:spcPts val="0"/>
                         </a:spcBef>
@@ -9249,9 +9637,6 @@
                         </a:spcAft>
                         <a:buNone/>
                       </a:pPr>
-                      <a:r>
-                        <a:t/>
-                      </a:r>
                       <a:endParaRPr>
                         <a:solidFill>
                           <a:schemeClr val="dk1"/>
@@ -9259,16 +9644,14 @@
                       </a:endParaRPr>
                     </a:p>
                   </a:txBody>
-                  <a:tcPr marT="91425" marB="91425" marR="91425" marL="91425"/>
+                  <a:tcPr marL="91425" marR="91425" marT="91425" marB="91425"/>
                 </a:tc>
                 <a:tc>
                   <a:txBody>
-                    <a:bodyPr>
-                      <a:noAutofit/>
-                    </a:bodyPr>
+                    <a:bodyPr/>
                     <a:lstStyle/>
                     <a:p>
-                      <a:pPr indent="0" lvl="0" marL="0">
+                      <a:pPr marL="0" lvl="0" indent="0">
                         <a:spcBef>
                           <a:spcPts val="0"/>
                         </a:spcBef>
@@ -9283,7 +9666,7 @@
                         <a:buNone/>
                       </a:pPr>
                       <a:r>
-                        <a:rPr b="1" lang="pt-BR">
+                        <a:rPr lang="pt-BR" b="1">
                           <a:solidFill>
                             <a:schemeClr val="dk1"/>
                           </a:solidFill>
@@ -9297,16 +9680,14 @@
                       </a:endParaRPr>
                     </a:p>
                   </a:txBody>
-                  <a:tcPr marT="91425" marB="91425" marR="91425" marL="91425"/>
+                  <a:tcPr marL="91425" marR="91425" marT="91425" marB="91425"/>
                 </a:tc>
                 <a:tc>
                   <a:txBody>
-                    <a:bodyPr>
-                      <a:noAutofit/>
-                    </a:bodyPr>
+                    <a:bodyPr/>
                     <a:lstStyle/>
                     <a:p>
-                      <a:pPr indent="0" lvl="0" marL="0">
+                      <a:pPr marL="0" lvl="0" indent="0">
                         <a:spcBef>
                           <a:spcPts val="0"/>
                         </a:spcBef>
@@ -9321,7 +9702,7 @@
                         <a:buNone/>
                       </a:pPr>
                       <a:r>
-                        <a:rPr b="1" lang="pt-BR">
+                        <a:rPr lang="pt-BR" b="1">
                           <a:solidFill>
                             <a:schemeClr val="dk1"/>
                           </a:solidFill>
@@ -9335,16 +9716,14 @@
                       </a:endParaRPr>
                     </a:p>
                   </a:txBody>
-                  <a:tcPr marT="91425" marB="91425" marR="91425" marL="91425"/>
+                  <a:tcPr marL="91425" marR="91425" marT="91425" marB="91425"/>
                 </a:tc>
                 <a:tc>
                   <a:txBody>
-                    <a:bodyPr>
-                      <a:noAutofit/>
-                    </a:bodyPr>
+                    <a:bodyPr/>
                     <a:lstStyle/>
                     <a:p>
-                      <a:pPr indent="0" lvl="0" marL="0">
+                      <a:pPr marL="0" lvl="0" indent="0">
                         <a:spcBef>
                           <a:spcPts val="0"/>
                         </a:spcBef>
@@ -9359,7 +9738,7 @@
                         <a:buNone/>
                       </a:pPr>
                       <a:r>
-                        <a:rPr b="1" lang="pt-BR">
+                        <a:rPr lang="pt-BR" b="1">
                           <a:solidFill>
                             <a:schemeClr val="dk1"/>
                           </a:solidFill>
@@ -9373,16 +9752,14 @@
                       </a:endParaRPr>
                     </a:p>
                   </a:txBody>
-                  <a:tcPr marT="91425" marB="91425" marR="91425" marL="91425"/>
+                  <a:tcPr marL="91425" marR="91425" marT="91425" marB="91425"/>
                 </a:tc>
                 <a:tc>
                   <a:txBody>
-                    <a:bodyPr>
-                      <a:noAutofit/>
-                    </a:bodyPr>
+                    <a:bodyPr/>
                     <a:lstStyle/>
                     <a:p>
-                      <a:pPr indent="0" lvl="0" marL="0">
+                      <a:pPr marL="0" lvl="0" indent="0">
                         <a:spcBef>
                           <a:spcPts val="0"/>
                         </a:spcBef>
@@ -9397,7 +9774,7 @@
                         <a:buNone/>
                       </a:pPr>
                       <a:r>
-                        <a:rPr b="1" lang="pt-BR">
+                        <a:rPr lang="pt-BR" b="1">
                           <a:solidFill>
                             <a:schemeClr val="dk1"/>
                           </a:solidFill>
@@ -9411,18 +9788,16 @@
                       </a:endParaRPr>
                     </a:p>
                   </a:txBody>
-                  <a:tcPr marT="91425" marB="91425" marR="91425" marL="91425"/>
+                  <a:tcPr marL="91425" marR="91425" marT="91425" marB="91425"/>
                 </a:tc>
               </a:tr>
               <a:tr h="381000">
                 <a:tc>
                   <a:txBody>
-                    <a:bodyPr>
-                      <a:noAutofit/>
-                    </a:bodyPr>
+                    <a:bodyPr/>
                     <a:lstStyle/>
                     <a:p>
-                      <a:pPr indent="0" lvl="0" marL="0">
+                      <a:pPr marL="0" lvl="0" indent="0">
                         <a:spcBef>
                           <a:spcPts val="0"/>
                         </a:spcBef>
@@ -9437,7 +9812,7 @@
                         <a:buNone/>
                       </a:pPr>
                       <a:r>
-                        <a:rPr b="1" lang="pt-BR">
+                        <a:rPr lang="pt-BR" b="1">
                           <a:solidFill>
                             <a:schemeClr val="dk1"/>
                           </a:solidFill>
@@ -9451,16 +9826,14 @@
                       </a:endParaRPr>
                     </a:p>
                   </a:txBody>
-                  <a:tcPr marT="91425" marB="91425" marR="91425" marL="91425"/>
+                  <a:tcPr marL="91425" marR="91425" marT="91425" marB="91425"/>
                 </a:tc>
                 <a:tc>
                   <a:txBody>
-                    <a:bodyPr>
-                      <a:noAutofit/>
-                    </a:bodyPr>
+                    <a:bodyPr/>
                     <a:lstStyle/>
                     <a:p>
-                      <a:pPr indent="0" lvl="0" marL="0">
+                      <a:pPr marL="0" lvl="0" indent="0">
                         <a:spcBef>
                           <a:spcPts val="0"/>
                         </a:spcBef>
@@ -9475,30 +9848,28 @@
                         <a:buNone/>
                       </a:pPr>
                       <a:r>
-                        <a:rPr lang="pt-BR">
+                        <a:rPr lang="pt-BR" dirty="0">
                           <a:solidFill>
                             <a:schemeClr val="dk1"/>
                           </a:solidFill>
                         </a:rPr>
                         <a:t>4.950</a:t>
                       </a:r>
-                      <a:endParaRPr>
+                      <a:endParaRPr dirty="0">
                         <a:solidFill>
                           <a:schemeClr val="dk1"/>
                         </a:solidFill>
                       </a:endParaRPr>
                     </a:p>
                   </a:txBody>
-                  <a:tcPr marT="91425" marB="91425" marR="91425" marL="91425"/>
+                  <a:tcPr marL="91425" marR="91425" marT="91425" marB="91425"/>
                 </a:tc>
                 <a:tc>
                   <a:txBody>
-                    <a:bodyPr>
-                      <a:noAutofit/>
-                    </a:bodyPr>
+                    <a:bodyPr/>
                     <a:lstStyle/>
                     <a:p>
-                      <a:pPr indent="0" lvl="0" marL="0">
+                      <a:pPr marL="0" lvl="0" indent="0">
                         <a:spcBef>
                           <a:spcPts val="0"/>
                         </a:spcBef>
@@ -9527,16 +9898,14 @@
                       </a:endParaRPr>
                     </a:p>
                   </a:txBody>
-                  <a:tcPr marT="91425" marB="91425" marR="91425" marL="91425"/>
+                  <a:tcPr marL="91425" marR="91425" marT="91425" marB="91425"/>
                 </a:tc>
                 <a:tc>
                   <a:txBody>
-                    <a:bodyPr>
-                      <a:noAutofit/>
-                    </a:bodyPr>
+                    <a:bodyPr/>
                     <a:lstStyle/>
                     <a:p>
-                      <a:pPr indent="0" lvl="0" marL="0">
+                      <a:pPr marL="0" lvl="0" indent="0">
                         <a:spcBef>
                           <a:spcPts val="0"/>
                         </a:spcBef>
@@ -9565,16 +9934,14 @@
                       </a:endParaRPr>
                     </a:p>
                   </a:txBody>
-                  <a:tcPr marT="91425" marB="91425" marR="91425" marL="91425"/>
+                  <a:tcPr marL="91425" marR="91425" marT="91425" marB="91425"/>
                 </a:tc>
                 <a:tc>
                   <a:txBody>
-                    <a:bodyPr>
-                      <a:noAutofit/>
-                    </a:bodyPr>
+                    <a:bodyPr/>
                     <a:lstStyle/>
                     <a:p>
-                      <a:pPr indent="0" lvl="0" marL="0">
+                      <a:pPr marL="0" lvl="0" indent="0">
                         <a:spcBef>
                           <a:spcPts val="0"/>
                         </a:spcBef>
@@ -9603,18 +9970,166 @@
                       </a:endParaRPr>
                     </a:p>
                   </a:txBody>
-                  <a:tcPr marT="91425" marB="91425" marR="91425" marL="91425"/>
+                  <a:tcPr marL="91425" marR="91425" marT="91425" marB="91425"/>
                 </a:tc>
               </a:tr>
               <a:tr h="381000">
                 <a:tc>
                   <a:txBody>
-                    <a:bodyPr>
-                      <a:noAutofit/>
-                    </a:bodyPr>
+                    <a:bodyPr/>
                     <a:lstStyle/>
                     <a:p>
-                      <a:pPr indent="0" lvl="0" marL="0">
+                      <a:pPr marL="0" marR="0" lvl="0" indent="0" algn="l" defTabSz="914400" rtl="0" eaLnBrk="1" fontAlgn="auto" latinLnBrk="0" hangingPunct="1">
+                        <a:lnSpc>
+                          <a:spcPct val="100000"/>
+                        </a:lnSpc>
+                        <a:spcBef>
+                          <a:spcPts val="0"/>
+                        </a:spcBef>
+                        <a:spcAft>
+                          <a:spcPts val="0"/>
+                        </a:spcAft>
+                        <a:buClr>
+                          <a:schemeClr val="dk1"/>
+                        </a:buClr>
+                        <a:buSzPts val="1100"/>
+                        <a:buFont typeface="Arial"/>
+                        <a:buNone/>
+                        <a:tabLst/>
+                        <a:defRPr/>
+                      </a:pPr>
+                      <a:r>
+                        <a:rPr lang="pt-BR" b="1" dirty="0" smtClean="0">
+                          <a:solidFill>
+                            <a:schemeClr val="dk1"/>
+                          </a:solidFill>
+                        </a:rPr>
+                        <a:t>RadixSort</a:t>
+                      </a:r>
+                    </a:p>
+                  </a:txBody>
+                  <a:tcPr marL="91425" marR="91425" marT="91425" marB="91425"/>
+                </a:tc>
+                <a:tc>
+                  <a:txBody>
+                    <a:bodyPr/>
+                    <a:lstStyle/>
+                    <a:p>
+                      <a:pPr marL="0" lvl="0" indent="0">
+                        <a:spcBef>
+                          <a:spcPts val="0"/>
+                        </a:spcBef>
+                        <a:spcAft>
+                          <a:spcPts val="0"/>
+                        </a:spcAft>
+                        <a:buClr>
+                          <a:schemeClr val="dk1"/>
+                        </a:buClr>
+                        <a:buSzPts val="1100"/>
+                        <a:buFont typeface="Arial"/>
+                        <a:buNone/>
+                      </a:pPr>
+                      <a:endParaRPr>
+                        <a:solidFill>
+                          <a:schemeClr val="dk1"/>
+                        </a:solidFill>
+                      </a:endParaRPr>
+                    </a:p>
+                  </a:txBody>
+                  <a:tcPr marL="91425" marR="91425" marT="91425" marB="91425"/>
+                </a:tc>
+                <a:tc>
+                  <a:txBody>
+                    <a:bodyPr/>
+                    <a:lstStyle/>
+                    <a:p>
+                      <a:pPr marL="0" lvl="0" indent="0">
+                        <a:spcBef>
+                          <a:spcPts val="0"/>
+                        </a:spcBef>
+                        <a:spcAft>
+                          <a:spcPts val="0"/>
+                        </a:spcAft>
+                        <a:buClr>
+                          <a:schemeClr val="dk1"/>
+                        </a:buClr>
+                        <a:buSzPts val="1100"/>
+                        <a:buFont typeface="Arial"/>
+                        <a:buNone/>
+                      </a:pPr>
+                      <a:endParaRPr>
+                        <a:solidFill>
+                          <a:schemeClr val="dk1"/>
+                        </a:solidFill>
+                      </a:endParaRPr>
+                    </a:p>
+                  </a:txBody>
+                  <a:tcPr marL="91425" marR="91425" marT="91425" marB="91425"/>
+                </a:tc>
+                <a:tc>
+                  <a:txBody>
+                    <a:bodyPr/>
+                    <a:lstStyle/>
+                    <a:p>
+                      <a:pPr marL="0" lvl="0" indent="0">
+                        <a:spcBef>
+                          <a:spcPts val="0"/>
+                        </a:spcBef>
+                        <a:spcAft>
+                          <a:spcPts val="0"/>
+                        </a:spcAft>
+                        <a:buClr>
+                          <a:schemeClr val="dk1"/>
+                        </a:buClr>
+                        <a:buSzPts val="1100"/>
+                        <a:buFont typeface="Arial"/>
+                        <a:buNone/>
+                      </a:pPr>
+                      <a:endParaRPr>
+                        <a:solidFill>
+                          <a:schemeClr val="dk1"/>
+                        </a:solidFill>
+                      </a:endParaRPr>
+                    </a:p>
+                  </a:txBody>
+                  <a:tcPr marL="91425" marR="91425" marT="91425" marB="91425"/>
+                </a:tc>
+                <a:tc>
+                  <a:txBody>
+                    <a:bodyPr/>
+                    <a:lstStyle/>
+                    <a:p>
+                      <a:pPr marL="0" lvl="0" indent="0">
+                        <a:spcBef>
+                          <a:spcPts val="0"/>
+                        </a:spcBef>
+                        <a:spcAft>
+                          <a:spcPts val="0"/>
+                        </a:spcAft>
+                        <a:buClr>
+                          <a:schemeClr val="dk1"/>
+                        </a:buClr>
+                        <a:buSzPts val="1100"/>
+                        <a:buFont typeface="Arial"/>
+                        <a:buNone/>
+                      </a:pPr>
+                      <a:endParaRPr dirty="0">
+                        <a:solidFill>
+                          <a:schemeClr val="dk1"/>
+                        </a:solidFill>
+                      </a:endParaRPr>
+                    </a:p>
+                  </a:txBody>
+                  <a:tcPr marL="91425" marR="91425" marT="91425" marB="91425"/>
+                </a:tc>
+              </a:tr>
+              <a:tr h="381000">
+                <a:tc>
+                  <a:txBody>
+                    <a:bodyPr/>
+                    <a:lstStyle/>
+                    <a:p>
+                      <a:pPr marL="0" lvl="0" indent="0">
                         <a:spcBef>
                           <a:spcPts val="0"/>
                         </a:spcBef>
@@ -9629,30 +10144,28 @@
                         <a:buNone/>
                       </a:pPr>
                       <a:r>
-                        <a:rPr b="1" lang="pt-BR">
+                        <a:rPr lang="pt-BR" b="1" dirty="0" smtClean="0">
                           <a:solidFill>
                             <a:schemeClr val="dk1"/>
                           </a:solidFill>
                         </a:rPr>
-                        <a:t>QuickSort</a:t>
+                        <a:t>HeapSort</a:t>
                       </a:r>
-                      <a:endParaRPr b="1">
+                      <a:endParaRPr b="1" dirty="0">
                         <a:solidFill>
                           <a:schemeClr val="dk1"/>
                         </a:solidFill>
                       </a:endParaRPr>
                     </a:p>
                   </a:txBody>
-                  <a:tcPr marT="91425" marB="91425" marR="91425" marL="91425"/>
+                  <a:tcPr marL="91425" marR="91425" marT="91425" marB="91425"/>
                 </a:tc>
                 <a:tc>
                   <a:txBody>
-                    <a:bodyPr>
-                      <a:noAutofit/>
-                    </a:bodyPr>
+                    <a:bodyPr/>
                     <a:lstStyle/>
                     <a:p>
-                      <a:pPr indent="0" lvl="0" marL="0">
+                      <a:pPr marL="0" lvl="0" indent="0">
                         <a:spcBef>
                           <a:spcPts val="0"/>
                         </a:spcBef>
@@ -9681,16 +10194,14 @@
                       </a:endParaRPr>
                     </a:p>
                   </a:txBody>
-                  <a:tcPr marT="91425" marB="91425" marR="91425" marL="91425"/>
+                  <a:tcPr marL="91425" marR="91425" marT="91425" marB="91425"/>
                 </a:tc>
                 <a:tc>
                   <a:txBody>
-                    <a:bodyPr>
-                      <a:noAutofit/>
-                    </a:bodyPr>
+                    <a:bodyPr/>
                     <a:lstStyle/>
                     <a:p>
-                      <a:pPr indent="0" lvl="0" marL="0">
+                      <a:pPr marL="0" lvl="0" indent="0">
                         <a:spcBef>
                           <a:spcPts val="0"/>
                         </a:spcBef>
@@ -9719,16 +10230,14 @@
                       </a:endParaRPr>
                     </a:p>
                   </a:txBody>
-                  <a:tcPr marT="91425" marB="91425" marR="91425" marL="91425"/>
+                  <a:tcPr marL="91425" marR="91425" marT="91425" marB="91425"/>
                 </a:tc>
                 <a:tc>
                   <a:txBody>
-                    <a:bodyPr>
-                      <a:noAutofit/>
-                    </a:bodyPr>
+                    <a:bodyPr/>
                     <a:lstStyle/>
                     <a:p>
-                      <a:pPr indent="0" lvl="0" marL="0">
+                      <a:pPr marL="0" lvl="0" indent="0">
                         <a:spcBef>
                           <a:spcPts val="0"/>
                         </a:spcBef>
@@ -9757,16 +10266,14 @@
                       </a:endParaRPr>
                     </a:p>
                   </a:txBody>
-                  <a:tcPr marT="91425" marB="91425" marR="91425" marL="91425"/>
+                  <a:tcPr marL="91425" marR="91425" marT="91425" marB="91425"/>
                 </a:tc>
                 <a:tc>
                   <a:txBody>
-                    <a:bodyPr>
-                      <a:noAutofit/>
-                    </a:bodyPr>
+                    <a:bodyPr/>
                     <a:lstStyle/>
                     <a:p>
-                      <a:pPr indent="0" lvl="0" marL="0">
+                      <a:pPr marL="0" lvl="0" indent="0">
                         <a:spcBef>
                           <a:spcPts val="0"/>
                         </a:spcBef>
@@ -9795,18 +10302,16 @@
                       </a:endParaRPr>
                     </a:p>
                   </a:txBody>
-                  <a:tcPr marT="91425" marB="91425" marR="91425" marL="91425"/>
+                  <a:tcPr marL="91425" marR="91425" marT="91425" marB="91425"/>
                 </a:tc>
               </a:tr>
               <a:tr h="381000">
                 <a:tc>
                   <a:txBody>
-                    <a:bodyPr>
-                      <a:noAutofit/>
-                    </a:bodyPr>
+                    <a:bodyPr/>
                     <a:lstStyle/>
                     <a:p>
-                      <a:pPr indent="0" lvl="0" marL="0">
+                      <a:pPr marL="0" lvl="0" indent="0">
                         <a:spcBef>
                           <a:spcPts val="0"/>
                         </a:spcBef>
@@ -9821,7 +10326,7 @@
                         <a:buNone/>
                       </a:pPr>
                       <a:r>
-                        <a:rPr b="1" lang="pt-BR">
+                        <a:rPr lang="pt-BR" b="1">
                           <a:solidFill>
                             <a:schemeClr val="dk1"/>
                           </a:solidFill>
@@ -9835,16 +10340,14 @@
                       </a:endParaRPr>
                     </a:p>
                   </a:txBody>
-                  <a:tcPr marT="91425" marB="91425" marR="91425" marL="91425"/>
+                  <a:tcPr marL="91425" marR="91425" marT="91425" marB="91425"/>
                 </a:tc>
                 <a:tc>
                   <a:txBody>
-                    <a:bodyPr>
-                      <a:noAutofit/>
-                    </a:bodyPr>
+                    <a:bodyPr/>
                     <a:lstStyle/>
                     <a:p>
-                      <a:pPr indent="0" lvl="0" marL="0">
+                      <a:pPr marL="0" lvl="0" indent="0">
                         <a:spcBef>
                           <a:spcPts val="0"/>
                         </a:spcBef>
@@ -9873,16 +10376,14 @@
                       </a:endParaRPr>
                     </a:p>
                   </a:txBody>
-                  <a:tcPr marT="91425" marB="91425" marR="91425" marL="91425"/>
+                  <a:tcPr marL="91425" marR="91425" marT="91425" marB="91425"/>
                 </a:tc>
                 <a:tc>
                   <a:txBody>
-                    <a:bodyPr>
-                      <a:noAutofit/>
-                    </a:bodyPr>
+                    <a:bodyPr/>
                     <a:lstStyle/>
                     <a:p>
-                      <a:pPr indent="0" lvl="0" marL="0">
+                      <a:pPr marL="0" lvl="0" indent="0">
                         <a:spcBef>
                           <a:spcPts val="0"/>
                         </a:spcBef>
@@ -9911,16 +10412,14 @@
                       </a:endParaRPr>
                     </a:p>
                   </a:txBody>
-                  <a:tcPr marT="91425" marB="91425" marR="91425" marL="91425"/>
+                  <a:tcPr marL="91425" marR="91425" marT="91425" marB="91425"/>
                 </a:tc>
                 <a:tc>
                   <a:txBody>
-                    <a:bodyPr>
-                      <a:noAutofit/>
-                    </a:bodyPr>
+                    <a:bodyPr/>
                     <a:lstStyle/>
                     <a:p>
-                      <a:pPr indent="0" lvl="0" marL="0">
+                      <a:pPr marL="0" lvl="0" indent="0">
                         <a:spcBef>
                           <a:spcPts val="0"/>
                         </a:spcBef>
@@ -9949,16 +10448,14 @@
                       </a:endParaRPr>
                     </a:p>
                   </a:txBody>
-                  <a:tcPr marT="91425" marB="91425" marR="91425" marL="91425"/>
+                  <a:tcPr marL="91425" marR="91425" marT="91425" marB="91425"/>
                 </a:tc>
                 <a:tc>
                   <a:txBody>
-                    <a:bodyPr>
-                      <a:noAutofit/>
-                    </a:bodyPr>
+                    <a:bodyPr/>
                     <a:lstStyle/>
                     <a:p>
-                      <a:pPr indent="0" lvl="0" marL="0">
+                      <a:pPr marL="0" lvl="0" indent="0">
                         <a:spcBef>
                           <a:spcPts val="0"/>
                         </a:spcBef>
@@ -9973,21 +10470,21 @@
                         <a:buNone/>
                       </a:pPr>
                       <a:r>
-                        <a:rPr lang="pt-BR">
+                        <a:rPr lang="pt-BR" dirty="0">
                           <a:solidFill>
                             <a:schemeClr val="dk1"/>
                           </a:solidFill>
                         </a:rPr>
                         <a:t>1.566.749</a:t>
                       </a:r>
-                      <a:endParaRPr>
+                      <a:endParaRPr dirty="0">
                         <a:solidFill>
                           <a:schemeClr val="dk1"/>
                         </a:solidFill>
                       </a:endParaRPr>
                     </a:p>
                   </a:txBody>
-                  <a:tcPr marT="91425" marB="91425" marR="91425" marL="91425"/>
+                  <a:tcPr marL="91425" marR="91425" marT="91425" marB="91425"/>
                 </a:tc>
               </a:tr>
             </a:tbl>
@@ -10002,7 +10499,7 @@
         </p:nvSpPr>
         <p:spPr>
           <a:xfrm>
-            <a:off x="952500" y="1686775"/>
+            <a:off x="952500" y="1286083"/>
             <a:ext cx="7239000" cy="572700"/>
           </a:xfrm>
           <a:prstGeom prst="rect">
@@ -10014,12 +10511,12 @@
           </a:ln>
         </p:spPr>
         <p:txBody>
-          <a:bodyPr anchorCtr="0" anchor="t" bIns="91425" lIns="91425" spcFirstLastPara="1" rIns="91425" wrap="square" tIns="91425">
+          <a:bodyPr spcFirstLastPara="1" wrap="square" lIns="91425" tIns="91425" rIns="91425" bIns="91425" anchor="t" anchorCtr="0">
             <a:noAutofit/>
           </a:bodyPr>
           <a:lstStyle/>
           <a:p>
-            <a:pPr indent="0" lvl="0" marL="0" rtl="0">
+            <a:pPr marL="0" lvl="0" indent="0" rtl="0">
               <a:lnSpc>
                 <a:spcPct val="115000"/>
               </a:lnSpc>
@@ -10032,7 +10529,7 @@
               <a:buNone/>
             </a:pPr>
             <a:r>
-              <a:rPr b="1" lang="pt-BR" sz="1800">
+              <a:rPr lang="pt-BR" sz="1800" b="1" dirty="0">
                 <a:solidFill>
                   <a:schemeClr val="dk1"/>
                 </a:solidFill>
@@ -10040,14 +10537,14 @@
               <a:t>Tipo de vetor</a:t>
             </a:r>
             <a:r>
-              <a:rPr lang="pt-BR" sz="1800">
+              <a:rPr lang="pt-BR" sz="1800" dirty="0">
                 <a:solidFill>
                   <a:schemeClr val="dk1"/>
                 </a:solidFill>
               </a:rPr>
               <a:t>: Vetor aleatório – Caso médio</a:t>
             </a:r>
-            <a:endParaRPr>
+            <a:endParaRPr dirty="0">
               <a:solidFill>
                 <a:schemeClr val="dk1"/>
               </a:solidFill>
@@ -10064,11 +10561,11 @@
 </file>
 
 <file path=ppt/slides/slide15.xml><?xml version="1.0" encoding="utf-8"?>
-<p:sld xmlns:a="http://schemas.openxmlformats.org/drawingml/2006/main" xmlns:r="http://schemas.openxmlformats.org/officeDocument/2006/relationships" xmlns:mc="http://schemas.openxmlformats.org/markup-compatibility/2006" xmlns:mv="urn:schemas-microsoft-com:mac:vml" xmlns:p="http://schemas.openxmlformats.org/presentationml/2006/main" xmlns:c="http://schemas.openxmlformats.org/drawingml/2006/chart" xmlns:dgm="http://schemas.openxmlformats.org/drawingml/2006/diagram" xmlns:o="urn:schemas-microsoft-com:office:office" xmlns:v="urn:schemas-microsoft-com:vml" xmlns:pvml="urn:schemas-microsoft-com:office:powerpoint" xmlns:com="http://schemas.openxmlformats.org/drawingml/2006/compatibility" xmlns:p14="http://schemas.microsoft.com/office/powerpoint/2010/main" xmlns:p15="http://schemas.microsoft.com/office/powerpoint/2012/main">
+<p:sld xmlns:a="http://schemas.openxmlformats.org/drawingml/2006/main" xmlns:r="http://schemas.openxmlformats.org/officeDocument/2006/relationships" xmlns:p="http://schemas.openxmlformats.org/presentationml/2006/main">
   <p:cSld>
     <p:spTree>
       <p:nvGrpSpPr>
-        <p:cNvPr id="149" name="Shape 149"/>
+        <p:cNvPr id="1" name="Shape 149"/>
         <p:cNvGrpSpPr/>
         <p:nvPr/>
       </p:nvGrpSpPr>
@@ -10083,7 +10580,9 @@
       <p:sp>
         <p:nvSpPr>
           <p:cNvPr id="150" name="Shape 150"/>
-          <p:cNvSpPr txBox="1"/>
+          <p:cNvSpPr txBox="1">
+            <a:spLocks noGrp="1"/>
+          </p:cNvSpPr>
           <p:nvPr>
             <p:ph type="title"/>
           </p:nvPr>
@@ -10098,12 +10597,12 @@
           </a:prstGeom>
         </p:spPr>
         <p:txBody>
-          <a:bodyPr anchorCtr="0" anchor="b" bIns="91425" lIns="91425" spcFirstLastPara="1" rIns="91425" wrap="square" tIns="91425">
+          <a:bodyPr spcFirstLastPara="1" wrap="square" lIns="91425" tIns="91425" rIns="91425" bIns="91425" anchor="b" anchorCtr="0">
             <a:noAutofit/>
           </a:bodyPr>
           <a:lstStyle/>
           <a:p>
-            <a:pPr indent="0" lvl="0" marL="0" rtl="0">
+            <a:pPr marL="0" lvl="0" indent="0" rtl="0">
               <a:spcBef>
                 <a:spcPts val="0"/>
               </a:spcBef>
@@ -10124,11 +10623,17 @@
         <p:nvGraphicFramePr>
           <p:cNvPr id="151" name="Shape 151"/>
           <p:cNvGraphicFramePr/>
-          <p:nvPr/>
+          <p:nvPr>
+            <p:extLst>
+              <p:ext uri="{D42A27DB-BD31-4B8C-83A1-F6EECF244321}">
+                <p14:modId xmlns:p14="http://schemas.microsoft.com/office/powerpoint/2010/main" val="1844377649"/>
+              </p:ext>
+            </p:extLst>
+          </p:nvPr>
         </p:nvGraphicFramePr>
         <p:xfrm>
-          <a:off x="952500" y="2510175"/>
-          <a:ext cx="3000000" cy="3000000"/>
+          <a:off x="952500" y="2047838"/>
+          <a:ext cx="7239000" cy="2377260"/>
         </p:xfrm>
         <a:graphic>
           <a:graphicData uri="http://schemas.openxmlformats.org/drawingml/2006/table">
@@ -10147,12 +10652,10 @@
               <a:tr h="381000">
                 <a:tc gridSpan="5">
                   <a:txBody>
-                    <a:bodyPr>
-                      <a:noAutofit/>
-                    </a:bodyPr>
+                    <a:bodyPr/>
                     <a:lstStyle/>
                     <a:p>
-                      <a:pPr indent="0" lvl="0" marL="0" rtl="0" algn="ctr">
+                      <a:pPr marL="0" lvl="0" indent="0" algn="ctr" rtl="0">
                         <a:spcBef>
                           <a:spcPts val="0"/>
                         </a:spcBef>
@@ -10162,36 +10665,70 @@
                         <a:buNone/>
                       </a:pPr>
                       <a:r>
-                        <a:rPr b="1" lang="pt-BR">
+                        <a:rPr lang="pt-BR" b="1" dirty="0">
                           <a:solidFill>
                             <a:schemeClr val="dk1"/>
                           </a:solidFill>
                         </a:rPr>
                         <a:t>Quantidade de Movimentos</a:t>
                       </a:r>
-                      <a:endParaRPr b="1">
+                      <a:endParaRPr b="1" dirty="0">
                         <a:solidFill>
                           <a:schemeClr val="dk1"/>
                         </a:solidFill>
                       </a:endParaRPr>
                     </a:p>
                   </a:txBody>
-                  <a:tcPr marT="91425" marB="91425" marR="91425" marL="91425"/>
+                  <a:tcPr marL="91425" marR="91425" marT="91425" marB="91425"/>
                 </a:tc>
-                <a:tc hMerge="1"/>
-                <a:tc hMerge="1"/>
-                <a:tc hMerge="1"/>
-                <a:tc hMerge="1"/>
+                <a:tc hMerge="1">
+                  <a:txBody>
+                    <a:bodyPr/>
+                    <a:lstStyle/>
+                    <a:p>
+                      <a:endParaRPr lang="pt-BR"/>
+                    </a:p>
+                  </a:txBody>
+                  <a:tcPr/>
+                </a:tc>
+                <a:tc hMerge="1">
+                  <a:txBody>
+                    <a:bodyPr/>
+                    <a:lstStyle/>
+                    <a:p>
+                      <a:endParaRPr lang="pt-BR"/>
+                    </a:p>
+                  </a:txBody>
+                  <a:tcPr/>
+                </a:tc>
+                <a:tc hMerge="1">
+                  <a:txBody>
+                    <a:bodyPr/>
+                    <a:lstStyle/>
+                    <a:p>
+                      <a:endParaRPr lang="pt-BR"/>
+                    </a:p>
+                  </a:txBody>
+                  <a:tcPr/>
+                </a:tc>
+                <a:tc hMerge="1">
+                  <a:txBody>
+                    <a:bodyPr/>
+                    <a:lstStyle/>
+                    <a:p>
+                      <a:endParaRPr lang="pt-BR"/>
+                    </a:p>
+                  </a:txBody>
+                  <a:tcPr/>
+                </a:tc>
               </a:tr>
               <a:tr h="381000">
                 <a:tc>
                   <a:txBody>
-                    <a:bodyPr>
-                      <a:noAutofit/>
-                    </a:bodyPr>
+                    <a:bodyPr/>
                     <a:lstStyle/>
                     <a:p>
-                      <a:pPr indent="0" lvl="0" marL="0">
+                      <a:pPr marL="0" lvl="0" indent="0">
                         <a:spcBef>
                           <a:spcPts val="0"/>
                         </a:spcBef>
@@ -10200,9 +10737,6 @@
                         </a:spcAft>
                         <a:buNone/>
                       </a:pPr>
-                      <a:r>
-                        <a:t/>
-                      </a:r>
                       <a:endParaRPr>
                         <a:solidFill>
                           <a:schemeClr val="dk1"/>
@@ -10210,16 +10744,14 @@
                       </a:endParaRPr>
                     </a:p>
                   </a:txBody>
-                  <a:tcPr marT="91425" marB="91425" marR="91425" marL="91425"/>
+                  <a:tcPr marL="91425" marR="91425" marT="91425" marB="91425"/>
                 </a:tc>
                 <a:tc>
                   <a:txBody>
-                    <a:bodyPr>
-                      <a:noAutofit/>
-                    </a:bodyPr>
+                    <a:bodyPr/>
                     <a:lstStyle/>
                     <a:p>
-                      <a:pPr indent="0" lvl="0" marL="0" rtl="0">
+                      <a:pPr marL="0" lvl="0" indent="0" rtl="0">
                         <a:spcBef>
                           <a:spcPts val="0"/>
                         </a:spcBef>
@@ -10229,7 +10761,7 @@
                         <a:buNone/>
                       </a:pPr>
                       <a:r>
-                        <a:rPr b="1" lang="pt-BR">
+                        <a:rPr lang="pt-BR" b="1">
                           <a:solidFill>
                             <a:schemeClr val="dk1"/>
                           </a:solidFill>
@@ -10243,16 +10775,14 @@
                       </a:endParaRPr>
                     </a:p>
                   </a:txBody>
-                  <a:tcPr marT="91425" marB="91425" marR="91425" marL="91425"/>
+                  <a:tcPr marL="91425" marR="91425" marT="91425" marB="91425"/>
                 </a:tc>
                 <a:tc>
                   <a:txBody>
-                    <a:bodyPr>
-                      <a:noAutofit/>
-                    </a:bodyPr>
+                    <a:bodyPr/>
                     <a:lstStyle/>
                     <a:p>
-                      <a:pPr indent="0" lvl="0" marL="0" rtl="0">
+                      <a:pPr marL="0" lvl="0" indent="0" rtl="0">
                         <a:spcBef>
                           <a:spcPts val="0"/>
                         </a:spcBef>
@@ -10262,7 +10792,7 @@
                         <a:buNone/>
                       </a:pPr>
                       <a:r>
-                        <a:rPr b="1" lang="pt-BR">
+                        <a:rPr lang="pt-BR" b="1">
                           <a:solidFill>
                             <a:schemeClr val="dk1"/>
                           </a:solidFill>
@@ -10276,16 +10806,14 @@
                       </a:endParaRPr>
                     </a:p>
                   </a:txBody>
-                  <a:tcPr marT="91425" marB="91425" marR="91425" marL="91425"/>
+                  <a:tcPr marL="91425" marR="91425" marT="91425" marB="91425"/>
                 </a:tc>
                 <a:tc>
                   <a:txBody>
-                    <a:bodyPr>
-                      <a:noAutofit/>
-                    </a:bodyPr>
+                    <a:bodyPr/>
                     <a:lstStyle/>
                     <a:p>
-                      <a:pPr indent="0" lvl="0" marL="0" rtl="0">
+                      <a:pPr marL="0" lvl="0" indent="0" rtl="0">
                         <a:spcBef>
                           <a:spcPts val="0"/>
                         </a:spcBef>
@@ -10295,7 +10823,7 @@
                         <a:buNone/>
                       </a:pPr>
                       <a:r>
-                        <a:rPr b="1" lang="pt-BR">
+                        <a:rPr lang="pt-BR" b="1">
                           <a:solidFill>
                             <a:schemeClr val="dk1"/>
                           </a:solidFill>
@@ -10309,16 +10837,14 @@
                       </a:endParaRPr>
                     </a:p>
                   </a:txBody>
-                  <a:tcPr marT="91425" marB="91425" marR="91425" marL="91425"/>
+                  <a:tcPr marL="91425" marR="91425" marT="91425" marB="91425"/>
                 </a:tc>
                 <a:tc>
                   <a:txBody>
-                    <a:bodyPr>
-                      <a:noAutofit/>
-                    </a:bodyPr>
+                    <a:bodyPr/>
                     <a:lstStyle/>
                     <a:p>
-                      <a:pPr indent="0" lvl="0" marL="0" rtl="0">
+                      <a:pPr marL="0" lvl="0" indent="0" rtl="0">
                         <a:spcBef>
                           <a:spcPts val="0"/>
                         </a:spcBef>
@@ -10328,7 +10854,7 @@
                         <a:buNone/>
                       </a:pPr>
                       <a:r>
-                        <a:rPr b="1" lang="pt-BR">
+                        <a:rPr lang="pt-BR" b="1">
                           <a:solidFill>
                             <a:schemeClr val="dk1"/>
                           </a:solidFill>
@@ -10342,18 +10868,16 @@
                       </a:endParaRPr>
                     </a:p>
                   </a:txBody>
-                  <a:tcPr marT="91425" marB="91425" marR="91425" marL="91425"/>
+                  <a:tcPr marL="91425" marR="91425" marT="91425" marB="91425"/>
                 </a:tc>
               </a:tr>
               <a:tr h="381000">
                 <a:tc>
                   <a:txBody>
-                    <a:bodyPr>
-                      <a:noAutofit/>
-                    </a:bodyPr>
+                    <a:bodyPr/>
                     <a:lstStyle/>
                     <a:p>
-                      <a:pPr indent="0" lvl="0" marL="0" rtl="0">
+                      <a:pPr marL="0" lvl="0" indent="0" rtl="0">
                         <a:spcBef>
                           <a:spcPts val="0"/>
                         </a:spcBef>
@@ -10363,30 +10887,28 @@
                         <a:buNone/>
                       </a:pPr>
                       <a:r>
-                        <a:rPr b="1" lang="pt-BR">
+                        <a:rPr lang="pt-BR" b="1" dirty="0" smtClean="0">
                           <a:solidFill>
                             <a:schemeClr val="dk1"/>
                           </a:solidFill>
                         </a:rPr>
-                        <a:t>BubbleSort</a:t>
+                        <a:t>BucketSort</a:t>
                       </a:r>
-                      <a:endParaRPr b="1">
+                      <a:endParaRPr lang="pt-BR" b="1" dirty="0">
                         <a:solidFill>
                           <a:schemeClr val="dk1"/>
                         </a:solidFill>
                       </a:endParaRPr>
                     </a:p>
                   </a:txBody>
-                  <a:tcPr marT="91425" marB="91425" marR="91425" marL="91425"/>
+                  <a:tcPr marL="91425" marR="91425" marT="91425" marB="91425"/>
                 </a:tc>
                 <a:tc>
                   <a:txBody>
-                    <a:bodyPr>
-                      <a:noAutofit/>
-                    </a:bodyPr>
+                    <a:bodyPr/>
                     <a:lstStyle/>
                     <a:p>
-                      <a:pPr indent="0" lvl="0" marL="0" rtl="0">
+                      <a:pPr marL="0" lvl="0" indent="0" rtl="0">
                         <a:spcBef>
                           <a:spcPts val="0"/>
                         </a:spcBef>
@@ -10410,16 +10932,14 @@
                       </a:endParaRPr>
                     </a:p>
                   </a:txBody>
-                  <a:tcPr marT="91425" marB="91425" marR="91425" marL="91425"/>
+                  <a:tcPr marL="91425" marR="91425" marT="91425" marB="91425"/>
                 </a:tc>
                 <a:tc>
                   <a:txBody>
-                    <a:bodyPr>
-                      <a:noAutofit/>
-                    </a:bodyPr>
+                    <a:bodyPr/>
                     <a:lstStyle/>
                     <a:p>
-                      <a:pPr indent="0" lvl="0" marL="0" rtl="0">
+                      <a:pPr marL="0" lvl="0" indent="0" rtl="0">
                         <a:spcBef>
                           <a:spcPts val="0"/>
                         </a:spcBef>
@@ -10443,16 +10963,14 @@
                       </a:endParaRPr>
                     </a:p>
                   </a:txBody>
-                  <a:tcPr marT="91425" marB="91425" marR="91425" marL="91425"/>
+                  <a:tcPr marL="91425" marR="91425" marT="91425" marB="91425"/>
                 </a:tc>
                 <a:tc>
                   <a:txBody>
-                    <a:bodyPr>
-                      <a:noAutofit/>
-                    </a:bodyPr>
+                    <a:bodyPr/>
                     <a:lstStyle/>
                     <a:p>
-                      <a:pPr indent="0" lvl="0" marL="0" rtl="0">
+                      <a:pPr marL="0" lvl="0" indent="0" rtl="0">
                         <a:spcBef>
                           <a:spcPts val="0"/>
                         </a:spcBef>
@@ -10476,16 +10994,14 @@
                       </a:endParaRPr>
                     </a:p>
                   </a:txBody>
-                  <a:tcPr marT="91425" marB="91425" marR="91425" marL="91425"/>
+                  <a:tcPr marL="91425" marR="91425" marT="91425" marB="91425"/>
                 </a:tc>
                 <a:tc>
                   <a:txBody>
-                    <a:bodyPr>
-                      <a:noAutofit/>
-                    </a:bodyPr>
+                    <a:bodyPr/>
                     <a:lstStyle/>
                     <a:p>
-                      <a:pPr indent="0" lvl="0" marL="0" rtl="0">
+                      <a:pPr marL="0" lvl="0" indent="0" rtl="0">
                         <a:spcBef>
                           <a:spcPts val="0"/>
                         </a:spcBef>
@@ -10509,18 +11025,16 @@
                       </a:endParaRPr>
                     </a:p>
                   </a:txBody>
-                  <a:tcPr marT="91425" marB="91425" marR="91425" marL="91425"/>
+                  <a:tcPr marL="91425" marR="91425" marT="91425" marB="91425"/>
                 </a:tc>
               </a:tr>
               <a:tr h="381000">
                 <a:tc>
                   <a:txBody>
-                    <a:bodyPr>
-                      <a:noAutofit/>
-                    </a:bodyPr>
+                    <a:bodyPr/>
                     <a:lstStyle/>
                     <a:p>
-                      <a:pPr indent="0" lvl="0" marL="0" rtl="0">
+                      <a:pPr marL="0" lvl="0" indent="0" rtl="0">
                         <a:spcBef>
                           <a:spcPts val="0"/>
                         </a:spcBef>
@@ -10530,30 +11044,28 @@
                         <a:buNone/>
                       </a:pPr>
                       <a:r>
-                        <a:rPr b="1" lang="pt-BR">
+                        <a:rPr lang="pt-BR" b="1" dirty="0" smtClean="0">
                           <a:solidFill>
                             <a:schemeClr val="dk1"/>
                           </a:solidFill>
                         </a:rPr>
-                        <a:t>QuickSort</a:t>
+                        <a:t>RadixSort</a:t>
                       </a:r>
-                      <a:endParaRPr b="1">
+                      <a:endParaRPr lang="pt-BR" b="1" dirty="0">
                         <a:solidFill>
                           <a:schemeClr val="dk1"/>
                         </a:solidFill>
                       </a:endParaRPr>
                     </a:p>
                   </a:txBody>
-                  <a:tcPr marT="91425" marB="91425" marR="91425" marL="91425"/>
+                  <a:tcPr marL="91425" marR="91425" marT="91425" marB="91425"/>
                 </a:tc>
                 <a:tc>
                   <a:txBody>
-                    <a:bodyPr>
-                      <a:noAutofit/>
-                    </a:bodyPr>
+                    <a:bodyPr/>
                     <a:lstStyle/>
                     <a:p>
-                      <a:pPr indent="0" lvl="0" marL="0" rtl="0">
+                      <a:pPr marL="0" lvl="0" indent="0" rtl="0">
                         <a:spcBef>
                           <a:spcPts val="0"/>
                         </a:spcBef>
@@ -10563,30 +11075,28 @@
                         <a:buNone/>
                       </a:pPr>
                       <a:r>
-                        <a:rPr lang="pt-BR">
+                        <a:rPr lang="pt-BR" dirty="0">
                           <a:solidFill>
                             <a:schemeClr val="dk1"/>
                           </a:solidFill>
                         </a:rPr>
                         <a:t>570</a:t>
                       </a:r>
-                      <a:endParaRPr>
+                      <a:endParaRPr dirty="0">
                         <a:solidFill>
                           <a:schemeClr val="dk1"/>
                         </a:solidFill>
                       </a:endParaRPr>
                     </a:p>
                   </a:txBody>
-                  <a:tcPr marT="91425" marB="91425" marR="91425" marL="91425"/>
+                  <a:tcPr marL="91425" marR="91425" marT="91425" marB="91425"/>
                 </a:tc>
                 <a:tc>
                   <a:txBody>
-                    <a:bodyPr>
-                      <a:noAutofit/>
-                    </a:bodyPr>
+                    <a:bodyPr/>
                     <a:lstStyle/>
                     <a:p>
-                      <a:pPr indent="0" lvl="0" marL="0" rtl="0">
+                      <a:pPr marL="0" lvl="0" indent="0" rtl="0">
                         <a:spcBef>
                           <a:spcPts val="0"/>
                         </a:spcBef>
@@ -10610,16 +11120,14 @@
                       </a:endParaRPr>
                     </a:p>
                   </a:txBody>
-                  <a:tcPr marT="91425" marB="91425" marR="91425" marL="91425"/>
+                  <a:tcPr marL="91425" marR="91425" marT="91425" marB="91425"/>
                 </a:tc>
                 <a:tc>
                   <a:txBody>
-                    <a:bodyPr>
-                      <a:noAutofit/>
-                    </a:bodyPr>
+                    <a:bodyPr/>
                     <a:lstStyle/>
                     <a:p>
-                      <a:pPr indent="0" lvl="0" marL="0" rtl="0">
+                      <a:pPr marL="0" lvl="0" indent="0" rtl="0">
                         <a:spcBef>
                           <a:spcPts val="0"/>
                         </a:spcBef>
@@ -10643,16 +11151,14 @@
                       </a:endParaRPr>
                     </a:p>
                   </a:txBody>
-                  <a:tcPr marT="91425" marB="91425" marR="91425" marL="91425"/>
+                  <a:tcPr marL="91425" marR="91425" marT="91425" marB="91425"/>
                 </a:tc>
                 <a:tc>
                   <a:txBody>
-                    <a:bodyPr>
-                      <a:noAutofit/>
-                    </a:bodyPr>
+                    <a:bodyPr/>
                     <a:lstStyle/>
                     <a:p>
-                      <a:pPr indent="0" lvl="0" marL="0" rtl="0">
+                      <a:pPr marL="0" lvl="0" indent="0" rtl="0">
                         <a:spcBef>
                           <a:spcPts val="0"/>
                         </a:spcBef>
@@ -10676,18 +11182,16 @@
                       </a:endParaRPr>
                     </a:p>
                   </a:txBody>
-                  <a:tcPr marT="91425" marB="91425" marR="91425" marL="91425"/>
+                  <a:tcPr marL="91425" marR="91425" marT="91425" marB="91425"/>
                 </a:tc>
               </a:tr>
               <a:tr h="381000">
                 <a:tc>
                   <a:txBody>
-                    <a:bodyPr>
-                      <a:noAutofit/>
-                    </a:bodyPr>
+                    <a:bodyPr/>
                     <a:lstStyle/>
                     <a:p>
-                      <a:pPr indent="0" lvl="0" marL="0" rtl="0">
+                      <a:pPr marL="0" lvl="0" indent="0" rtl="0">
                         <a:spcBef>
                           <a:spcPts val="0"/>
                         </a:spcBef>
@@ -10697,7 +11201,132 @@
                         <a:buNone/>
                       </a:pPr>
                       <a:r>
-                        <a:rPr b="1" lang="pt-BR">
+                        <a:rPr lang="pt-BR" b="1" dirty="0" smtClean="0">
+                          <a:solidFill>
+                            <a:schemeClr val="dk1"/>
+                          </a:solidFill>
+                        </a:rPr>
+                        <a:t>HeapSort</a:t>
+                      </a:r>
+                      <a:endParaRPr lang="pt-BR" b="1" dirty="0">
+                        <a:solidFill>
+                          <a:schemeClr val="dk1"/>
+                        </a:solidFill>
+                      </a:endParaRPr>
+                    </a:p>
+                  </a:txBody>
+                  <a:tcPr marL="91425" marR="91425" marT="91425" marB="91425"/>
+                </a:tc>
+                <a:tc>
+                  <a:txBody>
+                    <a:bodyPr/>
+                    <a:lstStyle/>
+                    <a:p>
+                      <a:pPr marL="0" lvl="0" indent="0" rtl="0">
+                        <a:spcBef>
+                          <a:spcPts val="0"/>
+                        </a:spcBef>
+                        <a:spcAft>
+                          <a:spcPts val="0"/>
+                        </a:spcAft>
+                        <a:buNone/>
+                      </a:pPr>
+                      <a:endParaRPr>
+                        <a:solidFill>
+                          <a:schemeClr val="dk1"/>
+                        </a:solidFill>
+                      </a:endParaRPr>
+                    </a:p>
+                  </a:txBody>
+                  <a:tcPr marL="91425" marR="91425" marT="91425" marB="91425"/>
+                </a:tc>
+                <a:tc>
+                  <a:txBody>
+                    <a:bodyPr/>
+                    <a:lstStyle/>
+                    <a:p>
+                      <a:pPr marL="0" lvl="0" indent="0" rtl="0">
+                        <a:spcBef>
+                          <a:spcPts val="0"/>
+                        </a:spcBef>
+                        <a:spcAft>
+                          <a:spcPts val="0"/>
+                        </a:spcAft>
+                        <a:buNone/>
+                      </a:pPr>
+                      <a:endParaRPr>
+                        <a:solidFill>
+                          <a:schemeClr val="dk1"/>
+                        </a:solidFill>
+                      </a:endParaRPr>
+                    </a:p>
+                  </a:txBody>
+                  <a:tcPr marL="91425" marR="91425" marT="91425" marB="91425"/>
+                </a:tc>
+                <a:tc>
+                  <a:txBody>
+                    <a:bodyPr/>
+                    <a:lstStyle/>
+                    <a:p>
+                      <a:pPr marL="0" lvl="0" indent="0" rtl="0">
+                        <a:spcBef>
+                          <a:spcPts val="0"/>
+                        </a:spcBef>
+                        <a:spcAft>
+                          <a:spcPts val="0"/>
+                        </a:spcAft>
+                        <a:buNone/>
+                      </a:pPr>
+                      <a:endParaRPr>
+                        <a:solidFill>
+                          <a:schemeClr val="dk1"/>
+                        </a:solidFill>
+                      </a:endParaRPr>
+                    </a:p>
+                  </a:txBody>
+                  <a:tcPr marL="91425" marR="91425" marT="91425" marB="91425"/>
+                </a:tc>
+                <a:tc>
+                  <a:txBody>
+                    <a:bodyPr/>
+                    <a:lstStyle/>
+                    <a:p>
+                      <a:pPr marL="0" lvl="0" indent="0" rtl="0">
+                        <a:spcBef>
+                          <a:spcPts val="0"/>
+                        </a:spcBef>
+                        <a:spcAft>
+                          <a:spcPts val="0"/>
+                        </a:spcAft>
+                        <a:buNone/>
+                      </a:pPr>
+                      <a:endParaRPr dirty="0">
+                        <a:solidFill>
+                          <a:schemeClr val="dk1"/>
+                        </a:solidFill>
+                      </a:endParaRPr>
+                    </a:p>
+                  </a:txBody>
+                  <a:tcPr marL="91425" marR="91425" marT="91425" marB="91425"/>
+                </a:tc>
+              </a:tr>
+              <a:tr h="381000">
+                <a:tc>
+                  <a:txBody>
+                    <a:bodyPr/>
+                    <a:lstStyle/>
+                    <a:p>
+                      <a:pPr marL="0" lvl="0" indent="0" rtl="0">
+                        <a:spcBef>
+                          <a:spcPts val="0"/>
+                        </a:spcBef>
+                        <a:spcAft>
+                          <a:spcPts val="0"/>
+                        </a:spcAft>
+                        <a:buNone/>
+                      </a:pPr>
+                      <a:r>
+                        <a:rPr lang="pt-BR" b="1">
                           <a:solidFill>
                             <a:schemeClr val="dk1"/>
                           </a:solidFill>
@@ -10711,16 +11340,14 @@
                       </a:endParaRPr>
                     </a:p>
                   </a:txBody>
-                  <a:tcPr marT="91425" marB="91425" marR="91425" marL="91425"/>
+                  <a:tcPr marL="91425" marR="91425" marT="91425" marB="91425"/>
                 </a:tc>
                 <a:tc>
                   <a:txBody>
-                    <a:bodyPr>
-                      <a:noAutofit/>
-                    </a:bodyPr>
+                    <a:bodyPr/>
                     <a:lstStyle/>
                     <a:p>
-                      <a:pPr indent="0" lvl="0" marL="0" rtl="0">
+                      <a:pPr marL="0" lvl="0" indent="0" rtl="0">
                         <a:spcBef>
                           <a:spcPts val="0"/>
                         </a:spcBef>
@@ -10744,16 +11371,14 @@
                       </a:endParaRPr>
                     </a:p>
                   </a:txBody>
-                  <a:tcPr marT="91425" marB="91425" marR="91425" marL="91425"/>
+                  <a:tcPr marL="91425" marR="91425" marT="91425" marB="91425"/>
                 </a:tc>
                 <a:tc>
                   <a:txBody>
-                    <a:bodyPr>
-                      <a:noAutofit/>
-                    </a:bodyPr>
+                    <a:bodyPr/>
                     <a:lstStyle/>
                     <a:p>
-                      <a:pPr indent="0" lvl="0" marL="0" rtl="0">
+                      <a:pPr marL="0" lvl="0" indent="0" rtl="0">
                         <a:spcBef>
                           <a:spcPts val="0"/>
                         </a:spcBef>
@@ -10777,16 +11402,14 @@
                       </a:endParaRPr>
                     </a:p>
                   </a:txBody>
-                  <a:tcPr marT="91425" marB="91425" marR="91425" marL="91425"/>
+                  <a:tcPr marL="91425" marR="91425" marT="91425" marB="91425"/>
                 </a:tc>
                 <a:tc>
                   <a:txBody>
-                    <a:bodyPr>
-                      <a:noAutofit/>
-                    </a:bodyPr>
+                    <a:bodyPr/>
                     <a:lstStyle/>
                     <a:p>
-                      <a:pPr indent="0" lvl="0" marL="0" rtl="0">
+                      <a:pPr marL="0" lvl="0" indent="0" rtl="0">
                         <a:spcBef>
                           <a:spcPts val="0"/>
                         </a:spcBef>
@@ -10810,16 +11433,14 @@
                       </a:endParaRPr>
                     </a:p>
                   </a:txBody>
-                  <a:tcPr marT="91425" marB="91425" marR="91425" marL="91425"/>
+                  <a:tcPr marL="91425" marR="91425" marT="91425" marB="91425"/>
                 </a:tc>
                 <a:tc>
                   <a:txBody>
-                    <a:bodyPr>
-                      <a:noAutofit/>
-                    </a:bodyPr>
+                    <a:bodyPr/>
                     <a:lstStyle/>
                     <a:p>
-                      <a:pPr indent="0" lvl="0" marL="0" rtl="0">
+                      <a:pPr marL="0" lvl="0" indent="0" rtl="0">
                         <a:spcBef>
                           <a:spcPts val="0"/>
                         </a:spcBef>
@@ -10829,21 +11450,21 @@
                         <a:buNone/>
                       </a:pPr>
                       <a:r>
-                        <a:rPr lang="pt-BR">
+                        <a:rPr lang="pt-BR" dirty="0">
                           <a:solidFill>
                             <a:schemeClr val="dk1"/>
                           </a:solidFill>
                         </a:rPr>
                         <a:t>3.385.984</a:t>
                       </a:r>
-                      <a:endParaRPr>
+                      <a:endParaRPr dirty="0">
                         <a:solidFill>
                           <a:schemeClr val="dk1"/>
                         </a:solidFill>
                       </a:endParaRPr>
                     </a:p>
                   </a:txBody>
-                  <a:tcPr marT="91425" marB="91425" marR="91425" marL="91425"/>
+                  <a:tcPr marL="91425" marR="91425" marT="91425" marB="91425"/>
                 </a:tc>
               </a:tr>
             </a:tbl>
@@ -10858,7 +11479,7 @@
         </p:nvSpPr>
         <p:spPr>
           <a:xfrm>
-            <a:off x="952500" y="1686775"/>
+            <a:off x="952500" y="1347728"/>
             <a:ext cx="7239000" cy="572700"/>
           </a:xfrm>
           <a:prstGeom prst="rect">
@@ -10870,12 +11491,12 @@
           </a:ln>
         </p:spPr>
         <p:txBody>
-          <a:bodyPr anchorCtr="0" anchor="t" bIns="91425" lIns="91425" spcFirstLastPara="1" rIns="91425" wrap="square" tIns="91425">
+          <a:bodyPr spcFirstLastPara="1" wrap="square" lIns="91425" tIns="91425" rIns="91425" bIns="91425" anchor="t" anchorCtr="0">
             <a:noAutofit/>
           </a:bodyPr>
           <a:lstStyle/>
           <a:p>
-            <a:pPr indent="0" lvl="0" marL="0" rtl="0">
+            <a:pPr marL="0" lvl="0" indent="0" rtl="0">
               <a:lnSpc>
                 <a:spcPct val="115000"/>
               </a:lnSpc>
@@ -10888,7 +11509,7 @@
               <a:buNone/>
             </a:pPr>
             <a:r>
-              <a:rPr b="1" lang="pt-BR" sz="1800">
+              <a:rPr lang="pt-BR" sz="1800" b="1" dirty="0">
                 <a:solidFill>
                   <a:schemeClr val="dk1"/>
                 </a:solidFill>
@@ -10896,14 +11517,14 @@
               <a:t>Tipo de vetor</a:t>
             </a:r>
             <a:r>
-              <a:rPr lang="pt-BR" sz="1800">
+              <a:rPr lang="pt-BR" sz="1800" dirty="0">
                 <a:solidFill>
                   <a:schemeClr val="dk1"/>
                 </a:solidFill>
               </a:rPr>
               <a:t>: Vetor aleatório – Caso médio</a:t>
             </a:r>
-            <a:endParaRPr>
+            <a:endParaRPr dirty="0">
               <a:solidFill>
                 <a:schemeClr val="dk1"/>
               </a:solidFill>
@@ -10920,11 +11541,11 @@
 </file>
 
 <file path=ppt/slides/slide16.xml><?xml version="1.0" encoding="utf-8"?>
-<p:sld xmlns:a="http://schemas.openxmlformats.org/drawingml/2006/main" xmlns:r="http://schemas.openxmlformats.org/officeDocument/2006/relationships" xmlns:mc="http://schemas.openxmlformats.org/markup-compatibility/2006" xmlns:mv="urn:schemas-microsoft-com:mac:vml" xmlns:p="http://schemas.openxmlformats.org/presentationml/2006/main" xmlns:c="http://schemas.openxmlformats.org/drawingml/2006/chart" xmlns:dgm="http://schemas.openxmlformats.org/drawingml/2006/diagram" xmlns:o="urn:schemas-microsoft-com:office:office" xmlns:v="urn:schemas-microsoft-com:vml" xmlns:pvml="urn:schemas-microsoft-com:office:powerpoint" xmlns:com="http://schemas.openxmlformats.org/drawingml/2006/compatibility" xmlns:p14="http://schemas.microsoft.com/office/powerpoint/2010/main" xmlns:p15="http://schemas.microsoft.com/office/powerpoint/2012/main">
+<p:sld xmlns:a="http://schemas.openxmlformats.org/drawingml/2006/main" xmlns:r="http://schemas.openxmlformats.org/officeDocument/2006/relationships" xmlns:p="http://schemas.openxmlformats.org/presentationml/2006/main">
   <p:cSld>
     <p:spTree>
       <p:nvGrpSpPr>
-        <p:cNvPr id="156" name="Shape 156"/>
+        <p:cNvPr id="1" name="Shape 156"/>
         <p:cNvGrpSpPr/>
         <p:nvPr/>
       </p:nvGrpSpPr>
@@ -10939,7 +11560,9 @@
       <p:sp>
         <p:nvSpPr>
           <p:cNvPr id="157" name="Shape 157"/>
-          <p:cNvSpPr txBox="1"/>
+          <p:cNvSpPr txBox="1">
+            <a:spLocks noGrp="1"/>
+          </p:cNvSpPr>
           <p:nvPr>
             <p:ph type="title"/>
           </p:nvPr>
@@ -10954,12 +11577,12 @@
           </a:prstGeom>
         </p:spPr>
         <p:txBody>
-          <a:bodyPr anchorCtr="0" anchor="b" bIns="91425" lIns="91425" spcFirstLastPara="1" rIns="91425" wrap="square" tIns="91425">
+          <a:bodyPr spcFirstLastPara="1" wrap="square" lIns="91425" tIns="91425" rIns="91425" bIns="91425" anchor="b" anchorCtr="0">
             <a:noAutofit/>
           </a:bodyPr>
           <a:lstStyle/>
           <a:p>
-            <a:pPr indent="0" lvl="0" marL="0" rtl="0">
+            <a:pPr marL="0" lvl="0" indent="0" rtl="0">
               <a:spcBef>
                 <a:spcPts val="0"/>
               </a:spcBef>
@@ -10980,11 +11603,17 @@
         <p:nvGraphicFramePr>
           <p:cNvPr id="158" name="Shape 158"/>
           <p:cNvGraphicFramePr/>
-          <p:nvPr/>
+          <p:nvPr>
+            <p:extLst>
+              <p:ext uri="{D42A27DB-BD31-4B8C-83A1-F6EECF244321}">
+                <p14:modId xmlns:p14="http://schemas.microsoft.com/office/powerpoint/2010/main" val="560912483"/>
+              </p:ext>
+            </p:extLst>
+          </p:nvPr>
         </p:nvGraphicFramePr>
         <p:xfrm>
-          <a:off x="952500" y="2510175"/>
-          <a:ext cx="3000000" cy="3000000"/>
+          <a:off x="952500" y="2054832"/>
+          <a:ext cx="7239000" cy="2380541"/>
         </p:xfrm>
         <a:graphic>
           <a:graphicData uri="http://schemas.openxmlformats.org/drawingml/2006/table">
@@ -11000,15 +11629,13 @@
                 <a:gridCol w="1447800"/>
                 <a:gridCol w="1447800"/>
               </a:tblGrid>
-              <a:tr h="381000">
+              <a:tr h="399491">
                 <a:tc gridSpan="5">
                   <a:txBody>
-                    <a:bodyPr>
-                      <a:noAutofit/>
-                    </a:bodyPr>
+                    <a:bodyPr/>
                     <a:lstStyle/>
                     <a:p>
-                      <a:pPr indent="0" lvl="0" marL="0" rtl="0" algn="ctr">
+                      <a:pPr marL="0" lvl="0" indent="0" algn="ctr" rtl="0">
                         <a:spcBef>
                           <a:spcPts val="0"/>
                         </a:spcBef>
@@ -11018,36 +11645,70 @@
                         <a:buNone/>
                       </a:pPr>
                       <a:r>
-                        <a:rPr b="1" lang="pt-BR">
+                        <a:rPr lang="pt-BR" b="1" dirty="0">
                           <a:solidFill>
                             <a:schemeClr val="dk1"/>
                           </a:solidFill>
                         </a:rPr>
                         <a:t>Tempo de execução (s)</a:t>
                       </a:r>
-                      <a:endParaRPr b="1">
+                      <a:endParaRPr b="1" dirty="0">
                         <a:solidFill>
                           <a:schemeClr val="dk1"/>
                         </a:solidFill>
                       </a:endParaRPr>
                     </a:p>
                   </a:txBody>
-                  <a:tcPr marT="91425" marB="91425" marR="91425" marL="91425"/>
+                  <a:tcPr marL="91425" marR="91425" marT="91425" marB="91425"/>
                 </a:tc>
-                <a:tc hMerge="1"/>
-                <a:tc hMerge="1"/>
-                <a:tc hMerge="1"/>
-                <a:tc hMerge="1"/>
+                <a:tc hMerge="1">
+                  <a:txBody>
+                    <a:bodyPr/>
+                    <a:lstStyle/>
+                    <a:p>
+                      <a:endParaRPr lang="pt-BR"/>
+                    </a:p>
+                  </a:txBody>
+                  <a:tcPr/>
+                </a:tc>
+                <a:tc hMerge="1">
+                  <a:txBody>
+                    <a:bodyPr/>
+                    <a:lstStyle/>
+                    <a:p>
+                      <a:endParaRPr lang="pt-BR"/>
+                    </a:p>
+                  </a:txBody>
+                  <a:tcPr/>
+                </a:tc>
+                <a:tc hMerge="1">
+                  <a:txBody>
+                    <a:bodyPr/>
+                    <a:lstStyle/>
+                    <a:p>
+                      <a:endParaRPr lang="pt-BR"/>
+                    </a:p>
+                  </a:txBody>
+                  <a:tcPr/>
+                </a:tc>
+                <a:tc hMerge="1">
+                  <a:txBody>
+                    <a:bodyPr/>
+                    <a:lstStyle/>
+                    <a:p>
+                      <a:endParaRPr lang="pt-BR"/>
+                    </a:p>
+                  </a:txBody>
+                  <a:tcPr/>
+                </a:tc>
               </a:tr>
               <a:tr h="381000">
                 <a:tc>
                   <a:txBody>
-                    <a:bodyPr>
-                      <a:noAutofit/>
-                    </a:bodyPr>
+                    <a:bodyPr/>
                     <a:lstStyle/>
                     <a:p>
-                      <a:pPr indent="0" lvl="0" marL="0">
+                      <a:pPr marL="0" lvl="0" indent="0">
                         <a:spcBef>
                           <a:spcPts val="0"/>
                         </a:spcBef>
@@ -11056,9 +11717,6 @@
                         </a:spcAft>
                         <a:buNone/>
                       </a:pPr>
-                      <a:r>
-                        <a:t/>
-                      </a:r>
                       <a:endParaRPr>
                         <a:solidFill>
                           <a:schemeClr val="dk1"/>
@@ -11066,16 +11724,14 @@
                       </a:endParaRPr>
                     </a:p>
                   </a:txBody>
-                  <a:tcPr marT="91425" marB="91425" marR="91425" marL="91425"/>
+                  <a:tcPr marL="91425" marR="91425" marT="91425" marB="91425"/>
                 </a:tc>
                 <a:tc>
                   <a:txBody>
-                    <a:bodyPr>
-                      <a:noAutofit/>
-                    </a:bodyPr>
+                    <a:bodyPr/>
                     <a:lstStyle/>
                     <a:p>
-                      <a:pPr indent="0" lvl="0" marL="0" rtl="0">
+                      <a:pPr marL="0" lvl="0" indent="0" rtl="0">
                         <a:spcBef>
                           <a:spcPts val="0"/>
                         </a:spcBef>
@@ -11085,7 +11741,7 @@
                         <a:buNone/>
                       </a:pPr>
                       <a:r>
-                        <a:rPr b="1" lang="pt-BR">
+                        <a:rPr lang="pt-BR" b="1">
                           <a:solidFill>
                             <a:schemeClr val="dk1"/>
                           </a:solidFill>
@@ -11099,16 +11755,14 @@
                       </a:endParaRPr>
                     </a:p>
                   </a:txBody>
-                  <a:tcPr marT="91425" marB="91425" marR="91425" marL="91425"/>
+                  <a:tcPr marL="91425" marR="91425" marT="91425" marB="91425"/>
                 </a:tc>
                 <a:tc>
                   <a:txBody>
-                    <a:bodyPr>
-                      <a:noAutofit/>
-                    </a:bodyPr>
+                    <a:bodyPr/>
                     <a:lstStyle/>
                     <a:p>
-                      <a:pPr indent="0" lvl="0" marL="0" rtl="0">
+                      <a:pPr marL="0" lvl="0" indent="0" rtl="0">
                         <a:spcBef>
                           <a:spcPts val="0"/>
                         </a:spcBef>
@@ -11118,7 +11772,7 @@
                         <a:buNone/>
                       </a:pPr>
                       <a:r>
-                        <a:rPr b="1" lang="pt-BR">
+                        <a:rPr lang="pt-BR" b="1">
                           <a:solidFill>
                             <a:schemeClr val="dk1"/>
                           </a:solidFill>
@@ -11132,16 +11786,14 @@
                       </a:endParaRPr>
                     </a:p>
                   </a:txBody>
-                  <a:tcPr marT="91425" marB="91425" marR="91425" marL="91425"/>
+                  <a:tcPr marL="91425" marR="91425" marT="91425" marB="91425"/>
                 </a:tc>
                 <a:tc>
                   <a:txBody>
-                    <a:bodyPr>
-                      <a:noAutofit/>
-                    </a:bodyPr>
+                    <a:bodyPr/>
                     <a:lstStyle/>
                     <a:p>
-                      <a:pPr indent="0" lvl="0" marL="0" rtl="0">
+                      <a:pPr marL="0" lvl="0" indent="0" rtl="0">
                         <a:spcBef>
                           <a:spcPts val="0"/>
                         </a:spcBef>
@@ -11151,7 +11803,7 @@
                         <a:buNone/>
                       </a:pPr>
                       <a:r>
-                        <a:rPr b="1" lang="pt-BR">
+                        <a:rPr lang="pt-BR" b="1">
                           <a:solidFill>
                             <a:schemeClr val="dk1"/>
                           </a:solidFill>
@@ -11165,16 +11817,14 @@
                       </a:endParaRPr>
                     </a:p>
                   </a:txBody>
-                  <a:tcPr marT="91425" marB="91425" marR="91425" marL="91425"/>
+                  <a:tcPr marL="91425" marR="91425" marT="91425" marB="91425"/>
                 </a:tc>
                 <a:tc>
                   <a:txBody>
-                    <a:bodyPr>
-                      <a:noAutofit/>
-                    </a:bodyPr>
+                    <a:bodyPr/>
                     <a:lstStyle/>
                     <a:p>
-                      <a:pPr indent="0" lvl="0" marL="0" rtl="0">
+                      <a:pPr marL="0" lvl="0" indent="0" rtl="0">
                         <a:spcBef>
                           <a:spcPts val="0"/>
                         </a:spcBef>
@@ -11184,7 +11834,7 @@
                         <a:buNone/>
                       </a:pPr>
                       <a:r>
-                        <a:rPr b="1" lang="pt-BR">
+                        <a:rPr lang="pt-BR" b="1">
                           <a:solidFill>
                             <a:schemeClr val="dk1"/>
                           </a:solidFill>
@@ -11198,18 +11848,16 @@
                       </a:endParaRPr>
                     </a:p>
                   </a:txBody>
-                  <a:tcPr marT="91425" marB="91425" marR="91425" marL="91425"/>
+                  <a:tcPr marL="91425" marR="91425" marT="91425" marB="91425"/>
                 </a:tc>
               </a:tr>
               <a:tr h="381000">
                 <a:tc>
                   <a:txBody>
-                    <a:bodyPr>
-                      <a:noAutofit/>
-                    </a:bodyPr>
+                    <a:bodyPr/>
                     <a:lstStyle/>
                     <a:p>
-                      <a:pPr indent="0" lvl="0" marL="0" rtl="0">
+                      <a:pPr marL="0" lvl="0" indent="0" rtl="0">
                         <a:spcBef>
                           <a:spcPts val="0"/>
                         </a:spcBef>
@@ -11219,30 +11867,28 @@
                         <a:buNone/>
                       </a:pPr>
                       <a:r>
-                        <a:rPr b="1" lang="pt-BR">
+                        <a:rPr lang="pt-BR" b="1" dirty="0" smtClean="0">
                           <a:solidFill>
                             <a:schemeClr val="dk1"/>
                           </a:solidFill>
                         </a:rPr>
-                        <a:t>BubbleSort</a:t>
+                        <a:t>BucketSort</a:t>
                       </a:r>
-                      <a:endParaRPr b="1">
+                      <a:endParaRPr b="1" dirty="0">
                         <a:solidFill>
                           <a:schemeClr val="dk1"/>
                         </a:solidFill>
                       </a:endParaRPr>
                     </a:p>
                   </a:txBody>
-                  <a:tcPr marT="91425" marB="91425" marR="91425" marL="91425"/>
+                  <a:tcPr marL="91425" marR="91425" marT="91425" marB="91425"/>
                 </a:tc>
                 <a:tc>
                   <a:txBody>
-                    <a:bodyPr>
-                      <a:noAutofit/>
-                    </a:bodyPr>
+                    <a:bodyPr/>
                     <a:lstStyle/>
                     <a:p>
-                      <a:pPr indent="0" lvl="0" marL="0" rtl="0">
+                      <a:pPr marL="0" lvl="0" indent="0" rtl="0">
                         <a:spcBef>
                           <a:spcPts val="0"/>
                         </a:spcBef>
@@ -11266,16 +11912,14 @@
                       </a:endParaRPr>
                     </a:p>
                   </a:txBody>
-                  <a:tcPr marT="91425" marB="91425" marR="91425" marL="91425"/>
+                  <a:tcPr marL="91425" marR="91425" marT="91425" marB="91425"/>
                 </a:tc>
                 <a:tc>
                   <a:txBody>
-                    <a:bodyPr>
-                      <a:noAutofit/>
-                    </a:bodyPr>
+                    <a:bodyPr/>
                     <a:lstStyle/>
                     <a:p>
-                      <a:pPr indent="0" lvl="0" marL="0" rtl="0">
+                      <a:pPr marL="0" lvl="0" indent="0" rtl="0">
                         <a:spcBef>
                           <a:spcPts val="0"/>
                         </a:spcBef>
@@ -11299,16 +11943,14 @@
                       </a:endParaRPr>
                     </a:p>
                   </a:txBody>
-                  <a:tcPr marT="91425" marB="91425" marR="91425" marL="91425"/>
+                  <a:tcPr marL="91425" marR="91425" marT="91425" marB="91425"/>
                 </a:tc>
                 <a:tc>
                   <a:txBody>
-                    <a:bodyPr>
-                      <a:noAutofit/>
-                    </a:bodyPr>
+                    <a:bodyPr/>
                     <a:lstStyle/>
                     <a:p>
-                      <a:pPr indent="0" lvl="0" marL="0" rtl="0">
+                      <a:pPr marL="0" lvl="0" indent="0" rtl="0">
                         <a:spcBef>
                           <a:spcPts val="0"/>
                         </a:spcBef>
@@ -11332,16 +11974,14 @@
                       </a:endParaRPr>
                     </a:p>
                   </a:txBody>
-                  <a:tcPr marT="91425" marB="91425" marR="91425" marL="91425"/>
+                  <a:tcPr marL="91425" marR="91425" marT="91425" marB="91425"/>
                 </a:tc>
                 <a:tc>
                   <a:txBody>
-                    <a:bodyPr>
-                      <a:noAutofit/>
-                    </a:bodyPr>
+                    <a:bodyPr/>
                     <a:lstStyle/>
                     <a:p>
-                      <a:pPr indent="0" lvl="0" marL="0" rtl="0">
+                      <a:pPr marL="0" lvl="0" indent="0" rtl="0">
                         <a:spcBef>
                           <a:spcPts val="0"/>
                         </a:spcBef>
@@ -11365,18 +12005,16 @@
                       </a:endParaRPr>
                     </a:p>
                   </a:txBody>
-                  <a:tcPr marT="91425" marB="91425" marR="91425" marL="91425"/>
+                  <a:tcPr marL="91425" marR="91425" marT="91425" marB="91425"/>
                 </a:tc>
               </a:tr>
               <a:tr h="381000">
                 <a:tc>
                   <a:txBody>
-                    <a:bodyPr>
-                      <a:noAutofit/>
-                    </a:bodyPr>
+                    <a:bodyPr/>
                     <a:lstStyle/>
                     <a:p>
-                      <a:pPr indent="0" lvl="0" marL="0" rtl="0">
+                      <a:pPr marL="0" lvl="0" indent="0" rtl="0">
                         <a:spcBef>
                           <a:spcPts val="0"/>
                         </a:spcBef>
@@ -11386,30 +12024,28 @@
                         <a:buNone/>
                       </a:pPr>
                       <a:r>
-                        <a:rPr b="1" lang="pt-BR">
+                        <a:rPr lang="pt-BR" b="1" dirty="0" smtClean="0">
                           <a:solidFill>
                             <a:schemeClr val="dk1"/>
                           </a:solidFill>
                         </a:rPr>
-                        <a:t>QuickSort</a:t>
+                        <a:t>RadixSort</a:t>
                       </a:r>
-                      <a:endParaRPr b="1">
+                      <a:endParaRPr b="1" dirty="0">
                         <a:solidFill>
                           <a:schemeClr val="dk1"/>
                         </a:solidFill>
                       </a:endParaRPr>
                     </a:p>
                   </a:txBody>
-                  <a:tcPr marT="91425" marB="91425" marR="91425" marL="91425"/>
+                  <a:tcPr marL="91425" marR="91425" marT="91425" marB="91425"/>
                 </a:tc>
                 <a:tc>
                   <a:txBody>
-                    <a:bodyPr>
-                      <a:noAutofit/>
-                    </a:bodyPr>
+                    <a:bodyPr/>
                     <a:lstStyle/>
                     <a:p>
-                      <a:pPr indent="0" lvl="0" marL="0" rtl="0">
+                      <a:pPr marL="0" lvl="0" indent="0" rtl="0">
                         <a:spcBef>
                           <a:spcPts val="0"/>
                         </a:spcBef>
@@ -11419,30 +12055,28 @@
                         <a:buNone/>
                       </a:pPr>
                       <a:r>
-                        <a:rPr lang="pt-BR">
+                        <a:rPr lang="pt-BR" dirty="0">
                           <a:solidFill>
                             <a:schemeClr val="dk1"/>
                           </a:solidFill>
                         </a:rPr>
                         <a:t>0,00003</a:t>
                       </a:r>
-                      <a:endParaRPr>
+                      <a:endParaRPr dirty="0">
                         <a:solidFill>
                           <a:schemeClr val="dk1"/>
                         </a:solidFill>
                       </a:endParaRPr>
                     </a:p>
                   </a:txBody>
-                  <a:tcPr marT="91425" marB="91425" marR="91425" marL="91425"/>
+                  <a:tcPr marL="91425" marR="91425" marT="91425" marB="91425"/>
                 </a:tc>
                 <a:tc>
                   <a:txBody>
-                    <a:bodyPr>
-                      <a:noAutofit/>
-                    </a:bodyPr>
+                    <a:bodyPr/>
                     <a:lstStyle/>
                     <a:p>
-                      <a:pPr indent="0" lvl="0" marL="0" rtl="0">
+                      <a:pPr marL="0" lvl="0" indent="0" rtl="0">
                         <a:spcBef>
                           <a:spcPts val="0"/>
                         </a:spcBef>
@@ -11466,16 +12100,14 @@
                       </a:endParaRPr>
                     </a:p>
                   </a:txBody>
-                  <a:tcPr marT="91425" marB="91425" marR="91425" marL="91425"/>
+                  <a:tcPr marL="91425" marR="91425" marT="91425" marB="91425"/>
                 </a:tc>
                 <a:tc>
                   <a:txBody>
-                    <a:bodyPr>
-                      <a:noAutofit/>
-                    </a:bodyPr>
+                    <a:bodyPr/>
                     <a:lstStyle/>
                     <a:p>
-                      <a:pPr indent="0" lvl="0" marL="0" rtl="0">
+                      <a:pPr marL="0" lvl="0" indent="0" rtl="0">
                         <a:spcBef>
                           <a:spcPts val="0"/>
                         </a:spcBef>
@@ -11499,16 +12131,14 @@
                       </a:endParaRPr>
                     </a:p>
                   </a:txBody>
-                  <a:tcPr marT="91425" marB="91425" marR="91425" marL="91425"/>
+                  <a:tcPr marL="91425" marR="91425" marT="91425" marB="91425"/>
                 </a:tc>
                 <a:tc>
                   <a:txBody>
-                    <a:bodyPr>
-                      <a:noAutofit/>
-                    </a:bodyPr>
+                    <a:bodyPr/>
                     <a:lstStyle/>
                     <a:p>
-                      <a:pPr indent="0" lvl="0" marL="0" rtl="0">
+                      <a:pPr marL="0" lvl="0" indent="0" rtl="0">
                         <a:spcBef>
                           <a:spcPts val="0"/>
                         </a:spcBef>
@@ -11532,18 +12162,16 @@
                       </a:endParaRPr>
                     </a:p>
                   </a:txBody>
-                  <a:tcPr marT="91425" marB="91425" marR="91425" marL="91425"/>
+                  <a:tcPr marL="91425" marR="91425" marT="91425" marB="91425"/>
                 </a:tc>
               </a:tr>
               <a:tr h="381000">
                 <a:tc>
                   <a:txBody>
-                    <a:bodyPr>
-                      <a:noAutofit/>
-                    </a:bodyPr>
+                    <a:bodyPr/>
                     <a:lstStyle/>
                     <a:p>
-                      <a:pPr indent="0" lvl="0" marL="0" rtl="0">
+                      <a:pPr marL="0" lvl="0" indent="0" rtl="0">
                         <a:spcBef>
                           <a:spcPts val="0"/>
                         </a:spcBef>
@@ -11553,30 +12181,153 @@
                         <a:buNone/>
                       </a:pPr>
                       <a:r>
-                        <a:rPr b="1" lang="pt-BR">
+                        <a:rPr lang="pt-BR" b="1" dirty="0" smtClean="0">
+                          <a:solidFill>
+                            <a:schemeClr val="dk1"/>
+                          </a:solidFill>
+                        </a:rPr>
+                        <a:t>HeapSort</a:t>
+                      </a:r>
+                      <a:endParaRPr b="1" dirty="0">
+                        <a:solidFill>
+                          <a:schemeClr val="dk1"/>
+                        </a:solidFill>
+                      </a:endParaRPr>
+                    </a:p>
+                  </a:txBody>
+                  <a:tcPr marL="91425" marR="91425" marT="91425" marB="91425"/>
+                </a:tc>
+                <a:tc>
+                  <a:txBody>
+                    <a:bodyPr/>
+                    <a:lstStyle/>
+                    <a:p>
+                      <a:pPr marL="0" lvl="0" indent="0" rtl="0">
+                        <a:spcBef>
+                          <a:spcPts val="0"/>
+                        </a:spcBef>
+                        <a:spcAft>
+                          <a:spcPts val="0"/>
+                        </a:spcAft>
+                        <a:buNone/>
+                      </a:pPr>
+                      <a:endParaRPr>
+                        <a:solidFill>
+                          <a:schemeClr val="dk1"/>
+                        </a:solidFill>
+                      </a:endParaRPr>
+                    </a:p>
+                  </a:txBody>
+                  <a:tcPr marL="91425" marR="91425" marT="91425" marB="91425"/>
+                </a:tc>
+                <a:tc>
+                  <a:txBody>
+                    <a:bodyPr/>
+                    <a:lstStyle/>
+                    <a:p>
+                      <a:pPr marL="0" lvl="0" indent="0" rtl="0">
+                        <a:spcBef>
+                          <a:spcPts val="0"/>
+                        </a:spcBef>
+                        <a:spcAft>
+                          <a:spcPts val="0"/>
+                        </a:spcAft>
+                        <a:buNone/>
+                      </a:pPr>
+                      <a:endParaRPr>
+                        <a:solidFill>
+                          <a:schemeClr val="dk1"/>
+                        </a:solidFill>
+                      </a:endParaRPr>
+                    </a:p>
+                  </a:txBody>
+                  <a:tcPr marL="91425" marR="91425" marT="91425" marB="91425"/>
+                </a:tc>
+                <a:tc>
+                  <a:txBody>
+                    <a:bodyPr/>
+                    <a:lstStyle/>
+                    <a:p>
+                      <a:pPr marL="0" lvl="0" indent="0" rtl="0">
+                        <a:spcBef>
+                          <a:spcPts val="0"/>
+                        </a:spcBef>
+                        <a:spcAft>
+                          <a:spcPts val="0"/>
+                        </a:spcAft>
+                        <a:buNone/>
+                      </a:pPr>
+                      <a:endParaRPr>
+                        <a:solidFill>
+                          <a:schemeClr val="dk1"/>
+                        </a:solidFill>
+                      </a:endParaRPr>
+                    </a:p>
+                  </a:txBody>
+                  <a:tcPr marL="91425" marR="91425" marT="91425" marB="91425"/>
+                </a:tc>
+                <a:tc>
+                  <a:txBody>
+                    <a:bodyPr/>
+                    <a:lstStyle/>
+                    <a:p>
+                      <a:pPr marL="0" lvl="0" indent="0" rtl="0">
+                        <a:spcBef>
+                          <a:spcPts val="0"/>
+                        </a:spcBef>
+                        <a:spcAft>
+                          <a:spcPts val="0"/>
+                        </a:spcAft>
+                        <a:buNone/>
+                      </a:pPr>
+                      <a:endParaRPr dirty="0">
+                        <a:solidFill>
+                          <a:schemeClr val="dk1"/>
+                        </a:solidFill>
+                      </a:endParaRPr>
+                    </a:p>
+                  </a:txBody>
+                  <a:tcPr marL="91425" marR="91425" marT="91425" marB="91425"/>
+                </a:tc>
+              </a:tr>
+              <a:tr h="381000">
+                <a:tc>
+                  <a:txBody>
+                    <a:bodyPr/>
+                    <a:lstStyle/>
+                    <a:p>
+                      <a:pPr marL="0" lvl="0" indent="0" rtl="0">
+                        <a:spcBef>
+                          <a:spcPts val="0"/>
+                        </a:spcBef>
+                        <a:spcAft>
+                          <a:spcPts val="0"/>
+                        </a:spcAft>
+                        <a:buNone/>
+                      </a:pPr>
+                      <a:r>
+                        <a:rPr lang="pt-BR" b="1" dirty="0">
                           <a:solidFill>
                             <a:schemeClr val="dk1"/>
                           </a:solidFill>
                         </a:rPr>
                         <a:t>MergeSort</a:t>
                       </a:r>
-                      <a:endParaRPr b="1">
+                      <a:endParaRPr b="1" dirty="0">
                         <a:solidFill>
                           <a:schemeClr val="dk1"/>
                         </a:solidFill>
                       </a:endParaRPr>
                     </a:p>
                   </a:txBody>
-                  <a:tcPr marT="91425" marB="91425" marR="91425" marL="91425"/>
+                  <a:tcPr marL="91425" marR="91425" marT="91425" marB="91425"/>
                 </a:tc>
                 <a:tc>
                   <a:txBody>
-                    <a:bodyPr>
-                      <a:noAutofit/>
-                    </a:bodyPr>
+                    <a:bodyPr/>
                     <a:lstStyle/>
                     <a:p>
-                      <a:pPr indent="0" lvl="0" marL="0" rtl="0">
+                      <a:pPr marL="0" lvl="0" indent="0" rtl="0">
                         <a:spcBef>
                           <a:spcPts val="0"/>
                         </a:spcBef>
@@ -11600,16 +12351,14 @@
                       </a:endParaRPr>
                     </a:p>
                   </a:txBody>
-                  <a:tcPr marT="91425" marB="91425" marR="91425" marL="91425"/>
+                  <a:tcPr marL="91425" marR="91425" marT="91425" marB="91425"/>
                 </a:tc>
                 <a:tc>
                   <a:txBody>
-                    <a:bodyPr>
-                      <a:noAutofit/>
-                    </a:bodyPr>
+                    <a:bodyPr/>
                     <a:lstStyle/>
                     <a:p>
-                      <a:pPr indent="0" lvl="0" marL="0" rtl="0">
+                      <a:pPr marL="0" lvl="0" indent="0" rtl="0">
                         <a:spcBef>
                           <a:spcPts val="0"/>
                         </a:spcBef>
@@ -11633,16 +12382,14 @@
                       </a:endParaRPr>
                     </a:p>
                   </a:txBody>
-                  <a:tcPr marT="91425" marB="91425" marR="91425" marL="91425"/>
+                  <a:tcPr marL="91425" marR="91425" marT="91425" marB="91425"/>
                 </a:tc>
                 <a:tc>
                   <a:txBody>
-                    <a:bodyPr>
-                      <a:noAutofit/>
-                    </a:bodyPr>
+                    <a:bodyPr/>
                     <a:lstStyle/>
                     <a:p>
-                      <a:pPr indent="0" lvl="0" marL="0" rtl="0">
+                      <a:pPr marL="0" lvl="0" indent="0" rtl="0">
                         <a:spcBef>
                           <a:spcPts val="0"/>
                         </a:spcBef>
@@ -11666,16 +12413,14 @@
                       </a:endParaRPr>
                     </a:p>
                   </a:txBody>
-                  <a:tcPr marT="91425" marB="91425" marR="91425" marL="91425"/>
+                  <a:tcPr marL="91425" marR="91425" marT="91425" marB="91425"/>
                 </a:tc>
                 <a:tc>
                   <a:txBody>
-                    <a:bodyPr>
-                      <a:noAutofit/>
-                    </a:bodyPr>
+                    <a:bodyPr/>
                     <a:lstStyle/>
                     <a:p>
-                      <a:pPr indent="0" lvl="0" marL="0" rtl="0">
+                      <a:pPr marL="0" lvl="0" indent="0" rtl="0">
                         <a:spcBef>
                           <a:spcPts val="0"/>
                         </a:spcBef>
@@ -11685,21 +12430,21 @@
                         <a:buNone/>
                       </a:pPr>
                       <a:r>
-                        <a:rPr lang="pt-BR">
+                        <a:rPr lang="pt-BR" dirty="0">
                           <a:solidFill>
                             <a:schemeClr val="dk1"/>
                           </a:solidFill>
                         </a:rPr>
                         <a:t>0,2316</a:t>
                       </a:r>
-                      <a:endParaRPr>
+                      <a:endParaRPr dirty="0">
                         <a:solidFill>
                           <a:schemeClr val="dk1"/>
                         </a:solidFill>
                       </a:endParaRPr>
                     </a:p>
                   </a:txBody>
-                  <a:tcPr marT="91425" marB="91425" marR="91425" marL="91425"/>
+                  <a:tcPr marL="91425" marR="91425" marT="91425" marB="91425"/>
                 </a:tc>
               </a:tr>
             </a:tbl>
@@ -11714,7 +12459,7 @@
         </p:nvSpPr>
         <p:spPr>
           <a:xfrm>
-            <a:off x="952500" y="1686775"/>
+            <a:off x="952500" y="1255260"/>
             <a:ext cx="7239000" cy="572700"/>
           </a:xfrm>
           <a:prstGeom prst="rect">
@@ -11726,12 +12471,12 @@
           </a:ln>
         </p:spPr>
         <p:txBody>
-          <a:bodyPr anchorCtr="0" anchor="t" bIns="91425" lIns="91425" spcFirstLastPara="1" rIns="91425" wrap="square" tIns="91425">
+          <a:bodyPr spcFirstLastPara="1" wrap="square" lIns="91425" tIns="91425" rIns="91425" bIns="91425" anchor="t" anchorCtr="0">
             <a:noAutofit/>
           </a:bodyPr>
           <a:lstStyle/>
           <a:p>
-            <a:pPr indent="0" lvl="0" marL="0" rtl="0">
+            <a:pPr marL="0" lvl="0" indent="0" rtl="0">
               <a:lnSpc>
                 <a:spcPct val="115000"/>
               </a:lnSpc>
@@ -11744,7 +12489,7 @@
               <a:buNone/>
             </a:pPr>
             <a:r>
-              <a:rPr b="1" lang="pt-BR" sz="1800">
+              <a:rPr lang="pt-BR" sz="1800" b="1" dirty="0">
                 <a:solidFill>
                   <a:schemeClr val="dk1"/>
                 </a:solidFill>
@@ -11752,14 +12497,14 @@
               <a:t>Tipo de vetor</a:t>
             </a:r>
             <a:r>
-              <a:rPr lang="pt-BR" sz="1800">
+              <a:rPr lang="pt-BR" sz="1800" dirty="0">
                 <a:solidFill>
                   <a:schemeClr val="dk1"/>
                 </a:solidFill>
               </a:rPr>
               <a:t>: Vetor aleatório – Caso médio</a:t>
             </a:r>
-            <a:endParaRPr>
+            <a:endParaRPr dirty="0">
               <a:solidFill>
                 <a:schemeClr val="dk1"/>
               </a:solidFill>
@@ -11776,11 +12521,11 @@
 </file>
 
 <file path=ppt/slides/slide17.xml><?xml version="1.0" encoding="utf-8"?>
-<p:sld xmlns:a="http://schemas.openxmlformats.org/drawingml/2006/main" xmlns:r="http://schemas.openxmlformats.org/officeDocument/2006/relationships" xmlns:mc="http://schemas.openxmlformats.org/markup-compatibility/2006" xmlns:mv="urn:schemas-microsoft-com:mac:vml" xmlns:p="http://schemas.openxmlformats.org/presentationml/2006/main" xmlns:c="http://schemas.openxmlformats.org/drawingml/2006/chart" xmlns:dgm="http://schemas.openxmlformats.org/drawingml/2006/diagram" xmlns:o="urn:schemas-microsoft-com:office:office" xmlns:v="urn:schemas-microsoft-com:vml" xmlns:pvml="urn:schemas-microsoft-com:office:powerpoint" xmlns:com="http://schemas.openxmlformats.org/drawingml/2006/compatibility" xmlns:p14="http://schemas.microsoft.com/office/powerpoint/2010/main" xmlns:p15="http://schemas.microsoft.com/office/powerpoint/2012/main">
+<p:sld xmlns:a="http://schemas.openxmlformats.org/drawingml/2006/main" xmlns:r="http://schemas.openxmlformats.org/officeDocument/2006/relationships" xmlns:p="http://schemas.openxmlformats.org/presentationml/2006/main">
   <p:cSld>
     <p:spTree>
       <p:nvGrpSpPr>
-        <p:cNvPr id="163" name="Shape 163"/>
+        <p:cNvPr id="1" name="Shape 163"/>
         <p:cNvGrpSpPr/>
         <p:nvPr/>
       </p:nvGrpSpPr>
@@ -11795,7 +12540,9 @@
       <p:sp>
         <p:nvSpPr>
           <p:cNvPr id="164" name="Shape 164"/>
-          <p:cNvSpPr txBox="1"/>
+          <p:cNvSpPr txBox="1">
+            <a:spLocks noGrp="1"/>
+          </p:cNvSpPr>
           <p:nvPr>
             <p:ph type="title"/>
           </p:nvPr>
@@ -11810,12 +12557,12 @@
           </a:prstGeom>
         </p:spPr>
         <p:txBody>
-          <a:bodyPr anchorCtr="0" anchor="b" bIns="91425" lIns="91425" spcFirstLastPara="1" rIns="91425" wrap="square" tIns="91425">
+          <a:bodyPr spcFirstLastPara="1" wrap="square" lIns="91425" tIns="91425" rIns="91425" bIns="91425" anchor="b" anchorCtr="0">
             <a:noAutofit/>
           </a:bodyPr>
           <a:lstStyle/>
           <a:p>
-            <a:pPr indent="0" lvl="0" marL="0">
+            <a:pPr marL="0" lvl="0" indent="0">
               <a:spcBef>
                 <a:spcPts val="0"/>
               </a:spcBef>
@@ -11835,9 +12582,11 @@
       <p:sp>
         <p:nvSpPr>
           <p:cNvPr id="165" name="Shape 165"/>
-          <p:cNvSpPr txBox="1"/>
+          <p:cNvSpPr txBox="1">
+            <a:spLocks noGrp="1"/>
+          </p:cNvSpPr>
           <p:nvPr>
-            <p:ph idx="1" type="body"/>
+            <p:ph type="body" idx="1"/>
           </p:nvPr>
         </p:nvSpPr>
         <p:spPr>
@@ -11850,12 +12599,12 @@
           </a:prstGeom>
         </p:spPr>
         <p:txBody>
-          <a:bodyPr anchorCtr="0" anchor="t" bIns="91425" lIns="91425" spcFirstLastPara="1" rIns="91425" wrap="square" tIns="91425">
+          <a:bodyPr spcFirstLastPara="1" wrap="square" lIns="91425" tIns="91425" rIns="91425" bIns="91425" anchor="t" anchorCtr="0">
             <a:noAutofit/>
           </a:bodyPr>
           <a:lstStyle/>
           <a:p>
-            <a:pPr indent="0" lvl="0" marL="0">
+            <a:pPr marL="0" lvl="0" indent="0">
               <a:spcBef>
                 <a:spcPts val="0"/>
               </a:spcBef>
@@ -11871,7 +12620,7 @@
             <a:endParaRPr/>
           </a:p>
           <a:p>
-            <a:pPr indent="-342900" lvl="0" marL="457200" rtl="0">
+            <a:pPr marL="457200" lvl="0" indent="-342900" rtl="0">
               <a:spcBef>
                 <a:spcPts val="1600"/>
               </a:spcBef>
@@ -11888,7 +12637,7 @@
             <a:endParaRPr/>
           </a:p>
           <a:p>
-            <a:pPr indent="-342900" lvl="0" marL="457200" rtl="0">
+            <a:pPr marL="457200" lvl="0" indent="-342900" rtl="0">
               <a:spcBef>
                 <a:spcPts val="0"/>
               </a:spcBef>
@@ -11905,7 +12654,7 @@
             <a:endParaRPr/>
           </a:p>
           <a:p>
-            <a:pPr indent="0" lvl="0" marL="0" rtl="0">
+            <a:pPr marL="0" lvl="0" indent="0" rtl="0">
               <a:spcBef>
                 <a:spcPts val="1600"/>
               </a:spcBef>
@@ -11921,7 +12670,7 @@
             <a:endParaRPr/>
           </a:p>
           <a:p>
-            <a:pPr indent="-342900" lvl="0" marL="457200" rtl="0">
+            <a:pPr marL="457200" lvl="0" indent="-342900" rtl="0">
               <a:spcBef>
                 <a:spcPts val="1600"/>
               </a:spcBef>
@@ -11938,7 +12687,7 @@
             <a:endParaRPr/>
           </a:p>
           <a:p>
-            <a:pPr indent="-342900" lvl="0" marL="457200" rtl="0">
+            <a:pPr marL="457200" lvl="0" indent="-342900" rtl="0">
               <a:spcBef>
                 <a:spcPts val="0"/>
               </a:spcBef>
@@ -11955,7 +12704,7 @@
             <a:endParaRPr/>
           </a:p>
           <a:p>
-            <a:pPr indent="-342900" lvl="0" marL="457200">
+            <a:pPr marL="457200" lvl="0" indent="-342900">
               <a:spcBef>
                 <a:spcPts val="0"/>
               </a:spcBef>
@@ -11982,11 +12731,11 @@
 </file>
 
 <file path=ppt/slides/slide18.xml><?xml version="1.0" encoding="utf-8"?>
-<p:sld xmlns:a="http://schemas.openxmlformats.org/drawingml/2006/main" xmlns:r="http://schemas.openxmlformats.org/officeDocument/2006/relationships" xmlns:mc="http://schemas.openxmlformats.org/markup-compatibility/2006" xmlns:mv="urn:schemas-microsoft-com:mac:vml" xmlns:p="http://schemas.openxmlformats.org/presentationml/2006/main" xmlns:c="http://schemas.openxmlformats.org/drawingml/2006/chart" xmlns:dgm="http://schemas.openxmlformats.org/drawingml/2006/diagram" xmlns:o="urn:schemas-microsoft-com:office:office" xmlns:v="urn:schemas-microsoft-com:vml" xmlns:pvml="urn:schemas-microsoft-com:office:powerpoint" xmlns:com="http://schemas.openxmlformats.org/drawingml/2006/compatibility" xmlns:p14="http://schemas.microsoft.com/office/powerpoint/2010/main" xmlns:p15="http://schemas.microsoft.com/office/powerpoint/2012/main">
+<p:sld xmlns:a="http://schemas.openxmlformats.org/drawingml/2006/main" xmlns:r="http://schemas.openxmlformats.org/officeDocument/2006/relationships" xmlns:p="http://schemas.openxmlformats.org/presentationml/2006/main">
   <p:cSld>
     <p:spTree>
       <p:nvGrpSpPr>
-        <p:cNvPr id="169" name="Shape 169"/>
+        <p:cNvPr id="1" name="Shape 169"/>
         <p:cNvGrpSpPr/>
         <p:nvPr/>
       </p:nvGrpSpPr>
@@ -12001,7 +12750,9 @@
       <p:sp>
         <p:nvSpPr>
           <p:cNvPr id="170" name="Shape 170"/>
-          <p:cNvSpPr txBox="1"/>
+          <p:cNvSpPr txBox="1">
+            <a:spLocks noGrp="1"/>
+          </p:cNvSpPr>
           <p:nvPr>
             <p:ph type="title"/>
           </p:nvPr>
@@ -12016,12 +12767,12 @@
           </a:prstGeom>
         </p:spPr>
         <p:txBody>
-          <a:bodyPr anchorCtr="0" anchor="b" bIns="91425" lIns="91425" spcFirstLastPara="1" rIns="91425" wrap="square" tIns="91425">
+          <a:bodyPr spcFirstLastPara="1" wrap="square" lIns="91425" tIns="91425" rIns="91425" bIns="91425" anchor="b" anchorCtr="0">
             <a:noAutofit/>
           </a:bodyPr>
           <a:lstStyle/>
           <a:p>
-            <a:pPr indent="0" lvl="0" marL="0">
+            <a:pPr marL="0" lvl="0" indent="0">
               <a:spcBef>
                 <a:spcPts val="0"/>
               </a:spcBef>
@@ -12041,9 +12792,11 @@
       <p:sp>
         <p:nvSpPr>
           <p:cNvPr id="171" name="Shape 171"/>
-          <p:cNvSpPr txBox="1"/>
+          <p:cNvSpPr txBox="1">
+            <a:spLocks noGrp="1"/>
+          </p:cNvSpPr>
           <p:nvPr>
-            <p:ph idx="1" type="body"/>
+            <p:ph type="body" idx="1"/>
           </p:nvPr>
         </p:nvSpPr>
         <p:spPr>
@@ -12056,12 +12809,12 @@
           </a:prstGeom>
         </p:spPr>
         <p:txBody>
-          <a:bodyPr anchorCtr="0" anchor="t" bIns="91425" lIns="91425" spcFirstLastPara="1" rIns="91425" wrap="square" tIns="91425">
+          <a:bodyPr spcFirstLastPara="1" wrap="square" lIns="91425" tIns="91425" rIns="91425" bIns="91425" anchor="t" anchorCtr="0">
             <a:noAutofit/>
           </a:bodyPr>
           <a:lstStyle/>
           <a:p>
-            <a:pPr indent="-342900" lvl="0" marL="457200" rtl="0">
+            <a:pPr marL="457200" lvl="0" indent="-342900" rtl="0">
               <a:spcBef>
                 <a:spcPts val="0"/>
               </a:spcBef>
@@ -12078,7 +12831,7 @@
             <a:endParaRPr/>
           </a:p>
           <a:p>
-            <a:pPr indent="-342900" lvl="0" marL="457200" rtl="0">
+            <a:pPr marL="457200" lvl="0" indent="-342900" rtl="0">
               <a:spcBef>
                 <a:spcPts val="0"/>
               </a:spcBef>
@@ -12095,7 +12848,7 @@
             <a:endParaRPr/>
           </a:p>
           <a:p>
-            <a:pPr indent="-342900" lvl="0" marL="457200" rtl="0">
+            <a:pPr marL="457200" lvl="0" indent="-342900" rtl="0">
               <a:spcBef>
                 <a:spcPts val="0"/>
               </a:spcBef>
@@ -12112,7 +12865,7 @@
             <a:endParaRPr/>
           </a:p>
           <a:p>
-            <a:pPr indent="-342900" lvl="0" marL="457200" rtl="0">
+            <a:pPr marL="457200" lvl="0" indent="-342900" rtl="0">
               <a:spcBef>
                 <a:spcPts val="0"/>
               </a:spcBef>
@@ -12150,11 +12903,11 @@
 </file>
 
 <file path=ppt/slides/slide19.xml><?xml version="1.0" encoding="utf-8"?>
-<p:sld xmlns:a="http://schemas.openxmlformats.org/drawingml/2006/main" xmlns:r="http://schemas.openxmlformats.org/officeDocument/2006/relationships" xmlns:mc="http://schemas.openxmlformats.org/markup-compatibility/2006" xmlns:mv="urn:schemas-microsoft-com:mac:vml" xmlns:p="http://schemas.openxmlformats.org/presentationml/2006/main" xmlns:c="http://schemas.openxmlformats.org/drawingml/2006/chart" xmlns:dgm="http://schemas.openxmlformats.org/drawingml/2006/diagram" xmlns:o="urn:schemas-microsoft-com:office:office" xmlns:v="urn:schemas-microsoft-com:vml" xmlns:pvml="urn:schemas-microsoft-com:office:powerpoint" xmlns:com="http://schemas.openxmlformats.org/drawingml/2006/compatibility" xmlns:p14="http://schemas.microsoft.com/office/powerpoint/2010/main" xmlns:p15="http://schemas.microsoft.com/office/powerpoint/2012/main">
+<p:sld xmlns:a="http://schemas.openxmlformats.org/drawingml/2006/main" xmlns:r="http://schemas.openxmlformats.org/officeDocument/2006/relationships" xmlns:p="http://schemas.openxmlformats.org/presentationml/2006/main">
   <p:cSld>
     <p:spTree>
       <p:nvGrpSpPr>
-        <p:cNvPr id="175" name="Shape 175"/>
+        <p:cNvPr id="1" name="Shape 175"/>
         <p:cNvGrpSpPr/>
         <p:nvPr/>
       </p:nvGrpSpPr>
@@ -12169,7 +12922,9 @@
       <p:sp>
         <p:nvSpPr>
           <p:cNvPr id="176" name="Shape 176"/>
-          <p:cNvSpPr txBox="1"/>
+          <p:cNvSpPr txBox="1">
+            <a:spLocks noGrp="1"/>
+          </p:cNvSpPr>
           <p:nvPr>
             <p:ph type="title"/>
           </p:nvPr>
@@ -12184,12 +12939,12 @@
           </a:prstGeom>
         </p:spPr>
         <p:txBody>
-          <a:bodyPr anchorCtr="0" anchor="b" bIns="91425" lIns="91425" spcFirstLastPara="1" rIns="91425" wrap="square" tIns="91425">
+          <a:bodyPr spcFirstLastPara="1" wrap="square" lIns="91425" tIns="91425" rIns="91425" bIns="91425" anchor="b" anchorCtr="0">
             <a:noAutofit/>
           </a:bodyPr>
           <a:lstStyle/>
           <a:p>
-            <a:pPr indent="0" lvl="0" marL="0">
+            <a:pPr marL="0" lvl="0" indent="0">
               <a:spcBef>
                 <a:spcPts val="0"/>
               </a:spcBef>
@@ -12209,9 +12964,11 @@
       <p:sp>
         <p:nvSpPr>
           <p:cNvPr id="177" name="Shape 177"/>
-          <p:cNvSpPr txBox="1"/>
+          <p:cNvSpPr txBox="1">
+            <a:spLocks noGrp="1"/>
+          </p:cNvSpPr>
           <p:nvPr>
-            <p:ph idx="1" type="body"/>
+            <p:ph type="body" idx="1"/>
           </p:nvPr>
         </p:nvSpPr>
         <p:spPr>
@@ -12224,12 +12981,12 @@
           </a:prstGeom>
         </p:spPr>
         <p:txBody>
-          <a:bodyPr anchorCtr="0" anchor="t" bIns="91425" lIns="91425" spcFirstLastPara="1" rIns="91425" wrap="square" tIns="91425">
+          <a:bodyPr spcFirstLastPara="1" wrap="square" lIns="91425" tIns="91425" rIns="91425" bIns="91425" anchor="t" anchorCtr="0">
             <a:noAutofit/>
           </a:bodyPr>
           <a:lstStyle/>
           <a:p>
-            <a:pPr indent="-342900" lvl="0" marL="457200" rtl="0">
+            <a:pPr marL="457200" lvl="0" indent="-342900" rtl="0">
               <a:spcBef>
                 <a:spcPts val="0"/>
               </a:spcBef>
@@ -12246,7 +13003,7 @@
             <a:endParaRPr/>
           </a:p>
           <a:p>
-            <a:pPr indent="-342900" lvl="0" marL="457200">
+            <a:pPr marL="457200" lvl="0" indent="-342900">
               <a:spcBef>
                 <a:spcPts val="0"/>
               </a:spcBef>
@@ -12273,11 +13030,11 @@
 </file>
 
 <file path=ppt/slides/slide2.xml><?xml version="1.0" encoding="utf-8"?>
-<p:sld xmlns:a="http://schemas.openxmlformats.org/drawingml/2006/main" xmlns:r="http://schemas.openxmlformats.org/officeDocument/2006/relationships" xmlns:mc="http://schemas.openxmlformats.org/markup-compatibility/2006" xmlns:mv="urn:schemas-microsoft-com:mac:vml" xmlns:p="http://schemas.openxmlformats.org/presentationml/2006/main" xmlns:c="http://schemas.openxmlformats.org/drawingml/2006/chart" xmlns:dgm="http://schemas.openxmlformats.org/drawingml/2006/diagram" xmlns:o="urn:schemas-microsoft-com:office:office" xmlns:v="urn:schemas-microsoft-com:vml" xmlns:pvml="urn:schemas-microsoft-com:office:powerpoint" xmlns:com="http://schemas.openxmlformats.org/drawingml/2006/compatibility" xmlns:p14="http://schemas.microsoft.com/office/powerpoint/2010/main" xmlns:p15="http://schemas.microsoft.com/office/powerpoint/2012/main">
+<p:sld xmlns:a="http://schemas.openxmlformats.org/drawingml/2006/main" xmlns:r="http://schemas.openxmlformats.org/officeDocument/2006/relationships" xmlns:p="http://schemas.openxmlformats.org/presentationml/2006/main">
   <p:cSld>
     <p:spTree>
       <p:nvGrpSpPr>
-        <p:cNvPr id="68" name="Shape 68"/>
+        <p:cNvPr id="1" name="Shape 68"/>
         <p:cNvGrpSpPr/>
         <p:nvPr/>
       </p:nvGrpSpPr>
@@ -12326,7 +13083,7 @@
         <p:spPr>
           <a:xfrm>
             <a:off x="3052850" y="2185700"/>
-            <a:ext cx="2732100" cy="2007600"/>
+            <a:ext cx="3118830" cy="2007600"/>
           </a:xfrm>
           <a:prstGeom prst="rect">
             <a:avLst/>
@@ -12337,12 +13094,12 @@
           </a:ln>
         </p:spPr>
         <p:txBody>
-          <a:bodyPr anchorCtr="0" anchor="t" bIns="91425" lIns="91425" spcFirstLastPara="1" rIns="91425" wrap="square" tIns="91425">
+          <a:bodyPr spcFirstLastPara="1" wrap="square" lIns="91425" tIns="91425" rIns="91425" bIns="91425" anchor="t" anchorCtr="0">
             <a:noAutofit/>
           </a:bodyPr>
           <a:lstStyle/>
           <a:p>
-            <a:pPr indent="0" lvl="0" marL="0">
+            <a:pPr marL="0" lvl="0" indent="0">
               <a:spcBef>
                 <a:spcPts val="0"/>
               </a:spcBef>
@@ -12352,13 +13109,13 @@
               <a:buNone/>
             </a:pPr>
             <a:r>
-              <a:rPr lang="pt-BR" sz="1800"/>
+              <a:rPr lang="pt-BR" sz="1800" dirty="0"/>
               <a:t>Docente: Fran Almeida.</a:t>
             </a:r>
-            <a:endParaRPr sz="1800"/>
+            <a:endParaRPr sz="1800" dirty="0"/>
           </a:p>
           <a:p>
-            <a:pPr indent="0" lvl="0" marL="0">
+            <a:pPr marL="0" lvl="0" indent="0">
               <a:spcBef>
                 <a:spcPts val="0"/>
               </a:spcBef>
@@ -12368,13 +13125,24 @@
               <a:buNone/>
             </a:pPr>
             <a:r>
-              <a:rPr lang="pt-BR" sz="1800"/>
-              <a:t>Discentes: David;</a:t>
+              <a:rPr lang="pt-BR" sz="1800" dirty="0"/>
+              <a:t>Discentes</a:t>
             </a:r>
-            <a:endParaRPr sz="1800"/>
+            <a:r>
+              <a:rPr lang="pt-BR" sz="1800" dirty="0" smtClean="0"/>
+              <a:t>: </a:t>
+            </a:r>
+            <a:r>
+              <a:rPr lang="pt-BR" sz="1800" dirty="0"/>
+              <a:t>Gustavo</a:t>
+            </a:r>
+            <a:r>
+              <a:rPr lang="pt-BR" sz="1800" dirty="0" smtClean="0"/>
+              <a:t>;</a:t>
+            </a:r>
           </a:p>
           <a:p>
-            <a:pPr indent="0" lvl="0" marL="0">
+            <a:pPr marL="0" lvl="0" indent="0">
               <a:spcBef>
                 <a:spcPts val="0"/>
               </a:spcBef>
@@ -12384,13 +13152,16 @@
               <a:buNone/>
             </a:pPr>
             <a:r>
-              <a:rPr lang="pt-BR" sz="1800"/>
-              <a:t>		    Diego;</a:t>
+              <a:rPr lang="pt-BR" sz="1800" dirty="0"/>
+              <a:t>	 </a:t>
             </a:r>
-            <a:endParaRPr sz="1800"/>
+            <a:r>
+              <a:rPr lang="pt-BR" sz="1800" dirty="0" smtClean="0"/>
+              <a:t>   Jorge;</a:t>
+            </a:r>
           </a:p>
           <a:p>
-            <a:pPr indent="0" lvl="0" marL="0">
+            <a:pPr marL="0" lvl="0" indent="0">
               <a:spcBef>
                 <a:spcPts val="0"/>
               </a:spcBef>
@@ -12400,13 +13171,21 @@
               <a:buNone/>
             </a:pPr>
             <a:r>
-              <a:rPr lang="pt-BR" sz="1800"/>
-              <a:t>		    Gustavo;</a:t>
+              <a:rPr lang="pt-BR" sz="1800" dirty="0" smtClean="0"/>
+              <a:t>              </a:t>
             </a:r>
-            <a:endParaRPr sz="1800"/>
+            <a:r>
+              <a:rPr lang="pt-BR" sz="1800" dirty="0"/>
+              <a:t>	</a:t>
+            </a:r>
+            <a:r>
+              <a:rPr lang="pt-BR" sz="1800" dirty="0" smtClean="0"/>
+              <a:t>    Natalia;   </a:t>
+            </a:r>
+            <a:endParaRPr sz="1800" dirty="0"/>
           </a:p>
           <a:p>
-            <a:pPr indent="0" lvl="0" marL="0">
+            <a:pPr marL="0" lvl="0" indent="0">
               <a:spcBef>
                 <a:spcPts val="0"/>
               </a:spcBef>
@@ -12416,10 +13195,10 @@
               <a:buNone/>
             </a:pPr>
             <a:r>
-              <a:rPr lang="pt-BR" sz="1800"/>
-              <a:t>		    Isabel.</a:t>
+              <a:rPr lang="pt-BR" sz="1800" dirty="0"/>
+              <a:t>		</a:t>
             </a:r>
-            <a:endParaRPr sz="1800"/>
+            <a:endParaRPr sz="1800" dirty="0"/>
           </a:p>
         </p:txBody>
       </p:sp>
@@ -12432,11 +13211,11 @@
 </file>
 
 <file path=ppt/slides/slide20.xml><?xml version="1.0" encoding="utf-8"?>
-<p:sld xmlns:a="http://schemas.openxmlformats.org/drawingml/2006/main" xmlns:r="http://schemas.openxmlformats.org/officeDocument/2006/relationships" xmlns:mc="http://schemas.openxmlformats.org/markup-compatibility/2006" xmlns:mv="urn:schemas-microsoft-com:mac:vml" xmlns:p="http://schemas.openxmlformats.org/presentationml/2006/main" xmlns:c="http://schemas.openxmlformats.org/drawingml/2006/chart" xmlns:dgm="http://schemas.openxmlformats.org/drawingml/2006/diagram" xmlns:o="urn:schemas-microsoft-com:office:office" xmlns:v="urn:schemas-microsoft-com:vml" xmlns:pvml="urn:schemas-microsoft-com:office:powerpoint" xmlns:com="http://schemas.openxmlformats.org/drawingml/2006/compatibility" xmlns:p14="http://schemas.microsoft.com/office/powerpoint/2010/main" xmlns:p15="http://schemas.microsoft.com/office/powerpoint/2012/main">
+<p:sld xmlns:a="http://schemas.openxmlformats.org/drawingml/2006/main" xmlns:r="http://schemas.openxmlformats.org/officeDocument/2006/relationships" xmlns:p="http://schemas.openxmlformats.org/presentationml/2006/main">
   <p:cSld>
     <p:spTree>
       <p:nvGrpSpPr>
-        <p:cNvPr id="181" name="Shape 181"/>
+        <p:cNvPr id="1" name="Shape 181"/>
         <p:cNvGrpSpPr/>
         <p:nvPr/>
       </p:nvGrpSpPr>
@@ -12451,7 +13230,9 @@
       <p:sp>
         <p:nvSpPr>
           <p:cNvPr id="182" name="Shape 182"/>
-          <p:cNvSpPr txBox="1"/>
+          <p:cNvSpPr txBox="1">
+            <a:spLocks noGrp="1"/>
+          </p:cNvSpPr>
           <p:nvPr>
             <p:ph type="title"/>
           </p:nvPr>
@@ -12466,12 +13247,12 @@
           </a:prstGeom>
         </p:spPr>
         <p:txBody>
-          <a:bodyPr anchorCtr="0" anchor="b" bIns="91425" lIns="91425" spcFirstLastPara="1" rIns="91425" wrap="square" tIns="91425">
+          <a:bodyPr spcFirstLastPara="1" wrap="square" lIns="91425" tIns="91425" rIns="91425" bIns="91425" anchor="b" anchorCtr="0">
             <a:noAutofit/>
           </a:bodyPr>
           <a:lstStyle/>
           <a:p>
-            <a:pPr indent="0" lvl="0" marL="0">
+            <a:pPr marL="0" lvl="0" indent="0">
               <a:spcBef>
                 <a:spcPts val="0"/>
               </a:spcBef>
@@ -12491,9 +13272,11 @@
       <p:sp>
         <p:nvSpPr>
           <p:cNvPr id="183" name="Shape 183"/>
-          <p:cNvSpPr txBox="1"/>
+          <p:cNvSpPr txBox="1">
+            <a:spLocks noGrp="1"/>
+          </p:cNvSpPr>
           <p:nvPr>
-            <p:ph idx="1" type="body"/>
+            <p:ph type="body" idx="1"/>
           </p:nvPr>
         </p:nvSpPr>
         <p:spPr>
@@ -12506,12 +13289,12 @@
           </a:prstGeom>
         </p:spPr>
         <p:txBody>
-          <a:bodyPr anchorCtr="0" anchor="t" bIns="91425" lIns="91425" spcFirstLastPara="1" rIns="91425" wrap="square" tIns="91425">
+          <a:bodyPr spcFirstLastPara="1" wrap="square" lIns="91425" tIns="91425" rIns="91425" bIns="91425" anchor="t" anchorCtr="0">
             <a:noAutofit/>
           </a:bodyPr>
           <a:lstStyle/>
           <a:p>
-            <a:pPr indent="0" lvl="0" marL="0">
+            <a:pPr marL="0" lvl="0" indent="0">
               <a:spcBef>
                 <a:spcPts val="0"/>
               </a:spcBef>
@@ -12532,7 +13315,7 @@
             <a:endParaRPr/>
           </a:p>
           <a:p>
-            <a:pPr indent="0" lvl="0" marL="0">
+            <a:pPr marL="0" lvl="0" indent="0">
               <a:spcBef>
                 <a:spcPts val="1600"/>
               </a:spcBef>
@@ -12553,7 +13336,7 @@
             <a:endParaRPr/>
           </a:p>
           <a:p>
-            <a:pPr indent="0" lvl="0" marL="0">
+            <a:pPr marL="0" lvl="0" indent="0">
               <a:spcBef>
                 <a:spcPts val="1600"/>
               </a:spcBef>
@@ -12574,7 +13357,7 @@
             <a:endParaRPr/>
           </a:p>
           <a:p>
-            <a:pPr indent="0" lvl="0" marL="0">
+            <a:pPr marL="0" lvl="0" indent="0">
               <a:spcBef>
                 <a:spcPts val="1600"/>
               </a:spcBef>
@@ -12595,7 +13378,7 @@
             <a:endParaRPr/>
           </a:p>
           <a:p>
-            <a:pPr indent="0" lvl="0" marL="0">
+            <a:pPr marL="0" lvl="0" indent="0">
               <a:spcBef>
                 <a:spcPts val="1600"/>
               </a:spcBef>
@@ -12616,7 +13399,7 @@
             <a:endParaRPr/>
           </a:p>
           <a:p>
-            <a:pPr indent="0" lvl="0" marL="0">
+            <a:pPr marL="0" lvl="0" indent="0">
               <a:spcBef>
                 <a:spcPts val="1600"/>
               </a:spcBef>
@@ -12625,13 +13408,10 @@
               </a:spcAft>
               <a:buNone/>
             </a:pPr>
-            <a:r>
-              <a:t/>
-            </a:r>
             <a:endParaRPr/>
           </a:p>
           <a:p>
-            <a:pPr indent="0" lvl="0" marL="0">
+            <a:pPr marL="0" lvl="0" indent="0">
               <a:spcBef>
                 <a:spcPts val="1600"/>
               </a:spcBef>
@@ -12640,9 +13420,6 @@
               </a:spcAft>
               <a:buNone/>
             </a:pPr>
-            <a:r>
-              <a:t/>
-            </a:r>
             <a:endParaRPr/>
           </a:p>
         </p:txBody>
@@ -12656,11 +13433,11 @@
 </file>
 
 <file path=ppt/slides/slide3.xml><?xml version="1.0" encoding="utf-8"?>
-<p:sld xmlns:a="http://schemas.openxmlformats.org/drawingml/2006/main" xmlns:r="http://schemas.openxmlformats.org/officeDocument/2006/relationships" xmlns:mc="http://schemas.openxmlformats.org/markup-compatibility/2006" xmlns:mv="urn:schemas-microsoft-com:mac:vml" xmlns:p="http://schemas.openxmlformats.org/presentationml/2006/main" xmlns:c="http://schemas.openxmlformats.org/drawingml/2006/chart" xmlns:dgm="http://schemas.openxmlformats.org/drawingml/2006/diagram" xmlns:o="urn:schemas-microsoft-com:office:office" xmlns:v="urn:schemas-microsoft-com:vml" xmlns:pvml="urn:schemas-microsoft-com:office:powerpoint" xmlns:com="http://schemas.openxmlformats.org/drawingml/2006/compatibility" xmlns:p14="http://schemas.microsoft.com/office/powerpoint/2010/main" xmlns:p15="http://schemas.microsoft.com/office/powerpoint/2012/main">
+<p:sld xmlns:a="http://schemas.openxmlformats.org/drawingml/2006/main" xmlns:r="http://schemas.openxmlformats.org/officeDocument/2006/relationships" xmlns:p="http://schemas.openxmlformats.org/presentationml/2006/main">
   <p:cSld>
     <p:spTree>
       <p:nvGrpSpPr>
-        <p:cNvPr id="74" name="Shape 74"/>
+        <p:cNvPr id="1" name="Shape 74"/>
         <p:cNvGrpSpPr/>
         <p:nvPr/>
       </p:nvGrpSpPr>
@@ -12675,7 +13452,9 @@
       <p:sp>
         <p:nvSpPr>
           <p:cNvPr id="75" name="Shape 75"/>
-          <p:cNvSpPr txBox="1"/>
+          <p:cNvSpPr txBox="1">
+            <a:spLocks noGrp="1"/>
+          </p:cNvSpPr>
           <p:nvPr>
             <p:ph type="title"/>
           </p:nvPr>
@@ -12690,12 +13469,12 @@
           </a:prstGeom>
         </p:spPr>
         <p:txBody>
-          <a:bodyPr anchorCtr="0" anchor="b" bIns="91425" lIns="91425" spcFirstLastPara="1" rIns="91425" wrap="square" tIns="91425">
+          <a:bodyPr spcFirstLastPara="1" wrap="square" lIns="91425" tIns="91425" rIns="91425" bIns="91425" anchor="b" anchorCtr="0">
             <a:noAutofit/>
           </a:bodyPr>
           <a:lstStyle/>
           <a:p>
-            <a:pPr indent="0" lvl="0" marL="0">
+            <a:pPr marL="0" lvl="0" indent="0">
               <a:spcBef>
                 <a:spcPts val="0"/>
               </a:spcBef>
@@ -12715,9 +13494,11 @@
       <p:sp>
         <p:nvSpPr>
           <p:cNvPr id="76" name="Shape 76"/>
-          <p:cNvSpPr txBox="1"/>
+          <p:cNvSpPr txBox="1">
+            <a:spLocks noGrp="1"/>
+          </p:cNvSpPr>
           <p:nvPr>
-            <p:ph idx="1" type="body"/>
+            <p:ph type="body" idx="1"/>
           </p:nvPr>
         </p:nvSpPr>
         <p:spPr>
@@ -12730,12 +13511,12 @@
           </a:prstGeom>
         </p:spPr>
         <p:txBody>
-          <a:bodyPr anchorCtr="0" anchor="t" bIns="91425" lIns="91425" spcFirstLastPara="1" rIns="91425" wrap="square" tIns="91425">
+          <a:bodyPr spcFirstLastPara="1" wrap="square" lIns="91425" tIns="91425" rIns="91425" bIns="91425" anchor="t" anchorCtr="0">
             <a:noAutofit/>
           </a:bodyPr>
           <a:lstStyle/>
           <a:p>
-            <a:pPr indent="0" lvl="0" marL="0" algn="just">
+            <a:pPr marL="0" lvl="0" indent="0" algn="just">
               <a:spcBef>
                 <a:spcPts val="0"/>
               </a:spcBef>
@@ -12761,11 +13542,11 @@
 </file>
 
 <file path=ppt/slides/slide4.xml><?xml version="1.0" encoding="utf-8"?>
-<p:sld xmlns:a="http://schemas.openxmlformats.org/drawingml/2006/main" xmlns:r="http://schemas.openxmlformats.org/officeDocument/2006/relationships" xmlns:mc="http://schemas.openxmlformats.org/markup-compatibility/2006" xmlns:mv="urn:schemas-microsoft-com:mac:vml" xmlns:p="http://schemas.openxmlformats.org/presentationml/2006/main" xmlns:c="http://schemas.openxmlformats.org/drawingml/2006/chart" xmlns:dgm="http://schemas.openxmlformats.org/drawingml/2006/diagram" xmlns:o="urn:schemas-microsoft-com:office:office" xmlns:v="urn:schemas-microsoft-com:vml" xmlns:pvml="urn:schemas-microsoft-com:office:powerpoint" xmlns:com="http://schemas.openxmlformats.org/drawingml/2006/compatibility" xmlns:p14="http://schemas.microsoft.com/office/powerpoint/2010/main" xmlns:p15="http://schemas.microsoft.com/office/powerpoint/2012/main">
+<p:sld xmlns:a="http://schemas.openxmlformats.org/drawingml/2006/main" xmlns:r="http://schemas.openxmlformats.org/officeDocument/2006/relationships" xmlns:p="http://schemas.openxmlformats.org/presentationml/2006/main">
   <p:cSld>
     <p:spTree>
       <p:nvGrpSpPr>
-        <p:cNvPr id="80" name="Shape 80"/>
+        <p:cNvPr id="1" name="Shape 80"/>
         <p:cNvGrpSpPr/>
         <p:nvPr/>
       </p:nvGrpSpPr>
@@ -12780,7 +13561,9 @@
       <p:sp>
         <p:nvSpPr>
           <p:cNvPr id="81" name="Shape 81"/>
-          <p:cNvSpPr txBox="1"/>
+          <p:cNvSpPr txBox="1">
+            <a:spLocks noGrp="1"/>
+          </p:cNvSpPr>
           <p:nvPr>
             <p:ph type="title"/>
           </p:nvPr>
@@ -12795,12 +13578,12 @@
           </a:prstGeom>
         </p:spPr>
         <p:txBody>
-          <a:bodyPr anchorCtr="0" anchor="b" bIns="91425" lIns="91425" spcFirstLastPara="1" rIns="91425" wrap="square" tIns="91425">
+          <a:bodyPr spcFirstLastPara="1" wrap="square" lIns="91425" tIns="91425" rIns="91425" bIns="91425" anchor="b" anchorCtr="0">
             <a:noAutofit/>
           </a:bodyPr>
           <a:lstStyle/>
           <a:p>
-            <a:pPr indent="0" lvl="0" marL="0">
+            <a:pPr marL="0" lvl="0" indent="0">
               <a:spcBef>
                 <a:spcPts val="0"/>
               </a:spcBef>
@@ -12820,9 +13603,11 @@
       <p:sp>
         <p:nvSpPr>
           <p:cNvPr id="82" name="Shape 82"/>
-          <p:cNvSpPr txBox="1"/>
+          <p:cNvSpPr txBox="1">
+            <a:spLocks noGrp="1"/>
+          </p:cNvSpPr>
           <p:nvPr>
-            <p:ph idx="1" type="body"/>
+            <p:ph type="body" idx="1"/>
           </p:nvPr>
         </p:nvSpPr>
         <p:spPr>
@@ -12835,12 +13620,12 @@
           </a:prstGeom>
         </p:spPr>
         <p:txBody>
-          <a:bodyPr anchorCtr="0" anchor="t" bIns="91425" lIns="91425" spcFirstLastPara="1" rIns="91425" wrap="square" tIns="91425">
+          <a:bodyPr spcFirstLastPara="1" wrap="square" lIns="91425" tIns="91425" rIns="91425" bIns="91425" anchor="t" anchorCtr="0">
             <a:noAutofit/>
           </a:bodyPr>
           <a:lstStyle/>
           <a:p>
-            <a:pPr indent="0" lvl="0" marL="0" algn="just">
+            <a:pPr marL="0" lvl="0" indent="0" algn="just">
               <a:spcBef>
                 <a:spcPts val="0"/>
               </a:spcBef>
@@ -12866,11 +13651,11 @@
 </file>
 
 <file path=ppt/slides/slide5.xml><?xml version="1.0" encoding="utf-8"?>
-<p:sld xmlns:a="http://schemas.openxmlformats.org/drawingml/2006/main" xmlns:r="http://schemas.openxmlformats.org/officeDocument/2006/relationships" xmlns:mc="http://schemas.openxmlformats.org/markup-compatibility/2006" xmlns:mv="urn:schemas-microsoft-com:mac:vml" xmlns:p="http://schemas.openxmlformats.org/presentationml/2006/main" xmlns:c="http://schemas.openxmlformats.org/drawingml/2006/chart" xmlns:dgm="http://schemas.openxmlformats.org/drawingml/2006/diagram" xmlns:o="urn:schemas-microsoft-com:office:office" xmlns:v="urn:schemas-microsoft-com:vml" xmlns:pvml="urn:schemas-microsoft-com:office:powerpoint" xmlns:com="http://schemas.openxmlformats.org/drawingml/2006/compatibility" xmlns:p14="http://schemas.microsoft.com/office/powerpoint/2010/main" xmlns:p15="http://schemas.microsoft.com/office/powerpoint/2012/main">
+<p:sld xmlns:a="http://schemas.openxmlformats.org/drawingml/2006/main" xmlns:r="http://schemas.openxmlformats.org/officeDocument/2006/relationships" xmlns:p="http://schemas.openxmlformats.org/presentationml/2006/main">
   <p:cSld>
     <p:spTree>
       <p:nvGrpSpPr>
-        <p:cNvPr id="86" name="Shape 86"/>
+        <p:cNvPr id="1" name="Shape 86"/>
         <p:cNvGrpSpPr/>
         <p:nvPr/>
       </p:nvGrpSpPr>
@@ -12885,7 +13670,9 @@
       <p:sp>
         <p:nvSpPr>
           <p:cNvPr id="87" name="Shape 87"/>
-          <p:cNvSpPr txBox="1"/>
+          <p:cNvSpPr txBox="1">
+            <a:spLocks noGrp="1"/>
+          </p:cNvSpPr>
           <p:nvPr>
             <p:ph type="title"/>
           </p:nvPr>
@@ -12900,12 +13687,12 @@
           </a:prstGeom>
         </p:spPr>
         <p:txBody>
-          <a:bodyPr anchorCtr="0" anchor="b" bIns="91425" lIns="91425" spcFirstLastPara="1" rIns="91425" wrap="square" tIns="91425">
+          <a:bodyPr spcFirstLastPara="1" wrap="square" lIns="91425" tIns="91425" rIns="91425" bIns="91425" anchor="b" anchorCtr="0">
             <a:noAutofit/>
           </a:bodyPr>
           <a:lstStyle/>
           <a:p>
-            <a:pPr indent="0" lvl="0" marL="0">
+            <a:pPr marL="0" lvl="0" indent="0">
               <a:spcBef>
                 <a:spcPts val="0"/>
               </a:spcBef>
@@ -12925,9 +13712,11 @@
       <p:sp>
         <p:nvSpPr>
           <p:cNvPr id="88" name="Shape 88"/>
-          <p:cNvSpPr txBox="1"/>
+          <p:cNvSpPr txBox="1">
+            <a:spLocks noGrp="1"/>
+          </p:cNvSpPr>
           <p:nvPr>
-            <p:ph idx="1" type="body"/>
+            <p:ph type="body" idx="1"/>
           </p:nvPr>
         </p:nvSpPr>
         <p:spPr>
@@ -12940,12 +13729,12 @@
           </a:prstGeom>
         </p:spPr>
         <p:txBody>
-          <a:bodyPr anchorCtr="0" anchor="t" bIns="91425" lIns="91425" spcFirstLastPara="1" rIns="91425" wrap="square" tIns="91425">
+          <a:bodyPr spcFirstLastPara="1" wrap="square" lIns="91425" tIns="91425" rIns="91425" bIns="91425" anchor="t" anchorCtr="0">
             <a:noAutofit/>
           </a:bodyPr>
           <a:lstStyle/>
           <a:p>
-            <a:pPr indent="0" lvl="0" marL="0" algn="just">
+            <a:pPr marL="0" lvl="0" indent="0" algn="just">
               <a:spcBef>
                 <a:spcPts val="0"/>
               </a:spcBef>
@@ -12971,11 +13760,11 @@
 </file>
 
 <file path=ppt/slides/slide6.xml><?xml version="1.0" encoding="utf-8"?>
-<p:sld xmlns:a="http://schemas.openxmlformats.org/drawingml/2006/main" xmlns:r="http://schemas.openxmlformats.org/officeDocument/2006/relationships" xmlns:mc="http://schemas.openxmlformats.org/markup-compatibility/2006" xmlns:mv="urn:schemas-microsoft-com:mac:vml" xmlns:p="http://schemas.openxmlformats.org/presentationml/2006/main" xmlns:c="http://schemas.openxmlformats.org/drawingml/2006/chart" xmlns:dgm="http://schemas.openxmlformats.org/drawingml/2006/diagram" xmlns:o="urn:schemas-microsoft-com:office:office" xmlns:v="urn:schemas-microsoft-com:vml" xmlns:pvml="urn:schemas-microsoft-com:office:powerpoint" xmlns:com="http://schemas.openxmlformats.org/drawingml/2006/compatibility" xmlns:p14="http://schemas.microsoft.com/office/powerpoint/2010/main" xmlns:p15="http://schemas.microsoft.com/office/powerpoint/2012/main">
+<p:sld xmlns:a="http://schemas.openxmlformats.org/drawingml/2006/main" xmlns:r="http://schemas.openxmlformats.org/officeDocument/2006/relationships" xmlns:p="http://schemas.openxmlformats.org/presentationml/2006/main">
   <p:cSld>
     <p:spTree>
       <p:nvGrpSpPr>
-        <p:cNvPr id="92" name="Shape 92"/>
+        <p:cNvPr id="1" name="Shape 92"/>
         <p:cNvGrpSpPr/>
         <p:nvPr/>
       </p:nvGrpSpPr>
@@ -12990,7 +13779,9 @@
       <p:sp>
         <p:nvSpPr>
           <p:cNvPr id="93" name="Shape 93"/>
-          <p:cNvSpPr txBox="1"/>
+          <p:cNvSpPr txBox="1">
+            <a:spLocks noGrp="1"/>
+          </p:cNvSpPr>
           <p:nvPr>
             <p:ph type="title"/>
           </p:nvPr>
@@ -13005,12 +13796,12 @@
           </a:prstGeom>
         </p:spPr>
         <p:txBody>
-          <a:bodyPr anchorCtr="0" anchor="b" bIns="91425" lIns="91425" spcFirstLastPara="1" rIns="91425" wrap="square" tIns="91425">
+          <a:bodyPr spcFirstLastPara="1" wrap="square" lIns="91425" tIns="91425" rIns="91425" bIns="91425" anchor="b" anchorCtr="0">
             <a:noAutofit/>
           </a:bodyPr>
           <a:lstStyle/>
           <a:p>
-            <a:pPr indent="0" lvl="0" marL="0">
+            <a:pPr marL="0" lvl="0" indent="0">
               <a:spcBef>
                 <a:spcPts val="0"/>
               </a:spcBef>
@@ -13030,9 +13821,11 @@
       <p:sp>
         <p:nvSpPr>
           <p:cNvPr id="94" name="Shape 94"/>
-          <p:cNvSpPr txBox="1"/>
+          <p:cNvSpPr txBox="1">
+            <a:spLocks noGrp="1"/>
+          </p:cNvSpPr>
           <p:nvPr>
-            <p:ph idx="1" type="body"/>
+            <p:ph type="body" idx="1"/>
           </p:nvPr>
         </p:nvSpPr>
         <p:spPr>
@@ -13045,12 +13838,12 @@
           </a:prstGeom>
         </p:spPr>
         <p:txBody>
-          <a:bodyPr anchorCtr="0" anchor="t" bIns="91425" lIns="91425" spcFirstLastPara="1" rIns="91425" wrap="square" tIns="91425">
+          <a:bodyPr spcFirstLastPara="1" wrap="square" lIns="91425" tIns="91425" rIns="91425" bIns="91425" anchor="t" anchorCtr="0">
             <a:noAutofit/>
           </a:bodyPr>
           <a:lstStyle/>
           <a:p>
-            <a:pPr indent="0" lvl="0" marL="0" rtl="0" algn="just">
+            <a:pPr marL="0" lvl="0" indent="0" algn="just" rtl="0">
               <a:lnSpc>
                 <a:spcPct val="100000"/>
               </a:lnSpc>
@@ -13063,7 +13856,7 @@
               <a:buNone/>
             </a:pPr>
             <a:r>
-              <a:rPr b="1" lang="pt-BR"/>
+              <a:rPr lang="pt-BR" b="1"/>
               <a:t>Divisão</a:t>
             </a:r>
             <a:r>
@@ -13073,7 +13866,7 @@
             <a:endParaRPr/>
           </a:p>
           <a:p>
-            <a:pPr indent="0" lvl="0" marL="0" rtl="0" algn="just">
+            <a:pPr marL="0" lvl="0" indent="0" algn="just" rtl="0">
               <a:lnSpc>
                 <a:spcPct val="100000"/>
               </a:lnSpc>
@@ -13086,7 +13879,7 @@
               <a:buNone/>
             </a:pPr>
             <a:r>
-              <a:rPr b="1" lang="pt-BR"/>
+              <a:rPr lang="pt-BR" b="1"/>
               <a:t>Conquista</a:t>
             </a:r>
             <a:r>
@@ -13096,7 +13889,7 @@
             <a:endParaRPr/>
           </a:p>
           <a:p>
-            <a:pPr indent="0" lvl="0" marL="0" rtl="0" algn="just">
+            <a:pPr marL="0" lvl="0" indent="0" algn="just" rtl="0">
               <a:lnSpc>
                 <a:spcPct val="100000"/>
               </a:lnSpc>
@@ -13109,7 +13902,7 @@
               <a:buNone/>
             </a:pPr>
             <a:r>
-              <a:rPr b="1" lang="pt-BR"/>
+              <a:rPr lang="pt-BR" b="1"/>
               <a:t>Combinação</a:t>
             </a:r>
             <a:r>
@@ -13129,11 +13922,11 @@
 </file>
 
 <file path=ppt/slides/slide7.xml><?xml version="1.0" encoding="utf-8"?>
-<p:sld xmlns:a="http://schemas.openxmlformats.org/drawingml/2006/main" xmlns:r="http://schemas.openxmlformats.org/officeDocument/2006/relationships" xmlns:mc="http://schemas.openxmlformats.org/markup-compatibility/2006" xmlns:mv="urn:schemas-microsoft-com:mac:vml" xmlns:p="http://schemas.openxmlformats.org/presentationml/2006/main" xmlns:c="http://schemas.openxmlformats.org/drawingml/2006/chart" xmlns:dgm="http://schemas.openxmlformats.org/drawingml/2006/diagram" xmlns:o="urn:schemas-microsoft-com:office:office" xmlns:v="urn:schemas-microsoft-com:vml" xmlns:pvml="urn:schemas-microsoft-com:office:powerpoint" xmlns:com="http://schemas.openxmlformats.org/drawingml/2006/compatibility" xmlns:p14="http://schemas.microsoft.com/office/powerpoint/2010/main" xmlns:p15="http://schemas.microsoft.com/office/powerpoint/2012/main">
+<p:sld xmlns:a="http://schemas.openxmlformats.org/drawingml/2006/main" xmlns:r="http://schemas.openxmlformats.org/officeDocument/2006/relationships" xmlns:p="http://schemas.openxmlformats.org/presentationml/2006/main">
   <p:cSld>
     <p:spTree>
       <p:nvGrpSpPr>
-        <p:cNvPr id="98" name="Shape 98"/>
+        <p:cNvPr id="1" name="Shape 98"/>
         <p:cNvGrpSpPr/>
         <p:nvPr/>
       </p:nvGrpSpPr>
@@ -13148,7 +13941,9 @@
       <p:sp>
         <p:nvSpPr>
           <p:cNvPr id="99" name="Shape 99"/>
-          <p:cNvSpPr txBox="1"/>
+          <p:cNvSpPr txBox="1">
+            <a:spLocks noGrp="1"/>
+          </p:cNvSpPr>
           <p:nvPr>
             <p:ph type="title"/>
           </p:nvPr>
@@ -13163,12 +13958,12 @@
           </a:prstGeom>
         </p:spPr>
         <p:txBody>
-          <a:bodyPr anchorCtr="0" anchor="b" bIns="91425" lIns="91425" spcFirstLastPara="1" rIns="91425" wrap="square" tIns="91425">
+          <a:bodyPr spcFirstLastPara="1" wrap="square" lIns="91425" tIns="91425" rIns="91425" bIns="91425" anchor="b" anchorCtr="0">
             <a:noAutofit/>
           </a:bodyPr>
           <a:lstStyle/>
           <a:p>
-            <a:pPr indent="0" lvl="0" marL="0">
+            <a:pPr marL="0" lvl="0" indent="0">
               <a:spcBef>
                 <a:spcPts val="0"/>
               </a:spcBef>
@@ -13188,9 +13983,11 @@
       <p:sp>
         <p:nvSpPr>
           <p:cNvPr id="100" name="Shape 100"/>
-          <p:cNvSpPr txBox="1"/>
+          <p:cNvSpPr txBox="1">
+            <a:spLocks noGrp="1"/>
+          </p:cNvSpPr>
           <p:nvPr>
-            <p:ph idx="1" type="body"/>
+            <p:ph type="body" idx="1"/>
           </p:nvPr>
         </p:nvSpPr>
         <p:spPr>
@@ -13203,12 +14000,12 @@
           </a:prstGeom>
         </p:spPr>
         <p:txBody>
-          <a:bodyPr anchorCtr="0" anchor="t" bIns="91425" lIns="91425" spcFirstLastPara="1" rIns="91425" wrap="square" tIns="91425">
+          <a:bodyPr spcFirstLastPara="1" wrap="square" lIns="91425" tIns="91425" rIns="91425" bIns="91425" anchor="t" anchorCtr="0">
             <a:noAutofit/>
           </a:bodyPr>
           <a:lstStyle/>
           <a:p>
-            <a:pPr indent="0" lvl="0" marL="0" algn="just">
+            <a:pPr marL="0" lvl="0" indent="0" algn="just">
               <a:spcBef>
                 <a:spcPts val="0"/>
               </a:spcBef>
@@ -13237,11 +14034,11 @@
 </file>
 
 <file path=ppt/slides/slide8.xml><?xml version="1.0" encoding="utf-8"?>
-<p:sld xmlns:a="http://schemas.openxmlformats.org/drawingml/2006/main" xmlns:r="http://schemas.openxmlformats.org/officeDocument/2006/relationships" xmlns:mc="http://schemas.openxmlformats.org/markup-compatibility/2006" xmlns:mv="urn:schemas-microsoft-com:mac:vml" xmlns:p="http://schemas.openxmlformats.org/presentationml/2006/main" xmlns:c="http://schemas.openxmlformats.org/drawingml/2006/chart" xmlns:dgm="http://schemas.openxmlformats.org/drawingml/2006/diagram" xmlns:o="urn:schemas-microsoft-com:office:office" xmlns:v="urn:schemas-microsoft-com:vml" xmlns:pvml="urn:schemas-microsoft-com:office:powerpoint" xmlns:com="http://schemas.openxmlformats.org/drawingml/2006/compatibility" xmlns:p14="http://schemas.microsoft.com/office/powerpoint/2010/main" xmlns:p15="http://schemas.microsoft.com/office/powerpoint/2012/main">
+<p:sld xmlns:a="http://schemas.openxmlformats.org/drawingml/2006/main" xmlns:r="http://schemas.openxmlformats.org/officeDocument/2006/relationships" xmlns:p="http://schemas.openxmlformats.org/presentationml/2006/main">
   <p:cSld>
     <p:spTree>
       <p:nvGrpSpPr>
-        <p:cNvPr id="104" name="Shape 104"/>
+        <p:cNvPr id="1" name="Shape 104"/>
         <p:cNvGrpSpPr/>
         <p:nvPr/>
       </p:nvGrpSpPr>
@@ -13256,7 +14053,9 @@
       <p:sp>
         <p:nvSpPr>
           <p:cNvPr id="105" name="Shape 105"/>
-          <p:cNvSpPr txBox="1"/>
+          <p:cNvSpPr txBox="1">
+            <a:spLocks noGrp="1"/>
+          </p:cNvSpPr>
           <p:nvPr>
             <p:ph type="title"/>
           </p:nvPr>
@@ -13271,12 +14070,12 @@
           </a:prstGeom>
         </p:spPr>
         <p:txBody>
-          <a:bodyPr anchorCtr="0" anchor="b" bIns="91425" lIns="91425" spcFirstLastPara="1" rIns="91425" wrap="square" tIns="91425">
+          <a:bodyPr spcFirstLastPara="1" wrap="square" lIns="91425" tIns="91425" rIns="91425" bIns="91425" anchor="b" anchorCtr="0">
             <a:noAutofit/>
           </a:bodyPr>
           <a:lstStyle/>
           <a:p>
-            <a:pPr indent="0" lvl="0" marL="0">
+            <a:pPr marL="0" lvl="0" indent="0">
               <a:spcBef>
                 <a:spcPts val="0"/>
               </a:spcBef>
@@ -13296,9 +14095,11 @@
       <p:sp>
         <p:nvSpPr>
           <p:cNvPr id="106" name="Shape 106"/>
-          <p:cNvSpPr txBox="1"/>
+          <p:cNvSpPr txBox="1">
+            <a:spLocks noGrp="1"/>
+          </p:cNvSpPr>
           <p:nvPr>
-            <p:ph idx="1" type="body"/>
+            <p:ph type="body" idx="1"/>
           </p:nvPr>
         </p:nvSpPr>
         <p:spPr>
@@ -13311,12 +14112,12 @@
           </a:prstGeom>
         </p:spPr>
         <p:txBody>
-          <a:bodyPr anchorCtr="0" anchor="t" bIns="91425" lIns="91425" spcFirstLastPara="1" rIns="91425" wrap="square" tIns="91425">
+          <a:bodyPr spcFirstLastPara="1" wrap="square" lIns="91425" tIns="91425" rIns="91425" bIns="91425" anchor="t" anchorCtr="0">
             <a:noAutofit/>
           </a:bodyPr>
           <a:lstStyle/>
           <a:p>
-            <a:pPr indent="0" lvl="0" marL="0">
+            <a:pPr marL="0" lvl="0" indent="0">
               <a:spcBef>
                 <a:spcPts val="0"/>
               </a:spcBef>
@@ -13326,7 +14127,7 @@
               <a:buNone/>
             </a:pPr>
             <a:r>
-              <a:rPr b="1" lang="pt-BR"/>
+              <a:rPr lang="pt-BR" b="1"/>
               <a:t>Definição dos casos</a:t>
             </a:r>
             <a:r>
@@ -13336,7 +14137,7 @@
             <a:endParaRPr/>
           </a:p>
           <a:p>
-            <a:pPr indent="-342900" lvl="0" marL="457200" rtl="0">
+            <a:pPr marL="457200" lvl="0" indent="-342900" rtl="0">
               <a:spcBef>
                 <a:spcPts val="1600"/>
               </a:spcBef>
@@ -13353,7 +14154,7 @@
             <a:endParaRPr/>
           </a:p>
           <a:p>
-            <a:pPr indent="-342900" lvl="0" marL="457200" rtl="0">
+            <a:pPr marL="457200" lvl="0" indent="-342900" rtl="0">
               <a:spcBef>
                 <a:spcPts val="0"/>
               </a:spcBef>
@@ -13370,7 +14171,7 @@
             <a:endParaRPr/>
           </a:p>
           <a:p>
-            <a:pPr indent="-342900" lvl="0" marL="457200">
+            <a:pPr marL="457200" lvl="0" indent="-342900">
               <a:spcBef>
                 <a:spcPts val="0"/>
               </a:spcBef>
@@ -13412,12 +14213,10 @@
               <a:tr h="217600">
                 <a:tc>
                   <a:txBody>
-                    <a:bodyPr>
-                      <a:noAutofit/>
-                    </a:bodyPr>
+                    <a:bodyPr/>
                     <a:lstStyle/>
                     <a:p>
-                      <a:pPr indent="0" lvl="0" marL="0">
+                      <a:pPr marL="0" lvl="0" indent="0">
                         <a:spcBef>
                           <a:spcPts val="0"/>
                         </a:spcBef>
@@ -13441,16 +14240,14 @@
                       </a:endParaRPr>
                     </a:p>
                   </a:txBody>
-                  <a:tcPr marT="91425" marB="91425" marR="91425" marL="91425"/>
+                  <a:tcPr marL="91425" marR="91425" marT="91425" marB="91425"/>
                 </a:tc>
                 <a:tc>
                   <a:txBody>
-                    <a:bodyPr>
-                      <a:noAutofit/>
-                    </a:bodyPr>
+                    <a:bodyPr/>
                     <a:lstStyle/>
                     <a:p>
-                      <a:pPr indent="0" lvl="0" marL="0">
+                      <a:pPr marL="0" lvl="0" indent="0">
                         <a:spcBef>
                           <a:spcPts val="0"/>
                         </a:spcBef>
@@ -13474,18 +14271,16 @@
                       </a:endParaRPr>
                     </a:p>
                   </a:txBody>
-                  <a:tcPr marT="91425" marB="91425" marR="91425" marL="91425"/>
+                  <a:tcPr marL="91425" marR="91425" marT="91425" marB="91425"/>
                 </a:tc>
               </a:tr>
               <a:tr h="239075">
                 <a:tc>
                   <a:txBody>
-                    <a:bodyPr>
-                      <a:noAutofit/>
-                    </a:bodyPr>
+                    <a:bodyPr/>
                     <a:lstStyle/>
                     <a:p>
-                      <a:pPr indent="0" lvl="0" marL="0">
+                      <a:pPr marL="0" lvl="0" indent="0">
                         <a:spcBef>
                           <a:spcPts val="0"/>
                         </a:spcBef>
@@ -13509,16 +14304,14 @@
                       </a:endParaRPr>
                     </a:p>
                   </a:txBody>
-                  <a:tcPr marT="91425" marB="91425" marR="91425" marL="91425"/>
+                  <a:tcPr marL="91425" marR="91425" marT="91425" marB="91425"/>
                 </a:tc>
                 <a:tc>
                   <a:txBody>
-                    <a:bodyPr>
-                      <a:noAutofit/>
-                    </a:bodyPr>
+                    <a:bodyPr/>
                     <a:lstStyle/>
                     <a:p>
-                      <a:pPr indent="0" lvl="0" marL="0">
+                      <a:pPr marL="0" lvl="0" indent="0">
                         <a:spcBef>
                           <a:spcPts val="0"/>
                         </a:spcBef>
@@ -13542,18 +14335,16 @@
                       </a:endParaRPr>
                     </a:p>
                   </a:txBody>
-                  <a:tcPr marT="91425" marB="91425" marR="91425" marL="91425"/>
+                  <a:tcPr marL="91425" marR="91425" marT="91425" marB="91425"/>
                 </a:tc>
               </a:tr>
               <a:tr h="239075">
                 <a:tc>
                   <a:txBody>
-                    <a:bodyPr>
-                      <a:noAutofit/>
-                    </a:bodyPr>
+                    <a:bodyPr/>
                     <a:lstStyle/>
                     <a:p>
-                      <a:pPr indent="0" lvl="0" marL="0">
+                      <a:pPr marL="0" lvl="0" indent="0">
                         <a:spcBef>
                           <a:spcPts val="0"/>
                         </a:spcBef>
@@ -13577,16 +14368,14 @@
                       </a:endParaRPr>
                     </a:p>
                   </a:txBody>
-                  <a:tcPr marT="91425" marB="91425" marR="91425" marL="91425"/>
+                  <a:tcPr marL="91425" marR="91425" marT="91425" marB="91425"/>
                 </a:tc>
                 <a:tc>
                   <a:txBody>
-                    <a:bodyPr>
-                      <a:noAutofit/>
-                    </a:bodyPr>
+                    <a:bodyPr/>
                     <a:lstStyle/>
                     <a:p>
-                      <a:pPr indent="0" lvl="0" marL="0" rtl="0">
+                      <a:pPr marL="0" lvl="0" indent="0" rtl="0">
                         <a:spcBef>
                           <a:spcPts val="0"/>
                         </a:spcBef>
@@ -13610,18 +14399,16 @@
                       </a:endParaRPr>
                     </a:p>
                   </a:txBody>
-                  <a:tcPr marT="91425" marB="91425" marR="91425" marL="91425"/>
+                  <a:tcPr marL="91425" marR="91425" marT="91425" marB="91425"/>
                 </a:tc>
               </a:tr>
               <a:tr h="239075">
                 <a:tc>
                   <a:txBody>
-                    <a:bodyPr>
-                      <a:noAutofit/>
-                    </a:bodyPr>
+                    <a:bodyPr/>
                     <a:lstStyle/>
                     <a:p>
-                      <a:pPr indent="0" lvl="0" marL="0" rtl="0">
+                      <a:pPr marL="0" lvl="0" indent="0" rtl="0">
                         <a:spcBef>
                           <a:spcPts val="0"/>
                         </a:spcBef>
@@ -13645,16 +14432,14 @@
                       </a:endParaRPr>
                     </a:p>
                   </a:txBody>
-                  <a:tcPr marT="91425" marB="91425" marR="91425" marL="91425"/>
+                  <a:tcPr marL="91425" marR="91425" marT="91425" marB="91425"/>
                 </a:tc>
                 <a:tc>
                   <a:txBody>
-                    <a:bodyPr>
-                      <a:noAutofit/>
-                    </a:bodyPr>
+                    <a:bodyPr/>
                     <a:lstStyle/>
                     <a:p>
-                      <a:pPr indent="0" lvl="0" marL="0" rtl="0">
+                      <a:pPr marL="0" lvl="0" indent="0" rtl="0">
                         <a:spcBef>
                           <a:spcPts val="0"/>
                         </a:spcBef>
@@ -13678,7 +14463,7 @@
                       </a:endParaRPr>
                     </a:p>
                   </a:txBody>
-                  <a:tcPr marT="91425" marB="91425" marR="91425" marL="91425"/>
+                  <a:tcPr marL="91425" marR="91425" marT="91425" marB="91425"/>
                 </a:tc>
               </a:tr>
             </a:tbl>
@@ -13694,11 +14479,11 @@
 </file>
 
 <file path=ppt/slides/slide9.xml><?xml version="1.0" encoding="utf-8"?>
-<p:sld xmlns:a="http://schemas.openxmlformats.org/drawingml/2006/main" xmlns:r="http://schemas.openxmlformats.org/officeDocument/2006/relationships" xmlns:mc="http://schemas.openxmlformats.org/markup-compatibility/2006" xmlns:mv="urn:schemas-microsoft-com:mac:vml" xmlns:p="http://schemas.openxmlformats.org/presentationml/2006/main" xmlns:c="http://schemas.openxmlformats.org/drawingml/2006/chart" xmlns:dgm="http://schemas.openxmlformats.org/drawingml/2006/diagram" xmlns:o="urn:schemas-microsoft-com:office:office" xmlns:v="urn:schemas-microsoft-com:vml" xmlns:pvml="urn:schemas-microsoft-com:office:powerpoint" xmlns:com="http://schemas.openxmlformats.org/drawingml/2006/compatibility" xmlns:p14="http://schemas.microsoft.com/office/powerpoint/2010/main" xmlns:p15="http://schemas.microsoft.com/office/powerpoint/2012/main">
+<p:sld xmlns:a="http://schemas.openxmlformats.org/drawingml/2006/main" xmlns:r="http://schemas.openxmlformats.org/officeDocument/2006/relationships" xmlns:p="http://schemas.openxmlformats.org/presentationml/2006/main">
   <p:cSld>
     <p:spTree>
       <p:nvGrpSpPr>
-        <p:cNvPr id="111" name="Shape 111"/>
+        <p:cNvPr id="1" name="Shape 111"/>
         <p:cNvGrpSpPr/>
         <p:nvPr/>
       </p:nvGrpSpPr>
@@ -13713,7 +14498,9 @@
       <p:sp>
         <p:nvSpPr>
           <p:cNvPr id="112" name="Shape 112"/>
-          <p:cNvSpPr txBox="1"/>
+          <p:cNvSpPr txBox="1">
+            <a:spLocks noGrp="1"/>
+          </p:cNvSpPr>
           <p:nvPr>
             <p:ph type="title"/>
           </p:nvPr>
@@ -13728,12 +14515,12 @@
           </a:prstGeom>
         </p:spPr>
         <p:txBody>
-          <a:bodyPr anchorCtr="0" anchor="b" bIns="91425" lIns="91425" spcFirstLastPara="1" rIns="91425" wrap="square" tIns="91425">
+          <a:bodyPr spcFirstLastPara="1" wrap="square" lIns="91425" tIns="91425" rIns="91425" bIns="91425" anchor="b" anchorCtr="0">
             <a:noAutofit/>
           </a:bodyPr>
           <a:lstStyle/>
           <a:p>
-            <a:pPr indent="0" lvl="0" marL="0">
+            <a:pPr marL="0" lvl="0" indent="0">
               <a:spcBef>
                 <a:spcPts val="0"/>
               </a:spcBef>
@@ -13752,7 +14539,7 @@
       </p:sp>
       <p:pic>
         <p:nvPicPr>
-          <p:cNvPr descr="ze3e3.png" id="113" name="Shape 113"/>
+          <p:cNvPr id="113" name="Shape 113" descr="ze3e3.png"/>
           <p:cNvPicPr preferRelativeResize="0"/>
           <p:nvPr/>
         </p:nvPicPr>
@@ -13787,7 +14574,7 @@
 </file>
 
 <file path=ppt/theme/theme1.xml><?xml version="1.0" encoding="utf-8"?>
-<a:theme xmlns:a="http://schemas.openxmlformats.org/drawingml/2006/main" xmlns:r="http://schemas.openxmlformats.org/officeDocument/2006/relationships" name="Luxe">
+<a:theme xmlns:a="http://schemas.openxmlformats.org/drawingml/2006/main" name="Luxe">
   <a:themeElements>
     <a:clrScheme name="Luxe">
       <a:dk1>
@@ -14062,11 +14849,13 @@
       </a:bgFillStyleLst>
     </a:fmtScheme>
   </a:themeElements>
+  <a:objectDefaults/>
+  <a:extraClrSchemeLst/>
 </a:theme>
 </file>
 
 <file path=ppt/theme/theme2.xml><?xml version="1.0" encoding="utf-8"?>
-<a:theme xmlns:a="http://schemas.openxmlformats.org/drawingml/2006/main" xmlns:r="http://schemas.openxmlformats.org/officeDocument/2006/relationships">
+<a:theme xmlns:a="http://schemas.openxmlformats.org/drawingml/2006/main">
   <a:themeElements>
     <a:clrScheme name="Default">
       <a:dk1>
@@ -14341,5 +15130,7 @@
       </a:bgFillStyleLst>
     </a:fmtScheme>
   </a:themeElements>
+  <a:objectDefaults/>
+  <a:extraClrSchemeLst/>
 </a:theme>
 </file>